--- a/Presentation.pptx
+++ b/Presentation.pptx
@@ -9,24 +9,27 @@
     <p:sldId id="262" r:id="rId3"/>
     <p:sldId id="279" r:id="rId4"/>
     <p:sldId id="258" r:id="rId5"/>
-    <p:sldId id="259" r:id="rId6"/>
-    <p:sldId id="261" r:id="rId7"/>
-    <p:sldId id="266" r:id="rId8"/>
-    <p:sldId id="267" r:id="rId9"/>
-    <p:sldId id="268" r:id="rId10"/>
-    <p:sldId id="269" r:id="rId11"/>
-    <p:sldId id="270" r:id="rId12"/>
-    <p:sldId id="271" r:id="rId13"/>
-    <p:sldId id="272" r:id="rId14"/>
-    <p:sldId id="273" r:id="rId15"/>
-    <p:sldId id="274" r:id="rId16"/>
-    <p:sldId id="275" r:id="rId17"/>
-    <p:sldId id="276" r:id="rId18"/>
-    <p:sldId id="277" r:id="rId19"/>
-    <p:sldId id="260" r:id="rId20"/>
-    <p:sldId id="264" r:id="rId21"/>
-    <p:sldId id="278" r:id="rId22"/>
-    <p:sldId id="257" r:id="rId23"/>
+    <p:sldId id="280" r:id="rId6"/>
+    <p:sldId id="281" r:id="rId7"/>
+    <p:sldId id="282" r:id="rId8"/>
+    <p:sldId id="259" r:id="rId9"/>
+    <p:sldId id="261" r:id="rId10"/>
+    <p:sldId id="266" r:id="rId11"/>
+    <p:sldId id="267" r:id="rId12"/>
+    <p:sldId id="268" r:id="rId13"/>
+    <p:sldId id="269" r:id="rId14"/>
+    <p:sldId id="270" r:id="rId15"/>
+    <p:sldId id="271" r:id="rId16"/>
+    <p:sldId id="272" r:id="rId17"/>
+    <p:sldId id="273" r:id="rId18"/>
+    <p:sldId id="274" r:id="rId19"/>
+    <p:sldId id="275" r:id="rId20"/>
+    <p:sldId id="276" r:id="rId21"/>
+    <p:sldId id="277" r:id="rId22"/>
+    <p:sldId id="260" r:id="rId23"/>
+    <p:sldId id="264" r:id="rId24"/>
+    <p:sldId id="278" r:id="rId25"/>
+    <p:sldId id="257" r:id="rId26"/>
   </p:sldIdLst>
   <p:sldSz cx="12192000" cy="6858000"/>
   <p:notesSz cx="6858000" cy="9144000"/>
@@ -3197,7 +3200,7 @@
           <a:p>
             <a:fld id="{333ECB49-FEFD-5941-B1ED-93A94BAD6388}" type="datetimeFigureOut">
               <a:rPr kumimoji="1" lang="zh-TW" altLang="en-US" smtClean="0"/>
-              <a:t>2023/6/2</a:t>
+              <a:t>2023/6/4</a:t>
             </a:fld>
             <a:endParaRPr kumimoji="1" lang="zh-TW" altLang="en-US"/>
           </a:p>
@@ -3395,7 +3398,7 @@
           <a:p>
             <a:fld id="{333ECB49-FEFD-5941-B1ED-93A94BAD6388}" type="datetimeFigureOut">
               <a:rPr kumimoji="1" lang="zh-TW" altLang="en-US" smtClean="0"/>
-              <a:t>2023/6/2</a:t>
+              <a:t>2023/6/4</a:t>
             </a:fld>
             <a:endParaRPr kumimoji="1" lang="zh-TW" altLang="en-US"/>
           </a:p>
@@ -3603,7 +3606,7 @@
           <a:p>
             <a:fld id="{333ECB49-FEFD-5941-B1ED-93A94BAD6388}" type="datetimeFigureOut">
               <a:rPr kumimoji="1" lang="zh-TW" altLang="en-US" smtClean="0"/>
-              <a:t>2023/6/2</a:t>
+              <a:t>2023/6/4</a:t>
             </a:fld>
             <a:endParaRPr kumimoji="1" lang="zh-TW" altLang="en-US"/>
           </a:p>
@@ -3801,7 +3804,7 @@
           <a:p>
             <a:fld id="{333ECB49-FEFD-5941-B1ED-93A94BAD6388}" type="datetimeFigureOut">
               <a:rPr kumimoji="1" lang="zh-TW" altLang="en-US" smtClean="0"/>
-              <a:t>2023/6/2</a:t>
+              <a:t>2023/6/4</a:t>
             </a:fld>
             <a:endParaRPr kumimoji="1" lang="zh-TW" altLang="en-US"/>
           </a:p>
@@ -4076,7 +4079,7 @@
           <a:p>
             <a:fld id="{333ECB49-FEFD-5941-B1ED-93A94BAD6388}" type="datetimeFigureOut">
               <a:rPr kumimoji="1" lang="zh-TW" altLang="en-US" smtClean="0"/>
-              <a:t>2023/6/2</a:t>
+              <a:t>2023/6/4</a:t>
             </a:fld>
             <a:endParaRPr kumimoji="1" lang="zh-TW" altLang="en-US"/>
           </a:p>
@@ -4341,7 +4344,7 @@
           <a:p>
             <a:fld id="{333ECB49-FEFD-5941-B1ED-93A94BAD6388}" type="datetimeFigureOut">
               <a:rPr kumimoji="1" lang="zh-TW" altLang="en-US" smtClean="0"/>
-              <a:t>2023/6/2</a:t>
+              <a:t>2023/6/4</a:t>
             </a:fld>
             <a:endParaRPr kumimoji="1" lang="zh-TW" altLang="en-US"/>
           </a:p>
@@ -4753,7 +4756,7 @@
           <a:p>
             <a:fld id="{333ECB49-FEFD-5941-B1ED-93A94BAD6388}" type="datetimeFigureOut">
               <a:rPr kumimoji="1" lang="zh-TW" altLang="en-US" smtClean="0"/>
-              <a:t>2023/6/2</a:t>
+              <a:t>2023/6/4</a:t>
             </a:fld>
             <a:endParaRPr kumimoji="1" lang="zh-TW" altLang="en-US"/>
           </a:p>
@@ -4894,7 +4897,7 @@
           <a:p>
             <a:fld id="{333ECB49-FEFD-5941-B1ED-93A94BAD6388}" type="datetimeFigureOut">
               <a:rPr kumimoji="1" lang="zh-TW" altLang="en-US" smtClean="0"/>
-              <a:t>2023/6/2</a:t>
+              <a:t>2023/6/4</a:t>
             </a:fld>
             <a:endParaRPr kumimoji="1" lang="zh-TW" altLang="en-US"/>
           </a:p>
@@ -5007,7 +5010,7 @@
           <a:p>
             <a:fld id="{333ECB49-FEFD-5941-B1ED-93A94BAD6388}" type="datetimeFigureOut">
               <a:rPr kumimoji="1" lang="zh-TW" altLang="en-US" smtClean="0"/>
-              <a:t>2023/6/2</a:t>
+              <a:t>2023/6/4</a:t>
             </a:fld>
             <a:endParaRPr kumimoji="1" lang="zh-TW" altLang="en-US"/>
           </a:p>
@@ -5318,7 +5321,7 @@
           <a:p>
             <a:fld id="{333ECB49-FEFD-5941-B1ED-93A94BAD6388}" type="datetimeFigureOut">
               <a:rPr kumimoji="1" lang="zh-TW" altLang="en-US" smtClean="0"/>
-              <a:t>2023/6/2</a:t>
+              <a:t>2023/6/4</a:t>
             </a:fld>
             <a:endParaRPr kumimoji="1" lang="zh-TW" altLang="en-US"/>
           </a:p>
@@ -5606,7 +5609,7 @@
           <a:p>
             <a:fld id="{333ECB49-FEFD-5941-B1ED-93A94BAD6388}" type="datetimeFigureOut">
               <a:rPr kumimoji="1" lang="zh-TW" altLang="en-US" smtClean="0"/>
-              <a:t>2023/6/2</a:t>
+              <a:t>2023/6/4</a:t>
             </a:fld>
             <a:endParaRPr kumimoji="1" lang="zh-TW" altLang="en-US"/>
           </a:p>
@@ -5847,7 +5850,7 @@
           <a:p>
             <a:fld id="{333ECB49-FEFD-5941-B1ED-93A94BAD6388}" type="datetimeFigureOut">
               <a:rPr kumimoji="1" lang="zh-TW" altLang="en-US" smtClean="0"/>
-              <a:t>2023/6/2</a:t>
+              <a:t>2023/6/4</a:t>
             </a:fld>
             <a:endParaRPr kumimoji="1" lang="zh-TW" altLang="en-US"/>
           </a:p>
@@ -6393,6 +6396,3648 @@
           <p:cNvGraphicFramePr>
             <a:graphicFrameLocks noGrp="1"/>
           </p:cNvGraphicFramePr>
+          <p:nvPr/>
+        </p:nvGraphicFramePr>
+        <p:xfrm>
+          <a:off x="637152" y="1690688"/>
+          <a:ext cx="4451070" cy="4431145"/>
+        </p:xfrm>
+        <a:graphic>
+          <a:graphicData uri="http://schemas.openxmlformats.org/drawingml/2006/table">
+            <a:tbl>
+              <a:tblPr bandRow="1">
+                <a:tableStyleId>{F5AB1C69-6EDB-4FF4-983F-18BD219EF322}</a:tableStyleId>
+              </a:tblPr>
+              <a:tblGrid>
+                <a:gridCol w="890214">
+                  <a:extLst>
+                    <a:ext uri="{9D8B030D-6E8A-4147-A177-3AD203B41FA5}">
+                      <a16:colId xmlns:a16="http://schemas.microsoft.com/office/drawing/2014/main" val="3457372882"/>
+                    </a:ext>
+                  </a:extLst>
+                </a:gridCol>
+                <a:gridCol w="890214">
+                  <a:extLst>
+                    <a:ext uri="{9D8B030D-6E8A-4147-A177-3AD203B41FA5}">
+                      <a16:colId xmlns:a16="http://schemas.microsoft.com/office/drawing/2014/main" val="4012716525"/>
+                    </a:ext>
+                  </a:extLst>
+                </a:gridCol>
+                <a:gridCol w="890214">
+                  <a:extLst>
+                    <a:ext uri="{9D8B030D-6E8A-4147-A177-3AD203B41FA5}">
+                      <a16:colId xmlns:a16="http://schemas.microsoft.com/office/drawing/2014/main" val="3635152842"/>
+                    </a:ext>
+                  </a:extLst>
+                </a:gridCol>
+                <a:gridCol w="890214">
+                  <a:extLst>
+                    <a:ext uri="{9D8B030D-6E8A-4147-A177-3AD203B41FA5}">
+                      <a16:colId xmlns:a16="http://schemas.microsoft.com/office/drawing/2014/main" val="1376262311"/>
+                    </a:ext>
+                  </a:extLst>
+                </a:gridCol>
+                <a:gridCol w="890214">
+                  <a:extLst>
+                    <a:ext uri="{9D8B030D-6E8A-4147-A177-3AD203B41FA5}">
+                      <a16:colId xmlns:a16="http://schemas.microsoft.com/office/drawing/2014/main" val="1171847317"/>
+                    </a:ext>
+                  </a:extLst>
+                </a:gridCol>
+              </a:tblGrid>
+              <a:tr h="886229">
+                <a:tc>
+                  <a:txBody>
+                    <a:bodyPr/>
+                    <a:lstStyle/>
+                    <a:p>
+                      <a:pPr algn="ctr"/>
+                      <a:r>
+                        <a:rPr lang="en-US" altLang="zh-TW" sz="3000" dirty="0">
+                          <a:latin typeface="Hiragino Sans CNS W3" panose="020B0300000000000000" pitchFamily="34" charset="-128"/>
+                          <a:ea typeface="Hiragino Sans CNS W3" panose="020B0300000000000000" pitchFamily="34" charset="-128"/>
+                        </a:rPr>
+                        <a:t>1</a:t>
+                      </a:r>
+                      <a:endParaRPr lang="zh-TW" altLang="en-US" sz="3000" dirty="0">
+                        <a:latin typeface="Hiragino Sans CNS W3" panose="020B0300000000000000" pitchFamily="34" charset="-128"/>
+                        <a:ea typeface="Hiragino Sans CNS W3" panose="020B0300000000000000" pitchFamily="34" charset="-128"/>
+                      </a:endParaRPr>
+                    </a:p>
+                  </a:txBody>
+                  <a:tcPr marL="99361" marR="99361" marT="49681" marB="49681" anchor="ctr"/>
+                </a:tc>
+                <a:tc>
+                  <a:txBody>
+                    <a:bodyPr/>
+                    <a:lstStyle/>
+                    <a:p>
+                      <a:pPr algn="ctr"/>
+                      <a:r>
+                        <a:rPr lang="en-US" altLang="zh-TW" sz="3000" dirty="0">
+                          <a:latin typeface="Hiragino Sans CNS W3" panose="020B0300000000000000" pitchFamily="34" charset="-128"/>
+                          <a:ea typeface="Hiragino Sans CNS W3" panose="020B0300000000000000" pitchFamily="34" charset="-128"/>
+                        </a:rPr>
+                        <a:t>2</a:t>
+                      </a:r>
+                      <a:endParaRPr lang="zh-TW" altLang="en-US" sz="3000" dirty="0">
+                        <a:latin typeface="Hiragino Sans CNS W3" panose="020B0300000000000000" pitchFamily="34" charset="-128"/>
+                        <a:ea typeface="Hiragino Sans CNS W3" panose="020B0300000000000000" pitchFamily="34" charset="-128"/>
+                      </a:endParaRPr>
+                    </a:p>
+                  </a:txBody>
+                  <a:tcPr marL="99361" marR="99361" marT="49681" marB="49681" anchor="ctr"/>
+                </a:tc>
+                <a:tc>
+                  <a:txBody>
+                    <a:bodyPr/>
+                    <a:lstStyle/>
+                    <a:p>
+                      <a:pPr algn="ctr"/>
+                      <a:r>
+                        <a:rPr lang="en-US" altLang="zh-TW" sz="3000" dirty="0">
+                          <a:latin typeface="Hiragino Sans CNS W3" panose="020B0300000000000000" pitchFamily="34" charset="-128"/>
+                          <a:ea typeface="Hiragino Sans CNS W3" panose="020B0300000000000000" pitchFamily="34" charset="-128"/>
+                        </a:rPr>
+                        <a:t>5</a:t>
+                      </a:r>
+                      <a:endParaRPr lang="zh-TW" altLang="en-US" sz="3000" dirty="0">
+                        <a:latin typeface="Hiragino Sans CNS W3" panose="020B0300000000000000" pitchFamily="34" charset="-128"/>
+                        <a:ea typeface="Hiragino Sans CNS W3" panose="020B0300000000000000" pitchFamily="34" charset="-128"/>
+                      </a:endParaRPr>
+                    </a:p>
+                  </a:txBody>
+                  <a:tcPr marL="99361" marR="99361" marT="49681" marB="49681" anchor="ctr"/>
+                </a:tc>
+                <a:tc>
+                  <a:txBody>
+                    <a:bodyPr/>
+                    <a:lstStyle/>
+                    <a:p>
+                      <a:pPr algn="ctr"/>
+                      <a:r>
+                        <a:rPr lang="en-US" altLang="zh-TW" sz="3000" dirty="0">
+                          <a:latin typeface="Hiragino Sans CNS W3" panose="020B0300000000000000" pitchFamily="34" charset="-128"/>
+                          <a:ea typeface="Hiragino Sans CNS W3" panose="020B0300000000000000" pitchFamily="34" charset="-128"/>
+                        </a:rPr>
+                        <a:t>3</a:t>
+                      </a:r>
+                      <a:endParaRPr lang="zh-TW" altLang="en-US" sz="3000" dirty="0">
+                        <a:latin typeface="Hiragino Sans CNS W3" panose="020B0300000000000000" pitchFamily="34" charset="-128"/>
+                        <a:ea typeface="Hiragino Sans CNS W3" panose="020B0300000000000000" pitchFamily="34" charset="-128"/>
+                      </a:endParaRPr>
+                    </a:p>
+                  </a:txBody>
+                  <a:tcPr marL="99361" marR="99361" marT="49681" marB="49681" anchor="ctr"/>
+                </a:tc>
+                <a:tc>
+                  <a:txBody>
+                    <a:bodyPr/>
+                    <a:lstStyle/>
+                    <a:p>
+                      <a:pPr algn="ctr"/>
+                      <a:r>
+                        <a:rPr lang="en-US" altLang="zh-TW" sz="3000" dirty="0">
+                          <a:latin typeface="Hiragino Sans CNS W3" panose="020B0300000000000000" pitchFamily="34" charset="-128"/>
+                          <a:ea typeface="Hiragino Sans CNS W3" panose="020B0300000000000000" pitchFamily="34" charset="-128"/>
+                        </a:rPr>
+                        <a:t>4</a:t>
+                      </a:r>
+                      <a:endParaRPr lang="zh-TW" altLang="en-US" sz="3000" dirty="0">
+                        <a:latin typeface="Hiragino Sans CNS W3" panose="020B0300000000000000" pitchFamily="34" charset="-128"/>
+                        <a:ea typeface="Hiragino Sans CNS W3" panose="020B0300000000000000" pitchFamily="34" charset="-128"/>
+                      </a:endParaRPr>
+                    </a:p>
+                  </a:txBody>
+                  <a:tcPr marL="99361" marR="99361" marT="49681" marB="49681" anchor="ctr"/>
+                </a:tc>
+                <a:extLst>
+                  <a:ext uri="{0D108BD9-81ED-4DB2-BD59-A6C34878D82A}">
+                    <a16:rowId xmlns:a16="http://schemas.microsoft.com/office/drawing/2014/main" val="3063813678"/>
+                  </a:ext>
+                </a:extLst>
+              </a:tr>
+              <a:tr h="886229">
+                <a:tc>
+                  <a:txBody>
+                    <a:bodyPr/>
+                    <a:lstStyle/>
+                    <a:p>
+                      <a:pPr algn="ctr"/>
+                      <a:r>
+                        <a:rPr lang="en-US" altLang="zh-TW" sz="3000" dirty="0">
+                          <a:latin typeface="Hiragino Sans CNS W3" panose="020B0300000000000000" pitchFamily="34" charset="-128"/>
+                          <a:ea typeface="Hiragino Sans CNS W3" panose="020B0300000000000000" pitchFamily="34" charset="-128"/>
+                        </a:rPr>
+                        <a:t>4</a:t>
+                      </a:r>
+                      <a:endParaRPr lang="zh-TW" altLang="en-US" sz="3000" dirty="0">
+                        <a:latin typeface="Hiragino Sans CNS W3" panose="020B0300000000000000" pitchFamily="34" charset="-128"/>
+                        <a:ea typeface="Hiragino Sans CNS W3" panose="020B0300000000000000" pitchFamily="34" charset="-128"/>
+                      </a:endParaRPr>
+                    </a:p>
+                  </a:txBody>
+                  <a:tcPr marL="99361" marR="99361" marT="49681" marB="49681" anchor="ctr"/>
+                </a:tc>
+                <a:tc>
+                  <a:txBody>
+                    <a:bodyPr/>
+                    <a:lstStyle/>
+                    <a:p>
+                      <a:pPr algn="ctr"/>
+                      <a:r>
+                        <a:rPr lang="en-US" altLang="zh-TW" sz="3000" dirty="0">
+                          <a:latin typeface="Hiragino Sans CNS W3" panose="020B0300000000000000" pitchFamily="34" charset="-128"/>
+                          <a:ea typeface="Hiragino Sans CNS W3" panose="020B0300000000000000" pitchFamily="34" charset="-128"/>
+                        </a:rPr>
+                        <a:t>4</a:t>
+                      </a:r>
+                      <a:endParaRPr lang="zh-TW" altLang="en-US" sz="3000" dirty="0">
+                        <a:latin typeface="Hiragino Sans CNS W3" panose="020B0300000000000000" pitchFamily="34" charset="-128"/>
+                        <a:ea typeface="Hiragino Sans CNS W3" panose="020B0300000000000000" pitchFamily="34" charset="-128"/>
+                      </a:endParaRPr>
+                    </a:p>
+                  </a:txBody>
+                  <a:tcPr marL="99361" marR="99361" marT="49681" marB="49681" anchor="ctr">
+                    <a:solidFill>
+                      <a:schemeClr val="accent2"/>
+                    </a:solidFill>
+                  </a:tcPr>
+                </a:tc>
+                <a:tc>
+                  <a:txBody>
+                    <a:bodyPr/>
+                    <a:lstStyle/>
+                    <a:p>
+                      <a:pPr algn="ctr"/>
+                      <a:r>
+                        <a:rPr lang="en-US" altLang="zh-TW" sz="3000" dirty="0">
+                          <a:latin typeface="Hiragino Sans CNS W3" panose="020B0300000000000000" pitchFamily="34" charset="-128"/>
+                          <a:ea typeface="Hiragino Sans CNS W3" panose="020B0300000000000000" pitchFamily="34" charset="-128"/>
+                        </a:rPr>
+                        <a:t>5</a:t>
+                      </a:r>
+                      <a:endParaRPr lang="zh-TW" altLang="en-US" sz="3000" dirty="0">
+                        <a:latin typeface="Hiragino Sans CNS W3" panose="020B0300000000000000" pitchFamily="34" charset="-128"/>
+                        <a:ea typeface="Hiragino Sans CNS W3" panose="020B0300000000000000" pitchFamily="34" charset="-128"/>
+                      </a:endParaRPr>
+                    </a:p>
+                  </a:txBody>
+                  <a:tcPr marL="99361" marR="99361" marT="49681" marB="49681" anchor="ctr"/>
+                </a:tc>
+                <a:tc>
+                  <a:txBody>
+                    <a:bodyPr/>
+                    <a:lstStyle/>
+                    <a:p>
+                      <a:pPr algn="ctr"/>
+                      <a:r>
+                        <a:rPr lang="en-US" altLang="zh-TW" sz="3000" dirty="0">
+                          <a:latin typeface="Hiragino Sans CNS W3" panose="020B0300000000000000" pitchFamily="34" charset="-128"/>
+                          <a:ea typeface="Hiragino Sans CNS W3" panose="020B0300000000000000" pitchFamily="34" charset="-128"/>
+                        </a:rPr>
+                        <a:t>2</a:t>
+                      </a:r>
+                      <a:endParaRPr lang="zh-TW" altLang="en-US" sz="3000" dirty="0">
+                        <a:latin typeface="Hiragino Sans CNS W3" panose="020B0300000000000000" pitchFamily="34" charset="-128"/>
+                        <a:ea typeface="Hiragino Sans CNS W3" panose="020B0300000000000000" pitchFamily="34" charset="-128"/>
+                      </a:endParaRPr>
+                    </a:p>
+                  </a:txBody>
+                  <a:tcPr marL="99361" marR="99361" marT="49681" marB="49681" anchor="ctr"/>
+                </a:tc>
+                <a:tc>
+                  <a:txBody>
+                    <a:bodyPr/>
+                    <a:lstStyle/>
+                    <a:p>
+                      <a:pPr algn="ctr"/>
+                      <a:r>
+                        <a:rPr lang="en-US" altLang="zh-TW" sz="3000" dirty="0">
+                          <a:latin typeface="Hiragino Sans CNS W3" panose="020B0300000000000000" pitchFamily="34" charset="-128"/>
+                          <a:ea typeface="Hiragino Sans CNS W3" panose="020B0300000000000000" pitchFamily="34" charset="-128"/>
+                        </a:rPr>
+                        <a:t>1</a:t>
+                      </a:r>
+                      <a:endParaRPr lang="zh-TW" altLang="en-US" sz="3000" dirty="0">
+                        <a:latin typeface="Hiragino Sans CNS W3" panose="020B0300000000000000" pitchFamily="34" charset="-128"/>
+                        <a:ea typeface="Hiragino Sans CNS W3" panose="020B0300000000000000" pitchFamily="34" charset="-128"/>
+                      </a:endParaRPr>
+                    </a:p>
+                  </a:txBody>
+                  <a:tcPr marL="99361" marR="99361" marT="49681" marB="49681" anchor="ctr"/>
+                </a:tc>
+                <a:extLst>
+                  <a:ext uri="{0D108BD9-81ED-4DB2-BD59-A6C34878D82A}">
+                    <a16:rowId xmlns:a16="http://schemas.microsoft.com/office/drawing/2014/main" val="729469909"/>
+                  </a:ext>
+                </a:extLst>
+              </a:tr>
+              <a:tr h="886229">
+                <a:tc>
+                  <a:txBody>
+                    <a:bodyPr/>
+                    <a:lstStyle/>
+                    <a:p>
+                      <a:pPr algn="ctr"/>
+                      <a:r>
+                        <a:rPr lang="en-US" altLang="zh-TW" sz="3000" dirty="0">
+                          <a:latin typeface="Hiragino Sans CNS W3" panose="020B0300000000000000" pitchFamily="34" charset="-128"/>
+                          <a:ea typeface="Hiragino Sans CNS W3" panose="020B0300000000000000" pitchFamily="34" charset="-128"/>
+                        </a:rPr>
+                        <a:t>4</a:t>
+                      </a:r>
+                      <a:endParaRPr lang="zh-TW" altLang="en-US" sz="3000" dirty="0">
+                        <a:latin typeface="Hiragino Sans CNS W3" panose="020B0300000000000000" pitchFamily="34" charset="-128"/>
+                        <a:ea typeface="Hiragino Sans CNS W3" panose="020B0300000000000000" pitchFamily="34" charset="-128"/>
+                      </a:endParaRPr>
+                    </a:p>
+                  </a:txBody>
+                  <a:tcPr marL="99361" marR="99361" marT="49681" marB="49681" anchor="ctr"/>
+                </a:tc>
+                <a:tc>
+                  <a:txBody>
+                    <a:bodyPr/>
+                    <a:lstStyle/>
+                    <a:p>
+                      <a:pPr algn="ctr"/>
+                      <a:r>
+                        <a:rPr lang="en-US" altLang="zh-TW" sz="3000" dirty="0">
+                          <a:latin typeface="Hiragino Sans CNS W3" panose="020B0300000000000000" pitchFamily="34" charset="-128"/>
+                          <a:ea typeface="Hiragino Sans CNS W3" panose="020B0300000000000000" pitchFamily="34" charset="-128"/>
+                        </a:rPr>
+                        <a:t>3</a:t>
+                      </a:r>
+                      <a:endParaRPr lang="zh-TW" altLang="en-US" sz="3000" dirty="0">
+                        <a:latin typeface="Hiragino Sans CNS W3" panose="020B0300000000000000" pitchFamily="34" charset="-128"/>
+                        <a:ea typeface="Hiragino Sans CNS W3" panose="020B0300000000000000" pitchFamily="34" charset="-128"/>
+                      </a:endParaRPr>
+                    </a:p>
+                  </a:txBody>
+                  <a:tcPr marL="99361" marR="99361" marT="49681" marB="49681" anchor="ctr"/>
+                </a:tc>
+                <a:tc>
+                  <a:txBody>
+                    <a:bodyPr/>
+                    <a:lstStyle/>
+                    <a:p>
+                      <a:pPr algn="ctr"/>
+                      <a:r>
+                        <a:rPr lang="en-US" altLang="zh-TW" sz="3000" dirty="0">
+                          <a:latin typeface="Hiragino Sans CNS W3" panose="020B0300000000000000" pitchFamily="34" charset="-128"/>
+                          <a:ea typeface="Hiragino Sans CNS W3" panose="020B0300000000000000" pitchFamily="34" charset="-128"/>
+                        </a:rPr>
+                        <a:t>2</a:t>
+                      </a:r>
+                      <a:endParaRPr lang="zh-TW" altLang="en-US" sz="3000" dirty="0">
+                        <a:latin typeface="Hiragino Sans CNS W3" panose="020B0300000000000000" pitchFamily="34" charset="-128"/>
+                        <a:ea typeface="Hiragino Sans CNS W3" panose="020B0300000000000000" pitchFamily="34" charset="-128"/>
+                      </a:endParaRPr>
+                    </a:p>
+                  </a:txBody>
+                  <a:tcPr marL="99361" marR="99361" marT="49681" marB="49681" anchor="ctr"/>
+                </a:tc>
+                <a:tc>
+                  <a:txBody>
+                    <a:bodyPr/>
+                    <a:lstStyle/>
+                    <a:p>
+                      <a:pPr algn="ctr"/>
+                      <a:r>
+                        <a:rPr lang="en-US" altLang="zh-TW" sz="3000" dirty="0">
+                          <a:latin typeface="Hiragino Sans CNS W3" panose="020B0300000000000000" pitchFamily="34" charset="-128"/>
+                          <a:ea typeface="Hiragino Sans CNS W3" panose="020B0300000000000000" pitchFamily="34" charset="-128"/>
+                        </a:rPr>
+                        <a:t>5</a:t>
+                      </a:r>
+                      <a:endParaRPr lang="zh-TW" altLang="en-US" sz="3000" dirty="0">
+                        <a:latin typeface="Hiragino Sans CNS W3" panose="020B0300000000000000" pitchFamily="34" charset="-128"/>
+                        <a:ea typeface="Hiragino Sans CNS W3" panose="020B0300000000000000" pitchFamily="34" charset="-128"/>
+                      </a:endParaRPr>
+                    </a:p>
+                  </a:txBody>
+                  <a:tcPr marL="99361" marR="99361" marT="49681" marB="49681" anchor="ctr"/>
+                </a:tc>
+                <a:tc>
+                  <a:txBody>
+                    <a:bodyPr/>
+                    <a:lstStyle/>
+                    <a:p>
+                      <a:pPr algn="ctr"/>
+                      <a:r>
+                        <a:rPr lang="en-US" altLang="zh-TW" sz="3000" dirty="0">
+                          <a:latin typeface="Hiragino Sans CNS W3" panose="020B0300000000000000" pitchFamily="34" charset="-128"/>
+                          <a:ea typeface="Hiragino Sans CNS W3" panose="020B0300000000000000" pitchFamily="34" charset="-128"/>
+                        </a:rPr>
+                        <a:t>4</a:t>
+                      </a:r>
+                      <a:endParaRPr lang="zh-TW" altLang="en-US" sz="3000" dirty="0">
+                        <a:latin typeface="Hiragino Sans CNS W3" panose="020B0300000000000000" pitchFamily="34" charset="-128"/>
+                        <a:ea typeface="Hiragino Sans CNS W3" panose="020B0300000000000000" pitchFamily="34" charset="-128"/>
+                      </a:endParaRPr>
+                    </a:p>
+                  </a:txBody>
+                  <a:tcPr marL="99361" marR="99361" marT="49681" marB="49681" anchor="ctr"/>
+                </a:tc>
+                <a:extLst>
+                  <a:ext uri="{0D108BD9-81ED-4DB2-BD59-A6C34878D82A}">
+                    <a16:rowId xmlns:a16="http://schemas.microsoft.com/office/drawing/2014/main" val="1632199547"/>
+                  </a:ext>
+                </a:extLst>
+              </a:tr>
+              <a:tr h="886229">
+                <a:tc>
+                  <a:txBody>
+                    <a:bodyPr/>
+                    <a:lstStyle/>
+                    <a:p>
+                      <a:pPr algn="ctr"/>
+                      <a:r>
+                        <a:rPr lang="en-US" altLang="zh-TW" sz="3000" dirty="0">
+                          <a:latin typeface="Hiragino Sans CNS W3" panose="020B0300000000000000" pitchFamily="34" charset="-128"/>
+                          <a:ea typeface="Hiragino Sans CNS W3" panose="020B0300000000000000" pitchFamily="34" charset="-128"/>
+                        </a:rPr>
+                        <a:t>1</a:t>
+                      </a:r>
+                      <a:endParaRPr lang="zh-TW" altLang="en-US" sz="3000" dirty="0">
+                        <a:latin typeface="Hiragino Sans CNS W3" panose="020B0300000000000000" pitchFamily="34" charset="-128"/>
+                        <a:ea typeface="Hiragino Sans CNS W3" panose="020B0300000000000000" pitchFamily="34" charset="-128"/>
+                      </a:endParaRPr>
+                    </a:p>
+                  </a:txBody>
+                  <a:tcPr marL="99361" marR="99361" marT="49681" marB="49681" anchor="ctr"/>
+                </a:tc>
+                <a:tc>
+                  <a:txBody>
+                    <a:bodyPr/>
+                    <a:lstStyle/>
+                    <a:p>
+                      <a:pPr algn="ctr"/>
+                      <a:r>
+                        <a:rPr lang="en-US" altLang="zh-TW" sz="3000" dirty="0">
+                          <a:latin typeface="Hiragino Sans CNS W3" panose="020B0300000000000000" pitchFamily="34" charset="-128"/>
+                          <a:ea typeface="Hiragino Sans CNS W3" panose="020B0300000000000000" pitchFamily="34" charset="-128"/>
+                        </a:rPr>
+                        <a:t>2</a:t>
+                      </a:r>
+                      <a:endParaRPr lang="zh-TW" altLang="en-US" sz="3000" dirty="0">
+                        <a:latin typeface="Hiragino Sans CNS W3" panose="020B0300000000000000" pitchFamily="34" charset="-128"/>
+                        <a:ea typeface="Hiragino Sans CNS W3" panose="020B0300000000000000" pitchFamily="34" charset="-128"/>
+                      </a:endParaRPr>
+                    </a:p>
+                  </a:txBody>
+                  <a:tcPr marL="99361" marR="99361" marT="49681" marB="49681" anchor="ctr"/>
+                </a:tc>
+                <a:tc>
+                  <a:txBody>
+                    <a:bodyPr/>
+                    <a:lstStyle/>
+                    <a:p>
+                      <a:pPr algn="ctr"/>
+                      <a:r>
+                        <a:rPr lang="en-US" altLang="zh-TW" sz="3000" dirty="0">
+                          <a:latin typeface="Hiragino Sans CNS W3" panose="020B0300000000000000" pitchFamily="34" charset="-128"/>
+                          <a:ea typeface="Hiragino Sans CNS W3" panose="020B0300000000000000" pitchFamily="34" charset="-128"/>
+                        </a:rPr>
+                        <a:t>1</a:t>
+                      </a:r>
+                      <a:endParaRPr lang="zh-TW" altLang="en-US" sz="3000" dirty="0">
+                        <a:latin typeface="Hiragino Sans CNS W3" panose="020B0300000000000000" pitchFamily="34" charset="-128"/>
+                        <a:ea typeface="Hiragino Sans CNS W3" panose="020B0300000000000000" pitchFamily="34" charset="-128"/>
+                      </a:endParaRPr>
+                    </a:p>
+                  </a:txBody>
+                  <a:tcPr marL="99361" marR="99361" marT="49681" marB="49681" anchor="ctr"/>
+                </a:tc>
+                <a:tc>
+                  <a:txBody>
+                    <a:bodyPr/>
+                    <a:lstStyle/>
+                    <a:p>
+                      <a:pPr algn="ctr"/>
+                      <a:r>
+                        <a:rPr lang="en-US" altLang="zh-TW" sz="3000" dirty="0">
+                          <a:latin typeface="Hiragino Sans CNS W3" panose="020B0300000000000000" pitchFamily="34" charset="-128"/>
+                          <a:ea typeface="Hiragino Sans CNS W3" panose="020B0300000000000000" pitchFamily="34" charset="-128"/>
+                        </a:rPr>
+                        <a:t>3</a:t>
+                      </a:r>
+                      <a:endParaRPr lang="zh-TW" altLang="en-US" sz="3000" dirty="0">
+                        <a:latin typeface="Hiragino Sans CNS W3" panose="020B0300000000000000" pitchFamily="34" charset="-128"/>
+                        <a:ea typeface="Hiragino Sans CNS W3" panose="020B0300000000000000" pitchFamily="34" charset="-128"/>
+                      </a:endParaRPr>
+                    </a:p>
+                  </a:txBody>
+                  <a:tcPr marL="99361" marR="99361" marT="49681" marB="49681" anchor="ctr"/>
+                </a:tc>
+                <a:tc>
+                  <a:txBody>
+                    <a:bodyPr/>
+                    <a:lstStyle/>
+                    <a:p>
+                      <a:pPr algn="ctr"/>
+                      <a:r>
+                        <a:rPr lang="en-US" altLang="zh-TW" sz="3000" dirty="0">
+                          <a:latin typeface="Hiragino Sans CNS W3" panose="020B0300000000000000" pitchFamily="34" charset="-128"/>
+                          <a:ea typeface="Hiragino Sans CNS W3" panose="020B0300000000000000" pitchFamily="34" charset="-128"/>
+                        </a:rPr>
+                        <a:t>3</a:t>
+                      </a:r>
+                      <a:endParaRPr lang="zh-TW" altLang="en-US" sz="3000" dirty="0">
+                        <a:latin typeface="Hiragino Sans CNS W3" panose="020B0300000000000000" pitchFamily="34" charset="-128"/>
+                        <a:ea typeface="Hiragino Sans CNS W3" panose="020B0300000000000000" pitchFamily="34" charset="-128"/>
+                      </a:endParaRPr>
+                    </a:p>
+                  </a:txBody>
+                  <a:tcPr marL="99361" marR="99361" marT="49681" marB="49681" anchor="ctr"/>
+                </a:tc>
+                <a:extLst>
+                  <a:ext uri="{0D108BD9-81ED-4DB2-BD59-A6C34878D82A}">
+                    <a16:rowId xmlns:a16="http://schemas.microsoft.com/office/drawing/2014/main" val="1783147424"/>
+                  </a:ext>
+                </a:extLst>
+              </a:tr>
+              <a:tr h="886229">
+                <a:tc>
+                  <a:txBody>
+                    <a:bodyPr/>
+                    <a:lstStyle/>
+                    <a:p>
+                      <a:pPr algn="ctr"/>
+                      <a:r>
+                        <a:rPr lang="en-US" altLang="zh-TW" sz="3000" dirty="0">
+                          <a:latin typeface="Hiragino Sans CNS W3" panose="020B0300000000000000" pitchFamily="34" charset="-128"/>
+                          <a:ea typeface="Hiragino Sans CNS W3" panose="020B0300000000000000" pitchFamily="34" charset="-128"/>
+                        </a:rPr>
+                        <a:t>4</a:t>
+                      </a:r>
+                      <a:endParaRPr lang="zh-TW" altLang="en-US" sz="3000" dirty="0">
+                        <a:latin typeface="Hiragino Sans CNS W3" panose="020B0300000000000000" pitchFamily="34" charset="-128"/>
+                        <a:ea typeface="Hiragino Sans CNS W3" panose="020B0300000000000000" pitchFamily="34" charset="-128"/>
+                      </a:endParaRPr>
+                    </a:p>
+                  </a:txBody>
+                  <a:tcPr marL="99361" marR="99361" marT="49681" marB="49681" anchor="ctr"/>
+                </a:tc>
+                <a:tc>
+                  <a:txBody>
+                    <a:bodyPr/>
+                    <a:lstStyle/>
+                    <a:p>
+                      <a:pPr algn="ctr"/>
+                      <a:r>
+                        <a:rPr lang="en-US" altLang="zh-TW" sz="3000" dirty="0">
+                          <a:latin typeface="Hiragino Sans CNS W3" panose="020B0300000000000000" pitchFamily="34" charset="-128"/>
+                          <a:ea typeface="Hiragino Sans CNS W3" panose="020B0300000000000000" pitchFamily="34" charset="-128"/>
+                        </a:rPr>
+                        <a:t>4</a:t>
+                      </a:r>
+                      <a:endParaRPr lang="zh-TW" altLang="en-US" sz="3000" dirty="0">
+                        <a:latin typeface="Hiragino Sans CNS W3" panose="020B0300000000000000" pitchFamily="34" charset="-128"/>
+                        <a:ea typeface="Hiragino Sans CNS W3" panose="020B0300000000000000" pitchFamily="34" charset="-128"/>
+                      </a:endParaRPr>
+                    </a:p>
+                  </a:txBody>
+                  <a:tcPr marL="99361" marR="99361" marT="49681" marB="49681" anchor="ctr"/>
+                </a:tc>
+                <a:tc>
+                  <a:txBody>
+                    <a:bodyPr/>
+                    <a:lstStyle/>
+                    <a:p>
+                      <a:pPr algn="ctr"/>
+                      <a:r>
+                        <a:rPr lang="en-US" altLang="zh-TW" sz="3000" dirty="0">
+                          <a:latin typeface="Hiragino Sans CNS W3" panose="020B0300000000000000" pitchFamily="34" charset="-128"/>
+                          <a:ea typeface="Hiragino Sans CNS W3" panose="020B0300000000000000" pitchFamily="34" charset="-128"/>
+                        </a:rPr>
+                        <a:t>5</a:t>
+                      </a:r>
+                      <a:endParaRPr lang="zh-TW" altLang="en-US" sz="3000" dirty="0">
+                        <a:latin typeface="Hiragino Sans CNS W3" panose="020B0300000000000000" pitchFamily="34" charset="-128"/>
+                        <a:ea typeface="Hiragino Sans CNS W3" panose="020B0300000000000000" pitchFamily="34" charset="-128"/>
+                      </a:endParaRPr>
+                    </a:p>
+                  </a:txBody>
+                  <a:tcPr marL="99361" marR="99361" marT="49681" marB="49681" anchor="ctr"/>
+                </a:tc>
+                <a:tc>
+                  <a:txBody>
+                    <a:bodyPr/>
+                    <a:lstStyle/>
+                    <a:p>
+                      <a:pPr algn="ctr"/>
+                      <a:r>
+                        <a:rPr lang="en-US" altLang="zh-TW" sz="3000" dirty="0">
+                          <a:latin typeface="Hiragino Sans CNS W3" panose="020B0300000000000000" pitchFamily="34" charset="-128"/>
+                          <a:ea typeface="Hiragino Sans CNS W3" panose="020B0300000000000000" pitchFamily="34" charset="-128"/>
+                        </a:rPr>
+                        <a:t>2</a:t>
+                      </a:r>
+                      <a:endParaRPr lang="zh-TW" altLang="en-US" sz="3000" dirty="0">
+                        <a:latin typeface="Hiragino Sans CNS W3" panose="020B0300000000000000" pitchFamily="34" charset="-128"/>
+                        <a:ea typeface="Hiragino Sans CNS W3" panose="020B0300000000000000" pitchFamily="34" charset="-128"/>
+                      </a:endParaRPr>
+                    </a:p>
+                  </a:txBody>
+                  <a:tcPr marL="99361" marR="99361" marT="49681" marB="49681" anchor="ctr"/>
+                </a:tc>
+                <a:tc>
+                  <a:txBody>
+                    <a:bodyPr/>
+                    <a:lstStyle/>
+                    <a:p>
+                      <a:pPr algn="ctr"/>
+                      <a:r>
+                        <a:rPr lang="en-US" altLang="zh-TW" sz="3000" dirty="0">
+                          <a:latin typeface="Hiragino Sans CNS W3" panose="020B0300000000000000" pitchFamily="34" charset="-128"/>
+                          <a:ea typeface="Hiragino Sans CNS W3" panose="020B0300000000000000" pitchFamily="34" charset="-128"/>
+                        </a:rPr>
+                        <a:t>5</a:t>
+                      </a:r>
+                      <a:endParaRPr lang="zh-TW" altLang="en-US" sz="3000" dirty="0">
+                        <a:latin typeface="Hiragino Sans CNS W3" panose="020B0300000000000000" pitchFamily="34" charset="-128"/>
+                        <a:ea typeface="Hiragino Sans CNS W3" panose="020B0300000000000000" pitchFamily="34" charset="-128"/>
+                      </a:endParaRPr>
+                    </a:p>
+                  </a:txBody>
+                  <a:tcPr marL="99361" marR="99361" marT="49681" marB="49681" anchor="ctr"/>
+                </a:tc>
+                <a:extLst>
+                  <a:ext uri="{0D108BD9-81ED-4DB2-BD59-A6C34878D82A}">
+                    <a16:rowId xmlns:a16="http://schemas.microsoft.com/office/drawing/2014/main" val="3144180348"/>
+                  </a:ext>
+                </a:extLst>
+              </a:tr>
+            </a:tbl>
+          </a:graphicData>
+        </a:graphic>
+      </p:graphicFrame>
+      <p:graphicFrame>
+        <p:nvGraphicFramePr>
+          <p:cNvPr id="5" name="表格 4">
+            <a:extLst>
+              <a:ext uri="{FF2B5EF4-FFF2-40B4-BE49-F238E27FC236}">
+                <a16:creationId xmlns:a16="http://schemas.microsoft.com/office/drawing/2014/main" id="{E295E5F4-D89C-299C-3393-FA4B28861EC5}"/>
+              </a:ext>
+            </a:extLst>
+          </p:cNvPr>
+          <p:cNvGraphicFramePr>
+            <a:graphicFrameLocks noGrp="1"/>
+          </p:cNvGraphicFramePr>
+          <p:nvPr>
+            <p:extLst>
+              <p:ext uri="{D42A27DB-BD31-4B8C-83A1-F6EECF244321}">
+                <p14:modId xmlns:p14="http://schemas.microsoft.com/office/powerpoint/2010/main" val="1827950176"/>
+              </p:ext>
+            </p:extLst>
+          </p:nvPr>
+        </p:nvGraphicFramePr>
+        <p:xfrm>
+          <a:off x="5792626" y="1690688"/>
+          <a:ext cx="4451070" cy="4431145"/>
+        </p:xfrm>
+        <a:graphic>
+          <a:graphicData uri="http://schemas.openxmlformats.org/drawingml/2006/table">
+            <a:tbl>
+              <a:tblPr bandRow="1">
+                <a:tableStyleId>{F5AB1C69-6EDB-4FF4-983F-18BD219EF322}</a:tableStyleId>
+              </a:tblPr>
+              <a:tblGrid>
+                <a:gridCol w="890214">
+                  <a:extLst>
+                    <a:ext uri="{9D8B030D-6E8A-4147-A177-3AD203B41FA5}">
+                      <a16:colId xmlns:a16="http://schemas.microsoft.com/office/drawing/2014/main" val="3457372882"/>
+                    </a:ext>
+                  </a:extLst>
+                </a:gridCol>
+                <a:gridCol w="890214">
+                  <a:extLst>
+                    <a:ext uri="{9D8B030D-6E8A-4147-A177-3AD203B41FA5}">
+                      <a16:colId xmlns:a16="http://schemas.microsoft.com/office/drawing/2014/main" val="4012716525"/>
+                    </a:ext>
+                  </a:extLst>
+                </a:gridCol>
+                <a:gridCol w="890214">
+                  <a:extLst>
+                    <a:ext uri="{9D8B030D-6E8A-4147-A177-3AD203B41FA5}">
+                      <a16:colId xmlns:a16="http://schemas.microsoft.com/office/drawing/2014/main" val="3635152842"/>
+                    </a:ext>
+                  </a:extLst>
+                </a:gridCol>
+                <a:gridCol w="890214">
+                  <a:extLst>
+                    <a:ext uri="{9D8B030D-6E8A-4147-A177-3AD203B41FA5}">
+                      <a16:colId xmlns:a16="http://schemas.microsoft.com/office/drawing/2014/main" val="1376262311"/>
+                    </a:ext>
+                  </a:extLst>
+                </a:gridCol>
+                <a:gridCol w="890214">
+                  <a:extLst>
+                    <a:ext uri="{9D8B030D-6E8A-4147-A177-3AD203B41FA5}">
+                      <a16:colId xmlns:a16="http://schemas.microsoft.com/office/drawing/2014/main" val="1171847317"/>
+                    </a:ext>
+                  </a:extLst>
+                </a:gridCol>
+              </a:tblGrid>
+              <a:tr h="886229">
+                <a:tc>
+                  <a:txBody>
+                    <a:bodyPr/>
+                    <a:lstStyle/>
+                    <a:p>
+                      <a:pPr algn="ctr"/>
+                      <a:endParaRPr lang="zh-TW" altLang="en-US" sz="3000" dirty="0">
+                        <a:latin typeface="Hiragino Sans CNS W3" panose="020B0300000000000000" pitchFamily="34" charset="-128"/>
+                        <a:ea typeface="Hiragino Sans CNS W3" panose="020B0300000000000000" pitchFamily="34" charset="-128"/>
+                      </a:endParaRPr>
+                    </a:p>
+                  </a:txBody>
+                  <a:tcPr marL="99361" marR="99361" marT="49681" marB="49681" anchor="ctr"/>
+                </a:tc>
+                <a:tc>
+                  <a:txBody>
+                    <a:bodyPr/>
+                    <a:lstStyle/>
+                    <a:p>
+                      <a:pPr algn="ctr"/>
+                      <a:endParaRPr lang="zh-TW" altLang="en-US" sz="3000" dirty="0">
+                        <a:latin typeface="Hiragino Sans CNS W3" panose="020B0300000000000000" pitchFamily="34" charset="-128"/>
+                        <a:ea typeface="Hiragino Sans CNS W3" panose="020B0300000000000000" pitchFamily="34" charset="-128"/>
+                      </a:endParaRPr>
+                    </a:p>
+                  </a:txBody>
+                  <a:tcPr marL="99361" marR="99361" marT="49681" marB="49681" anchor="ctr"/>
+                </a:tc>
+                <a:tc>
+                  <a:txBody>
+                    <a:bodyPr/>
+                    <a:lstStyle/>
+                    <a:p>
+                      <a:pPr algn="ctr"/>
+                      <a:endParaRPr lang="zh-TW" altLang="en-US" sz="3000" dirty="0">
+                        <a:latin typeface="Hiragino Sans CNS W3" panose="020B0300000000000000" pitchFamily="34" charset="-128"/>
+                        <a:ea typeface="Hiragino Sans CNS W3" panose="020B0300000000000000" pitchFamily="34" charset="-128"/>
+                      </a:endParaRPr>
+                    </a:p>
+                  </a:txBody>
+                  <a:tcPr marL="99361" marR="99361" marT="49681" marB="49681" anchor="ctr"/>
+                </a:tc>
+                <a:tc>
+                  <a:txBody>
+                    <a:bodyPr/>
+                    <a:lstStyle/>
+                    <a:p>
+                      <a:pPr algn="ctr"/>
+                      <a:endParaRPr lang="zh-TW" altLang="en-US" sz="3000" dirty="0">
+                        <a:latin typeface="Hiragino Sans CNS W3" panose="020B0300000000000000" pitchFamily="34" charset="-128"/>
+                        <a:ea typeface="Hiragino Sans CNS W3" panose="020B0300000000000000" pitchFamily="34" charset="-128"/>
+                      </a:endParaRPr>
+                    </a:p>
+                  </a:txBody>
+                  <a:tcPr marL="99361" marR="99361" marT="49681" marB="49681" anchor="ctr"/>
+                </a:tc>
+                <a:tc>
+                  <a:txBody>
+                    <a:bodyPr/>
+                    <a:lstStyle/>
+                    <a:p>
+                      <a:pPr algn="ctr"/>
+                      <a:endParaRPr lang="zh-TW" altLang="en-US" sz="3000" dirty="0">
+                        <a:latin typeface="Hiragino Sans CNS W3" panose="020B0300000000000000" pitchFamily="34" charset="-128"/>
+                        <a:ea typeface="Hiragino Sans CNS W3" panose="020B0300000000000000" pitchFamily="34" charset="-128"/>
+                      </a:endParaRPr>
+                    </a:p>
+                  </a:txBody>
+                  <a:tcPr marL="99361" marR="99361" marT="49681" marB="49681" anchor="ctr"/>
+                </a:tc>
+                <a:extLst>
+                  <a:ext uri="{0D108BD9-81ED-4DB2-BD59-A6C34878D82A}">
+                    <a16:rowId xmlns:a16="http://schemas.microsoft.com/office/drawing/2014/main" val="3063813678"/>
+                  </a:ext>
+                </a:extLst>
+              </a:tr>
+              <a:tr h="886229">
+                <a:tc>
+                  <a:txBody>
+                    <a:bodyPr/>
+                    <a:lstStyle/>
+                    <a:p>
+                      <a:pPr algn="ctr"/>
+                      <a:endParaRPr lang="zh-TW" altLang="en-US" sz="3000" dirty="0">
+                        <a:latin typeface="Hiragino Sans CNS W3" panose="020B0300000000000000" pitchFamily="34" charset="-128"/>
+                        <a:ea typeface="Hiragino Sans CNS W3" panose="020B0300000000000000" pitchFamily="34" charset="-128"/>
+                      </a:endParaRPr>
+                    </a:p>
+                  </a:txBody>
+                  <a:tcPr marL="99361" marR="99361" marT="49681" marB="49681" anchor="ctr"/>
+                </a:tc>
+                <a:tc>
+                  <a:txBody>
+                    <a:bodyPr/>
+                    <a:lstStyle/>
+                    <a:p>
+                      <a:pPr algn="ctr"/>
+                      <a:r>
+                        <a:rPr lang="en-US" altLang="zh-TW" sz="3000" dirty="0">
+                          <a:latin typeface="Hiragino Sans CNS W3" panose="020B0300000000000000" pitchFamily="34" charset="-128"/>
+                          <a:ea typeface="Hiragino Sans CNS W3" panose="020B0300000000000000" pitchFamily="34" charset="-128"/>
+                        </a:rPr>
+                        <a:t>X</a:t>
+                      </a:r>
+                      <a:endParaRPr lang="zh-TW" altLang="en-US" sz="3000" dirty="0">
+                        <a:latin typeface="Hiragino Sans CNS W3" panose="020B0300000000000000" pitchFamily="34" charset="-128"/>
+                        <a:ea typeface="Hiragino Sans CNS W3" panose="020B0300000000000000" pitchFamily="34" charset="-128"/>
+                      </a:endParaRPr>
+                    </a:p>
+                  </a:txBody>
+                  <a:tcPr marL="99361" marR="99361" marT="49681" marB="49681" anchor="ctr">
+                    <a:solidFill>
+                      <a:schemeClr val="accent2"/>
+                    </a:solidFill>
+                  </a:tcPr>
+                </a:tc>
+                <a:tc>
+                  <a:txBody>
+                    <a:bodyPr/>
+                    <a:lstStyle/>
+                    <a:p>
+                      <a:pPr algn="ctr"/>
+                      <a:endParaRPr lang="zh-TW" altLang="en-US" sz="3000" dirty="0">
+                        <a:latin typeface="Hiragino Sans CNS W3" panose="020B0300000000000000" pitchFamily="34" charset="-128"/>
+                        <a:ea typeface="Hiragino Sans CNS W3" panose="020B0300000000000000" pitchFamily="34" charset="-128"/>
+                      </a:endParaRPr>
+                    </a:p>
+                  </a:txBody>
+                  <a:tcPr marL="99361" marR="99361" marT="49681" marB="49681" anchor="ctr"/>
+                </a:tc>
+                <a:tc>
+                  <a:txBody>
+                    <a:bodyPr/>
+                    <a:lstStyle/>
+                    <a:p>
+                      <a:pPr algn="ctr"/>
+                      <a:endParaRPr lang="zh-TW" altLang="en-US" sz="3000" dirty="0">
+                        <a:latin typeface="Hiragino Sans CNS W3" panose="020B0300000000000000" pitchFamily="34" charset="-128"/>
+                        <a:ea typeface="Hiragino Sans CNS W3" panose="020B0300000000000000" pitchFamily="34" charset="-128"/>
+                      </a:endParaRPr>
+                    </a:p>
+                  </a:txBody>
+                  <a:tcPr marL="99361" marR="99361" marT="49681" marB="49681" anchor="ctr"/>
+                </a:tc>
+                <a:tc>
+                  <a:txBody>
+                    <a:bodyPr/>
+                    <a:lstStyle/>
+                    <a:p>
+                      <a:pPr algn="ctr"/>
+                      <a:endParaRPr lang="zh-TW" altLang="en-US" sz="3000" dirty="0">
+                        <a:latin typeface="Hiragino Sans CNS W3" panose="020B0300000000000000" pitchFamily="34" charset="-128"/>
+                        <a:ea typeface="Hiragino Sans CNS W3" panose="020B0300000000000000" pitchFamily="34" charset="-128"/>
+                      </a:endParaRPr>
+                    </a:p>
+                  </a:txBody>
+                  <a:tcPr marL="99361" marR="99361" marT="49681" marB="49681" anchor="ctr"/>
+                </a:tc>
+                <a:extLst>
+                  <a:ext uri="{0D108BD9-81ED-4DB2-BD59-A6C34878D82A}">
+                    <a16:rowId xmlns:a16="http://schemas.microsoft.com/office/drawing/2014/main" val="729469909"/>
+                  </a:ext>
+                </a:extLst>
+              </a:tr>
+              <a:tr h="886229">
+                <a:tc>
+                  <a:txBody>
+                    <a:bodyPr/>
+                    <a:lstStyle/>
+                    <a:p>
+                      <a:pPr algn="ctr"/>
+                      <a:endParaRPr lang="zh-TW" altLang="en-US" sz="3000" dirty="0">
+                        <a:latin typeface="Hiragino Sans CNS W3" panose="020B0300000000000000" pitchFamily="34" charset="-128"/>
+                        <a:ea typeface="Hiragino Sans CNS W3" panose="020B0300000000000000" pitchFamily="34" charset="-128"/>
+                      </a:endParaRPr>
+                    </a:p>
+                  </a:txBody>
+                  <a:tcPr marL="99361" marR="99361" marT="49681" marB="49681" anchor="ctr"/>
+                </a:tc>
+                <a:tc>
+                  <a:txBody>
+                    <a:bodyPr/>
+                    <a:lstStyle/>
+                    <a:p>
+                      <a:pPr algn="ctr"/>
+                      <a:endParaRPr lang="zh-TW" altLang="en-US" sz="3000" dirty="0">
+                        <a:latin typeface="Hiragino Sans CNS W3" panose="020B0300000000000000" pitchFamily="34" charset="-128"/>
+                        <a:ea typeface="Hiragino Sans CNS W3" panose="020B0300000000000000" pitchFamily="34" charset="-128"/>
+                      </a:endParaRPr>
+                    </a:p>
+                  </a:txBody>
+                  <a:tcPr marL="99361" marR="99361" marT="49681" marB="49681" anchor="ctr"/>
+                </a:tc>
+                <a:tc>
+                  <a:txBody>
+                    <a:bodyPr/>
+                    <a:lstStyle/>
+                    <a:p>
+                      <a:pPr algn="ctr"/>
+                      <a:endParaRPr lang="zh-TW" altLang="en-US" sz="3000" dirty="0">
+                        <a:latin typeface="Hiragino Sans CNS W3" panose="020B0300000000000000" pitchFamily="34" charset="-128"/>
+                        <a:ea typeface="Hiragino Sans CNS W3" panose="020B0300000000000000" pitchFamily="34" charset="-128"/>
+                      </a:endParaRPr>
+                    </a:p>
+                  </a:txBody>
+                  <a:tcPr marL="99361" marR="99361" marT="49681" marB="49681" anchor="ctr"/>
+                </a:tc>
+                <a:tc>
+                  <a:txBody>
+                    <a:bodyPr/>
+                    <a:lstStyle/>
+                    <a:p>
+                      <a:pPr algn="ctr"/>
+                      <a:endParaRPr lang="zh-TW" altLang="en-US" sz="3000" dirty="0">
+                        <a:latin typeface="Hiragino Sans CNS W3" panose="020B0300000000000000" pitchFamily="34" charset="-128"/>
+                        <a:ea typeface="Hiragino Sans CNS W3" panose="020B0300000000000000" pitchFamily="34" charset="-128"/>
+                      </a:endParaRPr>
+                    </a:p>
+                  </a:txBody>
+                  <a:tcPr marL="99361" marR="99361" marT="49681" marB="49681" anchor="ctr"/>
+                </a:tc>
+                <a:tc>
+                  <a:txBody>
+                    <a:bodyPr/>
+                    <a:lstStyle/>
+                    <a:p>
+                      <a:pPr algn="ctr"/>
+                      <a:endParaRPr lang="zh-TW" altLang="en-US" sz="3000" dirty="0">
+                        <a:latin typeface="Hiragino Sans CNS W3" panose="020B0300000000000000" pitchFamily="34" charset="-128"/>
+                        <a:ea typeface="Hiragino Sans CNS W3" panose="020B0300000000000000" pitchFamily="34" charset="-128"/>
+                      </a:endParaRPr>
+                    </a:p>
+                  </a:txBody>
+                  <a:tcPr marL="99361" marR="99361" marT="49681" marB="49681" anchor="ctr"/>
+                </a:tc>
+                <a:extLst>
+                  <a:ext uri="{0D108BD9-81ED-4DB2-BD59-A6C34878D82A}">
+                    <a16:rowId xmlns:a16="http://schemas.microsoft.com/office/drawing/2014/main" val="1632199547"/>
+                  </a:ext>
+                </a:extLst>
+              </a:tr>
+              <a:tr h="886229">
+                <a:tc>
+                  <a:txBody>
+                    <a:bodyPr/>
+                    <a:lstStyle/>
+                    <a:p>
+                      <a:pPr algn="ctr"/>
+                      <a:endParaRPr lang="zh-TW" altLang="en-US" sz="3000" dirty="0">
+                        <a:latin typeface="Hiragino Sans CNS W3" panose="020B0300000000000000" pitchFamily="34" charset="-128"/>
+                        <a:ea typeface="Hiragino Sans CNS W3" panose="020B0300000000000000" pitchFamily="34" charset="-128"/>
+                      </a:endParaRPr>
+                    </a:p>
+                  </a:txBody>
+                  <a:tcPr marL="99361" marR="99361" marT="49681" marB="49681" anchor="ctr"/>
+                </a:tc>
+                <a:tc>
+                  <a:txBody>
+                    <a:bodyPr/>
+                    <a:lstStyle/>
+                    <a:p>
+                      <a:pPr algn="ctr"/>
+                      <a:endParaRPr lang="zh-TW" altLang="en-US" sz="3000" dirty="0">
+                        <a:latin typeface="Hiragino Sans CNS W3" panose="020B0300000000000000" pitchFamily="34" charset="-128"/>
+                        <a:ea typeface="Hiragino Sans CNS W3" panose="020B0300000000000000" pitchFamily="34" charset="-128"/>
+                      </a:endParaRPr>
+                    </a:p>
+                  </a:txBody>
+                  <a:tcPr marL="99361" marR="99361" marT="49681" marB="49681" anchor="ctr"/>
+                </a:tc>
+                <a:tc>
+                  <a:txBody>
+                    <a:bodyPr/>
+                    <a:lstStyle/>
+                    <a:p>
+                      <a:pPr algn="ctr"/>
+                      <a:endParaRPr lang="zh-TW" altLang="en-US" sz="3000" dirty="0">
+                        <a:latin typeface="Hiragino Sans CNS W3" panose="020B0300000000000000" pitchFamily="34" charset="-128"/>
+                        <a:ea typeface="Hiragino Sans CNS W3" panose="020B0300000000000000" pitchFamily="34" charset="-128"/>
+                      </a:endParaRPr>
+                    </a:p>
+                  </a:txBody>
+                  <a:tcPr marL="99361" marR="99361" marT="49681" marB="49681" anchor="ctr"/>
+                </a:tc>
+                <a:tc>
+                  <a:txBody>
+                    <a:bodyPr/>
+                    <a:lstStyle/>
+                    <a:p>
+                      <a:pPr algn="ctr"/>
+                      <a:endParaRPr lang="zh-TW" altLang="en-US" sz="3000" dirty="0">
+                        <a:latin typeface="Hiragino Sans CNS W3" panose="020B0300000000000000" pitchFamily="34" charset="-128"/>
+                        <a:ea typeface="Hiragino Sans CNS W3" panose="020B0300000000000000" pitchFamily="34" charset="-128"/>
+                      </a:endParaRPr>
+                    </a:p>
+                  </a:txBody>
+                  <a:tcPr marL="99361" marR="99361" marT="49681" marB="49681" anchor="ctr"/>
+                </a:tc>
+                <a:tc>
+                  <a:txBody>
+                    <a:bodyPr/>
+                    <a:lstStyle/>
+                    <a:p>
+                      <a:pPr algn="ctr"/>
+                      <a:endParaRPr lang="zh-TW" altLang="en-US" sz="3000" dirty="0">
+                        <a:latin typeface="Hiragino Sans CNS W3" panose="020B0300000000000000" pitchFamily="34" charset="-128"/>
+                        <a:ea typeface="Hiragino Sans CNS W3" panose="020B0300000000000000" pitchFamily="34" charset="-128"/>
+                      </a:endParaRPr>
+                    </a:p>
+                  </a:txBody>
+                  <a:tcPr marL="99361" marR="99361" marT="49681" marB="49681" anchor="ctr"/>
+                </a:tc>
+                <a:extLst>
+                  <a:ext uri="{0D108BD9-81ED-4DB2-BD59-A6C34878D82A}">
+                    <a16:rowId xmlns:a16="http://schemas.microsoft.com/office/drawing/2014/main" val="1783147424"/>
+                  </a:ext>
+                </a:extLst>
+              </a:tr>
+              <a:tr h="886229">
+                <a:tc>
+                  <a:txBody>
+                    <a:bodyPr/>
+                    <a:lstStyle/>
+                    <a:p>
+                      <a:pPr algn="ctr"/>
+                      <a:endParaRPr lang="zh-TW" altLang="en-US" sz="3000" dirty="0">
+                        <a:latin typeface="Hiragino Sans CNS W3" panose="020B0300000000000000" pitchFamily="34" charset="-128"/>
+                        <a:ea typeface="Hiragino Sans CNS W3" panose="020B0300000000000000" pitchFamily="34" charset="-128"/>
+                      </a:endParaRPr>
+                    </a:p>
+                  </a:txBody>
+                  <a:tcPr marL="99361" marR="99361" marT="49681" marB="49681" anchor="ctr"/>
+                </a:tc>
+                <a:tc>
+                  <a:txBody>
+                    <a:bodyPr/>
+                    <a:lstStyle/>
+                    <a:p>
+                      <a:pPr algn="ctr"/>
+                      <a:endParaRPr lang="zh-TW" altLang="en-US" sz="3000" dirty="0">
+                        <a:latin typeface="Hiragino Sans CNS W3" panose="020B0300000000000000" pitchFamily="34" charset="-128"/>
+                        <a:ea typeface="Hiragino Sans CNS W3" panose="020B0300000000000000" pitchFamily="34" charset="-128"/>
+                      </a:endParaRPr>
+                    </a:p>
+                  </a:txBody>
+                  <a:tcPr marL="99361" marR="99361" marT="49681" marB="49681" anchor="ctr"/>
+                </a:tc>
+                <a:tc>
+                  <a:txBody>
+                    <a:bodyPr/>
+                    <a:lstStyle/>
+                    <a:p>
+                      <a:pPr algn="ctr"/>
+                      <a:endParaRPr lang="zh-TW" altLang="en-US" sz="3000" dirty="0">
+                        <a:latin typeface="Hiragino Sans CNS W3" panose="020B0300000000000000" pitchFamily="34" charset="-128"/>
+                        <a:ea typeface="Hiragino Sans CNS W3" panose="020B0300000000000000" pitchFamily="34" charset="-128"/>
+                      </a:endParaRPr>
+                    </a:p>
+                  </a:txBody>
+                  <a:tcPr marL="99361" marR="99361" marT="49681" marB="49681" anchor="ctr"/>
+                </a:tc>
+                <a:tc>
+                  <a:txBody>
+                    <a:bodyPr/>
+                    <a:lstStyle/>
+                    <a:p>
+                      <a:pPr algn="ctr"/>
+                      <a:endParaRPr lang="zh-TW" altLang="en-US" sz="3000" dirty="0">
+                        <a:latin typeface="Hiragino Sans CNS W3" panose="020B0300000000000000" pitchFamily="34" charset="-128"/>
+                        <a:ea typeface="Hiragino Sans CNS W3" panose="020B0300000000000000" pitchFamily="34" charset="-128"/>
+                      </a:endParaRPr>
+                    </a:p>
+                  </a:txBody>
+                  <a:tcPr marL="99361" marR="99361" marT="49681" marB="49681" anchor="ctr"/>
+                </a:tc>
+                <a:tc>
+                  <a:txBody>
+                    <a:bodyPr/>
+                    <a:lstStyle/>
+                    <a:p>
+                      <a:pPr algn="ctr"/>
+                      <a:endParaRPr lang="zh-TW" altLang="en-US" sz="3000" dirty="0">
+                        <a:latin typeface="Hiragino Sans CNS W3" panose="020B0300000000000000" pitchFamily="34" charset="-128"/>
+                        <a:ea typeface="Hiragino Sans CNS W3" panose="020B0300000000000000" pitchFamily="34" charset="-128"/>
+                      </a:endParaRPr>
+                    </a:p>
+                  </a:txBody>
+                  <a:tcPr marL="99361" marR="99361" marT="49681" marB="49681" anchor="ctr"/>
+                </a:tc>
+                <a:extLst>
+                  <a:ext uri="{0D108BD9-81ED-4DB2-BD59-A6C34878D82A}">
+                    <a16:rowId xmlns:a16="http://schemas.microsoft.com/office/drawing/2014/main" val="3144180348"/>
+                  </a:ext>
+                </a:extLst>
+              </a:tr>
+            </a:tbl>
+          </a:graphicData>
+        </a:graphic>
+      </p:graphicFrame>
+      <p:sp>
+        <p:nvSpPr>
+          <p:cNvPr id="3" name="文字方塊 2">
+            <a:extLst>
+              <a:ext uri="{FF2B5EF4-FFF2-40B4-BE49-F238E27FC236}">
+                <a16:creationId xmlns:a16="http://schemas.microsoft.com/office/drawing/2014/main" id="{C9F2FBF5-518F-B24F-A3C0-8857178E284F}"/>
+              </a:ext>
+            </a:extLst>
+          </p:cNvPr>
+          <p:cNvSpPr txBox="1"/>
+          <p:nvPr/>
+        </p:nvSpPr>
+        <p:spPr>
+          <a:xfrm>
+            <a:off x="744582" y="6231265"/>
+            <a:ext cx="2015295" cy="523220"/>
+          </a:xfrm>
+          <a:prstGeom prst="rect">
+            <a:avLst/>
+          </a:prstGeom>
+          <a:noFill/>
+        </p:spPr>
+        <p:txBody>
+          <a:bodyPr wrap="none" rtlCol="0">
+            <a:spAutoFit/>
+          </a:bodyPr>
+          <a:lstStyle/>
+          <a:p>
+            <a:r>
+              <a:rPr kumimoji="1" lang="en-US" altLang="zh-TW" sz="2800" dirty="0"/>
+              <a:t>Queue: [1,0]</a:t>
+            </a:r>
+            <a:endParaRPr kumimoji="1" lang="zh-TW" altLang="en-US" sz="2800" dirty="0"/>
+          </a:p>
+        </p:txBody>
+      </p:sp>
+    </p:spTree>
+    <p:extLst>
+      <p:ext uri="{BB962C8B-B14F-4D97-AF65-F5344CB8AC3E}">
+        <p14:creationId xmlns:p14="http://schemas.microsoft.com/office/powerpoint/2010/main" val="1660394919"/>
+      </p:ext>
+    </p:extLst>
+  </p:cSld>
+  <p:clrMapOvr>
+    <a:masterClrMapping/>
+  </p:clrMapOvr>
+</p:sld>
+</file>
+
+<file path=ppt/slides/slide11.xml><?xml version="1.0" encoding="utf-8"?>
+<p:sld xmlns:a="http://schemas.openxmlformats.org/drawingml/2006/main" xmlns:r="http://schemas.openxmlformats.org/officeDocument/2006/relationships" xmlns:p="http://schemas.openxmlformats.org/presentationml/2006/main">
+  <p:cSld>
+    <p:spTree>
+      <p:nvGrpSpPr>
+        <p:cNvPr id="1" name=""/>
+        <p:cNvGrpSpPr/>
+        <p:nvPr/>
+      </p:nvGrpSpPr>
+      <p:grpSpPr>
+        <a:xfrm>
+          <a:off x="0" y="0"/>
+          <a:ext cx="0" cy="0"/>
+          <a:chOff x="0" y="0"/>
+          <a:chExt cx="0" cy="0"/>
+        </a:xfrm>
+      </p:grpSpPr>
+      <p:sp>
+        <p:nvSpPr>
+          <p:cNvPr id="2" name="標題 1">
+            <a:extLst>
+              <a:ext uri="{FF2B5EF4-FFF2-40B4-BE49-F238E27FC236}">
+                <a16:creationId xmlns:a16="http://schemas.microsoft.com/office/drawing/2014/main" id="{B4FD27FB-CFA4-8E72-E656-450DE1D8D350}"/>
+              </a:ext>
+            </a:extLst>
+          </p:cNvPr>
+          <p:cNvSpPr>
+            <a:spLocks noGrp="1"/>
+          </p:cNvSpPr>
+          <p:nvPr>
+            <p:ph type="title"/>
+          </p:nvPr>
+        </p:nvSpPr>
+        <p:spPr/>
+        <p:txBody>
+          <a:bodyPr/>
+          <a:lstStyle/>
+          <a:p>
+            <a:r>
+              <a:rPr kumimoji="1" lang="en-US" altLang="zh-TW" dirty="0"/>
+              <a:t>BFS Algorithm with Route</a:t>
+            </a:r>
+            <a:endParaRPr kumimoji="1" lang="zh-TW" altLang="en-US" dirty="0"/>
+          </a:p>
+        </p:txBody>
+      </p:sp>
+      <p:graphicFrame>
+        <p:nvGraphicFramePr>
+          <p:cNvPr id="4" name="表格 4">
+            <a:extLst>
+              <a:ext uri="{FF2B5EF4-FFF2-40B4-BE49-F238E27FC236}">
+                <a16:creationId xmlns:a16="http://schemas.microsoft.com/office/drawing/2014/main" id="{2A4EC703-C96C-BB6E-6F6E-643DE3F3862A}"/>
+              </a:ext>
+            </a:extLst>
+          </p:cNvPr>
+          <p:cNvGraphicFramePr>
+            <a:graphicFrameLocks noGrp="1"/>
+          </p:cNvGraphicFramePr>
+          <p:nvPr>
+            <p:extLst>
+              <p:ext uri="{D42A27DB-BD31-4B8C-83A1-F6EECF244321}">
+                <p14:modId xmlns:p14="http://schemas.microsoft.com/office/powerpoint/2010/main" val="2372825917"/>
+              </p:ext>
+            </p:extLst>
+          </p:nvPr>
+        </p:nvGraphicFramePr>
+        <p:xfrm>
+          <a:off x="637152" y="1690688"/>
+          <a:ext cx="4451070" cy="4431145"/>
+        </p:xfrm>
+        <a:graphic>
+          <a:graphicData uri="http://schemas.openxmlformats.org/drawingml/2006/table">
+            <a:tbl>
+              <a:tblPr bandRow="1">
+                <a:tableStyleId>{F5AB1C69-6EDB-4FF4-983F-18BD219EF322}</a:tableStyleId>
+              </a:tblPr>
+              <a:tblGrid>
+                <a:gridCol w="890214">
+                  <a:extLst>
+                    <a:ext uri="{9D8B030D-6E8A-4147-A177-3AD203B41FA5}">
+                      <a16:colId xmlns:a16="http://schemas.microsoft.com/office/drawing/2014/main" val="3457372882"/>
+                    </a:ext>
+                  </a:extLst>
+                </a:gridCol>
+                <a:gridCol w="890214">
+                  <a:extLst>
+                    <a:ext uri="{9D8B030D-6E8A-4147-A177-3AD203B41FA5}">
+                      <a16:colId xmlns:a16="http://schemas.microsoft.com/office/drawing/2014/main" val="4012716525"/>
+                    </a:ext>
+                  </a:extLst>
+                </a:gridCol>
+                <a:gridCol w="890214">
+                  <a:extLst>
+                    <a:ext uri="{9D8B030D-6E8A-4147-A177-3AD203B41FA5}">
+                      <a16:colId xmlns:a16="http://schemas.microsoft.com/office/drawing/2014/main" val="3635152842"/>
+                    </a:ext>
+                  </a:extLst>
+                </a:gridCol>
+                <a:gridCol w="890214">
+                  <a:extLst>
+                    <a:ext uri="{9D8B030D-6E8A-4147-A177-3AD203B41FA5}">
+                      <a16:colId xmlns:a16="http://schemas.microsoft.com/office/drawing/2014/main" val="1376262311"/>
+                    </a:ext>
+                  </a:extLst>
+                </a:gridCol>
+                <a:gridCol w="890214">
+                  <a:extLst>
+                    <a:ext uri="{9D8B030D-6E8A-4147-A177-3AD203B41FA5}">
+                      <a16:colId xmlns:a16="http://schemas.microsoft.com/office/drawing/2014/main" val="1171847317"/>
+                    </a:ext>
+                  </a:extLst>
+                </a:gridCol>
+              </a:tblGrid>
+              <a:tr h="886229">
+                <a:tc>
+                  <a:txBody>
+                    <a:bodyPr/>
+                    <a:lstStyle/>
+                    <a:p>
+                      <a:pPr algn="ctr"/>
+                      <a:r>
+                        <a:rPr lang="en-US" altLang="zh-TW" sz="3000" dirty="0">
+                          <a:latin typeface="Hiragino Sans CNS W3" panose="020B0300000000000000" pitchFamily="34" charset="-128"/>
+                          <a:ea typeface="Hiragino Sans CNS W3" panose="020B0300000000000000" pitchFamily="34" charset="-128"/>
+                        </a:rPr>
+                        <a:t>1</a:t>
+                      </a:r>
+                      <a:endParaRPr lang="zh-TW" altLang="en-US" sz="3000" dirty="0">
+                        <a:latin typeface="Hiragino Sans CNS W3" panose="020B0300000000000000" pitchFamily="34" charset="-128"/>
+                        <a:ea typeface="Hiragino Sans CNS W3" panose="020B0300000000000000" pitchFamily="34" charset="-128"/>
+                      </a:endParaRPr>
+                    </a:p>
+                  </a:txBody>
+                  <a:tcPr marL="99361" marR="99361" marT="49681" marB="49681" anchor="ctr"/>
+                </a:tc>
+                <a:tc>
+                  <a:txBody>
+                    <a:bodyPr/>
+                    <a:lstStyle/>
+                    <a:p>
+                      <a:pPr algn="ctr"/>
+                      <a:r>
+                        <a:rPr lang="en-US" altLang="zh-TW" sz="3000" dirty="0">
+                          <a:latin typeface="Hiragino Sans CNS W3" panose="020B0300000000000000" pitchFamily="34" charset="-128"/>
+                          <a:ea typeface="Hiragino Sans CNS W3" panose="020B0300000000000000" pitchFamily="34" charset="-128"/>
+                        </a:rPr>
+                        <a:t>2</a:t>
+                      </a:r>
+                      <a:endParaRPr lang="zh-TW" altLang="en-US" sz="3000" dirty="0">
+                        <a:latin typeface="Hiragino Sans CNS W3" panose="020B0300000000000000" pitchFamily="34" charset="-128"/>
+                        <a:ea typeface="Hiragino Sans CNS W3" panose="020B0300000000000000" pitchFamily="34" charset="-128"/>
+                      </a:endParaRPr>
+                    </a:p>
+                  </a:txBody>
+                  <a:tcPr marL="99361" marR="99361" marT="49681" marB="49681" anchor="ctr"/>
+                </a:tc>
+                <a:tc>
+                  <a:txBody>
+                    <a:bodyPr/>
+                    <a:lstStyle/>
+                    <a:p>
+                      <a:pPr algn="ctr"/>
+                      <a:r>
+                        <a:rPr lang="en-US" altLang="zh-TW" sz="3000" dirty="0">
+                          <a:latin typeface="Hiragino Sans CNS W3" panose="020B0300000000000000" pitchFamily="34" charset="-128"/>
+                          <a:ea typeface="Hiragino Sans CNS W3" panose="020B0300000000000000" pitchFamily="34" charset="-128"/>
+                        </a:rPr>
+                        <a:t>5</a:t>
+                      </a:r>
+                      <a:endParaRPr lang="zh-TW" altLang="en-US" sz="3000" dirty="0">
+                        <a:latin typeface="Hiragino Sans CNS W3" panose="020B0300000000000000" pitchFamily="34" charset="-128"/>
+                        <a:ea typeface="Hiragino Sans CNS W3" panose="020B0300000000000000" pitchFamily="34" charset="-128"/>
+                      </a:endParaRPr>
+                    </a:p>
+                  </a:txBody>
+                  <a:tcPr marL="99361" marR="99361" marT="49681" marB="49681" anchor="ctr"/>
+                </a:tc>
+                <a:tc>
+                  <a:txBody>
+                    <a:bodyPr/>
+                    <a:lstStyle/>
+                    <a:p>
+                      <a:pPr algn="ctr"/>
+                      <a:r>
+                        <a:rPr lang="en-US" altLang="zh-TW" sz="3000" dirty="0">
+                          <a:latin typeface="Hiragino Sans CNS W3" panose="020B0300000000000000" pitchFamily="34" charset="-128"/>
+                          <a:ea typeface="Hiragino Sans CNS W3" panose="020B0300000000000000" pitchFamily="34" charset="-128"/>
+                        </a:rPr>
+                        <a:t>3</a:t>
+                      </a:r>
+                      <a:endParaRPr lang="zh-TW" altLang="en-US" sz="3000" dirty="0">
+                        <a:latin typeface="Hiragino Sans CNS W3" panose="020B0300000000000000" pitchFamily="34" charset="-128"/>
+                        <a:ea typeface="Hiragino Sans CNS W3" panose="020B0300000000000000" pitchFamily="34" charset="-128"/>
+                      </a:endParaRPr>
+                    </a:p>
+                  </a:txBody>
+                  <a:tcPr marL="99361" marR="99361" marT="49681" marB="49681" anchor="ctr"/>
+                </a:tc>
+                <a:tc>
+                  <a:txBody>
+                    <a:bodyPr/>
+                    <a:lstStyle/>
+                    <a:p>
+                      <a:pPr algn="ctr"/>
+                      <a:r>
+                        <a:rPr lang="en-US" altLang="zh-TW" sz="3000" dirty="0">
+                          <a:latin typeface="Hiragino Sans CNS W3" panose="020B0300000000000000" pitchFamily="34" charset="-128"/>
+                          <a:ea typeface="Hiragino Sans CNS W3" panose="020B0300000000000000" pitchFamily="34" charset="-128"/>
+                        </a:rPr>
+                        <a:t>4</a:t>
+                      </a:r>
+                      <a:endParaRPr lang="zh-TW" altLang="en-US" sz="3000" dirty="0">
+                        <a:latin typeface="Hiragino Sans CNS W3" panose="020B0300000000000000" pitchFamily="34" charset="-128"/>
+                        <a:ea typeface="Hiragino Sans CNS W3" panose="020B0300000000000000" pitchFamily="34" charset="-128"/>
+                      </a:endParaRPr>
+                    </a:p>
+                  </a:txBody>
+                  <a:tcPr marL="99361" marR="99361" marT="49681" marB="49681" anchor="ctr"/>
+                </a:tc>
+                <a:extLst>
+                  <a:ext uri="{0D108BD9-81ED-4DB2-BD59-A6C34878D82A}">
+                    <a16:rowId xmlns:a16="http://schemas.microsoft.com/office/drawing/2014/main" val="3063813678"/>
+                  </a:ext>
+                </a:extLst>
+              </a:tr>
+              <a:tr h="886229">
+                <a:tc>
+                  <a:txBody>
+                    <a:bodyPr/>
+                    <a:lstStyle/>
+                    <a:p>
+                      <a:pPr algn="ctr"/>
+                      <a:r>
+                        <a:rPr lang="en-US" altLang="zh-TW" sz="3000" dirty="0">
+                          <a:latin typeface="Hiragino Sans CNS W3" panose="020B0300000000000000" pitchFamily="34" charset="-128"/>
+                          <a:ea typeface="Hiragino Sans CNS W3" panose="020B0300000000000000" pitchFamily="34" charset="-128"/>
+                        </a:rPr>
+                        <a:t>4</a:t>
+                      </a:r>
+                      <a:endParaRPr lang="zh-TW" altLang="en-US" sz="3000" dirty="0">
+                        <a:latin typeface="Hiragino Sans CNS W3" panose="020B0300000000000000" pitchFamily="34" charset="-128"/>
+                        <a:ea typeface="Hiragino Sans CNS W3" panose="020B0300000000000000" pitchFamily="34" charset="-128"/>
+                      </a:endParaRPr>
+                    </a:p>
+                  </a:txBody>
+                  <a:tcPr marL="99361" marR="99361" marT="49681" marB="49681" anchor="ctr">
+                    <a:solidFill>
+                      <a:schemeClr val="accent2">
+                        <a:lumMod val="60000"/>
+                        <a:lumOff val="40000"/>
+                      </a:schemeClr>
+                    </a:solidFill>
+                  </a:tcPr>
+                </a:tc>
+                <a:tc>
+                  <a:txBody>
+                    <a:bodyPr/>
+                    <a:lstStyle/>
+                    <a:p>
+                      <a:pPr algn="ctr"/>
+                      <a:r>
+                        <a:rPr lang="en-US" altLang="zh-TW" sz="3000" dirty="0">
+                          <a:latin typeface="Hiragino Sans CNS W3" panose="020B0300000000000000" pitchFamily="34" charset="-128"/>
+                          <a:ea typeface="Hiragino Sans CNS W3" panose="020B0300000000000000" pitchFamily="34" charset="-128"/>
+                        </a:rPr>
+                        <a:t>4</a:t>
+                      </a:r>
+                      <a:endParaRPr lang="zh-TW" altLang="en-US" sz="3000" dirty="0">
+                        <a:latin typeface="Hiragino Sans CNS W3" panose="020B0300000000000000" pitchFamily="34" charset="-128"/>
+                        <a:ea typeface="Hiragino Sans CNS W3" panose="020B0300000000000000" pitchFamily="34" charset="-128"/>
+                      </a:endParaRPr>
+                    </a:p>
+                  </a:txBody>
+                  <a:tcPr marL="99361" marR="99361" marT="49681" marB="49681" anchor="ctr">
+                    <a:solidFill>
+                      <a:schemeClr val="accent2"/>
+                    </a:solidFill>
+                  </a:tcPr>
+                </a:tc>
+                <a:tc>
+                  <a:txBody>
+                    <a:bodyPr/>
+                    <a:lstStyle/>
+                    <a:p>
+                      <a:pPr algn="ctr"/>
+                      <a:r>
+                        <a:rPr lang="en-US" altLang="zh-TW" sz="3000" dirty="0">
+                          <a:latin typeface="Hiragino Sans CNS W3" panose="020B0300000000000000" pitchFamily="34" charset="-128"/>
+                          <a:ea typeface="Hiragino Sans CNS W3" panose="020B0300000000000000" pitchFamily="34" charset="-128"/>
+                        </a:rPr>
+                        <a:t>5</a:t>
+                      </a:r>
+                      <a:endParaRPr lang="zh-TW" altLang="en-US" sz="3000" dirty="0">
+                        <a:latin typeface="Hiragino Sans CNS W3" panose="020B0300000000000000" pitchFamily="34" charset="-128"/>
+                        <a:ea typeface="Hiragino Sans CNS W3" panose="020B0300000000000000" pitchFamily="34" charset="-128"/>
+                      </a:endParaRPr>
+                    </a:p>
+                  </a:txBody>
+                  <a:tcPr marL="99361" marR="99361" marT="49681" marB="49681" anchor="ctr"/>
+                </a:tc>
+                <a:tc>
+                  <a:txBody>
+                    <a:bodyPr/>
+                    <a:lstStyle/>
+                    <a:p>
+                      <a:pPr algn="ctr"/>
+                      <a:r>
+                        <a:rPr lang="en-US" altLang="zh-TW" sz="3000" dirty="0">
+                          <a:latin typeface="Hiragino Sans CNS W3" panose="020B0300000000000000" pitchFamily="34" charset="-128"/>
+                          <a:ea typeface="Hiragino Sans CNS W3" panose="020B0300000000000000" pitchFamily="34" charset="-128"/>
+                        </a:rPr>
+                        <a:t>2</a:t>
+                      </a:r>
+                      <a:endParaRPr lang="zh-TW" altLang="en-US" sz="3000" dirty="0">
+                        <a:latin typeface="Hiragino Sans CNS W3" panose="020B0300000000000000" pitchFamily="34" charset="-128"/>
+                        <a:ea typeface="Hiragino Sans CNS W3" panose="020B0300000000000000" pitchFamily="34" charset="-128"/>
+                      </a:endParaRPr>
+                    </a:p>
+                  </a:txBody>
+                  <a:tcPr marL="99361" marR="99361" marT="49681" marB="49681" anchor="ctr"/>
+                </a:tc>
+                <a:tc>
+                  <a:txBody>
+                    <a:bodyPr/>
+                    <a:lstStyle/>
+                    <a:p>
+                      <a:pPr algn="ctr"/>
+                      <a:r>
+                        <a:rPr lang="en-US" altLang="zh-TW" sz="3000" dirty="0">
+                          <a:latin typeface="Hiragino Sans CNS W3" panose="020B0300000000000000" pitchFamily="34" charset="-128"/>
+                          <a:ea typeface="Hiragino Sans CNS W3" panose="020B0300000000000000" pitchFamily="34" charset="-128"/>
+                        </a:rPr>
+                        <a:t>1</a:t>
+                      </a:r>
+                      <a:endParaRPr lang="zh-TW" altLang="en-US" sz="3000" dirty="0">
+                        <a:latin typeface="Hiragino Sans CNS W3" panose="020B0300000000000000" pitchFamily="34" charset="-128"/>
+                        <a:ea typeface="Hiragino Sans CNS W3" panose="020B0300000000000000" pitchFamily="34" charset="-128"/>
+                      </a:endParaRPr>
+                    </a:p>
+                  </a:txBody>
+                  <a:tcPr marL="99361" marR="99361" marT="49681" marB="49681" anchor="ctr"/>
+                </a:tc>
+                <a:extLst>
+                  <a:ext uri="{0D108BD9-81ED-4DB2-BD59-A6C34878D82A}">
+                    <a16:rowId xmlns:a16="http://schemas.microsoft.com/office/drawing/2014/main" val="729469909"/>
+                  </a:ext>
+                </a:extLst>
+              </a:tr>
+              <a:tr h="886229">
+                <a:tc>
+                  <a:txBody>
+                    <a:bodyPr/>
+                    <a:lstStyle/>
+                    <a:p>
+                      <a:pPr algn="ctr"/>
+                      <a:r>
+                        <a:rPr lang="en-US" altLang="zh-TW" sz="3000" dirty="0">
+                          <a:latin typeface="Hiragino Sans CNS W3" panose="020B0300000000000000" pitchFamily="34" charset="-128"/>
+                          <a:ea typeface="Hiragino Sans CNS W3" panose="020B0300000000000000" pitchFamily="34" charset="-128"/>
+                        </a:rPr>
+                        <a:t>4</a:t>
+                      </a:r>
+                      <a:endParaRPr lang="zh-TW" altLang="en-US" sz="3000" dirty="0">
+                        <a:latin typeface="Hiragino Sans CNS W3" panose="020B0300000000000000" pitchFamily="34" charset="-128"/>
+                        <a:ea typeface="Hiragino Sans CNS W3" panose="020B0300000000000000" pitchFamily="34" charset="-128"/>
+                      </a:endParaRPr>
+                    </a:p>
+                  </a:txBody>
+                  <a:tcPr marL="99361" marR="99361" marT="49681" marB="49681" anchor="ctr"/>
+                </a:tc>
+                <a:tc>
+                  <a:txBody>
+                    <a:bodyPr/>
+                    <a:lstStyle/>
+                    <a:p>
+                      <a:pPr algn="ctr"/>
+                      <a:r>
+                        <a:rPr lang="en-US" altLang="zh-TW" sz="3000" dirty="0">
+                          <a:latin typeface="Hiragino Sans CNS W3" panose="020B0300000000000000" pitchFamily="34" charset="-128"/>
+                          <a:ea typeface="Hiragino Sans CNS W3" panose="020B0300000000000000" pitchFamily="34" charset="-128"/>
+                        </a:rPr>
+                        <a:t>3</a:t>
+                      </a:r>
+                      <a:endParaRPr lang="zh-TW" altLang="en-US" sz="3000" dirty="0">
+                        <a:latin typeface="Hiragino Sans CNS W3" panose="020B0300000000000000" pitchFamily="34" charset="-128"/>
+                        <a:ea typeface="Hiragino Sans CNS W3" panose="020B0300000000000000" pitchFamily="34" charset="-128"/>
+                      </a:endParaRPr>
+                    </a:p>
+                  </a:txBody>
+                  <a:tcPr marL="99361" marR="99361" marT="49681" marB="49681" anchor="ctr"/>
+                </a:tc>
+                <a:tc>
+                  <a:txBody>
+                    <a:bodyPr/>
+                    <a:lstStyle/>
+                    <a:p>
+                      <a:pPr algn="ctr"/>
+                      <a:r>
+                        <a:rPr lang="en-US" altLang="zh-TW" sz="3000" dirty="0">
+                          <a:latin typeface="Hiragino Sans CNS W3" panose="020B0300000000000000" pitchFamily="34" charset="-128"/>
+                          <a:ea typeface="Hiragino Sans CNS W3" panose="020B0300000000000000" pitchFamily="34" charset="-128"/>
+                        </a:rPr>
+                        <a:t>2</a:t>
+                      </a:r>
+                      <a:endParaRPr lang="zh-TW" altLang="en-US" sz="3000" dirty="0">
+                        <a:latin typeface="Hiragino Sans CNS W3" panose="020B0300000000000000" pitchFamily="34" charset="-128"/>
+                        <a:ea typeface="Hiragino Sans CNS W3" panose="020B0300000000000000" pitchFamily="34" charset="-128"/>
+                      </a:endParaRPr>
+                    </a:p>
+                  </a:txBody>
+                  <a:tcPr marL="99361" marR="99361" marT="49681" marB="49681" anchor="ctr"/>
+                </a:tc>
+                <a:tc>
+                  <a:txBody>
+                    <a:bodyPr/>
+                    <a:lstStyle/>
+                    <a:p>
+                      <a:pPr algn="ctr"/>
+                      <a:r>
+                        <a:rPr lang="en-US" altLang="zh-TW" sz="3000" dirty="0">
+                          <a:latin typeface="Hiragino Sans CNS W3" panose="020B0300000000000000" pitchFamily="34" charset="-128"/>
+                          <a:ea typeface="Hiragino Sans CNS W3" panose="020B0300000000000000" pitchFamily="34" charset="-128"/>
+                        </a:rPr>
+                        <a:t>5</a:t>
+                      </a:r>
+                      <a:endParaRPr lang="zh-TW" altLang="en-US" sz="3000" dirty="0">
+                        <a:latin typeface="Hiragino Sans CNS W3" panose="020B0300000000000000" pitchFamily="34" charset="-128"/>
+                        <a:ea typeface="Hiragino Sans CNS W3" panose="020B0300000000000000" pitchFamily="34" charset="-128"/>
+                      </a:endParaRPr>
+                    </a:p>
+                  </a:txBody>
+                  <a:tcPr marL="99361" marR="99361" marT="49681" marB="49681" anchor="ctr"/>
+                </a:tc>
+                <a:tc>
+                  <a:txBody>
+                    <a:bodyPr/>
+                    <a:lstStyle/>
+                    <a:p>
+                      <a:pPr algn="ctr"/>
+                      <a:r>
+                        <a:rPr lang="en-US" altLang="zh-TW" sz="3000" dirty="0">
+                          <a:latin typeface="Hiragino Sans CNS W3" panose="020B0300000000000000" pitchFamily="34" charset="-128"/>
+                          <a:ea typeface="Hiragino Sans CNS W3" panose="020B0300000000000000" pitchFamily="34" charset="-128"/>
+                        </a:rPr>
+                        <a:t>4</a:t>
+                      </a:r>
+                      <a:endParaRPr lang="zh-TW" altLang="en-US" sz="3000" dirty="0">
+                        <a:latin typeface="Hiragino Sans CNS W3" panose="020B0300000000000000" pitchFamily="34" charset="-128"/>
+                        <a:ea typeface="Hiragino Sans CNS W3" panose="020B0300000000000000" pitchFamily="34" charset="-128"/>
+                      </a:endParaRPr>
+                    </a:p>
+                  </a:txBody>
+                  <a:tcPr marL="99361" marR="99361" marT="49681" marB="49681" anchor="ctr"/>
+                </a:tc>
+                <a:extLst>
+                  <a:ext uri="{0D108BD9-81ED-4DB2-BD59-A6C34878D82A}">
+                    <a16:rowId xmlns:a16="http://schemas.microsoft.com/office/drawing/2014/main" val="1632199547"/>
+                  </a:ext>
+                </a:extLst>
+              </a:tr>
+              <a:tr h="886229">
+                <a:tc>
+                  <a:txBody>
+                    <a:bodyPr/>
+                    <a:lstStyle/>
+                    <a:p>
+                      <a:pPr algn="ctr"/>
+                      <a:r>
+                        <a:rPr lang="en-US" altLang="zh-TW" sz="3000" dirty="0">
+                          <a:latin typeface="Hiragino Sans CNS W3" panose="020B0300000000000000" pitchFamily="34" charset="-128"/>
+                          <a:ea typeface="Hiragino Sans CNS W3" panose="020B0300000000000000" pitchFamily="34" charset="-128"/>
+                        </a:rPr>
+                        <a:t>1</a:t>
+                      </a:r>
+                      <a:endParaRPr lang="zh-TW" altLang="en-US" sz="3000" dirty="0">
+                        <a:latin typeface="Hiragino Sans CNS W3" panose="020B0300000000000000" pitchFamily="34" charset="-128"/>
+                        <a:ea typeface="Hiragino Sans CNS W3" panose="020B0300000000000000" pitchFamily="34" charset="-128"/>
+                      </a:endParaRPr>
+                    </a:p>
+                  </a:txBody>
+                  <a:tcPr marL="99361" marR="99361" marT="49681" marB="49681" anchor="ctr"/>
+                </a:tc>
+                <a:tc>
+                  <a:txBody>
+                    <a:bodyPr/>
+                    <a:lstStyle/>
+                    <a:p>
+                      <a:pPr algn="ctr"/>
+                      <a:r>
+                        <a:rPr lang="en-US" altLang="zh-TW" sz="3000" dirty="0">
+                          <a:latin typeface="Hiragino Sans CNS W3" panose="020B0300000000000000" pitchFamily="34" charset="-128"/>
+                          <a:ea typeface="Hiragino Sans CNS W3" panose="020B0300000000000000" pitchFamily="34" charset="-128"/>
+                        </a:rPr>
+                        <a:t>2</a:t>
+                      </a:r>
+                      <a:endParaRPr lang="zh-TW" altLang="en-US" sz="3000" dirty="0">
+                        <a:latin typeface="Hiragino Sans CNS W3" panose="020B0300000000000000" pitchFamily="34" charset="-128"/>
+                        <a:ea typeface="Hiragino Sans CNS W3" panose="020B0300000000000000" pitchFamily="34" charset="-128"/>
+                      </a:endParaRPr>
+                    </a:p>
+                  </a:txBody>
+                  <a:tcPr marL="99361" marR="99361" marT="49681" marB="49681" anchor="ctr"/>
+                </a:tc>
+                <a:tc>
+                  <a:txBody>
+                    <a:bodyPr/>
+                    <a:lstStyle/>
+                    <a:p>
+                      <a:pPr algn="ctr"/>
+                      <a:r>
+                        <a:rPr lang="en-US" altLang="zh-TW" sz="3000" dirty="0">
+                          <a:latin typeface="Hiragino Sans CNS W3" panose="020B0300000000000000" pitchFamily="34" charset="-128"/>
+                          <a:ea typeface="Hiragino Sans CNS W3" panose="020B0300000000000000" pitchFamily="34" charset="-128"/>
+                        </a:rPr>
+                        <a:t>1</a:t>
+                      </a:r>
+                      <a:endParaRPr lang="zh-TW" altLang="en-US" sz="3000" dirty="0">
+                        <a:latin typeface="Hiragino Sans CNS W3" panose="020B0300000000000000" pitchFamily="34" charset="-128"/>
+                        <a:ea typeface="Hiragino Sans CNS W3" panose="020B0300000000000000" pitchFamily="34" charset="-128"/>
+                      </a:endParaRPr>
+                    </a:p>
+                  </a:txBody>
+                  <a:tcPr marL="99361" marR="99361" marT="49681" marB="49681" anchor="ctr"/>
+                </a:tc>
+                <a:tc>
+                  <a:txBody>
+                    <a:bodyPr/>
+                    <a:lstStyle/>
+                    <a:p>
+                      <a:pPr algn="ctr"/>
+                      <a:r>
+                        <a:rPr lang="en-US" altLang="zh-TW" sz="3000" dirty="0">
+                          <a:latin typeface="Hiragino Sans CNS W3" panose="020B0300000000000000" pitchFamily="34" charset="-128"/>
+                          <a:ea typeface="Hiragino Sans CNS W3" panose="020B0300000000000000" pitchFamily="34" charset="-128"/>
+                        </a:rPr>
+                        <a:t>3</a:t>
+                      </a:r>
+                      <a:endParaRPr lang="zh-TW" altLang="en-US" sz="3000" dirty="0">
+                        <a:latin typeface="Hiragino Sans CNS W3" panose="020B0300000000000000" pitchFamily="34" charset="-128"/>
+                        <a:ea typeface="Hiragino Sans CNS W3" panose="020B0300000000000000" pitchFamily="34" charset="-128"/>
+                      </a:endParaRPr>
+                    </a:p>
+                  </a:txBody>
+                  <a:tcPr marL="99361" marR="99361" marT="49681" marB="49681" anchor="ctr"/>
+                </a:tc>
+                <a:tc>
+                  <a:txBody>
+                    <a:bodyPr/>
+                    <a:lstStyle/>
+                    <a:p>
+                      <a:pPr algn="ctr"/>
+                      <a:r>
+                        <a:rPr lang="en-US" altLang="zh-TW" sz="3000" dirty="0">
+                          <a:latin typeface="Hiragino Sans CNS W3" panose="020B0300000000000000" pitchFamily="34" charset="-128"/>
+                          <a:ea typeface="Hiragino Sans CNS W3" panose="020B0300000000000000" pitchFamily="34" charset="-128"/>
+                        </a:rPr>
+                        <a:t>3</a:t>
+                      </a:r>
+                      <a:endParaRPr lang="zh-TW" altLang="en-US" sz="3000" dirty="0">
+                        <a:latin typeface="Hiragino Sans CNS W3" panose="020B0300000000000000" pitchFamily="34" charset="-128"/>
+                        <a:ea typeface="Hiragino Sans CNS W3" panose="020B0300000000000000" pitchFamily="34" charset="-128"/>
+                      </a:endParaRPr>
+                    </a:p>
+                  </a:txBody>
+                  <a:tcPr marL="99361" marR="99361" marT="49681" marB="49681" anchor="ctr"/>
+                </a:tc>
+                <a:extLst>
+                  <a:ext uri="{0D108BD9-81ED-4DB2-BD59-A6C34878D82A}">
+                    <a16:rowId xmlns:a16="http://schemas.microsoft.com/office/drawing/2014/main" val="1783147424"/>
+                  </a:ext>
+                </a:extLst>
+              </a:tr>
+              <a:tr h="886229">
+                <a:tc>
+                  <a:txBody>
+                    <a:bodyPr/>
+                    <a:lstStyle/>
+                    <a:p>
+                      <a:pPr algn="ctr"/>
+                      <a:r>
+                        <a:rPr lang="en-US" altLang="zh-TW" sz="3000" dirty="0">
+                          <a:latin typeface="Hiragino Sans CNS W3" panose="020B0300000000000000" pitchFamily="34" charset="-128"/>
+                          <a:ea typeface="Hiragino Sans CNS W3" panose="020B0300000000000000" pitchFamily="34" charset="-128"/>
+                        </a:rPr>
+                        <a:t>4</a:t>
+                      </a:r>
+                      <a:endParaRPr lang="zh-TW" altLang="en-US" sz="3000" dirty="0">
+                        <a:latin typeface="Hiragino Sans CNS W3" panose="020B0300000000000000" pitchFamily="34" charset="-128"/>
+                        <a:ea typeface="Hiragino Sans CNS W3" panose="020B0300000000000000" pitchFamily="34" charset="-128"/>
+                      </a:endParaRPr>
+                    </a:p>
+                  </a:txBody>
+                  <a:tcPr marL="99361" marR="99361" marT="49681" marB="49681" anchor="ctr"/>
+                </a:tc>
+                <a:tc>
+                  <a:txBody>
+                    <a:bodyPr/>
+                    <a:lstStyle/>
+                    <a:p>
+                      <a:pPr algn="ctr"/>
+                      <a:r>
+                        <a:rPr lang="en-US" altLang="zh-TW" sz="3000" dirty="0">
+                          <a:latin typeface="Hiragino Sans CNS W3" panose="020B0300000000000000" pitchFamily="34" charset="-128"/>
+                          <a:ea typeface="Hiragino Sans CNS W3" panose="020B0300000000000000" pitchFamily="34" charset="-128"/>
+                        </a:rPr>
+                        <a:t>4</a:t>
+                      </a:r>
+                      <a:endParaRPr lang="zh-TW" altLang="en-US" sz="3000" dirty="0">
+                        <a:latin typeface="Hiragino Sans CNS W3" panose="020B0300000000000000" pitchFamily="34" charset="-128"/>
+                        <a:ea typeface="Hiragino Sans CNS W3" panose="020B0300000000000000" pitchFamily="34" charset="-128"/>
+                      </a:endParaRPr>
+                    </a:p>
+                  </a:txBody>
+                  <a:tcPr marL="99361" marR="99361" marT="49681" marB="49681" anchor="ctr"/>
+                </a:tc>
+                <a:tc>
+                  <a:txBody>
+                    <a:bodyPr/>
+                    <a:lstStyle/>
+                    <a:p>
+                      <a:pPr algn="ctr"/>
+                      <a:r>
+                        <a:rPr lang="en-US" altLang="zh-TW" sz="3000" dirty="0">
+                          <a:latin typeface="Hiragino Sans CNS W3" panose="020B0300000000000000" pitchFamily="34" charset="-128"/>
+                          <a:ea typeface="Hiragino Sans CNS W3" panose="020B0300000000000000" pitchFamily="34" charset="-128"/>
+                        </a:rPr>
+                        <a:t>5</a:t>
+                      </a:r>
+                      <a:endParaRPr lang="zh-TW" altLang="en-US" sz="3000" dirty="0">
+                        <a:latin typeface="Hiragino Sans CNS W3" panose="020B0300000000000000" pitchFamily="34" charset="-128"/>
+                        <a:ea typeface="Hiragino Sans CNS W3" panose="020B0300000000000000" pitchFamily="34" charset="-128"/>
+                      </a:endParaRPr>
+                    </a:p>
+                  </a:txBody>
+                  <a:tcPr marL="99361" marR="99361" marT="49681" marB="49681" anchor="ctr"/>
+                </a:tc>
+                <a:tc>
+                  <a:txBody>
+                    <a:bodyPr/>
+                    <a:lstStyle/>
+                    <a:p>
+                      <a:pPr algn="ctr"/>
+                      <a:r>
+                        <a:rPr lang="en-US" altLang="zh-TW" sz="3000" dirty="0">
+                          <a:latin typeface="Hiragino Sans CNS W3" panose="020B0300000000000000" pitchFamily="34" charset="-128"/>
+                          <a:ea typeface="Hiragino Sans CNS W3" panose="020B0300000000000000" pitchFamily="34" charset="-128"/>
+                        </a:rPr>
+                        <a:t>2</a:t>
+                      </a:r>
+                      <a:endParaRPr lang="zh-TW" altLang="en-US" sz="3000" dirty="0">
+                        <a:latin typeface="Hiragino Sans CNS W3" panose="020B0300000000000000" pitchFamily="34" charset="-128"/>
+                        <a:ea typeface="Hiragino Sans CNS W3" panose="020B0300000000000000" pitchFamily="34" charset="-128"/>
+                      </a:endParaRPr>
+                    </a:p>
+                  </a:txBody>
+                  <a:tcPr marL="99361" marR="99361" marT="49681" marB="49681" anchor="ctr"/>
+                </a:tc>
+                <a:tc>
+                  <a:txBody>
+                    <a:bodyPr/>
+                    <a:lstStyle/>
+                    <a:p>
+                      <a:pPr algn="ctr"/>
+                      <a:r>
+                        <a:rPr lang="en-US" altLang="zh-TW" sz="3000" dirty="0">
+                          <a:latin typeface="Hiragino Sans CNS W3" panose="020B0300000000000000" pitchFamily="34" charset="-128"/>
+                          <a:ea typeface="Hiragino Sans CNS W3" panose="020B0300000000000000" pitchFamily="34" charset="-128"/>
+                        </a:rPr>
+                        <a:t>5</a:t>
+                      </a:r>
+                      <a:endParaRPr lang="zh-TW" altLang="en-US" sz="3000" dirty="0">
+                        <a:latin typeface="Hiragino Sans CNS W3" panose="020B0300000000000000" pitchFamily="34" charset="-128"/>
+                        <a:ea typeface="Hiragino Sans CNS W3" panose="020B0300000000000000" pitchFamily="34" charset="-128"/>
+                      </a:endParaRPr>
+                    </a:p>
+                  </a:txBody>
+                  <a:tcPr marL="99361" marR="99361" marT="49681" marB="49681" anchor="ctr"/>
+                </a:tc>
+                <a:extLst>
+                  <a:ext uri="{0D108BD9-81ED-4DB2-BD59-A6C34878D82A}">
+                    <a16:rowId xmlns:a16="http://schemas.microsoft.com/office/drawing/2014/main" val="3144180348"/>
+                  </a:ext>
+                </a:extLst>
+              </a:tr>
+            </a:tbl>
+          </a:graphicData>
+        </a:graphic>
+      </p:graphicFrame>
+      <p:graphicFrame>
+        <p:nvGraphicFramePr>
+          <p:cNvPr id="5" name="表格 4">
+            <a:extLst>
+              <a:ext uri="{FF2B5EF4-FFF2-40B4-BE49-F238E27FC236}">
+                <a16:creationId xmlns:a16="http://schemas.microsoft.com/office/drawing/2014/main" id="{E295E5F4-D89C-299C-3393-FA4B28861EC5}"/>
+              </a:ext>
+            </a:extLst>
+          </p:cNvPr>
+          <p:cNvGraphicFramePr>
+            <a:graphicFrameLocks noGrp="1"/>
+          </p:cNvGraphicFramePr>
+          <p:nvPr>
+            <p:extLst>
+              <p:ext uri="{D42A27DB-BD31-4B8C-83A1-F6EECF244321}">
+                <p14:modId xmlns:p14="http://schemas.microsoft.com/office/powerpoint/2010/main" val="581313984"/>
+              </p:ext>
+            </p:extLst>
+          </p:nvPr>
+        </p:nvGraphicFramePr>
+        <p:xfrm>
+          <a:off x="5792626" y="1690688"/>
+          <a:ext cx="4451070" cy="4431145"/>
+        </p:xfrm>
+        <a:graphic>
+          <a:graphicData uri="http://schemas.openxmlformats.org/drawingml/2006/table">
+            <a:tbl>
+              <a:tblPr bandRow="1">
+                <a:tableStyleId>{F5AB1C69-6EDB-4FF4-983F-18BD219EF322}</a:tableStyleId>
+              </a:tblPr>
+              <a:tblGrid>
+                <a:gridCol w="890214">
+                  <a:extLst>
+                    <a:ext uri="{9D8B030D-6E8A-4147-A177-3AD203B41FA5}">
+                      <a16:colId xmlns:a16="http://schemas.microsoft.com/office/drawing/2014/main" val="3457372882"/>
+                    </a:ext>
+                  </a:extLst>
+                </a:gridCol>
+                <a:gridCol w="890214">
+                  <a:extLst>
+                    <a:ext uri="{9D8B030D-6E8A-4147-A177-3AD203B41FA5}">
+                      <a16:colId xmlns:a16="http://schemas.microsoft.com/office/drawing/2014/main" val="4012716525"/>
+                    </a:ext>
+                  </a:extLst>
+                </a:gridCol>
+                <a:gridCol w="890214">
+                  <a:extLst>
+                    <a:ext uri="{9D8B030D-6E8A-4147-A177-3AD203B41FA5}">
+                      <a16:colId xmlns:a16="http://schemas.microsoft.com/office/drawing/2014/main" val="3635152842"/>
+                    </a:ext>
+                  </a:extLst>
+                </a:gridCol>
+                <a:gridCol w="890214">
+                  <a:extLst>
+                    <a:ext uri="{9D8B030D-6E8A-4147-A177-3AD203B41FA5}">
+                      <a16:colId xmlns:a16="http://schemas.microsoft.com/office/drawing/2014/main" val="1376262311"/>
+                    </a:ext>
+                  </a:extLst>
+                </a:gridCol>
+                <a:gridCol w="890214">
+                  <a:extLst>
+                    <a:ext uri="{9D8B030D-6E8A-4147-A177-3AD203B41FA5}">
+                      <a16:colId xmlns:a16="http://schemas.microsoft.com/office/drawing/2014/main" val="1171847317"/>
+                    </a:ext>
+                  </a:extLst>
+                </a:gridCol>
+              </a:tblGrid>
+              <a:tr h="886229">
+                <a:tc>
+                  <a:txBody>
+                    <a:bodyPr/>
+                    <a:lstStyle/>
+                    <a:p>
+                      <a:pPr algn="ctr"/>
+                      <a:endParaRPr lang="zh-TW" altLang="en-US" sz="3000" dirty="0">
+                        <a:latin typeface="Hiragino Sans CNS W3" panose="020B0300000000000000" pitchFamily="34" charset="-128"/>
+                        <a:ea typeface="Hiragino Sans CNS W3" panose="020B0300000000000000" pitchFamily="34" charset="-128"/>
+                      </a:endParaRPr>
+                    </a:p>
+                  </a:txBody>
+                  <a:tcPr marL="99361" marR="99361" marT="49681" marB="49681" anchor="ctr"/>
+                </a:tc>
+                <a:tc>
+                  <a:txBody>
+                    <a:bodyPr/>
+                    <a:lstStyle/>
+                    <a:p>
+                      <a:pPr algn="ctr"/>
+                      <a:endParaRPr lang="zh-TW" altLang="en-US" sz="3000" dirty="0">
+                        <a:latin typeface="Hiragino Sans CNS W3" panose="020B0300000000000000" pitchFamily="34" charset="-128"/>
+                        <a:ea typeface="Hiragino Sans CNS W3" panose="020B0300000000000000" pitchFamily="34" charset="-128"/>
+                      </a:endParaRPr>
+                    </a:p>
+                  </a:txBody>
+                  <a:tcPr marL="99361" marR="99361" marT="49681" marB="49681" anchor="ctr"/>
+                </a:tc>
+                <a:tc>
+                  <a:txBody>
+                    <a:bodyPr/>
+                    <a:lstStyle/>
+                    <a:p>
+                      <a:pPr algn="ctr"/>
+                      <a:endParaRPr lang="zh-TW" altLang="en-US" sz="3000" dirty="0">
+                        <a:latin typeface="Hiragino Sans CNS W3" panose="020B0300000000000000" pitchFamily="34" charset="-128"/>
+                        <a:ea typeface="Hiragino Sans CNS W3" panose="020B0300000000000000" pitchFamily="34" charset="-128"/>
+                      </a:endParaRPr>
+                    </a:p>
+                  </a:txBody>
+                  <a:tcPr marL="99361" marR="99361" marT="49681" marB="49681" anchor="ctr"/>
+                </a:tc>
+                <a:tc>
+                  <a:txBody>
+                    <a:bodyPr/>
+                    <a:lstStyle/>
+                    <a:p>
+                      <a:pPr algn="ctr"/>
+                      <a:endParaRPr lang="zh-TW" altLang="en-US" sz="3000" dirty="0">
+                        <a:latin typeface="Hiragino Sans CNS W3" panose="020B0300000000000000" pitchFamily="34" charset="-128"/>
+                        <a:ea typeface="Hiragino Sans CNS W3" panose="020B0300000000000000" pitchFamily="34" charset="-128"/>
+                      </a:endParaRPr>
+                    </a:p>
+                  </a:txBody>
+                  <a:tcPr marL="99361" marR="99361" marT="49681" marB="49681" anchor="ctr"/>
+                </a:tc>
+                <a:tc>
+                  <a:txBody>
+                    <a:bodyPr/>
+                    <a:lstStyle/>
+                    <a:p>
+                      <a:pPr algn="ctr"/>
+                      <a:endParaRPr lang="zh-TW" altLang="en-US" sz="3000" dirty="0">
+                        <a:latin typeface="Hiragino Sans CNS W3" panose="020B0300000000000000" pitchFamily="34" charset="-128"/>
+                        <a:ea typeface="Hiragino Sans CNS W3" panose="020B0300000000000000" pitchFamily="34" charset="-128"/>
+                      </a:endParaRPr>
+                    </a:p>
+                  </a:txBody>
+                  <a:tcPr marL="99361" marR="99361" marT="49681" marB="49681" anchor="ctr"/>
+                </a:tc>
+                <a:extLst>
+                  <a:ext uri="{0D108BD9-81ED-4DB2-BD59-A6C34878D82A}">
+                    <a16:rowId xmlns:a16="http://schemas.microsoft.com/office/drawing/2014/main" val="3063813678"/>
+                  </a:ext>
+                </a:extLst>
+              </a:tr>
+              <a:tr h="886229">
+                <a:tc>
+                  <a:txBody>
+                    <a:bodyPr/>
+                    <a:lstStyle/>
+                    <a:p>
+                      <a:pPr algn="ctr"/>
+                      <a:r>
+                        <a:rPr lang="en-US" altLang="zh-TW" sz="3000" dirty="0">
+                          <a:latin typeface="Hiragino Sans CNS W3" panose="020B0300000000000000" pitchFamily="34" charset="-128"/>
+                          <a:ea typeface="Hiragino Sans CNS W3" panose="020B0300000000000000" pitchFamily="34" charset="-128"/>
+                        </a:rPr>
+                        <a:t>R</a:t>
+                      </a:r>
+                      <a:endParaRPr lang="zh-TW" altLang="en-US" sz="3000" dirty="0">
+                        <a:latin typeface="Hiragino Sans CNS W3" panose="020B0300000000000000" pitchFamily="34" charset="-128"/>
+                        <a:ea typeface="Hiragino Sans CNS W3" panose="020B0300000000000000" pitchFamily="34" charset="-128"/>
+                      </a:endParaRPr>
+                    </a:p>
+                  </a:txBody>
+                  <a:tcPr marL="99361" marR="99361" marT="49681" marB="49681" anchor="ctr">
+                    <a:solidFill>
+                      <a:schemeClr val="accent2">
+                        <a:lumMod val="40000"/>
+                        <a:lumOff val="60000"/>
+                      </a:schemeClr>
+                    </a:solidFill>
+                  </a:tcPr>
+                </a:tc>
+                <a:tc>
+                  <a:txBody>
+                    <a:bodyPr/>
+                    <a:lstStyle/>
+                    <a:p>
+                      <a:pPr algn="ctr"/>
+                      <a:r>
+                        <a:rPr lang="en-US" altLang="zh-TW" sz="3000" dirty="0">
+                          <a:latin typeface="Hiragino Sans CNS W3" panose="020B0300000000000000" pitchFamily="34" charset="-128"/>
+                          <a:ea typeface="Hiragino Sans CNS W3" panose="020B0300000000000000" pitchFamily="34" charset="-128"/>
+                        </a:rPr>
+                        <a:t>X</a:t>
+                      </a:r>
+                      <a:endParaRPr lang="zh-TW" altLang="en-US" sz="3000" dirty="0">
+                        <a:latin typeface="Hiragino Sans CNS W3" panose="020B0300000000000000" pitchFamily="34" charset="-128"/>
+                        <a:ea typeface="Hiragino Sans CNS W3" panose="020B0300000000000000" pitchFamily="34" charset="-128"/>
+                      </a:endParaRPr>
+                    </a:p>
+                  </a:txBody>
+                  <a:tcPr marL="99361" marR="99361" marT="49681" marB="49681" anchor="ctr">
+                    <a:solidFill>
+                      <a:schemeClr val="accent2"/>
+                    </a:solidFill>
+                  </a:tcPr>
+                </a:tc>
+                <a:tc>
+                  <a:txBody>
+                    <a:bodyPr/>
+                    <a:lstStyle/>
+                    <a:p>
+                      <a:pPr algn="ctr"/>
+                      <a:endParaRPr lang="zh-TW" altLang="en-US" sz="3000" dirty="0">
+                        <a:latin typeface="Hiragino Sans CNS W3" panose="020B0300000000000000" pitchFamily="34" charset="-128"/>
+                        <a:ea typeface="Hiragino Sans CNS W3" panose="020B0300000000000000" pitchFamily="34" charset="-128"/>
+                      </a:endParaRPr>
+                    </a:p>
+                  </a:txBody>
+                  <a:tcPr marL="99361" marR="99361" marT="49681" marB="49681" anchor="ctr"/>
+                </a:tc>
+                <a:tc>
+                  <a:txBody>
+                    <a:bodyPr/>
+                    <a:lstStyle/>
+                    <a:p>
+                      <a:pPr algn="ctr"/>
+                      <a:endParaRPr lang="zh-TW" altLang="en-US" sz="3000" dirty="0">
+                        <a:latin typeface="Hiragino Sans CNS W3" panose="020B0300000000000000" pitchFamily="34" charset="-128"/>
+                        <a:ea typeface="Hiragino Sans CNS W3" panose="020B0300000000000000" pitchFamily="34" charset="-128"/>
+                      </a:endParaRPr>
+                    </a:p>
+                  </a:txBody>
+                  <a:tcPr marL="99361" marR="99361" marT="49681" marB="49681" anchor="ctr"/>
+                </a:tc>
+                <a:tc>
+                  <a:txBody>
+                    <a:bodyPr/>
+                    <a:lstStyle/>
+                    <a:p>
+                      <a:pPr algn="ctr"/>
+                      <a:endParaRPr lang="zh-TW" altLang="en-US" sz="3000" dirty="0">
+                        <a:latin typeface="Hiragino Sans CNS W3" panose="020B0300000000000000" pitchFamily="34" charset="-128"/>
+                        <a:ea typeface="Hiragino Sans CNS W3" panose="020B0300000000000000" pitchFamily="34" charset="-128"/>
+                      </a:endParaRPr>
+                    </a:p>
+                  </a:txBody>
+                  <a:tcPr marL="99361" marR="99361" marT="49681" marB="49681" anchor="ctr"/>
+                </a:tc>
+                <a:extLst>
+                  <a:ext uri="{0D108BD9-81ED-4DB2-BD59-A6C34878D82A}">
+                    <a16:rowId xmlns:a16="http://schemas.microsoft.com/office/drawing/2014/main" val="729469909"/>
+                  </a:ext>
+                </a:extLst>
+              </a:tr>
+              <a:tr h="886229">
+                <a:tc>
+                  <a:txBody>
+                    <a:bodyPr/>
+                    <a:lstStyle/>
+                    <a:p>
+                      <a:pPr algn="ctr"/>
+                      <a:endParaRPr lang="zh-TW" altLang="en-US" sz="3000" dirty="0">
+                        <a:latin typeface="Hiragino Sans CNS W3" panose="020B0300000000000000" pitchFamily="34" charset="-128"/>
+                        <a:ea typeface="Hiragino Sans CNS W3" panose="020B0300000000000000" pitchFamily="34" charset="-128"/>
+                      </a:endParaRPr>
+                    </a:p>
+                  </a:txBody>
+                  <a:tcPr marL="99361" marR="99361" marT="49681" marB="49681" anchor="ctr"/>
+                </a:tc>
+                <a:tc>
+                  <a:txBody>
+                    <a:bodyPr/>
+                    <a:lstStyle/>
+                    <a:p>
+                      <a:pPr algn="ctr"/>
+                      <a:endParaRPr lang="zh-TW" altLang="en-US" sz="3000" dirty="0">
+                        <a:latin typeface="Hiragino Sans CNS W3" panose="020B0300000000000000" pitchFamily="34" charset="-128"/>
+                        <a:ea typeface="Hiragino Sans CNS W3" panose="020B0300000000000000" pitchFamily="34" charset="-128"/>
+                      </a:endParaRPr>
+                    </a:p>
+                  </a:txBody>
+                  <a:tcPr marL="99361" marR="99361" marT="49681" marB="49681" anchor="ctr"/>
+                </a:tc>
+                <a:tc>
+                  <a:txBody>
+                    <a:bodyPr/>
+                    <a:lstStyle/>
+                    <a:p>
+                      <a:pPr algn="ctr"/>
+                      <a:endParaRPr lang="zh-TW" altLang="en-US" sz="3000" dirty="0">
+                        <a:latin typeface="Hiragino Sans CNS W3" panose="020B0300000000000000" pitchFamily="34" charset="-128"/>
+                        <a:ea typeface="Hiragino Sans CNS W3" panose="020B0300000000000000" pitchFamily="34" charset="-128"/>
+                      </a:endParaRPr>
+                    </a:p>
+                  </a:txBody>
+                  <a:tcPr marL="99361" marR="99361" marT="49681" marB="49681" anchor="ctr"/>
+                </a:tc>
+                <a:tc>
+                  <a:txBody>
+                    <a:bodyPr/>
+                    <a:lstStyle/>
+                    <a:p>
+                      <a:pPr algn="ctr"/>
+                      <a:endParaRPr lang="zh-TW" altLang="en-US" sz="3000" dirty="0">
+                        <a:latin typeface="Hiragino Sans CNS W3" panose="020B0300000000000000" pitchFamily="34" charset="-128"/>
+                        <a:ea typeface="Hiragino Sans CNS W3" panose="020B0300000000000000" pitchFamily="34" charset="-128"/>
+                      </a:endParaRPr>
+                    </a:p>
+                  </a:txBody>
+                  <a:tcPr marL="99361" marR="99361" marT="49681" marB="49681" anchor="ctr"/>
+                </a:tc>
+                <a:tc>
+                  <a:txBody>
+                    <a:bodyPr/>
+                    <a:lstStyle/>
+                    <a:p>
+                      <a:pPr algn="ctr"/>
+                      <a:endParaRPr lang="zh-TW" altLang="en-US" sz="3000" dirty="0">
+                        <a:latin typeface="Hiragino Sans CNS W3" panose="020B0300000000000000" pitchFamily="34" charset="-128"/>
+                        <a:ea typeface="Hiragino Sans CNS W3" panose="020B0300000000000000" pitchFamily="34" charset="-128"/>
+                      </a:endParaRPr>
+                    </a:p>
+                  </a:txBody>
+                  <a:tcPr marL="99361" marR="99361" marT="49681" marB="49681" anchor="ctr"/>
+                </a:tc>
+                <a:extLst>
+                  <a:ext uri="{0D108BD9-81ED-4DB2-BD59-A6C34878D82A}">
+                    <a16:rowId xmlns:a16="http://schemas.microsoft.com/office/drawing/2014/main" val="1632199547"/>
+                  </a:ext>
+                </a:extLst>
+              </a:tr>
+              <a:tr h="886229">
+                <a:tc>
+                  <a:txBody>
+                    <a:bodyPr/>
+                    <a:lstStyle/>
+                    <a:p>
+                      <a:pPr algn="ctr"/>
+                      <a:endParaRPr lang="zh-TW" altLang="en-US" sz="3000" dirty="0">
+                        <a:latin typeface="Hiragino Sans CNS W3" panose="020B0300000000000000" pitchFamily="34" charset="-128"/>
+                        <a:ea typeface="Hiragino Sans CNS W3" panose="020B0300000000000000" pitchFamily="34" charset="-128"/>
+                      </a:endParaRPr>
+                    </a:p>
+                  </a:txBody>
+                  <a:tcPr marL="99361" marR="99361" marT="49681" marB="49681" anchor="ctr"/>
+                </a:tc>
+                <a:tc>
+                  <a:txBody>
+                    <a:bodyPr/>
+                    <a:lstStyle/>
+                    <a:p>
+                      <a:pPr algn="ctr"/>
+                      <a:endParaRPr lang="zh-TW" altLang="en-US" sz="3000" dirty="0">
+                        <a:latin typeface="Hiragino Sans CNS W3" panose="020B0300000000000000" pitchFamily="34" charset="-128"/>
+                        <a:ea typeface="Hiragino Sans CNS W3" panose="020B0300000000000000" pitchFamily="34" charset="-128"/>
+                      </a:endParaRPr>
+                    </a:p>
+                  </a:txBody>
+                  <a:tcPr marL="99361" marR="99361" marT="49681" marB="49681" anchor="ctr"/>
+                </a:tc>
+                <a:tc>
+                  <a:txBody>
+                    <a:bodyPr/>
+                    <a:lstStyle/>
+                    <a:p>
+                      <a:pPr algn="ctr"/>
+                      <a:endParaRPr lang="zh-TW" altLang="en-US" sz="3000" dirty="0">
+                        <a:latin typeface="Hiragino Sans CNS W3" panose="020B0300000000000000" pitchFamily="34" charset="-128"/>
+                        <a:ea typeface="Hiragino Sans CNS W3" panose="020B0300000000000000" pitchFamily="34" charset="-128"/>
+                      </a:endParaRPr>
+                    </a:p>
+                  </a:txBody>
+                  <a:tcPr marL="99361" marR="99361" marT="49681" marB="49681" anchor="ctr"/>
+                </a:tc>
+                <a:tc>
+                  <a:txBody>
+                    <a:bodyPr/>
+                    <a:lstStyle/>
+                    <a:p>
+                      <a:pPr algn="ctr"/>
+                      <a:endParaRPr lang="zh-TW" altLang="en-US" sz="3000" dirty="0">
+                        <a:latin typeface="Hiragino Sans CNS W3" panose="020B0300000000000000" pitchFamily="34" charset="-128"/>
+                        <a:ea typeface="Hiragino Sans CNS W3" panose="020B0300000000000000" pitchFamily="34" charset="-128"/>
+                      </a:endParaRPr>
+                    </a:p>
+                  </a:txBody>
+                  <a:tcPr marL="99361" marR="99361" marT="49681" marB="49681" anchor="ctr"/>
+                </a:tc>
+                <a:tc>
+                  <a:txBody>
+                    <a:bodyPr/>
+                    <a:lstStyle/>
+                    <a:p>
+                      <a:pPr algn="ctr"/>
+                      <a:endParaRPr lang="zh-TW" altLang="en-US" sz="3000" dirty="0">
+                        <a:latin typeface="Hiragino Sans CNS W3" panose="020B0300000000000000" pitchFamily="34" charset="-128"/>
+                        <a:ea typeface="Hiragino Sans CNS W3" panose="020B0300000000000000" pitchFamily="34" charset="-128"/>
+                      </a:endParaRPr>
+                    </a:p>
+                  </a:txBody>
+                  <a:tcPr marL="99361" marR="99361" marT="49681" marB="49681" anchor="ctr"/>
+                </a:tc>
+                <a:extLst>
+                  <a:ext uri="{0D108BD9-81ED-4DB2-BD59-A6C34878D82A}">
+                    <a16:rowId xmlns:a16="http://schemas.microsoft.com/office/drawing/2014/main" val="1783147424"/>
+                  </a:ext>
+                </a:extLst>
+              </a:tr>
+              <a:tr h="886229">
+                <a:tc>
+                  <a:txBody>
+                    <a:bodyPr/>
+                    <a:lstStyle/>
+                    <a:p>
+                      <a:pPr algn="ctr"/>
+                      <a:endParaRPr lang="zh-TW" altLang="en-US" sz="3000" dirty="0">
+                        <a:latin typeface="Hiragino Sans CNS W3" panose="020B0300000000000000" pitchFamily="34" charset="-128"/>
+                        <a:ea typeface="Hiragino Sans CNS W3" panose="020B0300000000000000" pitchFamily="34" charset="-128"/>
+                      </a:endParaRPr>
+                    </a:p>
+                  </a:txBody>
+                  <a:tcPr marL="99361" marR="99361" marT="49681" marB="49681" anchor="ctr"/>
+                </a:tc>
+                <a:tc>
+                  <a:txBody>
+                    <a:bodyPr/>
+                    <a:lstStyle/>
+                    <a:p>
+                      <a:pPr algn="ctr"/>
+                      <a:endParaRPr lang="zh-TW" altLang="en-US" sz="3000" dirty="0">
+                        <a:latin typeface="Hiragino Sans CNS W3" panose="020B0300000000000000" pitchFamily="34" charset="-128"/>
+                        <a:ea typeface="Hiragino Sans CNS W3" panose="020B0300000000000000" pitchFamily="34" charset="-128"/>
+                      </a:endParaRPr>
+                    </a:p>
+                  </a:txBody>
+                  <a:tcPr marL="99361" marR="99361" marT="49681" marB="49681" anchor="ctr"/>
+                </a:tc>
+                <a:tc>
+                  <a:txBody>
+                    <a:bodyPr/>
+                    <a:lstStyle/>
+                    <a:p>
+                      <a:pPr algn="ctr"/>
+                      <a:endParaRPr lang="zh-TW" altLang="en-US" sz="3000" dirty="0">
+                        <a:latin typeface="Hiragino Sans CNS W3" panose="020B0300000000000000" pitchFamily="34" charset="-128"/>
+                        <a:ea typeface="Hiragino Sans CNS W3" panose="020B0300000000000000" pitchFamily="34" charset="-128"/>
+                      </a:endParaRPr>
+                    </a:p>
+                  </a:txBody>
+                  <a:tcPr marL="99361" marR="99361" marT="49681" marB="49681" anchor="ctr"/>
+                </a:tc>
+                <a:tc>
+                  <a:txBody>
+                    <a:bodyPr/>
+                    <a:lstStyle/>
+                    <a:p>
+                      <a:pPr algn="ctr"/>
+                      <a:endParaRPr lang="zh-TW" altLang="en-US" sz="3000" dirty="0">
+                        <a:latin typeface="Hiragino Sans CNS W3" panose="020B0300000000000000" pitchFamily="34" charset="-128"/>
+                        <a:ea typeface="Hiragino Sans CNS W3" panose="020B0300000000000000" pitchFamily="34" charset="-128"/>
+                      </a:endParaRPr>
+                    </a:p>
+                  </a:txBody>
+                  <a:tcPr marL="99361" marR="99361" marT="49681" marB="49681" anchor="ctr"/>
+                </a:tc>
+                <a:tc>
+                  <a:txBody>
+                    <a:bodyPr/>
+                    <a:lstStyle/>
+                    <a:p>
+                      <a:pPr algn="ctr"/>
+                      <a:endParaRPr lang="zh-TW" altLang="en-US" sz="3000" dirty="0">
+                        <a:latin typeface="Hiragino Sans CNS W3" panose="020B0300000000000000" pitchFamily="34" charset="-128"/>
+                        <a:ea typeface="Hiragino Sans CNS W3" panose="020B0300000000000000" pitchFamily="34" charset="-128"/>
+                      </a:endParaRPr>
+                    </a:p>
+                  </a:txBody>
+                  <a:tcPr marL="99361" marR="99361" marT="49681" marB="49681" anchor="ctr"/>
+                </a:tc>
+                <a:extLst>
+                  <a:ext uri="{0D108BD9-81ED-4DB2-BD59-A6C34878D82A}">
+                    <a16:rowId xmlns:a16="http://schemas.microsoft.com/office/drawing/2014/main" val="3144180348"/>
+                  </a:ext>
+                </a:extLst>
+              </a:tr>
+            </a:tbl>
+          </a:graphicData>
+        </a:graphic>
+      </p:graphicFrame>
+      <p:sp>
+        <p:nvSpPr>
+          <p:cNvPr id="6" name="文字方塊 5">
+            <a:extLst>
+              <a:ext uri="{FF2B5EF4-FFF2-40B4-BE49-F238E27FC236}">
+                <a16:creationId xmlns:a16="http://schemas.microsoft.com/office/drawing/2014/main" id="{2E5F868E-135B-D220-DBF2-07D5F6F496DA}"/>
+              </a:ext>
+            </a:extLst>
+          </p:cNvPr>
+          <p:cNvSpPr txBox="1"/>
+          <p:nvPr/>
+        </p:nvSpPr>
+        <p:spPr>
+          <a:xfrm>
+            <a:off x="744582" y="6231265"/>
+            <a:ext cx="2015295" cy="523220"/>
+          </a:xfrm>
+          <a:prstGeom prst="rect">
+            <a:avLst/>
+          </a:prstGeom>
+          <a:noFill/>
+        </p:spPr>
+        <p:txBody>
+          <a:bodyPr wrap="none" rtlCol="0">
+            <a:spAutoFit/>
+          </a:bodyPr>
+          <a:lstStyle/>
+          <a:p>
+            <a:r>
+              <a:rPr kumimoji="1" lang="en-US" altLang="zh-TW" sz="2800" dirty="0"/>
+              <a:t>Queue: [2,0]</a:t>
+            </a:r>
+            <a:endParaRPr kumimoji="1" lang="zh-TW" altLang="en-US" sz="2800" dirty="0"/>
+          </a:p>
+        </p:txBody>
+      </p:sp>
+    </p:spTree>
+    <p:extLst>
+      <p:ext uri="{BB962C8B-B14F-4D97-AF65-F5344CB8AC3E}">
+        <p14:creationId xmlns:p14="http://schemas.microsoft.com/office/powerpoint/2010/main" val="1682316909"/>
+      </p:ext>
+    </p:extLst>
+  </p:cSld>
+  <p:clrMapOvr>
+    <a:masterClrMapping/>
+  </p:clrMapOvr>
+</p:sld>
+</file>
+
+<file path=ppt/slides/slide12.xml><?xml version="1.0" encoding="utf-8"?>
+<p:sld xmlns:a="http://schemas.openxmlformats.org/drawingml/2006/main" xmlns:r="http://schemas.openxmlformats.org/officeDocument/2006/relationships" xmlns:p="http://schemas.openxmlformats.org/presentationml/2006/main">
+  <p:cSld>
+    <p:spTree>
+      <p:nvGrpSpPr>
+        <p:cNvPr id="1" name=""/>
+        <p:cNvGrpSpPr/>
+        <p:nvPr/>
+      </p:nvGrpSpPr>
+      <p:grpSpPr>
+        <a:xfrm>
+          <a:off x="0" y="0"/>
+          <a:ext cx="0" cy="0"/>
+          <a:chOff x="0" y="0"/>
+          <a:chExt cx="0" cy="0"/>
+        </a:xfrm>
+      </p:grpSpPr>
+      <p:sp>
+        <p:nvSpPr>
+          <p:cNvPr id="2" name="標題 1">
+            <a:extLst>
+              <a:ext uri="{FF2B5EF4-FFF2-40B4-BE49-F238E27FC236}">
+                <a16:creationId xmlns:a16="http://schemas.microsoft.com/office/drawing/2014/main" id="{B4FD27FB-CFA4-8E72-E656-450DE1D8D350}"/>
+              </a:ext>
+            </a:extLst>
+          </p:cNvPr>
+          <p:cNvSpPr>
+            <a:spLocks noGrp="1"/>
+          </p:cNvSpPr>
+          <p:nvPr>
+            <p:ph type="title"/>
+          </p:nvPr>
+        </p:nvSpPr>
+        <p:spPr/>
+        <p:txBody>
+          <a:bodyPr/>
+          <a:lstStyle/>
+          <a:p>
+            <a:r>
+              <a:rPr kumimoji="1" lang="en-US" altLang="zh-TW" dirty="0"/>
+              <a:t>BFS Algorithm with Route</a:t>
+            </a:r>
+            <a:endParaRPr kumimoji="1" lang="zh-TW" altLang="en-US" dirty="0"/>
+          </a:p>
+        </p:txBody>
+      </p:sp>
+      <p:graphicFrame>
+        <p:nvGraphicFramePr>
+          <p:cNvPr id="4" name="表格 4">
+            <a:extLst>
+              <a:ext uri="{FF2B5EF4-FFF2-40B4-BE49-F238E27FC236}">
+                <a16:creationId xmlns:a16="http://schemas.microsoft.com/office/drawing/2014/main" id="{2A4EC703-C96C-BB6E-6F6E-643DE3F3862A}"/>
+              </a:ext>
+            </a:extLst>
+          </p:cNvPr>
+          <p:cNvGraphicFramePr>
+            <a:graphicFrameLocks noGrp="1"/>
+          </p:cNvGraphicFramePr>
+          <p:nvPr>
+            <p:extLst>
+              <p:ext uri="{D42A27DB-BD31-4B8C-83A1-F6EECF244321}">
+                <p14:modId xmlns:p14="http://schemas.microsoft.com/office/powerpoint/2010/main" val="3132447973"/>
+              </p:ext>
+            </p:extLst>
+          </p:nvPr>
+        </p:nvGraphicFramePr>
+        <p:xfrm>
+          <a:off x="637152" y="1690688"/>
+          <a:ext cx="4451070" cy="4431145"/>
+        </p:xfrm>
+        <a:graphic>
+          <a:graphicData uri="http://schemas.openxmlformats.org/drawingml/2006/table">
+            <a:tbl>
+              <a:tblPr bandRow="1">
+                <a:tableStyleId>{F5AB1C69-6EDB-4FF4-983F-18BD219EF322}</a:tableStyleId>
+              </a:tblPr>
+              <a:tblGrid>
+                <a:gridCol w="890214">
+                  <a:extLst>
+                    <a:ext uri="{9D8B030D-6E8A-4147-A177-3AD203B41FA5}">
+                      <a16:colId xmlns:a16="http://schemas.microsoft.com/office/drawing/2014/main" val="3457372882"/>
+                    </a:ext>
+                  </a:extLst>
+                </a:gridCol>
+                <a:gridCol w="890214">
+                  <a:extLst>
+                    <a:ext uri="{9D8B030D-6E8A-4147-A177-3AD203B41FA5}">
+                      <a16:colId xmlns:a16="http://schemas.microsoft.com/office/drawing/2014/main" val="4012716525"/>
+                    </a:ext>
+                  </a:extLst>
+                </a:gridCol>
+                <a:gridCol w="890214">
+                  <a:extLst>
+                    <a:ext uri="{9D8B030D-6E8A-4147-A177-3AD203B41FA5}">
+                      <a16:colId xmlns:a16="http://schemas.microsoft.com/office/drawing/2014/main" val="3635152842"/>
+                    </a:ext>
+                  </a:extLst>
+                </a:gridCol>
+                <a:gridCol w="890214">
+                  <a:extLst>
+                    <a:ext uri="{9D8B030D-6E8A-4147-A177-3AD203B41FA5}">
+                      <a16:colId xmlns:a16="http://schemas.microsoft.com/office/drawing/2014/main" val="1376262311"/>
+                    </a:ext>
+                  </a:extLst>
+                </a:gridCol>
+                <a:gridCol w="890214">
+                  <a:extLst>
+                    <a:ext uri="{9D8B030D-6E8A-4147-A177-3AD203B41FA5}">
+                      <a16:colId xmlns:a16="http://schemas.microsoft.com/office/drawing/2014/main" val="1171847317"/>
+                    </a:ext>
+                  </a:extLst>
+                </a:gridCol>
+              </a:tblGrid>
+              <a:tr h="886229">
+                <a:tc>
+                  <a:txBody>
+                    <a:bodyPr/>
+                    <a:lstStyle/>
+                    <a:p>
+                      <a:pPr algn="ctr"/>
+                      <a:r>
+                        <a:rPr lang="en-US" altLang="zh-TW" sz="3000" dirty="0">
+                          <a:latin typeface="Hiragino Sans CNS W3" panose="020B0300000000000000" pitchFamily="34" charset="-128"/>
+                          <a:ea typeface="Hiragino Sans CNS W3" panose="020B0300000000000000" pitchFamily="34" charset="-128"/>
+                        </a:rPr>
+                        <a:t>1</a:t>
+                      </a:r>
+                      <a:endParaRPr lang="zh-TW" altLang="en-US" sz="3000" dirty="0">
+                        <a:latin typeface="Hiragino Sans CNS W3" panose="020B0300000000000000" pitchFamily="34" charset="-128"/>
+                        <a:ea typeface="Hiragino Sans CNS W3" panose="020B0300000000000000" pitchFamily="34" charset="-128"/>
+                      </a:endParaRPr>
+                    </a:p>
+                  </a:txBody>
+                  <a:tcPr marL="99361" marR="99361" marT="49681" marB="49681" anchor="ctr"/>
+                </a:tc>
+                <a:tc>
+                  <a:txBody>
+                    <a:bodyPr/>
+                    <a:lstStyle/>
+                    <a:p>
+                      <a:pPr algn="ctr"/>
+                      <a:r>
+                        <a:rPr lang="en-US" altLang="zh-TW" sz="3000" dirty="0">
+                          <a:latin typeface="Hiragino Sans CNS W3" panose="020B0300000000000000" pitchFamily="34" charset="-128"/>
+                          <a:ea typeface="Hiragino Sans CNS W3" panose="020B0300000000000000" pitchFamily="34" charset="-128"/>
+                        </a:rPr>
+                        <a:t>2</a:t>
+                      </a:r>
+                      <a:endParaRPr lang="zh-TW" altLang="en-US" sz="3000" dirty="0">
+                        <a:latin typeface="Hiragino Sans CNS W3" panose="020B0300000000000000" pitchFamily="34" charset="-128"/>
+                        <a:ea typeface="Hiragino Sans CNS W3" panose="020B0300000000000000" pitchFamily="34" charset="-128"/>
+                      </a:endParaRPr>
+                    </a:p>
+                  </a:txBody>
+                  <a:tcPr marL="99361" marR="99361" marT="49681" marB="49681" anchor="ctr"/>
+                </a:tc>
+                <a:tc>
+                  <a:txBody>
+                    <a:bodyPr/>
+                    <a:lstStyle/>
+                    <a:p>
+                      <a:pPr algn="ctr"/>
+                      <a:r>
+                        <a:rPr lang="en-US" altLang="zh-TW" sz="3000" dirty="0">
+                          <a:latin typeface="Hiragino Sans CNS W3" panose="020B0300000000000000" pitchFamily="34" charset="-128"/>
+                          <a:ea typeface="Hiragino Sans CNS W3" panose="020B0300000000000000" pitchFamily="34" charset="-128"/>
+                        </a:rPr>
+                        <a:t>5</a:t>
+                      </a:r>
+                      <a:endParaRPr lang="zh-TW" altLang="en-US" sz="3000" dirty="0">
+                        <a:latin typeface="Hiragino Sans CNS W3" panose="020B0300000000000000" pitchFamily="34" charset="-128"/>
+                        <a:ea typeface="Hiragino Sans CNS W3" panose="020B0300000000000000" pitchFamily="34" charset="-128"/>
+                      </a:endParaRPr>
+                    </a:p>
+                  </a:txBody>
+                  <a:tcPr marL="99361" marR="99361" marT="49681" marB="49681" anchor="ctr"/>
+                </a:tc>
+                <a:tc>
+                  <a:txBody>
+                    <a:bodyPr/>
+                    <a:lstStyle/>
+                    <a:p>
+                      <a:pPr algn="ctr"/>
+                      <a:r>
+                        <a:rPr lang="en-US" altLang="zh-TW" sz="3000" dirty="0">
+                          <a:latin typeface="Hiragino Sans CNS W3" panose="020B0300000000000000" pitchFamily="34" charset="-128"/>
+                          <a:ea typeface="Hiragino Sans CNS W3" panose="020B0300000000000000" pitchFamily="34" charset="-128"/>
+                        </a:rPr>
+                        <a:t>3</a:t>
+                      </a:r>
+                      <a:endParaRPr lang="zh-TW" altLang="en-US" sz="3000" dirty="0">
+                        <a:latin typeface="Hiragino Sans CNS W3" panose="020B0300000000000000" pitchFamily="34" charset="-128"/>
+                        <a:ea typeface="Hiragino Sans CNS W3" panose="020B0300000000000000" pitchFamily="34" charset="-128"/>
+                      </a:endParaRPr>
+                    </a:p>
+                  </a:txBody>
+                  <a:tcPr marL="99361" marR="99361" marT="49681" marB="49681" anchor="ctr"/>
+                </a:tc>
+                <a:tc>
+                  <a:txBody>
+                    <a:bodyPr/>
+                    <a:lstStyle/>
+                    <a:p>
+                      <a:pPr algn="ctr"/>
+                      <a:r>
+                        <a:rPr lang="en-US" altLang="zh-TW" sz="3000" dirty="0">
+                          <a:latin typeface="Hiragino Sans CNS W3" panose="020B0300000000000000" pitchFamily="34" charset="-128"/>
+                          <a:ea typeface="Hiragino Sans CNS W3" panose="020B0300000000000000" pitchFamily="34" charset="-128"/>
+                        </a:rPr>
+                        <a:t>4</a:t>
+                      </a:r>
+                      <a:endParaRPr lang="zh-TW" altLang="en-US" sz="3000" dirty="0">
+                        <a:latin typeface="Hiragino Sans CNS W3" panose="020B0300000000000000" pitchFamily="34" charset="-128"/>
+                        <a:ea typeface="Hiragino Sans CNS W3" panose="020B0300000000000000" pitchFamily="34" charset="-128"/>
+                      </a:endParaRPr>
+                    </a:p>
+                  </a:txBody>
+                  <a:tcPr marL="99361" marR="99361" marT="49681" marB="49681" anchor="ctr"/>
+                </a:tc>
+                <a:extLst>
+                  <a:ext uri="{0D108BD9-81ED-4DB2-BD59-A6C34878D82A}">
+                    <a16:rowId xmlns:a16="http://schemas.microsoft.com/office/drawing/2014/main" val="3063813678"/>
+                  </a:ext>
+                </a:extLst>
+              </a:tr>
+              <a:tr h="886229">
+                <a:tc>
+                  <a:txBody>
+                    <a:bodyPr/>
+                    <a:lstStyle/>
+                    <a:p>
+                      <a:pPr algn="ctr"/>
+                      <a:r>
+                        <a:rPr lang="en-US" altLang="zh-TW" sz="3000" dirty="0">
+                          <a:latin typeface="Hiragino Sans CNS W3" panose="020B0300000000000000" pitchFamily="34" charset="-128"/>
+                          <a:ea typeface="Hiragino Sans CNS W3" panose="020B0300000000000000" pitchFamily="34" charset="-128"/>
+                        </a:rPr>
+                        <a:t>4</a:t>
+                      </a:r>
+                      <a:endParaRPr lang="zh-TW" altLang="en-US" sz="3000" dirty="0">
+                        <a:latin typeface="Hiragino Sans CNS W3" panose="020B0300000000000000" pitchFamily="34" charset="-128"/>
+                        <a:ea typeface="Hiragino Sans CNS W3" panose="020B0300000000000000" pitchFamily="34" charset="-128"/>
+                      </a:endParaRPr>
+                    </a:p>
+                  </a:txBody>
+                  <a:tcPr marL="99361" marR="99361" marT="49681" marB="49681" anchor="ctr">
+                    <a:solidFill>
+                      <a:schemeClr val="accent2"/>
+                    </a:solidFill>
+                  </a:tcPr>
+                </a:tc>
+                <a:tc>
+                  <a:txBody>
+                    <a:bodyPr/>
+                    <a:lstStyle/>
+                    <a:p>
+                      <a:pPr algn="ctr"/>
+                      <a:r>
+                        <a:rPr lang="en-US" altLang="zh-TW" sz="3000" dirty="0">
+                          <a:latin typeface="Hiragino Sans CNS W3" panose="020B0300000000000000" pitchFamily="34" charset="-128"/>
+                          <a:ea typeface="Hiragino Sans CNS W3" panose="020B0300000000000000" pitchFamily="34" charset="-128"/>
+                        </a:rPr>
+                        <a:t>4</a:t>
+                      </a:r>
+                      <a:endParaRPr lang="zh-TW" altLang="en-US" sz="3000" dirty="0">
+                        <a:latin typeface="Hiragino Sans CNS W3" panose="020B0300000000000000" pitchFamily="34" charset="-128"/>
+                        <a:ea typeface="Hiragino Sans CNS W3" panose="020B0300000000000000" pitchFamily="34" charset="-128"/>
+                      </a:endParaRPr>
+                    </a:p>
+                  </a:txBody>
+                  <a:tcPr marL="99361" marR="99361" marT="49681" marB="49681" anchor="ctr">
+                    <a:solidFill>
+                      <a:schemeClr val="accent2"/>
+                    </a:solidFill>
+                  </a:tcPr>
+                </a:tc>
+                <a:tc>
+                  <a:txBody>
+                    <a:bodyPr/>
+                    <a:lstStyle/>
+                    <a:p>
+                      <a:pPr algn="ctr"/>
+                      <a:r>
+                        <a:rPr lang="en-US" altLang="zh-TW" sz="3000" dirty="0">
+                          <a:latin typeface="Hiragino Sans CNS W3" panose="020B0300000000000000" pitchFamily="34" charset="-128"/>
+                          <a:ea typeface="Hiragino Sans CNS W3" panose="020B0300000000000000" pitchFamily="34" charset="-128"/>
+                        </a:rPr>
+                        <a:t>5</a:t>
+                      </a:r>
+                      <a:endParaRPr lang="zh-TW" altLang="en-US" sz="3000" dirty="0">
+                        <a:latin typeface="Hiragino Sans CNS W3" panose="020B0300000000000000" pitchFamily="34" charset="-128"/>
+                        <a:ea typeface="Hiragino Sans CNS W3" panose="020B0300000000000000" pitchFamily="34" charset="-128"/>
+                      </a:endParaRPr>
+                    </a:p>
+                  </a:txBody>
+                  <a:tcPr marL="99361" marR="99361" marT="49681" marB="49681" anchor="ctr"/>
+                </a:tc>
+                <a:tc>
+                  <a:txBody>
+                    <a:bodyPr/>
+                    <a:lstStyle/>
+                    <a:p>
+                      <a:pPr algn="ctr"/>
+                      <a:r>
+                        <a:rPr lang="en-US" altLang="zh-TW" sz="3000" dirty="0">
+                          <a:latin typeface="Hiragino Sans CNS W3" panose="020B0300000000000000" pitchFamily="34" charset="-128"/>
+                          <a:ea typeface="Hiragino Sans CNS W3" panose="020B0300000000000000" pitchFamily="34" charset="-128"/>
+                        </a:rPr>
+                        <a:t>2</a:t>
+                      </a:r>
+                      <a:endParaRPr lang="zh-TW" altLang="en-US" sz="3000" dirty="0">
+                        <a:latin typeface="Hiragino Sans CNS W3" panose="020B0300000000000000" pitchFamily="34" charset="-128"/>
+                        <a:ea typeface="Hiragino Sans CNS W3" panose="020B0300000000000000" pitchFamily="34" charset="-128"/>
+                      </a:endParaRPr>
+                    </a:p>
+                  </a:txBody>
+                  <a:tcPr marL="99361" marR="99361" marT="49681" marB="49681" anchor="ctr"/>
+                </a:tc>
+                <a:tc>
+                  <a:txBody>
+                    <a:bodyPr/>
+                    <a:lstStyle/>
+                    <a:p>
+                      <a:pPr algn="ctr"/>
+                      <a:r>
+                        <a:rPr lang="en-US" altLang="zh-TW" sz="3000" dirty="0">
+                          <a:latin typeface="Hiragino Sans CNS W3" panose="020B0300000000000000" pitchFamily="34" charset="-128"/>
+                          <a:ea typeface="Hiragino Sans CNS W3" panose="020B0300000000000000" pitchFamily="34" charset="-128"/>
+                        </a:rPr>
+                        <a:t>1</a:t>
+                      </a:r>
+                      <a:endParaRPr lang="zh-TW" altLang="en-US" sz="3000" dirty="0">
+                        <a:latin typeface="Hiragino Sans CNS W3" panose="020B0300000000000000" pitchFamily="34" charset="-128"/>
+                        <a:ea typeface="Hiragino Sans CNS W3" panose="020B0300000000000000" pitchFamily="34" charset="-128"/>
+                      </a:endParaRPr>
+                    </a:p>
+                  </a:txBody>
+                  <a:tcPr marL="99361" marR="99361" marT="49681" marB="49681" anchor="ctr"/>
+                </a:tc>
+                <a:extLst>
+                  <a:ext uri="{0D108BD9-81ED-4DB2-BD59-A6C34878D82A}">
+                    <a16:rowId xmlns:a16="http://schemas.microsoft.com/office/drawing/2014/main" val="729469909"/>
+                  </a:ext>
+                </a:extLst>
+              </a:tr>
+              <a:tr h="886229">
+                <a:tc>
+                  <a:txBody>
+                    <a:bodyPr/>
+                    <a:lstStyle/>
+                    <a:p>
+                      <a:pPr algn="ctr"/>
+                      <a:r>
+                        <a:rPr lang="en-US" altLang="zh-TW" sz="3000" dirty="0">
+                          <a:latin typeface="Hiragino Sans CNS W3" panose="020B0300000000000000" pitchFamily="34" charset="-128"/>
+                          <a:ea typeface="Hiragino Sans CNS W3" panose="020B0300000000000000" pitchFamily="34" charset="-128"/>
+                        </a:rPr>
+                        <a:t>4</a:t>
+                      </a:r>
+                      <a:endParaRPr lang="zh-TW" altLang="en-US" sz="3000" dirty="0">
+                        <a:latin typeface="Hiragino Sans CNS W3" panose="020B0300000000000000" pitchFamily="34" charset="-128"/>
+                        <a:ea typeface="Hiragino Sans CNS W3" panose="020B0300000000000000" pitchFamily="34" charset="-128"/>
+                      </a:endParaRPr>
+                    </a:p>
+                  </a:txBody>
+                  <a:tcPr marL="99361" marR="99361" marT="49681" marB="49681" anchor="ctr">
+                    <a:solidFill>
+                      <a:schemeClr val="accent2">
+                        <a:lumMod val="40000"/>
+                        <a:lumOff val="60000"/>
+                      </a:schemeClr>
+                    </a:solidFill>
+                  </a:tcPr>
+                </a:tc>
+                <a:tc>
+                  <a:txBody>
+                    <a:bodyPr/>
+                    <a:lstStyle/>
+                    <a:p>
+                      <a:pPr algn="ctr"/>
+                      <a:r>
+                        <a:rPr lang="en-US" altLang="zh-TW" sz="3000" dirty="0">
+                          <a:latin typeface="Hiragino Sans CNS W3" panose="020B0300000000000000" pitchFamily="34" charset="-128"/>
+                          <a:ea typeface="Hiragino Sans CNS W3" panose="020B0300000000000000" pitchFamily="34" charset="-128"/>
+                        </a:rPr>
+                        <a:t>3</a:t>
+                      </a:r>
+                      <a:endParaRPr lang="zh-TW" altLang="en-US" sz="3000" dirty="0">
+                        <a:latin typeface="Hiragino Sans CNS W3" panose="020B0300000000000000" pitchFamily="34" charset="-128"/>
+                        <a:ea typeface="Hiragino Sans CNS W3" panose="020B0300000000000000" pitchFamily="34" charset="-128"/>
+                      </a:endParaRPr>
+                    </a:p>
+                  </a:txBody>
+                  <a:tcPr marL="99361" marR="99361" marT="49681" marB="49681" anchor="ctr"/>
+                </a:tc>
+                <a:tc>
+                  <a:txBody>
+                    <a:bodyPr/>
+                    <a:lstStyle/>
+                    <a:p>
+                      <a:pPr algn="ctr"/>
+                      <a:r>
+                        <a:rPr lang="en-US" altLang="zh-TW" sz="3000" dirty="0">
+                          <a:latin typeface="Hiragino Sans CNS W3" panose="020B0300000000000000" pitchFamily="34" charset="-128"/>
+                          <a:ea typeface="Hiragino Sans CNS W3" panose="020B0300000000000000" pitchFamily="34" charset="-128"/>
+                        </a:rPr>
+                        <a:t>2</a:t>
+                      </a:r>
+                      <a:endParaRPr lang="zh-TW" altLang="en-US" sz="3000" dirty="0">
+                        <a:latin typeface="Hiragino Sans CNS W3" panose="020B0300000000000000" pitchFamily="34" charset="-128"/>
+                        <a:ea typeface="Hiragino Sans CNS W3" panose="020B0300000000000000" pitchFamily="34" charset="-128"/>
+                      </a:endParaRPr>
+                    </a:p>
+                  </a:txBody>
+                  <a:tcPr marL="99361" marR="99361" marT="49681" marB="49681" anchor="ctr"/>
+                </a:tc>
+                <a:tc>
+                  <a:txBody>
+                    <a:bodyPr/>
+                    <a:lstStyle/>
+                    <a:p>
+                      <a:pPr algn="ctr"/>
+                      <a:r>
+                        <a:rPr lang="en-US" altLang="zh-TW" sz="3000" dirty="0">
+                          <a:latin typeface="Hiragino Sans CNS W3" panose="020B0300000000000000" pitchFamily="34" charset="-128"/>
+                          <a:ea typeface="Hiragino Sans CNS W3" panose="020B0300000000000000" pitchFamily="34" charset="-128"/>
+                        </a:rPr>
+                        <a:t>5</a:t>
+                      </a:r>
+                      <a:endParaRPr lang="zh-TW" altLang="en-US" sz="3000" dirty="0">
+                        <a:latin typeface="Hiragino Sans CNS W3" panose="020B0300000000000000" pitchFamily="34" charset="-128"/>
+                        <a:ea typeface="Hiragino Sans CNS W3" panose="020B0300000000000000" pitchFamily="34" charset="-128"/>
+                      </a:endParaRPr>
+                    </a:p>
+                  </a:txBody>
+                  <a:tcPr marL="99361" marR="99361" marT="49681" marB="49681" anchor="ctr"/>
+                </a:tc>
+                <a:tc>
+                  <a:txBody>
+                    <a:bodyPr/>
+                    <a:lstStyle/>
+                    <a:p>
+                      <a:pPr algn="ctr"/>
+                      <a:r>
+                        <a:rPr lang="en-US" altLang="zh-TW" sz="3000" dirty="0">
+                          <a:latin typeface="Hiragino Sans CNS W3" panose="020B0300000000000000" pitchFamily="34" charset="-128"/>
+                          <a:ea typeface="Hiragino Sans CNS W3" panose="020B0300000000000000" pitchFamily="34" charset="-128"/>
+                        </a:rPr>
+                        <a:t>4</a:t>
+                      </a:r>
+                      <a:endParaRPr lang="zh-TW" altLang="en-US" sz="3000" dirty="0">
+                        <a:latin typeface="Hiragino Sans CNS W3" panose="020B0300000000000000" pitchFamily="34" charset="-128"/>
+                        <a:ea typeface="Hiragino Sans CNS W3" panose="020B0300000000000000" pitchFamily="34" charset="-128"/>
+                      </a:endParaRPr>
+                    </a:p>
+                  </a:txBody>
+                  <a:tcPr marL="99361" marR="99361" marT="49681" marB="49681" anchor="ctr"/>
+                </a:tc>
+                <a:extLst>
+                  <a:ext uri="{0D108BD9-81ED-4DB2-BD59-A6C34878D82A}">
+                    <a16:rowId xmlns:a16="http://schemas.microsoft.com/office/drawing/2014/main" val="1632199547"/>
+                  </a:ext>
+                </a:extLst>
+              </a:tr>
+              <a:tr h="886229">
+                <a:tc>
+                  <a:txBody>
+                    <a:bodyPr/>
+                    <a:lstStyle/>
+                    <a:p>
+                      <a:pPr algn="ctr"/>
+                      <a:r>
+                        <a:rPr lang="en-US" altLang="zh-TW" sz="3000" dirty="0">
+                          <a:latin typeface="Hiragino Sans CNS W3" panose="020B0300000000000000" pitchFamily="34" charset="-128"/>
+                          <a:ea typeface="Hiragino Sans CNS W3" panose="020B0300000000000000" pitchFamily="34" charset="-128"/>
+                        </a:rPr>
+                        <a:t>1</a:t>
+                      </a:r>
+                      <a:endParaRPr lang="zh-TW" altLang="en-US" sz="3000" dirty="0">
+                        <a:latin typeface="Hiragino Sans CNS W3" panose="020B0300000000000000" pitchFamily="34" charset="-128"/>
+                        <a:ea typeface="Hiragino Sans CNS W3" panose="020B0300000000000000" pitchFamily="34" charset="-128"/>
+                      </a:endParaRPr>
+                    </a:p>
+                  </a:txBody>
+                  <a:tcPr marL="99361" marR="99361" marT="49681" marB="49681" anchor="ctr"/>
+                </a:tc>
+                <a:tc>
+                  <a:txBody>
+                    <a:bodyPr/>
+                    <a:lstStyle/>
+                    <a:p>
+                      <a:pPr algn="ctr"/>
+                      <a:r>
+                        <a:rPr lang="en-US" altLang="zh-TW" sz="3000" dirty="0">
+                          <a:latin typeface="Hiragino Sans CNS W3" panose="020B0300000000000000" pitchFamily="34" charset="-128"/>
+                          <a:ea typeface="Hiragino Sans CNS W3" panose="020B0300000000000000" pitchFamily="34" charset="-128"/>
+                        </a:rPr>
+                        <a:t>2</a:t>
+                      </a:r>
+                      <a:endParaRPr lang="zh-TW" altLang="en-US" sz="3000" dirty="0">
+                        <a:latin typeface="Hiragino Sans CNS W3" panose="020B0300000000000000" pitchFamily="34" charset="-128"/>
+                        <a:ea typeface="Hiragino Sans CNS W3" panose="020B0300000000000000" pitchFamily="34" charset="-128"/>
+                      </a:endParaRPr>
+                    </a:p>
+                  </a:txBody>
+                  <a:tcPr marL="99361" marR="99361" marT="49681" marB="49681" anchor="ctr"/>
+                </a:tc>
+                <a:tc>
+                  <a:txBody>
+                    <a:bodyPr/>
+                    <a:lstStyle/>
+                    <a:p>
+                      <a:pPr algn="ctr"/>
+                      <a:r>
+                        <a:rPr lang="en-US" altLang="zh-TW" sz="3000" dirty="0">
+                          <a:latin typeface="Hiragino Sans CNS W3" panose="020B0300000000000000" pitchFamily="34" charset="-128"/>
+                          <a:ea typeface="Hiragino Sans CNS W3" panose="020B0300000000000000" pitchFamily="34" charset="-128"/>
+                        </a:rPr>
+                        <a:t>1</a:t>
+                      </a:r>
+                      <a:endParaRPr lang="zh-TW" altLang="en-US" sz="3000" dirty="0">
+                        <a:latin typeface="Hiragino Sans CNS W3" panose="020B0300000000000000" pitchFamily="34" charset="-128"/>
+                        <a:ea typeface="Hiragino Sans CNS W3" panose="020B0300000000000000" pitchFamily="34" charset="-128"/>
+                      </a:endParaRPr>
+                    </a:p>
+                  </a:txBody>
+                  <a:tcPr marL="99361" marR="99361" marT="49681" marB="49681" anchor="ctr"/>
+                </a:tc>
+                <a:tc>
+                  <a:txBody>
+                    <a:bodyPr/>
+                    <a:lstStyle/>
+                    <a:p>
+                      <a:pPr algn="ctr"/>
+                      <a:r>
+                        <a:rPr lang="en-US" altLang="zh-TW" sz="3000" dirty="0">
+                          <a:latin typeface="Hiragino Sans CNS W3" panose="020B0300000000000000" pitchFamily="34" charset="-128"/>
+                          <a:ea typeface="Hiragino Sans CNS W3" panose="020B0300000000000000" pitchFamily="34" charset="-128"/>
+                        </a:rPr>
+                        <a:t>3</a:t>
+                      </a:r>
+                      <a:endParaRPr lang="zh-TW" altLang="en-US" sz="3000" dirty="0">
+                        <a:latin typeface="Hiragino Sans CNS W3" panose="020B0300000000000000" pitchFamily="34" charset="-128"/>
+                        <a:ea typeface="Hiragino Sans CNS W3" panose="020B0300000000000000" pitchFamily="34" charset="-128"/>
+                      </a:endParaRPr>
+                    </a:p>
+                  </a:txBody>
+                  <a:tcPr marL="99361" marR="99361" marT="49681" marB="49681" anchor="ctr"/>
+                </a:tc>
+                <a:tc>
+                  <a:txBody>
+                    <a:bodyPr/>
+                    <a:lstStyle/>
+                    <a:p>
+                      <a:pPr algn="ctr"/>
+                      <a:r>
+                        <a:rPr lang="en-US" altLang="zh-TW" sz="3000" dirty="0">
+                          <a:latin typeface="Hiragino Sans CNS W3" panose="020B0300000000000000" pitchFamily="34" charset="-128"/>
+                          <a:ea typeface="Hiragino Sans CNS W3" panose="020B0300000000000000" pitchFamily="34" charset="-128"/>
+                        </a:rPr>
+                        <a:t>3</a:t>
+                      </a:r>
+                      <a:endParaRPr lang="zh-TW" altLang="en-US" sz="3000" dirty="0">
+                        <a:latin typeface="Hiragino Sans CNS W3" panose="020B0300000000000000" pitchFamily="34" charset="-128"/>
+                        <a:ea typeface="Hiragino Sans CNS W3" panose="020B0300000000000000" pitchFamily="34" charset="-128"/>
+                      </a:endParaRPr>
+                    </a:p>
+                  </a:txBody>
+                  <a:tcPr marL="99361" marR="99361" marT="49681" marB="49681" anchor="ctr"/>
+                </a:tc>
+                <a:extLst>
+                  <a:ext uri="{0D108BD9-81ED-4DB2-BD59-A6C34878D82A}">
+                    <a16:rowId xmlns:a16="http://schemas.microsoft.com/office/drawing/2014/main" val="1783147424"/>
+                  </a:ext>
+                </a:extLst>
+              </a:tr>
+              <a:tr h="886229">
+                <a:tc>
+                  <a:txBody>
+                    <a:bodyPr/>
+                    <a:lstStyle/>
+                    <a:p>
+                      <a:pPr algn="ctr"/>
+                      <a:r>
+                        <a:rPr lang="en-US" altLang="zh-TW" sz="3000" dirty="0">
+                          <a:latin typeface="Hiragino Sans CNS W3" panose="020B0300000000000000" pitchFamily="34" charset="-128"/>
+                          <a:ea typeface="Hiragino Sans CNS W3" panose="020B0300000000000000" pitchFamily="34" charset="-128"/>
+                        </a:rPr>
+                        <a:t>4</a:t>
+                      </a:r>
+                      <a:endParaRPr lang="zh-TW" altLang="en-US" sz="3000" dirty="0">
+                        <a:latin typeface="Hiragino Sans CNS W3" panose="020B0300000000000000" pitchFamily="34" charset="-128"/>
+                        <a:ea typeface="Hiragino Sans CNS W3" panose="020B0300000000000000" pitchFamily="34" charset="-128"/>
+                      </a:endParaRPr>
+                    </a:p>
+                  </a:txBody>
+                  <a:tcPr marL="99361" marR="99361" marT="49681" marB="49681" anchor="ctr"/>
+                </a:tc>
+                <a:tc>
+                  <a:txBody>
+                    <a:bodyPr/>
+                    <a:lstStyle/>
+                    <a:p>
+                      <a:pPr algn="ctr"/>
+                      <a:r>
+                        <a:rPr lang="en-US" altLang="zh-TW" sz="3000" dirty="0">
+                          <a:latin typeface="Hiragino Sans CNS W3" panose="020B0300000000000000" pitchFamily="34" charset="-128"/>
+                          <a:ea typeface="Hiragino Sans CNS W3" panose="020B0300000000000000" pitchFamily="34" charset="-128"/>
+                        </a:rPr>
+                        <a:t>4</a:t>
+                      </a:r>
+                      <a:endParaRPr lang="zh-TW" altLang="en-US" sz="3000" dirty="0">
+                        <a:latin typeface="Hiragino Sans CNS W3" panose="020B0300000000000000" pitchFamily="34" charset="-128"/>
+                        <a:ea typeface="Hiragino Sans CNS W3" panose="020B0300000000000000" pitchFamily="34" charset="-128"/>
+                      </a:endParaRPr>
+                    </a:p>
+                  </a:txBody>
+                  <a:tcPr marL="99361" marR="99361" marT="49681" marB="49681" anchor="ctr"/>
+                </a:tc>
+                <a:tc>
+                  <a:txBody>
+                    <a:bodyPr/>
+                    <a:lstStyle/>
+                    <a:p>
+                      <a:pPr algn="ctr"/>
+                      <a:r>
+                        <a:rPr lang="en-US" altLang="zh-TW" sz="3000" dirty="0">
+                          <a:latin typeface="Hiragino Sans CNS W3" panose="020B0300000000000000" pitchFamily="34" charset="-128"/>
+                          <a:ea typeface="Hiragino Sans CNS W3" panose="020B0300000000000000" pitchFamily="34" charset="-128"/>
+                        </a:rPr>
+                        <a:t>5</a:t>
+                      </a:r>
+                      <a:endParaRPr lang="zh-TW" altLang="en-US" sz="3000" dirty="0">
+                        <a:latin typeface="Hiragino Sans CNS W3" panose="020B0300000000000000" pitchFamily="34" charset="-128"/>
+                        <a:ea typeface="Hiragino Sans CNS W3" panose="020B0300000000000000" pitchFamily="34" charset="-128"/>
+                      </a:endParaRPr>
+                    </a:p>
+                  </a:txBody>
+                  <a:tcPr marL="99361" marR="99361" marT="49681" marB="49681" anchor="ctr"/>
+                </a:tc>
+                <a:tc>
+                  <a:txBody>
+                    <a:bodyPr/>
+                    <a:lstStyle/>
+                    <a:p>
+                      <a:pPr algn="ctr"/>
+                      <a:r>
+                        <a:rPr lang="en-US" altLang="zh-TW" sz="3000" dirty="0">
+                          <a:latin typeface="Hiragino Sans CNS W3" panose="020B0300000000000000" pitchFamily="34" charset="-128"/>
+                          <a:ea typeface="Hiragino Sans CNS W3" panose="020B0300000000000000" pitchFamily="34" charset="-128"/>
+                        </a:rPr>
+                        <a:t>2</a:t>
+                      </a:r>
+                      <a:endParaRPr lang="zh-TW" altLang="en-US" sz="3000" dirty="0">
+                        <a:latin typeface="Hiragino Sans CNS W3" panose="020B0300000000000000" pitchFamily="34" charset="-128"/>
+                        <a:ea typeface="Hiragino Sans CNS W3" panose="020B0300000000000000" pitchFamily="34" charset="-128"/>
+                      </a:endParaRPr>
+                    </a:p>
+                  </a:txBody>
+                  <a:tcPr marL="99361" marR="99361" marT="49681" marB="49681" anchor="ctr"/>
+                </a:tc>
+                <a:tc>
+                  <a:txBody>
+                    <a:bodyPr/>
+                    <a:lstStyle/>
+                    <a:p>
+                      <a:pPr algn="ctr"/>
+                      <a:r>
+                        <a:rPr lang="en-US" altLang="zh-TW" sz="3000" dirty="0">
+                          <a:latin typeface="Hiragino Sans CNS W3" panose="020B0300000000000000" pitchFamily="34" charset="-128"/>
+                          <a:ea typeface="Hiragino Sans CNS W3" panose="020B0300000000000000" pitchFamily="34" charset="-128"/>
+                        </a:rPr>
+                        <a:t>5</a:t>
+                      </a:r>
+                      <a:endParaRPr lang="zh-TW" altLang="en-US" sz="3000" dirty="0">
+                        <a:latin typeface="Hiragino Sans CNS W3" panose="020B0300000000000000" pitchFamily="34" charset="-128"/>
+                        <a:ea typeface="Hiragino Sans CNS W3" panose="020B0300000000000000" pitchFamily="34" charset="-128"/>
+                      </a:endParaRPr>
+                    </a:p>
+                  </a:txBody>
+                  <a:tcPr marL="99361" marR="99361" marT="49681" marB="49681" anchor="ctr"/>
+                </a:tc>
+                <a:extLst>
+                  <a:ext uri="{0D108BD9-81ED-4DB2-BD59-A6C34878D82A}">
+                    <a16:rowId xmlns:a16="http://schemas.microsoft.com/office/drawing/2014/main" val="3144180348"/>
+                  </a:ext>
+                </a:extLst>
+              </a:tr>
+            </a:tbl>
+          </a:graphicData>
+        </a:graphic>
+      </p:graphicFrame>
+      <p:graphicFrame>
+        <p:nvGraphicFramePr>
+          <p:cNvPr id="5" name="表格 4">
+            <a:extLst>
+              <a:ext uri="{FF2B5EF4-FFF2-40B4-BE49-F238E27FC236}">
+                <a16:creationId xmlns:a16="http://schemas.microsoft.com/office/drawing/2014/main" id="{E295E5F4-D89C-299C-3393-FA4B28861EC5}"/>
+              </a:ext>
+            </a:extLst>
+          </p:cNvPr>
+          <p:cNvGraphicFramePr>
+            <a:graphicFrameLocks noGrp="1"/>
+          </p:cNvGraphicFramePr>
+          <p:nvPr>
+            <p:extLst>
+              <p:ext uri="{D42A27DB-BD31-4B8C-83A1-F6EECF244321}">
+                <p14:modId xmlns:p14="http://schemas.microsoft.com/office/powerpoint/2010/main" val="3822273536"/>
+              </p:ext>
+            </p:extLst>
+          </p:nvPr>
+        </p:nvGraphicFramePr>
+        <p:xfrm>
+          <a:off x="5792626" y="1690688"/>
+          <a:ext cx="4451070" cy="4431145"/>
+        </p:xfrm>
+        <a:graphic>
+          <a:graphicData uri="http://schemas.openxmlformats.org/drawingml/2006/table">
+            <a:tbl>
+              <a:tblPr bandRow="1">
+                <a:tableStyleId>{F5AB1C69-6EDB-4FF4-983F-18BD219EF322}</a:tableStyleId>
+              </a:tblPr>
+              <a:tblGrid>
+                <a:gridCol w="890214">
+                  <a:extLst>
+                    <a:ext uri="{9D8B030D-6E8A-4147-A177-3AD203B41FA5}">
+                      <a16:colId xmlns:a16="http://schemas.microsoft.com/office/drawing/2014/main" val="3457372882"/>
+                    </a:ext>
+                  </a:extLst>
+                </a:gridCol>
+                <a:gridCol w="890214">
+                  <a:extLst>
+                    <a:ext uri="{9D8B030D-6E8A-4147-A177-3AD203B41FA5}">
+                      <a16:colId xmlns:a16="http://schemas.microsoft.com/office/drawing/2014/main" val="4012716525"/>
+                    </a:ext>
+                  </a:extLst>
+                </a:gridCol>
+                <a:gridCol w="890214">
+                  <a:extLst>
+                    <a:ext uri="{9D8B030D-6E8A-4147-A177-3AD203B41FA5}">
+                      <a16:colId xmlns:a16="http://schemas.microsoft.com/office/drawing/2014/main" val="3635152842"/>
+                    </a:ext>
+                  </a:extLst>
+                </a:gridCol>
+                <a:gridCol w="890214">
+                  <a:extLst>
+                    <a:ext uri="{9D8B030D-6E8A-4147-A177-3AD203B41FA5}">
+                      <a16:colId xmlns:a16="http://schemas.microsoft.com/office/drawing/2014/main" val="1376262311"/>
+                    </a:ext>
+                  </a:extLst>
+                </a:gridCol>
+                <a:gridCol w="890214">
+                  <a:extLst>
+                    <a:ext uri="{9D8B030D-6E8A-4147-A177-3AD203B41FA5}">
+                      <a16:colId xmlns:a16="http://schemas.microsoft.com/office/drawing/2014/main" val="1171847317"/>
+                    </a:ext>
+                  </a:extLst>
+                </a:gridCol>
+              </a:tblGrid>
+              <a:tr h="886229">
+                <a:tc>
+                  <a:txBody>
+                    <a:bodyPr/>
+                    <a:lstStyle/>
+                    <a:p>
+                      <a:pPr algn="ctr"/>
+                      <a:endParaRPr lang="zh-TW" altLang="en-US" sz="3000" dirty="0">
+                        <a:latin typeface="Hiragino Sans CNS W3" panose="020B0300000000000000" pitchFamily="34" charset="-128"/>
+                        <a:ea typeface="Hiragino Sans CNS W3" panose="020B0300000000000000" pitchFamily="34" charset="-128"/>
+                      </a:endParaRPr>
+                    </a:p>
+                  </a:txBody>
+                  <a:tcPr marL="99361" marR="99361" marT="49681" marB="49681" anchor="ctr"/>
+                </a:tc>
+                <a:tc>
+                  <a:txBody>
+                    <a:bodyPr/>
+                    <a:lstStyle/>
+                    <a:p>
+                      <a:pPr algn="ctr"/>
+                      <a:endParaRPr lang="zh-TW" altLang="en-US" sz="3000" dirty="0">
+                        <a:latin typeface="Hiragino Sans CNS W3" panose="020B0300000000000000" pitchFamily="34" charset="-128"/>
+                        <a:ea typeface="Hiragino Sans CNS W3" panose="020B0300000000000000" pitchFamily="34" charset="-128"/>
+                      </a:endParaRPr>
+                    </a:p>
+                  </a:txBody>
+                  <a:tcPr marL="99361" marR="99361" marT="49681" marB="49681" anchor="ctr"/>
+                </a:tc>
+                <a:tc>
+                  <a:txBody>
+                    <a:bodyPr/>
+                    <a:lstStyle/>
+                    <a:p>
+                      <a:pPr algn="ctr"/>
+                      <a:endParaRPr lang="zh-TW" altLang="en-US" sz="3000" dirty="0">
+                        <a:latin typeface="Hiragino Sans CNS W3" panose="020B0300000000000000" pitchFamily="34" charset="-128"/>
+                        <a:ea typeface="Hiragino Sans CNS W3" panose="020B0300000000000000" pitchFamily="34" charset="-128"/>
+                      </a:endParaRPr>
+                    </a:p>
+                  </a:txBody>
+                  <a:tcPr marL="99361" marR="99361" marT="49681" marB="49681" anchor="ctr"/>
+                </a:tc>
+                <a:tc>
+                  <a:txBody>
+                    <a:bodyPr/>
+                    <a:lstStyle/>
+                    <a:p>
+                      <a:pPr algn="ctr"/>
+                      <a:endParaRPr lang="zh-TW" altLang="en-US" sz="3000" dirty="0">
+                        <a:latin typeface="Hiragino Sans CNS W3" panose="020B0300000000000000" pitchFamily="34" charset="-128"/>
+                        <a:ea typeface="Hiragino Sans CNS W3" panose="020B0300000000000000" pitchFamily="34" charset="-128"/>
+                      </a:endParaRPr>
+                    </a:p>
+                  </a:txBody>
+                  <a:tcPr marL="99361" marR="99361" marT="49681" marB="49681" anchor="ctr"/>
+                </a:tc>
+                <a:tc>
+                  <a:txBody>
+                    <a:bodyPr/>
+                    <a:lstStyle/>
+                    <a:p>
+                      <a:pPr algn="ctr"/>
+                      <a:endParaRPr lang="zh-TW" altLang="en-US" sz="3000" dirty="0">
+                        <a:latin typeface="Hiragino Sans CNS W3" panose="020B0300000000000000" pitchFamily="34" charset="-128"/>
+                        <a:ea typeface="Hiragino Sans CNS W3" panose="020B0300000000000000" pitchFamily="34" charset="-128"/>
+                      </a:endParaRPr>
+                    </a:p>
+                  </a:txBody>
+                  <a:tcPr marL="99361" marR="99361" marT="49681" marB="49681" anchor="ctr"/>
+                </a:tc>
+                <a:extLst>
+                  <a:ext uri="{0D108BD9-81ED-4DB2-BD59-A6C34878D82A}">
+                    <a16:rowId xmlns:a16="http://schemas.microsoft.com/office/drawing/2014/main" val="3063813678"/>
+                  </a:ext>
+                </a:extLst>
+              </a:tr>
+              <a:tr h="886229">
+                <a:tc>
+                  <a:txBody>
+                    <a:bodyPr/>
+                    <a:lstStyle/>
+                    <a:p>
+                      <a:pPr algn="ctr"/>
+                      <a:r>
+                        <a:rPr lang="en-US" altLang="zh-TW" sz="3000" dirty="0">
+                          <a:latin typeface="Hiragino Sans CNS W3" panose="020B0300000000000000" pitchFamily="34" charset="-128"/>
+                          <a:ea typeface="Hiragino Sans CNS W3" panose="020B0300000000000000" pitchFamily="34" charset="-128"/>
+                        </a:rPr>
+                        <a:t>R</a:t>
+                      </a:r>
+                      <a:endParaRPr lang="zh-TW" altLang="en-US" sz="3000" dirty="0">
+                        <a:latin typeface="Hiragino Sans CNS W3" panose="020B0300000000000000" pitchFamily="34" charset="-128"/>
+                        <a:ea typeface="Hiragino Sans CNS W3" panose="020B0300000000000000" pitchFamily="34" charset="-128"/>
+                      </a:endParaRPr>
+                    </a:p>
+                  </a:txBody>
+                  <a:tcPr marL="99361" marR="99361" marT="49681" marB="49681" anchor="ctr">
+                    <a:solidFill>
+                      <a:schemeClr val="accent2"/>
+                    </a:solidFill>
+                  </a:tcPr>
+                </a:tc>
+                <a:tc>
+                  <a:txBody>
+                    <a:bodyPr/>
+                    <a:lstStyle/>
+                    <a:p>
+                      <a:pPr algn="ctr"/>
+                      <a:r>
+                        <a:rPr lang="en-US" altLang="zh-TW" sz="3000" dirty="0">
+                          <a:latin typeface="Hiragino Sans CNS W3" panose="020B0300000000000000" pitchFamily="34" charset="-128"/>
+                          <a:ea typeface="Hiragino Sans CNS W3" panose="020B0300000000000000" pitchFamily="34" charset="-128"/>
+                        </a:rPr>
+                        <a:t>X</a:t>
+                      </a:r>
+                      <a:endParaRPr lang="zh-TW" altLang="en-US" sz="3000" dirty="0">
+                        <a:latin typeface="Hiragino Sans CNS W3" panose="020B0300000000000000" pitchFamily="34" charset="-128"/>
+                        <a:ea typeface="Hiragino Sans CNS W3" panose="020B0300000000000000" pitchFamily="34" charset="-128"/>
+                      </a:endParaRPr>
+                    </a:p>
+                  </a:txBody>
+                  <a:tcPr marL="99361" marR="99361" marT="49681" marB="49681" anchor="ctr">
+                    <a:solidFill>
+                      <a:schemeClr val="accent2"/>
+                    </a:solidFill>
+                  </a:tcPr>
+                </a:tc>
+                <a:tc>
+                  <a:txBody>
+                    <a:bodyPr/>
+                    <a:lstStyle/>
+                    <a:p>
+                      <a:pPr algn="ctr"/>
+                      <a:endParaRPr lang="zh-TW" altLang="en-US" sz="3000" dirty="0">
+                        <a:latin typeface="Hiragino Sans CNS W3" panose="020B0300000000000000" pitchFamily="34" charset="-128"/>
+                        <a:ea typeface="Hiragino Sans CNS W3" panose="020B0300000000000000" pitchFamily="34" charset="-128"/>
+                      </a:endParaRPr>
+                    </a:p>
+                  </a:txBody>
+                  <a:tcPr marL="99361" marR="99361" marT="49681" marB="49681" anchor="ctr"/>
+                </a:tc>
+                <a:tc>
+                  <a:txBody>
+                    <a:bodyPr/>
+                    <a:lstStyle/>
+                    <a:p>
+                      <a:pPr algn="ctr"/>
+                      <a:endParaRPr lang="zh-TW" altLang="en-US" sz="3000" dirty="0">
+                        <a:latin typeface="Hiragino Sans CNS W3" panose="020B0300000000000000" pitchFamily="34" charset="-128"/>
+                        <a:ea typeface="Hiragino Sans CNS W3" panose="020B0300000000000000" pitchFamily="34" charset="-128"/>
+                      </a:endParaRPr>
+                    </a:p>
+                  </a:txBody>
+                  <a:tcPr marL="99361" marR="99361" marT="49681" marB="49681" anchor="ctr"/>
+                </a:tc>
+                <a:tc>
+                  <a:txBody>
+                    <a:bodyPr/>
+                    <a:lstStyle/>
+                    <a:p>
+                      <a:pPr algn="ctr"/>
+                      <a:endParaRPr lang="zh-TW" altLang="en-US" sz="3000" dirty="0">
+                        <a:latin typeface="Hiragino Sans CNS W3" panose="020B0300000000000000" pitchFamily="34" charset="-128"/>
+                        <a:ea typeface="Hiragino Sans CNS W3" panose="020B0300000000000000" pitchFamily="34" charset="-128"/>
+                      </a:endParaRPr>
+                    </a:p>
+                  </a:txBody>
+                  <a:tcPr marL="99361" marR="99361" marT="49681" marB="49681" anchor="ctr"/>
+                </a:tc>
+                <a:extLst>
+                  <a:ext uri="{0D108BD9-81ED-4DB2-BD59-A6C34878D82A}">
+                    <a16:rowId xmlns:a16="http://schemas.microsoft.com/office/drawing/2014/main" val="729469909"/>
+                  </a:ext>
+                </a:extLst>
+              </a:tr>
+              <a:tr h="886229">
+                <a:tc>
+                  <a:txBody>
+                    <a:bodyPr/>
+                    <a:lstStyle/>
+                    <a:p>
+                      <a:pPr algn="ctr"/>
+                      <a:r>
+                        <a:rPr lang="en-US" altLang="zh-TW" sz="3000" dirty="0">
+                          <a:latin typeface="Hiragino Sans CNS W3" panose="020B0300000000000000" pitchFamily="34" charset="-128"/>
+                          <a:ea typeface="Hiragino Sans CNS W3" panose="020B0300000000000000" pitchFamily="34" charset="-128"/>
+                        </a:rPr>
+                        <a:t>U</a:t>
+                      </a:r>
+                      <a:endParaRPr lang="zh-TW" altLang="en-US" sz="3000" dirty="0">
+                        <a:latin typeface="Hiragino Sans CNS W3" panose="020B0300000000000000" pitchFamily="34" charset="-128"/>
+                        <a:ea typeface="Hiragino Sans CNS W3" panose="020B0300000000000000" pitchFamily="34" charset="-128"/>
+                      </a:endParaRPr>
+                    </a:p>
+                  </a:txBody>
+                  <a:tcPr marL="99361" marR="99361" marT="49681" marB="49681" anchor="ctr">
+                    <a:solidFill>
+                      <a:schemeClr val="accent2">
+                        <a:lumMod val="40000"/>
+                        <a:lumOff val="60000"/>
+                      </a:schemeClr>
+                    </a:solidFill>
+                  </a:tcPr>
+                </a:tc>
+                <a:tc>
+                  <a:txBody>
+                    <a:bodyPr/>
+                    <a:lstStyle/>
+                    <a:p>
+                      <a:pPr algn="ctr"/>
+                      <a:endParaRPr lang="zh-TW" altLang="en-US" sz="3000" dirty="0">
+                        <a:latin typeface="Hiragino Sans CNS W3" panose="020B0300000000000000" pitchFamily="34" charset="-128"/>
+                        <a:ea typeface="Hiragino Sans CNS W3" panose="020B0300000000000000" pitchFamily="34" charset="-128"/>
+                      </a:endParaRPr>
+                    </a:p>
+                  </a:txBody>
+                  <a:tcPr marL="99361" marR="99361" marT="49681" marB="49681" anchor="ctr"/>
+                </a:tc>
+                <a:tc>
+                  <a:txBody>
+                    <a:bodyPr/>
+                    <a:lstStyle/>
+                    <a:p>
+                      <a:pPr algn="ctr"/>
+                      <a:endParaRPr lang="zh-TW" altLang="en-US" sz="3000" dirty="0">
+                        <a:latin typeface="Hiragino Sans CNS W3" panose="020B0300000000000000" pitchFamily="34" charset="-128"/>
+                        <a:ea typeface="Hiragino Sans CNS W3" panose="020B0300000000000000" pitchFamily="34" charset="-128"/>
+                      </a:endParaRPr>
+                    </a:p>
+                  </a:txBody>
+                  <a:tcPr marL="99361" marR="99361" marT="49681" marB="49681" anchor="ctr"/>
+                </a:tc>
+                <a:tc>
+                  <a:txBody>
+                    <a:bodyPr/>
+                    <a:lstStyle/>
+                    <a:p>
+                      <a:pPr algn="ctr"/>
+                      <a:endParaRPr lang="zh-TW" altLang="en-US" sz="3000" dirty="0">
+                        <a:latin typeface="Hiragino Sans CNS W3" panose="020B0300000000000000" pitchFamily="34" charset="-128"/>
+                        <a:ea typeface="Hiragino Sans CNS W3" panose="020B0300000000000000" pitchFamily="34" charset="-128"/>
+                      </a:endParaRPr>
+                    </a:p>
+                  </a:txBody>
+                  <a:tcPr marL="99361" marR="99361" marT="49681" marB="49681" anchor="ctr"/>
+                </a:tc>
+                <a:tc>
+                  <a:txBody>
+                    <a:bodyPr/>
+                    <a:lstStyle/>
+                    <a:p>
+                      <a:pPr algn="ctr"/>
+                      <a:endParaRPr lang="zh-TW" altLang="en-US" sz="3000" dirty="0">
+                        <a:latin typeface="Hiragino Sans CNS W3" panose="020B0300000000000000" pitchFamily="34" charset="-128"/>
+                        <a:ea typeface="Hiragino Sans CNS W3" panose="020B0300000000000000" pitchFamily="34" charset="-128"/>
+                      </a:endParaRPr>
+                    </a:p>
+                  </a:txBody>
+                  <a:tcPr marL="99361" marR="99361" marT="49681" marB="49681" anchor="ctr"/>
+                </a:tc>
+                <a:extLst>
+                  <a:ext uri="{0D108BD9-81ED-4DB2-BD59-A6C34878D82A}">
+                    <a16:rowId xmlns:a16="http://schemas.microsoft.com/office/drawing/2014/main" val="1632199547"/>
+                  </a:ext>
+                </a:extLst>
+              </a:tr>
+              <a:tr h="886229">
+                <a:tc>
+                  <a:txBody>
+                    <a:bodyPr/>
+                    <a:lstStyle/>
+                    <a:p>
+                      <a:pPr algn="ctr"/>
+                      <a:endParaRPr lang="zh-TW" altLang="en-US" sz="3000" dirty="0">
+                        <a:latin typeface="Hiragino Sans CNS W3" panose="020B0300000000000000" pitchFamily="34" charset="-128"/>
+                        <a:ea typeface="Hiragino Sans CNS W3" panose="020B0300000000000000" pitchFamily="34" charset="-128"/>
+                      </a:endParaRPr>
+                    </a:p>
+                  </a:txBody>
+                  <a:tcPr marL="99361" marR="99361" marT="49681" marB="49681" anchor="ctr"/>
+                </a:tc>
+                <a:tc>
+                  <a:txBody>
+                    <a:bodyPr/>
+                    <a:lstStyle/>
+                    <a:p>
+                      <a:pPr algn="ctr"/>
+                      <a:endParaRPr lang="zh-TW" altLang="en-US" sz="3000" dirty="0">
+                        <a:latin typeface="Hiragino Sans CNS W3" panose="020B0300000000000000" pitchFamily="34" charset="-128"/>
+                        <a:ea typeface="Hiragino Sans CNS W3" panose="020B0300000000000000" pitchFamily="34" charset="-128"/>
+                      </a:endParaRPr>
+                    </a:p>
+                  </a:txBody>
+                  <a:tcPr marL="99361" marR="99361" marT="49681" marB="49681" anchor="ctr"/>
+                </a:tc>
+                <a:tc>
+                  <a:txBody>
+                    <a:bodyPr/>
+                    <a:lstStyle/>
+                    <a:p>
+                      <a:pPr algn="ctr"/>
+                      <a:endParaRPr lang="zh-TW" altLang="en-US" sz="3000" dirty="0">
+                        <a:latin typeface="Hiragino Sans CNS W3" panose="020B0300000000000000" pitchFamily="34" charset="-128"/>
+                        <a:ea typeface="Hiragino Sans CNS W3" panose="020B0300000000000000" pitchFamily="34" charset="-128"/>
+                      </a:endParaRPr>
+                    </a:p>
+                  </a:txBody>
+                  <a:tcPr marL="99361" marR="99361" marT="49681" marB="49681" anchor="ctr"/>
+                </a:tc>
+                <a:tc>
+                  <a:txBody>
+                    <a:bodyPr/>
+                    <a:lstStyle/>
+                    <a:p>
+                      <a:pPr algn="ctr"/>
+                      <a:endParaRPr lang="zh-TW" altLang="en-US" sz="3000" dirty="0">
+                        <a:latin typeface="Hiragino Sans CNS W3" panose="020B0300000000000000" pitchFamily="34" charset="-128"/>
+                        <a:ea typeface="Hiragino Sans CNS W3" panose="020B0300000000000000" pitchFamily="34" charset="-128"/>
+                      </a:endParaRPr>
+                    </a:p>
+                  </a:txBody>
+                  <a:tcPr marL="99361" marR="99361" marT="49681" marB="49681" anchor="ctr"/>
+                </a:tc>
+                <a:tc>
+                  <a:txBody>
+                    <a:bodyPr/>
+                    <a:lstStyle/>
+                    <a:p>
+                      <a:pPr algn="ctr"/>
+                      <a:endParaRPr lang="zh-TW" altLang="en-US" sz="3000" dirty="0">
+                        <a:latin typeface="Hiragino Sans CNS W3" panose="020B0300000000000000" pitchFamily="34" charset="-128"/>
+                        <a:ea typeface="Hiragino Sans CNS W3" panose="020B0300000000000000" pitchFamily="34" charset="-128"/>
+                      </a:endParaRPr>
+                    </a:p>
+                  </a:txBody>
+                  <a:tcPr marL="99361" marR="99361" marT="49681" marB="49681" anchor="ctr"/>
+                </a:tc>
+                <a:extLst>
+                  <a:ext uri="{0D108BD9-81ED-4DB2-BD59-A6C34878D82A}">
+                    <a16:rowId xmlns:a16="http://schemas.microsoft.com/office/drawing/2014/main" val="1783147424"/>
+                  </a:ext>
+                </a:extLst>
+              </a:tr>
+              <a:tr h="886229">
+                <a:tc>
+                  <a:txBody>
+                    <a:bodyPr/>
+                    <a:lstStyle/>
+                    <a:p>
+                      <a:pPr algn="ctr"/>
+                      <a:endParaRPr lang="zh-TW" altLang="en-US" sz="3000" dirty="0">
+                        <a:latin typeface="Hiragino Sans CNS W3" panose="020B0300000000000000" pitchFamily="34" charset="-128"/>
+                        <a:ea typeface="Hiragino Sans CNS W3" panose="020B0300000000000000" pitchFamily="34" charset="-128"/>
+                      </a:endParaRPr>
+                    </a:p>
+                  </a:txBody>
+                  <a:tcPr marL="99361" marR="99361" marT="49681" marB="49681" anchor="ctr"/>
+                </a:tc>
+                <a:tc>
+                  <a:txBody>
+                    <a:bodyPr/>
+                    <a:lstStyle/>
+                    <a:p>
+                      <a:pPr algn="ctr"/>
+                      <a:endParaRPr lang="zh-TW" altLang="en-US" sz="3000" dirty="0">
+                        <a:latin typeface="Hiragino Sans CNS W3" panose="020B0300000000000000" pitchFamily="34" charset="-128"/>
+                        <a:ea typeface="Hiragino Sans CNS W3" panose="020B0300000000000000" pitchFamily="34" charset="-128"/>
+                      </a:endParaRPr>
+                    </a:p>
+                  </a:txBody>
+                  <a:tcPr marL="99361" marR="99361" marT="49681" marB="49681" anchor="ctr"/>
+                </a:tc>
+                <a:tc>
+                  <a:txBody>
+                    <a:bodyPr/>
+                    <a:lstStyle/>
+                    <a:p>
+                      <a:pPr algn="ctr"/>
+                      <a:endParaRPr lang="zh-TW" altLang="en-US" sz="3000" dirty="0">
+                        <a:latin typeface="Hiragino Sans CNS W3" panose="020B0300000000000000" pitchFamily="34" charset="-128"/>
+                        <a:ea typeface="Hiragino Sans CNS W3" panose="020B0300000000000000" pitchFamily="34" charset="-128"/>
+                      </a:endParaRPr>
+                    </a:p>
+                  </a:txBody>
+                  <a:tcPr marL="99361" marR="99361" marT="49681" marB="49681" anchor="ctr"/>
+                </a:tc>
+                <a:tc>
+                  <a:txBody>
+                    <a:bodyPr/>
+                    <a:lstStyle/>
+                    <a:p>
+                      <a:pPr algn="ctr"/>
+                      <a:endParaRPr lang="zh-TW" altLang="en-US" sz="3000" dirty="0">
+                        <a:latin typeface="Hiragino Sans CNS W3" panose="020B0300000000000000" pitchFamily="34" charset="-128"/>
+                        <a:ea typeface="Hiragino Sans CNS W3" panose="020B0300000000000000" pitchFamily="34" charset="-128"/>
+                      </a:endParaRPr>
+                    </a:p>
+                  </a:txBody>
+                  <a:tcPr marL="99361" marR="99361" marT="49681" marB="49681" anchor="ctr"/>
+                </a:tc>
+                <a:tc>
+                  <a:txBody>
+                    <a:bodyPr/>
+                    <a:lstStyle/>
+                    <a:p>
+                      <a:pPr algn="ctr"/>
+                      <a:endParaRPr lang="zh-TW" altLang="en-US" sz="3000" dirty="0">
+                        <a:latin typeface="Hiragino Sans CNS W3" panose="020B0300000000000000" pitchFamily="34" charset="-128"/>
+                        <a:ea typeface="Hiragino Sans CNS W3" panose="020B0300000000000000" pitchFamily="34" charset="-128"/>
+                      </a:endParaRPr>
+                    </a:p>
+                  </a:txBody>
+                  <a:tcPr marL="99361" marR="99361" marT="49681" marB="49681" anchor="ctr"/>
+                </a:tc>
+                <a:extLst>
+                  <a:ext uri="{0D108BD9-81ED-4DB2-BD59-A6C34878D82A}">
+                    <a16:rowId xmlns:a16="http://schemas.microsoft.com/office/drawing/2014/main" val="3144180348"/>
+                  </a:ext>
+                </a:extLst>
+              </a:tr>
+            </a:tbl>
+          </a:graphicData>
+        </a:graphic>
+      </p:graphicFrame>
+      <p:sp>
+        <p:nvSpPr>
+          <p:cNvPr id="3" name="文字方塊 2">
+            <a:extLst>
+              <a:ext uri="{FF2B5EF4-FFF2-40B4-BE49-F238E27FC236}">
+                <a16:creationId xmlns:a16="http://schemas.microsoft.com/office/drawing/2014/main" id="{716D5D4D-026E-40D4-8876-5E450024660A}"/>
+              </a:ext>
+            </a:extLst>
+          </p:cNvPr>
+          <p:cNvSpPr txBox="1"/>
+          <p:nvPr/>
+        </p:nvSpPr>
+        <p:spPr>
+          <a:xfrm>
+            <a:off x="744582" y="6231265"/>
+            <a:ext cx="1338828" cy="523220"/>
+          </a:xfrm>
+          <a:prstGeom prst="rect">
+            <a:avLst/>
+          </a:prstGeom>
+          <a:noFill/>
+        </p:spPr>
+        <p:txBody>
+          <a:bodyPr wrap="none" rtlCol="0">
+            <a:spAutoFit/>
+          </a:bodyPr>
+          <a:lstStyle/>
+          <a:p>
+            <a:r>
+              <a:rPr kumimoji="1" lang="en-US" altLang="zh-TW" sz="2800" dirty="0"/>
+              <a:t>Queue: </a:t>
+            </a:r>
+            <a:endParaRPr kumimoji="1" lang="zh-TW" altLang="en-US" sz="2800" dirty="0"/>
+          </a:p>
+        </p:txBody>
+      </p:sp>
+    </p:spTree>
+    <p:extLst>
+      <p:ext uri="{BB962C8B-B14F-4D97-AF65-F5344CB8AC3E}">
+        <p14:creationId xmlns:p14="http://schemas.microsoft.com/office/powerpoint/2010/main" val="3572201348"/>
+      </p:ext>
+    </p:extLst>
+  </p:cSld>
+  <p:clrMapOvr>
+    <a:masterClrMapping/>
+  </p:clrMapOvr>
+</p:sld>
+</file>
+
+<file path=ppt/slides/slide13.xml><?xml version="1.0" encoding="utf-8"?>
+<p:sld xmlns:a="http://schemas.openxmlformats.org/drawingml/2006/main" xmlns:r="http://schemas.openxmlformats.org/officeDocument/2006/relationships" xmlns:p="http://schemas.openxmlformats.org/presentationml/2006/main">
+  <p:cSld>
+    <p:spTree>
+      <p:nvGrpSpPr>
+        <p:cNvPr id="1" name=""/>
+        <p:cNvGrpSpPr/>
+        <p:nvPr/>
+      </p:nvGrpSpPr>
+      <p:grpSpPr>
+        <a:xfrm>
+          <a:off x="0" y="0"/>
+          <a:ext cx="0" cy="0"/>
+          <a:chOff x="0" y="0"/>
+          <a:chExt cx="0" cy="0"/>
+        </a:xfrm>
+      </p:grpSpPr>
+      <p:sp>
+        <p:nvSpPr>
+          <p:cNvPr id="2" name="標題 1">
+            <a:extLst>
+              <a:ext uri="{FF2B5EF4-FFF2-40B4-BE49-F238E27FC236}">
+                <a16:creationId xmlns:a16="http://schemas.microsoft.com/office/drawing/2014/main" id="{B4FD27FB-CFA4-8E72-E656-450DE1D8D350}"/>
+              </a:ext>
+            </a:extLst>
+          </p:cNvPr>
+          <p:cNvSpPr>
+            <a:spLocks noGrp="1"/>
+          </p:cNvSpPr>
+          <p:nvPr>
+            <p:ph type="title"/>
+          </p:nvPr>
+        </p:nvSpPr>
+        <p:spPr/>
+        <p:txBody>
+          <a:bodyPr/>
+          <a:lstStyle/>
+          <a:p>
+            <a:r>
+              <a:rPr kumimoji="1" lang="en-US" altLang="zh-TW" dirty="0"/>
+              <a:t>BFS Algorithm with Route</a:t>
+            </a:r>
+            <a:endParaRPr kumimoji="1" lang="zh-TW" altLang="en-US" dirty="0"/>
+          </a:p>
+        </p:txBody>
+      </p:sp>
+      <p:graphicFrame>
+        <p:nvGraphicFramePr>
+          <p:cNvPr id="4" name="表格 4">
+            <a:extLst>
+              <a:ext uri="{FF2B5EF4-FFF2-40B4-BE49-F238E27FC236}">
+                <a16:creationId xmlns:a16="http://schemas.microsoft.com/office/drawing/2014/main" id="{2A4EC703-C96C-BB6E-6F6E-643DE3F3862A}"/>
+              </a:ext>
+            </a:extLst>
+          </p:cNvPr>
+          <p:cNvGraphicFramePr>
+            <a:graphicFrameLocks noGrp="1"/>
+          </p:cNvGraphicFramePr>
           <p:nvPr>
             <p:extLst>
               <p:ext uri="{D42A27DB-BD31-4B8C-83A1-F6EECF244321}">
@@ -7562,7 +11207,7 @@
 </p:sld>
 </file>
 
-<file path=ppt/slides/slide11.xml><?xml version="1.0" encoding="utf-8"?>
+<file path=ppt/slides/slide14.xml><?xml version="1.0" encoding="utf-8"?>
 <p:sld xmlns:a="http://schemas.openxmlformats.org/drawingml/2006/main" xmlns:r="http://schemas.openxmlformats.org/officeDocument/2006/relationships" xmlns:p="http://schemas.openxmlformats.org/presentationml/2006/main">
   <p:cSld>
     <p:spTree>
@@ -8755,7 +12400,7 @@
 </p:sld>
 </file>
 
-<file path=ppt/slides/slide12.xml><?xml version="1.0" encoding="utf-8"?>
+<file path=ppt/slides/slide15.xml><?xml version="1.0" encoding="utf-8"?>
 <p:sld xmlns:a="http://schemas.openxmlformats.org/drawingml/2006/main" xmlns:r="http://schemas.openxmlformats.org/officeDocument/2006/relationships" xmlns:p="http://schemas.openxmlformats.org/presentationml/2006/main">
   <p:cSld>
     <p:spTree>
@@ -9946,7 +13591,7 @@
 </p:sld>
 </file>
 
-<file path=ppt/slides/slide13.xml><?xml version="1.0" encoding="utf-8"?>
+<file path=ppt/slides/slide16.xml><?xml version="1.0" encoding="utf-8"?>
 <p:sld xmlns:a="http://schemas.openxmlformats.org/drawingml/2006/main" xmlns:r="http://schemas.openxmlformats.org/officeDocument/2006/relationships" xmlns:p="http://schemas.openxmlformats.org/presentationml/2006/main">
   <p:cSld>
     <p:spTree>
@@ -11135,7 +14780,7 @@
 </p:sld>
 </file>
 
-<file path=ppt/slides/slide14.xml><?xml version="1.0" encoding="utf-8"?>
+<file path=ppt/slides/slide17.xml><?xml version="1.0" encoding="utf-8"?>
 <p:sld xmlns:a="http://schemas.openxmlformats.org/drawingml/2006/main" xmlns:r="http://schemas.openxmlformats.org/officeDocument/2006/relationships" xmlns:p="http://schemas.openxmlformats.org/presentationml/2006/main">
   <p:cSld>
     <p:spTree>
@@ -12280,7 +15925,7 @@
 </p:sld>
 </file>
 
-<file path=ppt/slides/slide15.xml><?xml version="1.0" encoding="utf-8"?>
+<file path=ppt/slides/slide18.xml><?xml version="1.0" encoding="utf-8"?>
 <p:sld xmlns:a="http://schemas.openxmlformats.org/drawingml/2006/main" xmlns:r="http://schemas.openxmlformats.org/officeDocument/2006/relationships" xmlns:p="http://schemas.openxmlformats.org/presentationml/2006/main">
   <p:cSld>
     <p:spTree>
@@ -13621,7 +17266,7 @@
 </p:sld>
 </file>
 
-<file path=ppt/slides/slide16.xml><?xml version="1.0" encoding="utf-8"?>
+<file path=ppt/slides/slide19.xml><?xml version="1.0" encoding="utf-8"?>
 <p:sld xmlns:a="http://schemas.openxmlformats.org/drawingml/2006/main" xmlns:r="http://schemas.openxmlformats.org/officeDocument/2006/relationships" xmlns:p="http://schemas.openxmlformats.org/presentationml/2006/main">
   <p:cSld>
     <p:spTree>
@@ -14329,7 +17974,91 @@
 </p:sld>
 </file>
 
-<file path=ppt/slides/slide17.xml><?xml version="1.0" encoding="utf-8"?>
+<file path=ppt/slides/slide2.xml><?xml version="1.0" encoding="utf-8"?>
+<p:sld xmlns:a="http://schemas.openxmlformats.org/drawingml/2006/main" xmlns:r="http://schemas.openxmlformats.org/officeDocument/2006/relationships" xmlns:p="http://schemas.openxmlformats.org/presentationml/2006/main">
+  <p:cSld>
+    <p:spTree>
+      <p:nvGrpSpPr>
+        <p:cNvPr id="1" name=""/>
+        <p:cNvGrpSpPr/>
+        <p:nvPr/>
+      </p:nvGrpSpPr>
+      <p:grpSpPr>
+        <a:xfrm>
+          <a:off x="0" y="0"/>
+          <a:ext cx="0" cy="0"/>
+          <a:chOff x="0" y="0"/>
+          <a:chExt cx="0" cy="0"/>
+        </a:xfrm>
+      </p:grpSpPr>
+      <p:sp>
+        <p:nvSpPr>
+          <p:cNvPr id="2" name="標題 1">
+            <a:extLst>
+              <a:ext uri="{FF2B5EF4-FFF2-40B4-BE49-F238E27FC236}">
+                <a16:creationId xmlns:a16="http://schemas.microsoft.com/office/drawing/2014/main" id="{9DA14271-0CC6-375F-232F-A8D875E99527}"/>
+              </a:ext>
+            </a:extLst>
+          </p:cNvPr>
+          <p:cNvSpPr>
+            <a:spLocks noGrp="1"/>
+          </p:cNvSpPr>
+          <p:nvPr>
+            <p:ph type="title"/>
+          </p:nvPr>
+        </p:nvSpPr>
+        <p:spPr/>
+        <p:txBody>
+          <a:bodyPr/>
+          <a:lstStyle/>
+          <a:p>
+            <a:r>
+              <a:rPr kumimoji="1" lang="en-US" altLang="zh-TW" dirty="0"/>
+              <a:t>Outline</a:t>
+            </a:r>
+            <a:endParaRPr kumimoji="1" lang="zh-TW" altLang="en-US" dirty="0"/>
+          </a:p>
+        </p:txBody>
+      </p:sp>
+      <p:sp>
+        <p:nvSpPr>
+          <p:cNvPr id="3" name="內容版面配置區 2">
+            <a:extLst>
+              <a:ext uri="{FF2B5EF4-FFF2-40B4-BE49-F238E27FC236}">
+                <a16:creationId xmlns:a16="http://schemas.microsoft.com/office/drawing/2014/main" id="{8A238DF9-C11B-36C4-2528-F2DF654DC33A}"/>
+              </a:ext>
+            </a:extLst>
+          </p:cNvPr>
+          <p:cNvSpPr>
+            <a:spLocks noGrp="1"/>
+          </p:cNvSpPr>
+          <p:nvPr>
+            <p:ph idx="1"/>
+          </p:nvPr>
+        </p:nvSpPr>
+        <p:spPr/>
+        <p:txBody>
+          <a:bodyPr/>
+          <a:lstStyle/>
+          <a:p>
+            <a:endParaRPr kumimoji="1" lang="zh-TW" altLang="en-US" dirty="0"/>
+          </a:p>
+        </p:txBody>
+      </p:sp>
+    </p:spTree>
+    <p:extLst>
+      <p:ext uri="{BB962C8B-B14F-4D97-AF65-F5344CB8AC3E}">
+        <p14:creationId xmlns:p14="http://schemas.microsoft.com/office/powerpoint/2010/main" val="2733100007"/>
+      </p:ext>
+    </p:extLst>
+  </p:cSld>
+  <p:clrMapOvr>
+    <a:masterClrMapping/>
+  </p:clrMapOvr>
+</p:sld>
+</file>
+
+<file path=ppt/slides/slide20.xml><?xml version="1.0" encoding="utf-8"?>
 <p:sld xmlns:a="http://schemas.openxmlformats.org/drawingml/2006/main" xmlns:r="http://schemas.openxmlformats.org/officeDocument/2006/relationships" xmlns:p="http://schemas.openxmlformats.org/presentationml/2006/main">
   <p:cSld>
     <p:spTree>
@@ -15672,7 +19401,7 @@
 </p:sld>
 </file>
 
-<file path=ppt/slides/slide18.xml><?xml version="1.0" encoding="utf-8"?>
+<file path=ppt/slides/slide21.xml><?xml version="1.0" encoding="utf-8"?>
 <p:sld xmlns:a="http://schemas.openxmlformats.org/drawingml/2006/main" xmlns:r="http://schemas.openxmlformats.org/officeDocument/2006/relationships" xmlns:p="http://schemas.openxmlformats.org/presentationml/2006/main">
   <p:cSld>
     <p:spTree>
@@ -17059,7 +20788,7 @@
 </p:sld>
 </file>
 
-<file path=ppt/slides/slide19.xml><?xml version="1.0" encoding="utf-8"?>
+<file path=ppt/slides/slide22.xml><?xml version="1.0" encoding="utf-8"?>
 <p:sld xmlns:a="http://schemas.openxmlformats.org/drawingml/2006/main" xmlns:r="http://schemas.openxmlformats.org/officeDocument/2006/relationships" xmlns:p="http://schemas.openxmlformats.org/presentationml/2006/main">
   <p:cSld>
     <p:spTree>
@@ -17226,91 +20955,7 @@
 </p:sld>
 </file>
 
-<file path=ppt/slides/slide2.xml><?xml version="1.0" encoding="utf-8"?>
-<p:sld xmlns:a="http://schemas.openxmlformats.org/drawingml/2006/main" xmlns:r="http://schemas.openxmlformats.org/officeDocument/2006/relationships" xmlns:p="http://schemas.openxmlformats.org/presentationml/2006/main">
-  <p:cSld>
-    <p:spTree>
-      <p:nvGrpSpPr>
-        <p:cNvPr id="1" name=""/>
-        <p:cNvGrpSpPr/>
-        <p:nvPr/>
-      </p:nvGrpSpPr>
-      <p:grpSpPr>
-        <a:xfrm>
-          <a:off x="0" y="0"/>
-          <a:ext cx="0" cy="0"/>
-          <a:chOff x="0" y="0"/>
-          <a:chExt cx="0" cy="0"/>
-        </a:xfrm>
-      </p:grpSpPr>
-      <p:sp>
-        <p:nvSpPr>
-          <p:cNvPr id="2" name="標題 1">
-            <a:extLst>
-              <a:ext uri="{FF2B5EF4-FFF2-40B4-BE49-F238E27FC236}">
-                <a16:creationId xmlns:a16="http://schemas.microsoft.com/office/drawing/2014/main" id="{9DA14271-0CC6-375F-232F-A8D875E99527}"/>
-              </a:ext>
-            </a:extLst>
-          </p:cNvPr>
-          <p:cNvSpPr>
-            <a:spLocks noGrp="1"/>
-          </p:cNvSpPr>
-          <p:nvPr>
-            <p:ph type="title"/>
-          </p:nvPr>
-        </p:nvSpPr>
-        <p:spPr/>
-        <p:txBody>
-          <a:bodyPr/>
-          <a:lstStyle/>
-          <a:p>
-            <a:r>
-              <a:rPr kumimoji="1" lang="en-US" altLang="zh-TW" dirty="0"/>
-              <a:t>Outline</a:t>
-            </a:r>
-            <a:endParaRPr kumimoji="1" lang="zh-TW" altLang="en-US" dirty="0"/>
-          </a:p>
-        </p:txBody>
-      </p:sp>
-      <p:sp>
-        <p:nvSpPr>
-          <p:cNvPr id="3" name="內容版面配置區 2">
-            <a:extLst>
-              <a:ext uri="{FF2B5EF4-FFF2-40B4-BE49-F238E27FC236}">
-                <a16:creationId xmlns:a16="http://schemas.microsoft.com/office/drawing/2014/main" id="{8A238DF9-C11B-36C4-2528-F2DF654DC33A}"/>
-              </a:ext>
-            </a:extLst>
-          </p:cNvPr>
-          <p:cNvSpPr>
-            <a:spLocks noGrp="1"/>
-          </p:cNvSpPr>
-          <p:nvPr>
-            <p:ph idx="1"/>
-          </p:nvPr>
-        </p:nvSpPr>
-        <p:spPr/>
-        <p:txBody>
-          <a:bodyPr/>
-          <a:lstStyle/>
-          <a:p>
-            <a:endParaRPr kumimoji="1" lang="zh-TW" altLang="en-US" dirty="0"/>
-          </a:p>
-        </p:txBody>
-      </p:sp>
-    </p:spTree>
-    <p:extLst>
-      <p:ext uri="{BB962C8B-B14F-4D97-AF65-F5344CB8AC3E}">
-        <p14:creationId xmlns:p14="http://schemas.microsoft.com/office/powerpoint/2010/main" val="2733100007"/>
-      </p:ext>
-    </p:extLst>
-  </p:cSld>
-  <p:clrMapOvr>
-    <a:masterClrMapping/>
-  </p:clrMapOvr>
-</p:sld>
-</file>
-
-<file path=ppt/slides/slide20.xml><?xml version="1.0" encoding="utf-8"?>
+<file path=ppt/slides/slide23.xml><?xml version="1.0" encoding="utf-8"?>
 <p:sld xmlns:a="http://schemas.openxmlformats.org/drawingml/2006/main" xmlns:r="http://schemas.openxmlformats.org/officeDocument/2006/relationships" xmlns:p="http://schemas.openxmlformats.org/presentationml/2006/main">
   <p:cSld>
     <p:spTree>
@@ -17399,7 +21044,7 @@
 </p:sld>
 </file>
 
-<file path=ppt/slides/slide21.xml><?xml version="1.0" encoding="utf-8"?>
+<file path=ppt/slides/slide24.xml><?xml version="1.0" encoding="utf-8"?>
 <p:sld xmlns:a="http://schemas.openxmlformats.org/drawingml/2006/main" xmlns:r="http://schemas.openxmlformats.org/officeDocument/2006/relationships" xmlns:p="http://schemas.openxmlformats.org/presentationml/2006/main">
   <p:cSld>
     <p:spTree>
@@ -17492,7 +21137,7 @@
 </p:sld>
 </file>
 
-<file path=ppt/slides/slide22.xml><?xml version="1.0" encoding="utf-8"?>
+<file path=ppt/slides/slide25.xml><?xml version="1.0" encoding="utf-8"?>
 <p:sld xmlns:a="http://schemas.openxmlformats.org/drawingml/2006/main" xmlns:r="http://schemas.openxmlformats.org/officeDocument/2006/relationships" xmlns:p="http://schemas.openxmlformats.org/presentationml/2006/main">
   <p:cSld>
     <p:spTree>
@@ -17804,6 +21449,336 @@
           <p:cNvPr id="2" name="標題 1">
             <a:extLst>
               <a:ext uri="{FF2B5EF4-FFF2-40B4-BE49-F238E27FC236}">
+                <a16:creationId xmlns:a16="http://schemas.microsoft.com/office/drawing/2014/main" id="{F1E99A76-75E6-7D21-DD3C-EDFCB3CCAEC6}"/>
+              </a:ext>
+            </a:extLst>
+          </p:cNvPr>
+          <p:cNvSpPr>
+            <a:spLocks noGrp="1"/>
+          </p:cNvSpPr>
+          <p:nvPr>
+            <p:ph type="title"/>
+          </p:nvPr>
+        </p:nvSpPr>
+        <p:spPr/>
+        <p:txBody>
+          <a:bodyPr/>
+          <a:lstStyle/>
+          <a:p>
+            <a:endParaRPr kumimoji="1" lang="zh-TW" altLang="en-US"/>
+          </a:p>
+        </p:txBody>
+      </p:sp>
+      <p:sp>
+        <p:nvSpPr>
+          <p:cNvPr id="3" name="內容版面配置區 2">
+            <a:extLst>
+              <a:ext uri="{FF2B5EF4-FFF2-40B4-BE49-F238E27FC236}">
+                <a16:creationId xmlns:a16="http://schemas.microsoft.com/office/drawing/2014/main" id="{6001465C-5712-51E2-0EC3-DAA6A0895551}"/>
+              </a:ext>
+            </a:extLst>
+          </p:cNvPr>
+          <p:cNvSpPr>
+            <a:spLocks noGrp="1"/>
+          </p:cNvSpPr>
+          <p:nvPr>
+            <p:ph idx="1"/>
+          </p:nvPr>
+        </p:nvSpPr>
+        <p:spPr/>
+        <p:txBody>
+          <a:bodyPr/>
+          <a:lstStyle/>
+          <a:p>
+            <a:endParaRPr kumimoji="1" lang="zh-TW" altLang="en-US"/>
+          </a:p>
+        </p:txBody>
+      </p:sp>
+      <p:pic>
+        <p:nvPicPr>
+          <p:cNvPr id="4" name="圖片 3">
+            <a:extLst>
+              <a:ext uri="{FF2B5EF4-FFF2-40B4-BE49-F238E27FC236}">
+                <a16:creationId xmlns:a16="http://schemas.microsoft.com/office/drawing/2014/main" id="{6AEB1A2B-781B-9FC8-0F32-653BB1AD9C10}"/>
+              </a:ext>
+            </a:extLst>
+          </p:cNvPr>
+          <p:cNvPicPr>
+            <a:picLocks noChangeAspect="1"/>
+          </p:cNvPicPr>
+          <p:nvPr/>
+        </p:nvPicPr>
+        <p:blipFill>
+          <a:blip r:embed="rId2"/>
+          <a:stretch>
+            <a:fillRect/>
+          </a:stretch>
+        </p:blipFill>
+        <p:spPr>
+          <a:xfrm>
+            <a:off x="0" y="0"/>
+            <a:ext cx="12139694" cy="6154266"/>
+          </a:xfrm>
+          <a:prstGeom prst="rect">
+            <a:avLst/>
+          </a:prstGeom>
+        </p:spPr>
+      </p:pic>
+    </p:spTree>
+    <p:extLst>
+      <p:ext uri="{BB962C8B-B14F-4D97-AF65-F5344CB8AC3E}">
+        <p14:creationId xmlns:p14="http://schemas.microsoft.com/office/powerpoint/2010/main" val="2144209395"/>
+      </p:ext>
+    </p:extLst>
+  </p:cSld>
+  <p:clrMapOvr>
+    <a:masterClrMapping/>
+  </p:clrMapOvr>
+</p:sld>
+</file>
+
+<file path=ppt/slides/slide6.xml><?xml version="1.0" encoding="utf-8"?>
+<p:sld xmlns:a="http://schemas.openxmlformats.org/drawingml/2006/main" xmlns:r="http://schemas.openxmlformats.org/officeDocument/2006/relationships" xmlns:p="http://schemas.openxmlformats.org/presentationml/2006/main">
+  <p:cSld>
+    <p:spTree>
+      <p:nvGrpSpPr>
+        <p:cNvPr id="1" name=""/>
+        <p:cNvGrpSpPr/>
+        <p:nvPr/>
+      </p:nvGrpSpPr>
+      <p:grpSpPr>
+        <a:xfrm>
+          <a:off x="0" y="0"/>
+          <a:ext cx="0" cy="0"/>
+          <a:chOff x="0" y="0"/>
+          <a:chExt cx="0" cy="0"/>
+        </a:xfrm>
+      </p:grpSpPr>
+      <p:sp>
+        <p:nvSpPr>
+          <p:cNvPr id="2" name="標題 1">
+            <a:extLst>
+              <a:ext uri="{FF2B5EF4-FFF2-40B4-BE49-F238E27FC236}">
+                <a16:creationId xmlns:a16="http://schemas.microsoft.com/office/drawing/2014/main" id="{524A6AFD-0037-08EE-5308-0C4BDD5DA2EE}"/>
+              </a:ext>
+            </a:extLst>
+          </p:cNvPr>
+          <p:cNvSpPr>
+            <a:spLocks noGrp="1"/>
+          </p:cNvSpPr>
+          <p:nvPr>
+            <p:ph type="title"/>
+          </p:nvPr>
+        </p:nvSpPr>
+        <p:spPr/>
+        <p:txBody>
+          <a:bodyPr/>
+          <a:lstStyle/>
+          <a:p>
+            <a:endParaRPr kumimoji="1" lang="zh-TW" altLang="en-US"/>
+          </a:p>
+        </p:txBody>
+      </p:sp>
+      <p:sp>
+        <p:nvSpPr>
+          <p:cNvPr id="3" name="內容版面配置區 2">
+            <a:extLst>
+              <a:ext uri="{FF2B5EF4-FFF2-40B4-BE49-F238E27FC236}">
+                <a16:creationId xmlns:a16="http://schemas.microsoft.com/office/drawing/2014/main" id="{BB724C51-5541-FB55-4915-1A7DF106B70E}"/>
+              </a:ext>
+            </a:extLst>
+          </p:cNvPr>
+          <p:cNvSpPr>
+            <a:spLocks noGrp="1"/>
+          </p:cNvSpPr>
+          <p:nvPr>
+            <p:ph idx="1"/>
+          </p:nvPr>
+        </p:nvSpPr>
+        <p:spPr/>
+        <p:txBody>
+          <a:bodyPr/>
+          <a:lstStyle/>
+          <a:p>
+            <a:endParaRPr kumimoji="1" lang="zh-TW" altLang="en-US"/>
+          </a:p>
+        </p:txBody>
+      </p:sp>
+      <p:pic>
+        <p:nvPicPr>
+          <p:cNvPr id="4" name="圖片 3">
+            <a:extLst>
+              <a:ext uri="{FF2B5EF4-FFF2-40B4-BE49-F238E27FC236}">
+                <a16:creationId xmlns:a16="http://schemas.microsoft.com/office/drawing/2014/main" id="{A290155D-2C87-7EEB-9E28-CDFBC467C6AC}"/>
+              </a:ext>
+            </a:extLst>
+          </p:cNvPr>
+          <p:cNvPicPr>
+            <a:picLocks noChangeAspect="1"/>
+          </p:cNvPicPr>
+          <p:nvPr/>
+        </p:nvPicPr>
+        <p:blipFill>
+          <a:blip r:embed="rId2"/>
+          <a:stretch>
+            <a:fillRect/>
+          </a:stretch>
+        </p:blipFill>
+        <p:spPr>
+          <a:xfrm>
+            <a:off x="0" y="213667"/>
+            <a:ext cx="12192000" cy="6430665"/>
+          </a:xfrm>
+          <a:prstGeom prst="rect">
+            <a:avLst/>
+          </a:prstGeom>
+        </p:spPr>
+      </p:pic>
+    </p:spTree>
+    <p:extLst>
+      <p:ext uri="{BB962C8B-B14F-4D97-AF65-F5344CB8AC3E}">
+        <p14:creationId xmlns:p14="http://schemas.microsoft.com/office/powerpoint/2010/main" val="2285642031"/>
+      </p:ext>
+    </p:extLst>
+  </p:cSld>
+  <p:clrMapOvr>
+    <a:masterClrMapping/>
+  </p:clrMapOvr>
+</p:sld>
+</file>
+
+<file path=ppt/slides/slide7.xml><?xml version="1.0" encoding="utf-8"?>
+<p:sld xmlns:a="http://schemas.openxmlformats.org/drawingml/2006/main" xmlns:r="http://schemas.openxmlformats.org/officeDocument/2006/relationships" xmlns:p="http://schemas.openxmlformats.org/presentationml/2006/main">
+  <p:cSld>
+    <p:spTree>
+      <p:nvGrpSpPr>
+        <p:cNvPr id="1" name=""/>
+        <p:cNvGrpSpPr/>
+        <p:nvPr/>
+      </p:nvGrpSpPr>
+      <p:grpSpPr>
+        <a:xfrm>
+          <a:off x="0" y="0"/>
+          <a:ext cx="0" cy="0"/>
+          <a:chOff x="0" y="0"/>
+          <a:chExt cx="0" cy="0"/>
+        </a:xfrm>
+      </p:grpSpPr>
+      <p:sp>
+        <p:nvSpPr>
+          <p:cNvPr id="2" name="標題 1">
+            <a:extLst>
+              <a:ext uri="{FF2B5EF4-FFF2-40B4-BE49-F238E27FC236}">
+                <a16:creationId xmlns:a16="http://schemas.microsoft.com/office/drawing/2014/main" id="{2C53D465-B822-A2ED-148C-98CA828DA157}"/>
+              </a:ext>
+            </a:extLst>
+          </p:cNvPr>
+          <p:cNvSpPr>
+            <a:spLocks noGrp="1"/>
+          </p:cNvSpPr>
+          <p:nvPr>
+            <p:ph type="title"/>
+          </p:nvPr>
+        </p:nvSpPr>
+        <p:spPr/>
+        <p:txBody>
+          <a:bodyPr/>
+          <a:lstStyle/>
+          <a:p>
+            <a:endParaRPr kumimoji="1" lang="zh-TW" altLang="en-US"/>
+          </a:p>
+        </p:txBody>
+      </p:sp>
+      <p:sp>
+        <p:nvSpPr>
+          <p:cNvPr id="3" name="內容版面配置區 2">
+            <a:extLst>
+              <a:ext uri="{FF2B5EF4-FFF2-40B4-BE49-F238E27FC236}">
+                <a16:creationId xmlns:a16="http://schemas.microsoft.com/office/drawing/2014/main" id="{5D72CC52-677B-67FD-0B3C-28239EB0C5B4}"/>
+              </a:ext>
+            </a:extLst>
+          </p:cNvPr>
+          <p:cNvSpPr>
+            <a:spLocks noGrp="1"/>
+          </p:cNvSpPr>
+          <p:nvPr>
+            <p:ph idx="1"/>
+          </p:nvPr>
+        </p:nvSpPr>
+        <p:spPr/>
+        <p:txBody>
+          <a:bodyPr/>
+          <a:lstStyle/>
+          <a:p>
+            <a:endParaRPr kumimoji="1" lang="zh-TW" altLang="en-US"/>
+          </a:p>
+        </p:txBody>
+      </p:sp>
+      <p:pic>
+        <p:nvPicPr>
+          <p:cNvPr id="4" name="圖片 3">
+            <a:extLst>
+              <a:ext uri="{FF2B5EF4-FFF2-40B4-BE49-F238E27FC236}">
+                <a16:creationId xmlns:a16="http://schemas.microsoft.com/office/drawing/2014/main" id="{E27F7007-2662-9000-7013-0CD14793F840}"/>
+              </a:ext>
+            </a:extLst>
+          </p:cNvPr>
+          <p:cNvPicPr>
+            <a:picLocks noChangeAspect="1"/>
+          </p:cNvPicPr>
+          <p:nvPr/>
+        </p:nvPicPr>
+        <p:blipFill>
+          <a:blip r:embed="rId2"/>
+          <a:stretch>
+            <a:fillRect/>
+          </a:stretch>
+        </p:blipFill>
+        <p:spPr>
+          <a:xfrm>
+            <a:off x="0" y="279400"/>
+            <a:ext cx="12192000" cy="6299200"/>
+          </a:xfrm>
+          <a:prstGeom prst="rect">
+            <a:avLst/>
+          </a:prstGeom>
+        </p:spPr>
+      </p:pic>
+    </p:spTree>
+    <p:extLst>
+      <p:ext uri="{BB962C8B-B14F-4D97-AF65-F5344CB8AC3E}">
+        <p14:creationId xmlns:p14="http://schemas.microsoft.com/office/powerpoint/2010/main" val="495331349"/>
+      </p:ext>
+    </p:extLst>
+  </p:cSld>
+  <p:clrMapOvr>
+    <a:masterClrMapping/>
+  </p:clrMapOvr>
+</p:sld>
+</file>
+
+<file path=ppt/slides/slide8.xml><?xml version="1.0" encoding="utf-8"?>
+<p:sld xmlns:a="http://schemas.openxmlformats.org/drawingml/2006/main" xmlns:r="http://schemas.openxmlformats.org/officeDocument/2006/relationships" xmlns:p="http://schemas.openxmlformats.org/presentationml/2006/main">
+  <p:cSld>
+    <p:spTree>
+      <p:nvGrpSpPr>
+        <p:cNvPr id="1" name=""/>
+        <p:cNvGrpSpPr/>
+        <p:nvPr/>
+      </p:nvGrpSpPr>
+      <p:grpSpPr>
+        <a:xfrm>
+          <a:off x="0" y="0"/>
+          <a:ext cx="0" cy="0"/>
+          <a:chOff x="0" y="0"/>
+          <a:chExt cx="0" cy="0"/>
+        </a:xfrm>
+      </p:grpSpPr>
+      <p:sp>
+        <p:nvSpPr>
+          <p:cNvPr id="2" name="標題 1">
+            <a:extLst>
+              <a:ext uri="{FF2B5EF4-FFF2-40B4-BE49-F238E27FC236}">
                 <a16:creationId xmlns:a16="http://schemas.microsoft.com/office/drawing/2014/main" id="{B3B57CD7-42AE-4A9C-AB35-A12E8C22E981}"/>
               </a:ext>
             </a:extLst>
@@ -17955,7 +21930,7 @@
 </p:sld>
 </file>
 
-<file path=ppt/slides/slide6.xml><?xml version="1.0" encoding="utf-8"?>
+<file path=ppt/slides/slide9.xml><?xml version="1.0" encoding="utf-8"?>
 <p:sld xmlns:a="http://schemas.openxmlformats.org/drawingml/2006/main" xmlns:r="http://schemas.openxmlformats.org/officeDocument/2006/relationships" xmlns:p="http://schemas.openxmlformats.org/presentationml/2006/main">
   <p:cSld>
     <p:spTree>
@@ -19307,3648 +23282,6 @@
     <p:extLst>
       <p:ext uri="{BB962C8B-B14F-4D97-AF65-F5344CB8AC3E}">
         <p14:creationId xmlns:p14="http://schemas.microsoft.com/office/powerpoint/2010/main" val="2771855596"/>
-      </p:ext>
-    </p:extLst>
-  </p:cSld>
-  <p:clrMapOvr>
-    <a:masterClrMapping/>
-  </p:clrMapOvr>
-</p:sld>
-</file>
-
-<file path=ppt/slides/slide7.xml><?xml version="1.0" encoding="utf-8"?>
-<p:sld xmlns:a="http://schemas.openxmlformats.org/drawingml/2006/main" xmlns:r="http://schemas.openxmlformats.org/officeDocument/2006/relationships" xmlns:p="http://schemas.openxmlformats.org/presentationml/2006/main">
-  <p:cSld>
-    <p:spTree>
-      <p:nvGrpSpPr>
-        <p:cNvPr id="1" name=""/>
-        <p:cNvGrpSpPr/>
-        <p:nvPr/>
-      </p:nvGrpSpPr>
-      <p:grpSpPr>
-        <a:xfrm>
-          <a:off x="0" y="0"/>
-          <a:ext cx="0" cy="0"/>
-          <a:chOff x="0" y="0"/>
-          <a:chExt cx="0" cy="0"/>
-        </a:xfrm>
-      </p:grpSpPr>
-      <p:sp>
-        <p:nvSpPr>
-          <p:cNvPr id="2" name="標題 1">
-            <a:extLst>
-              <a:ext uri="{FF2B5EF4-FFF2-40B4-BE49-F238E27FC236}">
-                <a16:creationId xmlns:a16="http://schemas.microsoft.com/office/drawing/2014/main" id="{B4FD27FB-CFA4-8E72-E656-450DE1D8D350}"/>
-              </a:ext>
-            </a:extLst>
-          </p:cNvPr>
-          <p:cNvSpPr>
-            <a:spLocks noGrp="1"/>
-          </p:cNvSpPr>
-          <p:nvPr>
-            <p:ph type="title"/>
-          </p:nvPr>
-        </p:nvSpPr>
-        <p:spPr/>
-        <p:txBody>
-          <a:bodyPr/>
-          <a:lstStyle/>
-          <a:p>
-            <a:r>
-              <a:rPr kumimoji="1" lang="en-US" altLang="zh-TW" dirty="0"/>
-              <a:t>BFS Algorithm with Route</a:t>
-            </a:r>
-            <a:endParaRPr kumimoji="1" lang="zh-TW" altLang="en-US" dirty="0"/>
-          </a:p>
-        </p:txBody>
-      </p:sp>
-      <p:graphicFrame>
-        <p:nvGraphicFramePr>
-          <p:cNvPr id="4" name="表格 4">
-            <a:extLst>
-              <a:ext uri="{FF2B5EF4-FFF2-40B4-BE49-F238E27FC236}">
-                <a16:creationId xmlns:a16="http://schemas.microsoft.com/office/drawing/2014/main" id="{2A4EC703-C96C-BB6E-6F6E-643DE3F3862A}"/>
-              </a:ext>
-            </a:extLst>
-          </p:cNvPr>
-          <p:cNvGraphicFramePr>
-            <a:graphicFrameLocks noGrp="1"/>
-          </p:cNvGraphicFramePr>
-          <p:nvPr/>
-        </p:nvGraphicFramePr>
-        <p:xfrm>
-          <a:off x="637152" y="1690688"/>
-          <a:ext cx="4451070" cy="4431145"/>
-        </p:xfrm>
-        <a:graphic>
-          <a:graphicData uri="http://schemas.openxmlformats.org/drawingml/2006/table">
-            <a:tbl>
-              <a:tblPr bandRow="1">
-                <a:tableStyleId>{F5AB1C69-6EDB-4FF4-983F-18BD219EF322}</a:tableStyleId>
-              </a:tblPr>
-              <a:tblGrid>
-                <a:gridCol w="890214">
-                  <a:extLst>
-                    <a:ext uri="{9D8B030D-6E8A-4147-A177-3AD203B41FA5}">
-                      <a16:colId xmlns:a16="http://schemas.microsoft.com/office/drawing/2014/main" val="3457372882"/>
-                    </a:ext>
-                  </a:extLst>
-                </a:gridCol>
-                <a:gridCol w="890214">
-                  <a:extLst>
-                    <a:ext uri="{9D8B030D-6E8A-4147-A177-3AD203B41FA5}">
-                      <a16:colId xmlns:a16="http://schemas.microsoft.com/office/drawing/2014/main" val="4012716525"/>
-                    </a:ext>
-                  </a:extLst>
-                </a:gridCol>
-                <a:gridCol w="890214">
-                  <a:extLst>
-                    <a:ext uri="{9D8B030D-6E8A-4147-A177-3AD203B41FA5}">
-                      <a16:colId xmlns:a16="http://schemas.microsoft.com/office/drawing/2014/main" val="3635152842"/>
-                    </a:ext>
-                  </a:extLst>
-                </a:gridCol>
-                <a:gridCol w="890214">
-                  <a:extLst>
-                    <a:ext uri="{9D8B030D-6E8A-4147-A177-3AD203B41FA5}">
-                      <a16:colId xmlns:a16="http://schemas.microsoft.com/office/drawing/2014/main" val="1376262311"/>
-                    </a:ext>
-                  </a:extLst>
-                </a:gridCol>
-                <a:gridCol w="890214">
-                  <a:extLst>
-                    <a:ext uri="{9D8B030D-6E8A-4147-A177-3AD203B41FA5}">
-                      <a16:colId xmlns:a16="http://schemas.microsoft.com/office/drawing/2014/main" val="1171847317"/>
-                    </a:ext>
-                  </a:extLst>
-                </a:gridCol>
-              </a:tblGrid>
-              <a:tr h="886229">
-                <a:tc>
-                  <a:txBody>
-                    <a:bodyPr/>
-                    <a:lstStyle/>
-                    <a:p>
-                      <a:pPr algn="ctr"/>
-                      <a:r>
-                        <a:rPr lang="en-US" altLang="zh-TW" sz="3000" dirty="0">
-                          <a:latin typeface="Hiragino Sans CNS W3" panose="020B0300000000000000" pitchFamily="34" charset="-128"/>
-                          <a:ea typeface="Hiragino Sans CNS W3" panose="020B0300000000000000" pitchFamily="34" charset="-128"/>
-                        </a:rPr>
-                        <a:t>1</a:t>
-                      </a:r>
-                      <a:endParaRPr lang="zh-TW" altLang="en-US" sz="3000" dirty="0">
-                        <a:latin typeface="Hiragino Sans CNS W3" panose="020B0300000000000000" pitchFamily="34" charset="-128"/>
-                        <a:ea typeface="Hiragino Sans CNS W3" panose="020B0300000000000000" pitchFamily="34" charset="-128"/>
-                      </a:endParaRPr>
-                    </a:p>
-                  </a:txBody>
-                  <a:tcPr marL="99361" marR="99361" marT="49681" marB="49681" anchor="ctr"/>
-                </a:tc>
-                <a:tc>
-                  <a:txBody>
-                    <a:bodyPr/>
-                    <a:lstStyle/>
-                    <a:p>
-                      <a:pPr algn="ctr"/>
-                      <a:r>
-                        <a:rPr lang="en-US" altLang="zh-TW" sz="3000" dirty="0">
-                          <a:latin typeface="Hiragino Sans CNS W3" panose="020B0300000000000000" pitchFamily="34" charset="-128"/>
-                          <a:ea typeface="Hiragino Sans CNS W3" panose="020B0300000000000000" pitchFamily="34" charset="-128"/>
-                        </a:rPr>
-                        <a:t>2</a:t>
-                      </a:r>
-                      <a:endParaRPr lang="zh-TW" altLang="en-US" sz="3000" dirty="0">
-                        <a:latin typeface="Hiragino Sans CNS W3" panose="020B0300000000000000" pitchFamily="34" charset="-128"/>
-                        <a:ea typeface="Hiragino Sans CNS W3" panose="020B0300000000000000" pitchFamily="34" charset="-128"/>
-                      </a:endParaRPr>
-                    </a:p>
-                  </a:txBody>
-                  <a:tcPr marL="99361" marR="99361" marT="49681" marB="49681" anchor="ctr"/>
-                </a:tc>
-                <a:tc>
-                  <a:txBody>
-                    <a:bodyPr/>
-                    <a:lstStyle/>
-                    <a:p>
-                      <a:pPr algn="ctr"/>
-                      <a:r>
-                        <a:rPr lang="en-US" altLang="zh-TW" sz="3000" dirty="0">
-                          <a:latin typeface="Hiragino Sans CNS W3" panose="020B0300000000000000" pitchFamily="34" charset="-128"/>
-                          <a:ea typeface="Hiragino Sans CNS W3" panose="020B0300000000000000" pitchFamily="34" charset="-128"/>
-                        </a:rPr>
-                        <a:t>5</a:t>
-                      </a:r>
-                      <a:endParaRPr lang="zh-TW" altLang="en-US" sz="3000" dirty="0">
-                        <a:latin typeface="Hiragino Sans CNS W3" panose="020B0300000000000000" pitchFamily="34" charset="-128"/>
-                        <a:ea typeface="Hiragino Sans CNS W3" panose="020B0300000000000000" pitchFamily="34" charset="-128"/>
-                      </a:endParaRPr>
-                    </a:p>
-                  </a:txBody>
-                  <a:tcPr marL="99361" marR="99361" marT="49681" marB="49681" anchor="ctr"/>
-                </a:tc>
-                <a:tc>
-                  <a:txBody>
-                    <a:bodyPr/>
-                    <a:lstStyle/>
-                    <a:p>
-                      <a:pPr algn="ctr"/>
-                      <a:r>
-                        <a:rPr lang="en-US" altLang="zh-TW" sz="3000" dirty="0">
-                          <a:latin typeface="Hiragino Sans CNS W3" panose="020B0300000000000000" pitchFamily="34" charset="-128"/>
-                          <a:ea typeface="Hiragino Sans CNS W3" panose="020B0300000000000000" pitchFamily="34" charset="-128"/>
-                        </a:rPr>
-                        <a:t>3</a:t>
-                      </a:r>
-                      <a:endParaRPr lang="zh-TW" altLang="en-US" sz="3000" dirty="0">
-                        <a:latin typeface="Hiragino Sans CNS W3" panose="020B0300000000000000" pitchFamily="34" charset="-128"/>
-                        <a:ea typeface="Hiragino Sans CNS W3" panose="020B0300000000000000" pitchFamily="34" charset="-128"/>
-                      </a:endParaRPr>
-                    </a:p>
-                  </a:txBody>
-                  <a:tcPr marL="99361" marR="99361" marT="49681" marB="49681" anchor="ctr"/>
-                </a:tc>
-                <a:tc>
-                  <a:txBody>
-                    <a:bodyPr/>
-                    <a:lstStyle/>
-                    <a:p>
-                      <a:pPr algn="ctr"/>
-                      <a:r>
-                        <a:rPr lang="en-US" altLang="zh-TW" sz="3000" dirty="0">
-                          <a:latin typeface="Hiragino Sans CNS W3" panose="020B0300000000000000" pitchFamily="34" charset="-128"/>
-                          <a:ea typeface="Hiragino Sans CNS W3" panose="020B0300000000000000" pitchFamily="34" charset="-128"/>
-                        </a:rPr>
-                        <a:t>4</a:t>
-                      </a:r>
-                      <a:endParaRPr lang="zh-TW" altLang="en-US" sz="3000" dirty="0">
-                        <a:latin typeface="Hiragino Sans CNS W3" panose="020B0300000000000000" pitchFamily="34" charset="-128"/>
-                        <a:ea typeface="Hiragino Sans CNS W3" panose="020B0300000000000000" pitchFamily="34" charset="-128"/>
-                      </a:endParaRPr>
-                    </a:p>
-                  </a:txBody>
-                  <a:tcPr marL="99361" marR="99361" marT="49681" marB="49681" anchor="ctr"/>
-                </a:tc>
-                <a:extLst>
-                  <a:ext uri="{0D108BD9-81ED-4DB2-BD59-A6C34878D82A}">
-                    <a16:rowId xmlns:a16="http://schemas.microsoft.com/office/drawing/2014/main" val="3063813678"/>
-                  </a:ext>
-                </a:extLst>
-              </a:tr>
-              <a:tr h="886229">
-                <a:tc>
-                  <a:txBody>
-                    <a:bodyPr/>
-                    <a:lstStyle/>
-                    <a:p>
-                      <a:pPr algn="ctr"/>
-                      <a:r>
-                        <a:rPr lang="en-US" altLang="zh-TW" sz="3000" dirty="0">
-                          <a:latin typeface="Hiragino Sans CNS W3" panose="020B0300000000000000" pitchFamily="34" charset="-128"/>
-                          <a:ea typeface="Hiragino Sans CNS W3" panose="020B0300000000000000" pitchFamily="34" charset="-128"/>
-                        </a:rPr>
-                        <a:t>4</a:t>
-                      </a:r>
-                      <a:endParaRPr lang="zh-TW" altLang="en-US" sz="3000" dirty="0">
-                        <a:latin typeface="Hiragino Sans CNS W3" panose="020B0300000000000000" pitchFamily="34" charset="-128"/>
-                        <a:ea typeface="Hiragino Sans CNS W3" panose="020B0300000000000000" pitchFamily="34" charset="-128"/>
-                      </a:endParaRPr>
-                    </a:p>
-                  </a:txBody>
-                  <a:tcPr marL="99361" marR="99361" marT="49681" marB="49681" anchor="ctr"/>
-                </a:tc>
-                <a:tc>
-                  <a:txBody>
-                    <a:bodyPr/>
-                    <a:lstStyle/>
-                    <a:p>
-                      <a:pPr algn="ctr"/>
-                      <a:r>
-                        <a:rPr lang="en-US" altLang="zh-TW" sz="3000" dirty="0">
-                          <a:latin typeface="Hiragino Sans CNS W3" panose="020B0300000000000000" pitchFamily="34" charset="-128"/>
-                          <a:ea typeface="Hiragino Sans CNS W3" panose="020B0300000000000000" pitchFamily="34" charset="-128"/>
-                        </a:rPr>
-                        <a:t>4</a:t>
-                      </a:r>
-                      <a:endParaRPr lang="zh-TW" altLang="en-US" sz="3000" dirty="0">
-                        <a:latin typeface="Hiragino Sans CNS W3" panose="020B0300000000000000" pitchFamily="34" charset="-128"/>
-                        <a:ea typeface="Hiragino Sans CNS W3" panose="020B0300000000000000" pitchFamily="34" charset="-128"/>
-                      </a:endParaRPr>
-                    </a:p>
-                  </a:txBody>
-                  <a:tcPr marL="99361" marR="99361" marT="49681" marB="49681" anchor="ctr">
-                    <a:solidFill>
-                      <a:schemeClr val="accent2"/>
-                    </a:solidFill>
-                  </a:tcPr>
-                </a:tc>
-                <a:tc>
-                  <a:txBody>
-                    <a:bodyPr/>
-                    <a:lstStyle/>
-                    <a:p>
-                      <a:pPr algn="ctr"/>
-                      <a:r>
-                        <a:rPr lang="en-US" altLang="zh-TW" sz="3000" dirty="0">
-                          <a:latin typeface="Hiragino Sans CNS W3" panose="020B0300000000000000" pitchFamily="34" charset="-128"/>
-                          <a:ea typeface="Hiragino Sans CNS W3" panose="020B0300000000000000" pitchFamily="34" charset="-128"/>
-                        </a:rPr>
-                        <a:t>5</a:t>
-                      </a:r>
-                      <a:endParaRPr lang="zh-TW" altLang="en-US" sz="3000" dirty="0">
-                        <a:latin typeface="Hiragino Sans CNS W3" panose="020B0300000000000000" pitchFamily="34" charset="-128"/>
-                        <a:ea typeface="Hiragino Sans CNS W3" panose="020B0300000000000000" pitchFamily="34" charset="-128"/>
-                      </a:endParaRPr>
-                    </a:p>
-                  </a:txBody>
-                  <a:tcPr marL="99361" marR="99361" marT="49681" marB="49681" anchor="ctr"/>
-                </a:tc>
-                <a:tc>
-                  <a:txBody>
-                    <a:bodyPr/>
-                    <a:lstStyle/>
-                    <a:p>
-                      <a:pPr algn="ctr"/>
-                      <a:r>
-                        <a:rPr lang="en-US" altLang="zh-TW" sz="3000" dirty="0">
-                          <a:latin typeface="Hiragino Sans CNS W3" panose="020B0300000000000000" pitchFamily="34" charset="-128"/>
-                          <a:ea typeface="Hiragino Sans CNS W3" panose="020B0300000000000000" pitchFamily="34" charset="-128"/>
-                        </a:rPr>
-                        <a:t>2</a:t>
-                      </a:r>
-                      <a:endParaRPr lang="zh-TW" altLang="en-US" sz="3000" dirty="0">
-                        <a:latin typeface="Hiragino Sans CNS W3" panose="020B0300000000000000" pitchFamily="34" charset="-128"/>
-                        <a:ea typeface="Hiragino Sans CNS W3" panose="020B0300000000000000" pitchFamily="34" charset="-128"/>
-                      </a:endParaRPr>
-                    </a:p>
-                  </a:txBody>
-                  <a:tcPr marL="99361" marR="99361" marT="49681" marB="49681" anchor="ctr"/>
-                </a:tc>
-                <a:tc>
-                  <a:txBody>
-                    <a:bodyPr/>
-                    <a:lstStyle/>
-                    <a:p>
-                      <a:pPr algn="ctr"/>
-                      <a:r>
-                        <a:rPr lang="en-US" altLang="zh-TW" sz="3000" dirty="0">
-                          <a:latin typeface="Hiragino Sans CNS W3" panose="020B0300000000000000" pitchFamily="34" charset="-128"/>
-                          <a:ea typeface="Hiragino Sans CNS W3" panose="020B0300000000000000" pitchFamily="34" charset="-128"/>
-                        </a:rPr>
-                        <a:t>1</a:t>
-                      </a:r>
-                      <a:endParaRPr lang="zh-TW" altLang="en-US" sz="3000" dirty="0">
-                        <a:latin typeface="Hiragino Sans CNS W3" panose="020B0300000000000000" pitchFamily="34" charset="-128"/>
-                        <a:ea typeface="Hiragino Sans CNS W3" panose="020B0300000000000000" pitchFamily="34" charset="-128"/>
-                      </a:endParaRPr>
-                    </a:p>
-                  </a:txBody>
-                  <a:tcPr marL="99361" marR="99361" marT="49681" marB="49681" anchor="ctr"/>
-                </a:tc>
-                <a:extLst>
-                  <a:ext uri="{0D108BD9-81ED-4DB2-BD59-A6C34878D82A}">
-                    <a16:rowId xmlns:a16="http://schemas.microsoft.com/office/drawing/2014/main" val="729469909"/>
-                  </a:ext>
-                </a:extLst>
-              </a:tr>
-              <a:tr h="886229">
-                <a:tc>
-                  <a:txBody>
-                    <a:bodyPr/>
-                    <a:lstStyle/>
-                    <a:p>
-                      <a:pPr algn="ctr"/>
-                      <a:r>
-                        <a:rPr lang="en-US" altLang="zh-TW" sz="3000" dirty="0">
-                          <a:latin typeface="Hiragino Sans CNS W3" panose="020B0300000000000000" pitchFamily="34" charset="-128"/>
-                          <a:ea typeface="Hiragino Sans CNS W3" panose="020B0300000000000000" pitchFamily="34" charset="-128"/>
-                        </a:rPr>
-                        <a:t>4</a:t>
-                      </a:r>
-                      <a:endParaRPr lang="zh-TW" altLang="en-US" sz="3000" dirty="0">
-                        <a:latin typeface="Hiragino Sans CNS W3" panose="020B0300000000000000" pitchFamily="34" charset="-128"/>
-                        <a:ea typeface="Hiragino Sans CNS W3" panose="020B0300000000000000" pitchFamily="34" charset="-128"/>
-                      </a:endParaRPr>
-                    </a:p>
-                  </a:txBody>
-                  <a:tcPr marL="99361" marR="99361" marT="49681" marB="49681" anchor="ctr"/>
-                </a:tc>
-                <a:tc>
-                  <a:txBody>
-                    <a:bodyPr/>
-                    <a:lstStyle/>
-                    <a:p>
-                      <a:pPr algn="ctr"/>
-                      <a:r>
-                        <a:rPr lang="en-US" altLang="zh-TW" sz="3000" dirty="0">
-                          <a:latin typeface="Hiragino Sans CNS W3" panose="020B0300000000000000" pitchFamily="34" charset="-128"/>
-                          <a:ea typeface="Hiragino Sans CNS W3" panose="020B0300000000000000" pitchFamily="34" charset="-128"/>
-                        </a:rPr>
-                        <a:t>3</a:t>
-                      </a:r>
-                      <a:endParaRPr lang="zh-TW" altLang="en-US" sz="3000" dirty="0">
-                        <a:latin typeface="Hiragino Sans CNS W3" panose="020B0300000000000000" pitchFamily="34" charset="-128"/>
-                        <a:ea typeface="Hiragino Sans CNS W3" panose="020B0300000000000000" pitchFamily="34" charset="-128"/>
-                      </a:endParaRPr>
-                    </a:p>
-                  </a:txBody>
-                  <a:tcPr marL="99361" marR="99361" marT="49681" marB="49681" anchor="ctr"/>
-                </a:tc>
-                <a:tc>
-                  <a:txBody>
-                    <a:bodyPr/>
-                    <a:lstStyle/>
-                    <a:p>
-                      <a:pPr algn="ctr"/>
-                      <a:r>
-                        <a:rPr lang="en-US" altLang="zh-TW" sz="3000" dirty="0">
-                          <a:latin typeface="Hiragino Sans CNS W3" panose="020B0300000000000000" pitchFamily="34" charset="-128"/>
-                          <a:ea typeface="Hiragino Sans CNS W3" panose="020B0300000000000000" pitchFamily="34" charset="-128"/>
-                        </a:rPr>
-                        <a:t>2</a:t>
-                      </a:r>
-                      <a:endParaRPr lang="zh-TW" altLang="en-US" sz="3000" dirty="0">
-                        <a:latin typeface="Hiragino Sans CNS W3" panose="020B0300000000000000" pitchFamily="34" charset="-128"/>
-                        <a:ea typeface="Hiragino Sans CNS W3" panose="020B0300000000000000" pitchFamily="34" charset="-128"/>
-                      </a:endParaRPr>
-                    </a:p>
-                  </a:txBody>
-                  <a:tcPr marL="99361" marR="99361" marT="49681" marB="49681" anchor="ctr"/>
-                </a:tc>
-                <a:tc>
-                  <a:txBody>
-                    <a:bodyPr/>
-                    <a:lstStyle/>
-                    <a:p>
-                      <a:pPr algn="ctr"/>
-                      <a:r>
-                        <a:rPr lang="en-US" altLang="zh-TW" sz="3000" dirty="0">
-                          <a:latin typeface="Hiragino Sans CNS W3" panose="020B0300000000000000" pitchFamily="34" charset="-128"/>
-                          <a:ea typeface="Hiragino Sans CNS W3" panose="020B0300000000000000" pitchFamily="34" charset="-128"/>
-                        </a:rPr>
-                        <a:t>5</a:t>
-                      </a:r>
-                      <a:endParaRPr lang="zh-TW" altLang="en-US" sz="3000" dirty="0">
-                        <a:latin typeface="Hiragino Sans CNS W3" panose="020B0300000000000000" pitchFamily="34" charset="-128"/>
-                        <a:ea typeface="Hiragino Sans CNS W3" panose="020B0300000000000000" pitchFamily="34" charset="-128"/>
-                      </a:endParaRPr>
-                    </a:p>
-                  </a:txBody>
-                  <a:tcPr marL="99361" marR="99361" marT="49681" marB="49681" anchor="ctr"/>
-                </a:tc>
-                <a:tc>
-                  <a:txBody>
-                    <a:bodyPr/>
-                    <a:lstStyle/>
-                    <a:p>
-                      <a:pPr algn="ctr"/>
-                      <a:r>
-                        <a:rPr lang="en-US" altLang="zh-TW" sz="3000" dirty="0">
-                          <a:latin typeface="Hiragino Sans CNS W3" panose="020B0300000000000000" pitchFamily="34" charset="-128"/>
-                          <a:ea typeface="Hiragino Sans CNS W3" panose="020B0300000000000000" pitchFamily="34" charset="-128"/>
-                        </a:rPr>
-                        <a:t>4</a:t>
-                      </a:r>
-                      <a:endParaRPr lang="zh-TW" altLang="en-US" sz="3000" dirty="0">
-                        <a:latin typeface="Hiragino Sans CNS W3" panose="020B0300000000000000" pitchFamily="34" charset="-128"/>
-                        <a:ea typeface="Hiragino Sans CNS W3" panose="020B0300000000000000" pitchFamily="34" charset="-128"/>
-                      </a:endParaRPr>
-                    </a:p>
-                  </a:txBody>
-                  <a:tcPr marL="99361" marR="99361" marT="49681" marB="49681" anchor="ctr"/>
-                </a:tc>
-                <a:extLst>
-                  <a:ext uri="{0D108BD9-81ED-4DB2-BD59-A6C34878D82A}">
-                    <a16:rowId xmlns:a16="http://schemas.microsoft.com/office/drawing/2014/main" val="1632199547"/>
-                  </a:ext>
-                </a:extLst>
-              </a:tr>
-              <a:tr h="886229">
-                <a:tc>
-                  <a:txBody>
-                    <a:bodyPr/>
-                    <a:lstStyle/>
-                    <a:p>
-                      <a:pPr algn="ctr"/>
-                      <a:r>
-                        <a:rPr lang="en-US" altLang="zh-TW" sz="3000" dirty="0">
-                          <a:latin typeface="Hiragino Sans CNS W3" panose="020B0300000000000000" pitchFamily="34" charset="-128"/>
-                          <a:ea typeface="Hiragino Sans CNS W3" panose="020B0300000000000000" pitchFamily="34" charset="-128"/>
-                        </a:rPr>
-                        <a:t>1</a:t>
-                      </a:r>
-                      <a:endParaRPr lang="zh-TW" altLang="en-US" sz="3000" dirty="0">
-                        <a:latin typeface="Hiragino Sans CNS W3" panose="020B0300000000000000" pitchFamily="34" charset="-128"/>
-                        <a:ea typeface="Hiragino Sans CNS W3" panose="020B0300000000000000" pitchFamily="34" charset="-128"/>
-                      </a:endParaRPr>
-                    </a:p>
-                  </a:txBody>
-                  <a:tcPr marL="99361" marR="99361" marT="49681" marB="49681" anchor="ctr"/>
-                </a:tc>
-                <a:tc>
-                  <a:txBody>
-                    <a:bodyPr/>
-                    <a:lstStyle/>
-                    <a:p>
-                      <a:pPr algn="ctr"/>
-                      <a:r>
-                        <a:rPr lang="en-US" altLang="zh-TW" sz="3000" dirty="0">
-                          <a:latin typeface="Hiragino Sans CNS W3" panose="020B0300000000000000" pitchFamily="34" charset="-128"/>
-                          <a:ea typeface="Hiragino Sans CNS W3" panose="020B0300000000000000" pitchFamily="34" charset="-128"/>
-                        </a:rPr>
-                        <a:t>2</a:t>
-                      </a:r>
-                      <a:endParaRPr lang="zh-TW" altLang="en-US" sz="3000" dirty="0">
-                        <a:latin typeface="Hiragino Sans CNS W3" panose="020B0300000000000000" pitchFamily="34" charset="-128"/>
-                        <a:ea typeface="Hiragino Sans CNS W3" panose="020B0300000000000000" pitchFamily="34" charset="-128"/>
-                      </a:endParaRPr>
-                    </a:p>
-                  </a:txBody>
-                  <a:tcPr marL="99361" marR="99361" marT="49681" marB="49681" anchor="ctr"/>
-                </a:tc>
-                <a:tc>
-                  <a:txBody>
-                    <a:bodyPr/>
-                    <a:lstStyle/>
-                    <a:p>
-                      <a:pPr algn="ctr"/>
-                      <a:r>
-                        <a:rPr lang="en-US" altLang="zh-TW" sz="3000" dirty="0">
-                          <a:latin typeface="Hiragino Sans CNS W3" panose="020B0300000000000000" pitchFamily="34" charset="-128"/>
-                          <a:ea typeface="Hiragino Sans CNS W3" panose="020B0300000000000000" pitchFamily="34" charset="-128"/>
-                        </a:rPr>
-                        <a:t>1</a:t>
-                      </a:r>
-                      <a:endParaRPr lang="zh-TW" altLang="en-US" sz="3000" dirty="0">
-                        <a:latin typeface="Hiragino Sans CNS W3" panose="020B0300000000000000" pitchFamily="34" charset="-128"/>
-                        <a:ea typeface="Hiragino Sans CNS W3" panose="020B0300000000000000" pitchFamily="34" charset="-128"/>
-                      </a:endParaRPr>
-                    </a:p>
-                  </a:txBody>
-                  <a:tcPr marL="99361" marR="99361" marT="49681" marB="49681" anchor="ctr"/>
-                </a:tc>
-                <a:tc>
-                  <a:txBody>
-                    <a:bodyPr/>
-                    <a:lstStyle/>
-                    <a:p>
-                      <a:pPr algn="ctr"/>
-                      <a:r>
-                        <a:rPr lang="en-US" altLang="zh-TW" sz="3000" dirty="0">
-                          <a:latin typeface="Hiragino Sans CNS W3" panose="020B0300000000000000" pitchFamily="34" charset="-128"/>
-                          <a:ea typeface="Hiragino Sans CNS W3" panose="020B0300000000000000" pitchFamily="34" charset="-128"/>
-                        </a:rPr>
-                        <a:t>3</a:t>
-                      </a:r>
-                      <a:endParaRPr lang="zh-TW" altLang="en-US" sz="3000" dirty="0">
-                        <a:latin typeface="Hiragino Sans CNS W3" panose="020B0300000000000000" pitchFamily="34" charset="-128"/>
-                        <a:ea typeface="Hiragino Sans CNS W3" panose="020B0300000000000000" pitchFamily="34" charset="-128"/>
-                      </a:endParaRPr>
-                    </a:p>
-                  </a:txBody>
-                  <a:tcPr marL="99361" marR="99361" marT="49681" marB="49681" anchor="ctr"/>
-                </a:tc>
-                <a:tc>
-                  <a:txBody>
-                    <a:bodyPr/>
-                    <a:lstStyle/>
-                    <a:p>
-                      <a:pPr algn="ctr"/>
-                      <a:r>
-                        <a:rPr lang="en-US" altLang="zh-TW" sz="3000" dirty="0">
-                          <a:latin typeface="Hiragino Sans CNS W3" panose="020B0300000000000000" pitchFamily="34" charset="-128"/>
-                          <a:ea typeface="Hiragino Sans CNS W3" panose="020B0300000000000000" pitchFamily="34" charset="-128"/>
-                        </a:rPr>
-                        <a:t>3</a:t>
-                      </a:r>
-                      <a:endParaRPr lang="zh-TW" altLang="en-US" sz="3000" dirty="0">
-                        <a:latin typeface="Hiragino Sans CNS W3" panose="020B0300000000000000" pitchFamily="34" charset="-128"/>
-                        <a:ea typeface="Hiragino Sans CNS W3" panose="020B0300000000000000" pitchFamily="34" charset="-128"/>
-                      </a:endParaRPr>
-                    </a:p>
-                  </a:txBody>
-                  <a:tcPr marL="99361" marR="99361" marT="49681" marB="49681" anchor="ctr"/>
-                </a:tc>
-                <a:extLst>
-                  <a:ext uri="{0D108BD9-81ED-4DB2-BD59-A6C34878D82A}">
-                    <a16:rowId xmlns:a16="http://schemas.microsoft.com/office/drawing/2014/main" val="1783147424"/>
-                  </a:ext>
-                </a:extLst>
-              </a:tr>
-              <a:tr h="886229">
-                <a:tc>
-                  <a:txBody>
-                    <a:bodyPr/>
-                    <a:lstStyle/>
-                    <a:p>
-                      <a:pPr algn="ctr"/>
-                      <a:r>
-                        <a:rPr lang="en-US" altLang="zh-TW" sz="3000" dirty="0">
-                          <a:latin typeface="Hiragino Sans CNS W3" panose="020B0300000000000000" pitchFamily="34" charset="-128"/>
-                          <a:ea typeface="Hiragino Sans CNS W3" panose="020B0300000000000000" pitchFamily="34" charset="-128"/>
-                        </a:rPr>
-                        <a:t>4</a:t>
-                      </a:r>
-                      <a:endParaRPr lang="zh-TW" altLang="en-US" sz="3000" dirty="0">
-                        <a:latin typeface="Hiragino Sans CNS W3" panose="020B0300000000000000" pitchFamily="34" charset="-128"/>
-                        <a:ea typeface="Hiragino Sans CNS W3" panose="020B0300000000000000" pitchFamily="34" charset="-128"/>
-                      </a:endParaRPr>
-                    </a:p>
-                  </a:txBody>
-                  <a:tcPr marL="99361" marR="99361" marT="49681" marB="49681" anchor="ctr"/>
-                </a:tc>
-                <a:tc>
-                  <a:txBody>
-                    <a:bodyPr/>
-                    <a:lstStyle/>
-                    <a:p>
-                      <a:pPr algn="ctr"/>
-                      <a:r>
-                        <a:rPr lang="en-US" altLang="zh-TW" sz="3000" dirty="0">
-                          <a:latin typeface="Hiragino Sans CNS W3" panose="020B0300000000000000" pitchFamily="34" charset="-128"/>
-                          <a:ea typeface="Hiragino Sans CNS W3" panose="020B0300000000000000" pitchFamily="34" charset="-128"/>
-                        </a:rPr>
-                        <a:t>4</a:t>
-                      </a:r>
-                      <a:endParaRPr lang="zh-TW" altLang="en-US" sz="3000" dirty="0">
-                        <a:latin typeface="Hiragino Sans CNS W3" panose="020B0300000000000000" pitchFamily="34" charset="-128"/>
-                        <a:ea typeface="Hiragino Sans CNS W3" panose="020B0300000000000000" pitchFamily="34" charset="-128"/>
-                      </a:endParaRPr>
-                    </a:p>
-                  </a:txBody>
-                  <a:tcPr marL="99361" marR="99361" marT="49681" marB="49681" anchor="ctr"/>
-                </a:tc>
-                <a:tc>
-                  <a:txBody>
-                    <a:bodyPr/>
-                    <a:lstStyle/>
-                    <a:p>
-                      <a:pPr algn="ctr"/>
-                      <a:r>
-                        <a:rPr lang="en-US" altLang="zh-TW" sz="3000" dirty="0">
-                          <a:latin typeface="Hiragino Sans CNS W3" panose="020B0300000000000000" pitchFamily="34" charset="-128"/>
-                          <a:ea typeface="Hiragino Sans CNS W3" panose="020B0300000000000000" pitchFamily="34" charset="-128"/>
-                        </a:rPr>
-                        <a:t>5</a:t>
-                      </a:r>
-                      <a:endParaRPr lang="zh-TW" altLang="en-US" sz="3000" dirty="0">
-                        <a:latin typeface="Hiragino Sans CNS W3" panose="020B0300000000000000" pitchFamily="34" charset="-128"/>
-                        <a:ea typeface="Hiragino Sans CNS W3" panose="020B0300000000000000" pitchFamily="34" charset="-128"/>
-                      </a:endParaRPr>
-                    </a:p>
-                  </a:txBody>
-                  <a:tcPr marL="99361" marR="99361" marT="49681" marB="49681" anchor="ctr"/>
-                </a:tc>
-                <a:tc>
-                  <a:txBody>
-                    <a:bodyPr/>
-                    <a:lstStyle/>
-                    <a:p>
-                      <a:pPr algn="ctr"/>
-                      <a:r>
-                        <a:rPr lang="en-US" altLang="zh-TW" sz="3000" dirty="0">
-                          <a:latin typeface="Hiragino Sans CNS W3" panose="020B0300000000000000" pitchFamily="34" charset="-128"/>
-                          <a:ea typeface="Hiragino Sans CNS W3" panose="020B0300000000000000" pitchFamily="34" charset="-128"/>
-                        </a:rPr>
-                        <a:t>2</a:t>
-                      </a:r>
-                      <a:endParaRPr lang="zh-TW" altLang="en-US" sz="3000" dirty="0">
-                        <a:latin typeface="Hiragino Sans CNS W3" panose="020B0300000000000000" pitchFamily="34" charset="-128"/>
-                        <a:ea typeface="Hiragino Sans CNS W3" panose="020B0300000000000000" pitchFamily="34" charset="-128"/>
-                      </a:endParaRPr>
-                    </a:p>
-                  </a:txBody>
-                  <a:tcPr marL="99361" marR="99361" marT="49681" marB="49681" anchor="ctr"/>
-                </a:tc>
-                <a:tc>
-                  <a:txBody>
-                    <a:bodyPr/>
-                    <a:lstStyle/>
-                    <a:p>
-                      <a:pPr algn="ctr"/>
-                      <a:r>
-                        <a:rPr lang="en-US" altLang="zh-TW" sz="3000" dirty="0">
-                          <a:latin typeface="Hiragino Sans CNS W3" panose="020B0300000000000000" pitchFamily="34" charset="-128"/>
-                          <a:ea typeface="Hiragino Sans CNS W3" panose="020B0300000000000000" pitchFamily="34" charset="-128"/>
-                        </a:rPr>
-                        <a:t>5</a:t>
-                      </a:r>
-                      <a:endParaRPr lang="zh-TW" altLang="en-US" sz="3000" dirty="0">
-                        <a:latin typeface="Hiragino Sans CNS W3" panose="020B0300000000000000" pitchFamily="34" charset="-128"/>
-                        <a:ea typeface="Hiragino Sans CNS W3" panose="020B0300000000000000" pitchFamily="34" charset="-128"/>
-                      </a:endParaRPr>
-                    </a:p>
-                  </a:txBody>
-                  <a:tcPr marL="99361" marR="99361" marT="49681" marB="49681" anchor="ctr"/>
-                </a:tc>
-                <a:extLst>
-                  <a:ext uri="{0D108BD9-81ED-4DB2-BD59-A6C34878D82A}">
-                    <a16:rowId xmlns:a16="http://schemas.microsoft.com/office/drawing/2014/main" val="3144180348"/>
-                  </a:ext>
-                </a:extLst>
-              </a:tr>
-            </a:tbl>
-          </a:graphicData>
-        </a:graphic>
-      </p:graphicFrame>
-      <p:graphicFrame>
-        <p:nvGraphicFramePr>
-          <p:cNvPr id="5" name="表格 4">
-            <a:extLst>
-              <a:ext uri="{FF2B5EF4-FFF2-40B4-BE49-F238E27FC236}">
-                <a16:creationId xmlns:a16="http://schemas.microsoft.com/office/drawing/2014/main" id="{E295E5F4-D89C-299C-3393-FA4B28861EC5}"/>
-              </a:ext>
-            </a:extLst>
-          </p:cNvPr>
-          <p:cNvGraphicFramePr>
-            <a:graphicFrameLocks noGrp="1"/>
-          </p:cNvGraphicFramePr>
-          <p:nvPr>
-            <p:extLst>
-              <p:ext uri="{D42A27DB-BD31-4B8C-83A1-F6EECF244321}">
-                <p14:modId xmlns:p14="http://schemas.microsoft.com/office/powerpoint/2010/main" val="1827950176"/>
-              </p:ext>
-            </p:extLst>
-          </p:nvPr>
-        </p:nvGraphicFramePr>
-        <p:xfrm>
-          <a:off x="5792626" y="1690688"/>
-          <a:ext cx="4451070" cy="4431145"/>
-        </p:xfrm>
-        <a:graphic>
-          <a:graphicData uri="http://schemas.openxmlformats.org/drawingml/2006/table">
-            <a:tbl>
-              <a:tblPr bandRow="1">
-                <a:tableStyleId>{F5AB1C69-6EDB-4FF4-983F-18BD219EF322}</a:tableStyleId>
-              </a:tblPr>
-              <a:tblGrid>
-                <a:gridCol w="890214">
-                  <a:extLst>
-                    <a:ext uri="{9D8B030D-6E8A-4147-A177-3AD203B41FA5}">
-                      <a16:colId xmlns:a16="http://schemas.microsoft.com/office/drawing/2014/main" val="3457372882"/>
-                    </a:ext>
-                  </a:extLst>
-                </a:gridCol>
-                <a:gridCol w="890214">
-                  <a:extLst>
-                    <a:ext uri="{9D8B030D-6E8A-4147-A177-3AD203B41FA5}">
-                      <a16:colId xmlns:a16="http://schemas.microsoft.com/office/drawing/2014/main" val="4012716525"/>
-                    </a:ext>
-                  </a:extLst>
-                </a:gridCol>
-                <a:gridCol w="890214">
-                  <a:extLst>
-                    <a:ext uri="{9D8B030D-6E8A-4147-A177-3AD203B41FA5}">
-                      <a16:colId xmlns:a16="http://schemas.microsoft.com/office/drawing/2014/main" val="3635152842"/>
-                    </a:ext>
-                  </a:extLst>
-                </a:gridCol>
-                <a:gridCol w="890214">
-                  <a:extLst>
-                    <a:ext uri="{9D8B030D-6E8A-4147-A177-3AD203B41FA5}">
-                      <a16:colId xmlns:a16="http://schemas.microsoft.com/office/drawing/2014/main" val="1376262311"/>
-                    </a:ext>
-                  </a:extLst>
-                </a:gridCol>
-                <a:gridCol w="890214">
-                  <a:extLst>
-                    <a:ext uri="{9D8B030D-6E8A-4147-A177-3AD203B41FA5}">
-                      <a16:colId xmlns:a16="http://schemas.microsoft.com/office/drawing/2014/main" val="1171847317"/>
-                    </a:ext>
-                  </a:extLst>
-                </a:gridCol>
-              </a:tblGrid>
-              <a:tr h="886229">
-                <a:tc>
-                  <a:txBody>
-                    <a:bodyPr/>
-                    <a:lstStyle/>
-                    <a:p>
-                      <a:pPr algn="ctr"/>
-                      <a:endParaRPr lang="zh-TW" altLang="en-US" sz="3000" dirty="0">
-                        <a:latin typeface="Hiragino Sans CNS W3" panose="020B0300000000000000" pitchFamily="34" charset="-128"/>
-                        <a:ea typeface="Hiragino Sans CNS W3" panose="020B0300000000000000" pitchFamily="34" charset="-128"/>
-                      </a:endParaRPr>
-                    </a:p>
-                  </a:txBody>
-                  <a:tcPr marL="99361" marR="99361" marT="49681" marB="49681" anchor="ctr"/>
-                </a:tc>
-                <a:tc>
-                  <a:txBody>
-                    <a:bodyPr/>
-                    <a:lstStyle/>
-                    <a:p>
-                      <a:pPr algn="ctr"/>
-                      <a:endParaRPr lang="zh-TW" altLang="en-US" sz="3000" dirty="0">
-                        <a:latin typeface="Hiragino Sans CNS W3" panose="020B0300000000000000" pitchFamily="34" charset="-128"/>
-                        <a:ea typeface="Hiragino Sans CNS W3" panose="020B0300000000000000" pitchFamily="34" charset="-128"/>
-                      </a:endParaRPr>
-                    </a:p>
-                  </a:txBody>
-                  <a:tcPr marL="99361" marR="99361" marT="49681" marB="49681" anchor="ctr"/>
-                </a:tc>
-                <a:tc>
-                  <a:txBody>
-                    <a:bodyPr/>
-                    <a:lstStyle/>
-                    <a:p>
-                      <a:pPr algn="ctr"/>
-                      <a:endParaRPr lang="zh-TW" altLang="en-US" sz="3000" dirty="0">
-                        <a:latin typeface="Hiragino Sans CNS W3" panose="020B0300000000000000" pitchFamily="34" charset="-128"/>
-                        <a:ea typeface="Hiragino Sans CNS W3" panose="020B0300000000000000" pitchFamily="34" charset="-128"/>
-                      </a:endParaRPr>
-                    </a:p>
-                  </a:txBody>
-                  <a:tcPr marL="99361" marR="99361" marT="49681" marB="49681" anchor="ctr"/>
-                </a:tc>
-                <a:tc>
-                  <a:txBody>
-                    <a:bodyPr/>
-                    <a:lstStyle/>
-                    <a:p>
-                      <a:pPr algn="ctr"/>
-                      <a:endParaRPr lang="zh-TW" altLang="en-US" sz="3000" dirty="0">
-                        <a:latin typeface="Hiragino Sans CNS W3" panose="020B0300000000000000" pitchFamily="34" charset="-128"/>
-                        <a:ea typeface="Hiragino Sans CNS W3" panose="020B0300000000000000" pitchFamily="34" charset="-128"/>
-                      </a:endParaRPr>
-                    </a:p>
-                  </a:txBody>
-                  <a:tcPr marL="99361" marR="99361" marT="49681" marB="49681" anchor="ctr"/>
-                </a:tc>
-                <a:tc>
-                  <a:txBody>
-                    <a:bodyPr/>
-                    <a:lstStyle/>
-                    <a:p>
-                      <a:pPr algn="ctr"/>
-                      <a:endParaRPr lang="zh-TW" altLang="en-US" sz="3000" dirty="0">
-                        <a:latin typeface="Hiragino Sans CNS W3" panose="020B0300000000000000" pitchFamily="34" charset="-128"/>
-                        <a:ea typeface="Hiragino Sans CNS W3" panose="020B0300000000000000" pitchFamily="34" charset="-128"/>
-                      </a:endParaRPr>
-                    </a:p>
-                  </a:txBody>
-                  <a:tcPr marL="99361" marR="99361" marT="49681" marB="49681" anchor="ctr"/>
-                </a:tc>
-                <a:extLst>
-                  <a:ext uri="{0D108BD9-81ED-4DB2-BD59-A6C34878D82A}">
-                    <a16:rowId xmlns:a16="http://schemas.microsoft.com/office/drawing/2014/main" val="3063813678"/>
-                  </a:ext>
-                </a:extLst>
-              </a:tr>
-              <a:tr h="886229">
-                <a:tc>
-                  <a:txBody>
-                    <a:bodyPr/>
-                    <a:lstStyle/>
-                    <a:p>
-                      <a:pPr algn="ctr"/>
-                      <a:endParaRPr lang="zh-TW" altLang="en-US" sz="3000" dirty="0">
-                        <a:latin typeface="Hiragino Sans CNS W3" panose="020B0300000000000000" pitchFamily="34" charset="-128"/>
-                        <a:ea typeface="Hiragino Sans CNS W3" panose="020B0300000000000000" pitchFamily="34" charset="-128"/>
-                      </a:endParaRPr>
-                    </a:p>
-                  </a:txBody>
-                  <a:tcPr marL="99361" marR="99361" marT="49681" marB="49681" anchor="ctr"/>
-                </a:tc>
-                <a:tc>
-                  <a:txBody>
-                    <a:bodyPr/>
-                    <a:lstStyle/>
-                    <a:p>
-                      <a:pPr algn="ctr"/>
-                      <a:r>
-                        <a:rPr lang="en-US" altLang="zh-TW" sz="3000" dirty="0">
-                          <a:latin typeface="Hiragino Sans CNS W3" panose="020B0300000000000000" pitchFamily="34" charset="-128"/>
-                          <a:ea typeface="Hiragino Sans CNS W3" panose="020B0300000000000000" pitchFamily="34" charset="-128"/>
-                        </a:rPr>
-                        <a:t>X</a:t>
-                      </a:r>
-                      <a:endParaRPr lang="zh-TW" altLang="en-US" sz="3000" dirty="0">
-                        <a:latin typeface="Hiragino Sans CNS W3" panose="020B0300000000000000" pitchFamily="34" charset="-128"/>
-                        <a:ea typeface="Hiragino Sans CNS W3" panose="020B0300000000000000" pitchFamily="34" charset="-128"/>
-                      </a:endParaRPr>
-                    </a:p>
-                  </a:txBody>
-                  <a:tcPr marL="99361" marR="99361" marT="49681" marB="49681" anchor="ctr">
-                    <a:solidFill>
-                      <a:schemeClr val="accent2"/>
-                    </a:solidFill>
-                  </a:tcPr>
-                </a:tc>
-                <a:tc>
-                  <a:txBody>
-                    <a:bodyPr/>
-                    <a:lstStyle/>
-                    <a:p>
-                      <a:pPr algn="ctr"/>
-                      <a:endParaRPr lang="zh-TW" altLang="en-US" sz="3000" dirty="0">
-                        <a:latin typeface="Hiragino Sans CNS W3" panose="020B0300000000000000" pitchFamily="34" charset="-128"/>
-                        <a:ea typeface="Hiragino Sans CNS W3" panose="020B0300000000000000" pitchFamily="34" charset="-128"/>
-                      </a:endParaRPr>
-                    </a:p>
-                  </a:txBody>
-                  <a:tcPr marL="99361" marR="99361" marT="49681" marB="49681" anchor="ctr"/>
-                </a:tc>
-                <a:tc>
-                  <a:txBody>
-                    <a:bodyPr/>
-                    <a:lstStyle/>
-                    <a:p>
-                      <a:pPr algn="ctr"/>
-                      <a:endParaRPr lang="zh-TW" altLang="en-US" sz="3000" dirty="0">
-                        <a:latin typeface="Hiragino Sans CNS W3" panose="020B0300000000000000" pitchFamily="34" charset="-128"/>
-                        <a:ea typeface="Hiragino Sans CNS W3" panose="020B0300000000000000" pitchFamily="34" charset="-128"/>
-                      </a:endParaRPr>
-                    </a:p>
-                  </a:txBody>
-                  <a:tcPr marL="99361" marR="99361" marT="49681" marB="49681" anchor="ctr"/>
-                </a:tc>
-                <a:tc>
-                  <a:txBody>
-                    <a:bodyPr/>
-                    <a:lstStyle/>
-                    <a:p>
-                      <a:pPr algn="ctr"/>
-                      <a:endParaRPr lang="zh-TW" altLang="en-US" sz="3000" dirty="0">
-                        <a:latin typeface="Hiragino Sans CNS W3" panose="020B0300000000000000" pitchFamily="34" charset="-128"/>
-                        <a:ea typeface="Hiragino Sans CNS W3" panose="020B0300000000000000" pitchFamily="34" charset="-128"/>
-                      </a:endParaRPr>
-                    </a:p>
-                  </a:txBody>
-                  <a:tcPr marL="99361" marR="99361" marT="49681" marB="49681" anchor="ctr"/>
-                </a:tc>
-                <a:extLst>
-                  <a:ext uri="{0D108BD9-81ED-4DB2-BD59-A6C34878D82A}">
-                    <a16:rowId xmlns:a16="http://schemas.microsoft.com/office/drawing/2014/main" val="729469909"/>
-                  </a:ext>
-                </a:extLst>
-              </a:tr>
-              <a:tr h="886229">
-                <a:tc>
-                  <a:txBody>
-                    <a:bodyPr/>
-                    <a:lstStyle/>
-                    <a:p>
-                      <a:pPr algn="ctr"/>
-                      <a:endParaRPr lang="zh-TW" altLang="en-US" sz="3000" dirty="0">
-                        <a:latin typeface="Hiragino Sans CNS W3" panose="020B0300000000000000" pitchFamily="34" charset="-128"/>
-                        <a:ea typeface="Hiragino Sans CNS W3" panose="020B0300000000000000" pitchFamily="34" charset="-128"/>
-                      </a:endParaRPr>
-                    </a:p>
-                  </a:txBody>
-                  <a:tcPr marL="99361" marR="99361" marT="49681" marB="49681" anchor="ctr"/>
-                </a:tc>
-                <a:tc>
-                  <a:txBody>
-                    <a:bodyPr/>
-                    <a:lstStyle/>
-                    <a:p>
-                      <a:pPr algn="ctr"/>
-                      <a:endParaRPr lang="zh-TW" altLang="en-US" sz="3000" dirty="0">
-                        <a:latin typeface="Hiragino Sans CNS W3" panose="020B0300000000000000" pitchFamily="34" charset="-128"/>
-                        <a:ea typeface="Hiragino Sans CNS W3" panose="020B0300000000000000" pitchFamily="34" charset="-128"/>
-                      </a:endParaRPr>
-                    </a:p>
-                  </a:txBody>
-                  <a:tcPr marL="99361" marR="99361" marT="49681" marB="49681" anchor="ctr"/>
-                </a:tc>
-                <a:tc>
-                  <a:txBody>
-                    <a:bodyPr/>
-                    <a:lstStyle/>
-                    <a:p>
-                      <a:pPr algn="ctr"/>
-                      <a:endParaRPr lang="zh-TW" altLang="en-US" sz="3000" dirty="0">
-                        <a:latin typeface="Hiragino Sans CNS W3" panose="020B0300000000000000" pitchFamily="34" charset="-128"/>
-                        <a:ea typeface="Hiragino Sans CNS W3" panose="020B0300000000000000" pitchFamily="34" charset="-128"/>
-                      </a:endParaRPr>
-                    </a:p>
-                  </a:txBody>
-                  <a:tcPr marL="99361" marR="99361" marT="49681" marB="49681" anchor="ctr"/>
-                </a:tc>
-                <a:tc>
-                  <a:txBody>
-                    <a:bodyPr/>
-                    <a:lstStyle/>
-                    <a:p>
-                      <a:pPr algn="ctr"/>
-                      <a:endParaRPr lang="zh-TW" altLang="en-US" sz="3000" dirty="0">
-                        <a:latin typeface="Hiragino Sans CNS W3" panose="020B0300000000000000" pitchFamily="34" charset="-128"/>
-                        <a:ea typeface="Hiragino Sans CNS W3" panose="020B0300000000000000" pitchFamily="34" charset="-128"/>
-                      </a:endParaRPr>
-                    </a:p>
-                  </a:txBody>
-                  <a:tcPr marL="99361" marR="99361" marT="49681" marB="49681" anchor="ctr"/>
-                </a:tc>
-                <a:tc>
-                  <a:txBody>
-                    <a:bodyPr/>
-                    <a:lstStyle/>
-                    <a:p>
-                      <a:pPr algn="ctr"/>
-                      <a:endParaRPr lang="zh-TW" altLang="en-US" sz="3000" dirty="0">
-                        <a:latin typeface="Hiragino Sans CNS W3" panose="020B0300000000000000" pitchFamily="34" charset="-128"/>
-                        <a:ea typeface="Hiragino Sans CNS W3" panose="020B0300000000000000" pitchFamily="34" charset="-128"/>
-                      </a:endParaRPr>
-                    </a:p>
-                  </a:txBody>
-                  <a:tcPr marL="99361" marR="99361" marT="49681" marB="49681" anchor="ctr"/>
-                </a:tc>
-                <a:extLst>
-                  <a:ext uri="{0D108BD9-81ED-4DB2-BD59-A6C34878D82A}">
-                    <a16:rowId xmlns:a16="http://schemas.microsoft.com/office/drawing/2014/main" val="1632199547"/>
-                  </a:ext>
-                </a:extLst>
-              </a:tr>
-              <a:tr h="886229">
-                <a:tc>
-                  <a:txBody>
-                    <a:bodyPr/>
-                    <a:lstStyle/>
-                    <a:p>
-                      <a:pPr algn="ctr"/>
-                      <a:endParaRPr lang="zh-TW" altLang="en-US" sz="3000" dirty="0">
-                        <a:latin typeface="Hiragino Sans CNS W3" panose="020B0300000000000000" pitchFamily="34" charset="-128"/>
-                        <a:ea typeface="Hiragino Sans CNS W3" panose="020B0300000000000000" pitchFamily="34" charset="-128"/>
-                      </a:endParaRPr>
-                    </a:p>
-                  </a:txBody>
-                  <a:tcPr marL="99361" marR="99361" marT="49681" marB="49681" anchor="ctr"/>
-                </a:tc>
-                <a:tc>
-                  <a:txBody>
-                    <a:bodyPr/>
-                    <a:lstStyle/>
-                    <a:p>
-                      <a:pPr algn="ctr"/>
-                      <a:endParaRPr lang="zh-TW" altLang="en-US" sz="3000" dirty="0">
-                        <a:latin typeface="Hiragino Sans CNS W3" panose="020B0300000000000000" pitchFamily="34" charset="-128"/>
-                        <a:ea typeface="Hiragino Sans CNS W3" panose="020B0300000000000000" pitchFamily="34" charset="-128"/>
-                      </a:endParaRPr>
-                    </a:p>
-                  </a:txBody>
-                  <a:tcPr marL="99361" marR="99361" marT="49681" marB="49681" anchor="ctr"/>
-                </a:tc>
-                <a:tc>
-                  <a:txBody>
-                    <a:bodyPr/>
-                    <a:lstStyle/>
-                    <a:p>
-                      <a:pPr algn="ctr"/>
-                      <a:endParaRPr lang="zh-TW" altLang="en-US" sz="3000" dirty="0">
-                        <a:latin typeface="Hiragino Sans CNS W3" panose="020B0300000000000000" pitchFamily="34" charset="-128"/>
-                        <a:ea typeface="Hiragino Sans CNS W3" panose="020B0300000000000000" pitchFamily="34" charset="-128"/>
-                      </a:endParaRPr>
-                    </a:p>
-                  </a:txBody>
-                  <a:tcPr marL="99361" marR="99361" marT="49681" marB="49681" anchor="ctr"/>
-                </a:tc>
-                <a:tc>
-                  <a:txBody>
-                    <a:bodyPr/>
-                    <a:lstStyle/>
-                    <a:p>
-                      <a:pPr algn="ctr"/>
-                      <a:endParaRPr lang="zh-TW" altLang="en-US" sz="3000" dirty="0">
-                        <a:latin typeface="Hiragino Sans CNS W3" panose="020B0300000000000000" pitchFamily="34" charset="-128"/>
-                        <a:ea typeface="Hiragino Sans CNS W3" panose="020B0300000000000000" pitchFamily="34" charset="-128"/>
-                      </a:endParaRPr>
-                    </a:p>
-                  </a:txBody>
-                  <a:tcPr marL="99361" marR="99361" marT="49681" marB="49681" anchor="ctr"/>
-                </a:tc>
-                <a:tc>
-                  <a:txBody>
-                    <a:bodyPr/>
-                    <a:lstStyle/>
-                    <a:p>
-                      <a:pPr algn="ctr"/>
-                      <a:endParaRPr lang="zh-TW" altLang="en-US" sz="3000" dirty="0">
-                        <a:latin typeface="Hiragino Sans CNS W3" panose="020B0300000000000000" pitchFamily="34" charset="-128"/>
-                        <a:ea typeface="Hiragino Sans CNS W3" panose="020B0300000000000000" pitchFamily="34" charset="-128"/>
-                      </a:endParaRPr>
-                    </a:p>
-                  </a:txBody>
-                  <a:tcPr marL="99361" marR="99361" marT="49681" marB="49681" anchor="ctr"/>
-                </a:tc>
-                <a:extLst>
-                  <a:ext uri="{0D108BD9-81ED-4DB2-BD59-A6C34878D82A}">
-                    <a16:rowId xmlns:a16="http://schemas.microsoft.com/office/drawing/2014/main" val="1783147424"/>
-                  </a:ext>
-                </a:extLst>
-              </a:tr>
-              <a:tr h="886229">
-                <a:tc>
-                  <a:txBody>
-                    <a:bodyPr/>
-                    <a:lstStyle/>
-                    <a:p>
-                      <a:pPr algn="ctr"/>
-                      <a:endParaRPr lang="zh-TW" altLang="en-US" sz="3000" dirty="0">
-                        <a:latin typeface="Hiragino Sans CNS W3" panose="020B0300000000000000" pitchFamily="34" charset="-128"/>
-                        <a:ea typeface="Hiragino Sans CNS W3" panose="020B0300000000000000" pitchFamily="34" charset="-128"/>
-                      </a:endParaRPr>
-                    </a:p>
-                  </a:txBody>
-                  <a:tcPr marL="99361" marR="99361" marT="49681" marB="49681" anchor="ctr"/>
-                </a:tc>
-                <a:tc>
-                  <a:txBody>
-                    <a:bodyPr/>
-                    <a:lstStyle/>
-                    <a:p>
-                      <a:pPr algn="ctr"/>
-                      <a:endParaRPr lang="zh-TW" altLang="en-US" sz="3000" dirty="0">
-                        <a:latin typeface="Hiragino Sans CNS W3" panose="020B0300000000000000" pitchFamily="34" charset="-128"/>
-                        <a:ea typeface="Hiragino Sans CNS W3" panose="020B0300000000000000" pitchFamily="34" charset="-128"/>
-                      </a:endParaRPr>
-                    </a:p>
-                  </a:txBody>
-                  <a:tcPr marL="99361" marR="99361" marT="49681" marB="49681" anchor="ctr"/>
-                </a:tc>
-                <a:tc>
-                  <a:txBody>
-                    <a:bodyPr/>
-                    <a:lstStyle/>
-                    <a:p>
-                      <a:pPr algn="ctr"/>
-                      <a:endParaRPr lang="zh-TW" altLang="en-US" sz="3000" dirty="0">
-                        <a:latin typeface="Hiragino Sans CNS W3" panose="020B0300000000000000" pitchFamily="34" charset="-128"/>
-                        <a:ea typeface="Hiragino Sans CNS W3" panose="020B0300000000000000" pitchFamily="34" charset="-128"/>
-                      </a:endParaRPr>
-                    </a:p>
-                  </a:txBody>
-                  <a:tcPr marL="99361" marR="99361" marT="49681" marB="49681" anchor="ctr"/>
-                </a:tc>
-                <a:tc>
-                  <a:txBody>
-                    <a:bodyPr/>
-                    <a:lstStyle/>
-                    <a:p>
-                      <a:pPr algn="ctr"/>
-                      <a:endParaRPr lang="zh-TW" altLang="en-US" sz="3000" dirty="0">
-                        <a:latin typeface="Hiragino Sans CNS W3" panose="020B0300000000000000" pitchFamily="34" charset="-128"/>
-                        <a:ea typeface="Hiragino Sans CNS W3" panose="020B0300000000000000" pitchFamily="34" charset="-128"/>
-                      </a:endParaRPr>
-                    </a:p>
-                  </a:txBody>
-                  <a:tcPr marL="99361" marR="99361" marT="49681" marB="49681" anchor="ctr"/>
-                </a:tc>
-                <a:tc>
-                  <a:txBody>
-                    <a:bodyPr/>
-                    <a:lstStyle/>
-                    <a:p>
-                      <a:pPr algn="ctr"/>
-                      <a:endParaRPr lang="zh-TW" altLang="en-US" sz="3000" dirty="0">
-                        <a:latin typeface="Hiragino Sans CNS W3" panose="020B0300000000000000" pitchFamily="34" charset="-128"/>
-                        <a:ea typeface="Hiragino Sans CNS W3" panose="020B0300000000000000" pitchFamily="34" charset="-128"/>
-                      </a:endParaRPr>
-                    </a:p>
-                  </a:txBody>
-                  <a:tcPr marL="99361" marR="99361" marT="49681" marB="49681" anchor="ctr"/>
-                </a:tc>
-                <a:extLst>
-                  <a:ext uri="{0D108BD9-81ED-4DB2-BD59-A6C34878D82A}">
-                    <a16:rowId xmlns:a16="http://schemas.microsoft.com/office/drawing/2014/main" val="3144180348"/>
-                  </a:ext>
-                </a:extLst>
-              </a:tr>
-            </a:tbl>
-          </a:graphicData>
-        </a:graphic>
-      </p:graphicFrame>
-      <p:sp>
-        <p:nvSpPr>
-          <p:cNvPr id="3" name="文字方塊 2">
-            <a:extLst>
-              <a:ext uri="{FF2B5EF4-FFF2-40B4-BE49-F238E27FC236}">
-                <a16:creationId xmlns:a16="http://schemas.microsoft.com/office/drawing/2014/main" id="{C9F2FBF5-518F-B24F-A3C0-8857178E284F}"/>
-              </a:ext>
-            </a:extLst>
-          </p:cNvPr>
-          <p:cNvSpPr txBox="1"/>
-          <p:nvPr/>
-        </p:nvSpPr>
-        <p:spPr>
-          <a:xfrm>
-            <a:off x="744582" y="6231265"/>
-            <a:ext cx="2015295" cy="523220"/>
-          </a:xfrm>
-          <a:prstGeom prst="rect">
-            <a:avLst/>
-          </a:prstGeom>
-          <a:noFill/>
-        </p:spPr>
-        <p:txBody>
-          <a:bodyPr wrap="none" rtlCol="0">
-            <a:spAutoFit/>
-          </a:bodyPr>
-          <a:lstStyle/>
-          <a:p>
-            <a:r>
-              <a:rPr kumimoji="1" lang="en-US" altLang="zh-TW" sz="2800" dirty="0"/>
-              <a:t>Queue: [1,0]</a:t>
-            </a:r>
-            <a:endParaRPr kumimoji="1" lang="zh-TW" altLang="en-US" sz="2800" dirty="0"/>
-          </a:p>
-        </p:txBody>
-      </p:sp>
-    </p:spTree>
-    <p:extLst>
-      <p:ext uri="{BB962C8B-B14F-4D97-AF65-F5344CB8AC3E}">
-        <p14:creationId xmlns:p14="http://schemas.microsoft.com/office/powerpoint/2010/main" val="1660394919"/>
-      </p:ext>
-    </p:extLst>
-  </p:cSld>
-  <p:clrMapOvr>
-    <a:masterClrMapping/>
-  </p:clrMapOvr>
-</p:sld>
-</file>
-
-<file path=ppt/slides/slide8.xml><?xml version="1.0" encoding="utf-8"?>
-<p:sld xmlns:a="http://schemas.openxmlformats.org/drawingml/2006/main" xmlns:r="http://schemas.openxmlformats.org/officeDocument/2006/relationships" xmlns:p="http://schemas.openxmlformats.org/presentationml/2006/main">
-  <p:cSld>
-    <p:spTree>
-      <p:nvGrpSpPr>
-        <p:cNvPr id="1" name=""/>
-        <p:cNvGrpSpPr/>
-        <p:nvPr/>
-      </p:nvGrpSpPr>
-      <p:grpSpPr>
-        <a:xfrm>
-          <a:off x="0" y="0"/>
-          <a:ext cx="0" cy="0"/>
-          <a:chOff x="0" y="0"/>
-          <a:chExt cx="0" cy="0"/>
-        </a:xfrm>
-      </p:grpSpPr>
-      <p:sp>
-        <p:nvSpPr>
-          <p:cNvPr id="2" name="標題 1">
-            <a:extLst>
-              <a:ext uri="{FF2B5EF4-FFF2-40B4-BE49-F238E27FC236}">
-                <a16:creationId xmlns:a16="http://schemas.microsoft.com/office/drawing/2014/main" id="{B4FD27FB-CFA4-8E72-E656-450DE1D8D350}"/>
-              </a:ext>
-            </a:extLst>
-          </p:cNvPr>
-          <p:cNvSpPr>
-            <a:spLocks noGrp="1"/>
-          </p:cNvSpPr>
-          <p:nvPr>
-            <p:ph type="title"/>
-          </p:nvPr>
-        </p:nvSpPr>
-        <p:spPr/>
-        <p:txBody>
-          <a:bodyPr/>
-          <a:lstStyle/>
-          <a:p>
-            <a:r>
-              <a:rPr kumimoji="1" lang="en-US" altLang="zh-TW" dirty="0"/>
-              <a:t>BFS Algorithm with Route</a:t>
-            </a:r>
-            <a:endParaRPr kumimoji="1" lang="zh-TW" altLang="en-US" dirty="0"/>
-          </a:p>
-        </p:txBody>
-      </p:sp>
-      <p:graphicFrame>
-        <p:nvGraphicFramePr>
-          <p:cNvPr id="4" name="表格 4">
-            <a:extLst>
-              <a:ext uri="{FF2B5EF4-FFF2-40B4-BE49-F238E27FC236}">
-                <a16:creationId xmlns:a16="http://schemas.microsoft.com/office/drawing/2014/main" id="{2A4EC703-C96C-BB6E-6F6E-643DE3F3862A}"/>
-              </a:ext>
-            </a:extLst>
-          </p:cNvPr>
-          <p:cNvGraphicFramePr>
-            <a:graphicFrameLocks noGrp="1"/>
-          </p:cNvGraphicFramePr>
-          <p:nvPr>
-            <p:extLst>
-              <p:ext uri="{D42A27DB-BD31-4B8C-83A1-F6EECF244321}">
-                <p14:modId xmlns:p14="http://schemas.microsoft.com/office/powerpoint/2010/main" val="2372825917"/>
-              </p:ext>
-            </p:extLst>
-          </p:nvPr>
-        </p:nvGraphicFramePr>
-        <p:xfrm>
-          <a:off x="637152" y="1690688"/>
-          <a:ext cx="4451070" cy="4431145"/>
-        </p:xfrm>
-        <a:graphic>
-          <a:graphicData uri="http://schemas.openxmlformats.org/drawingml/2006/table">
-            <a:tbl>
-              <a:tblPr bandRow="1">
-                <a:tableStyleId>{F5AB1C69-6EDB-4FF4-983F-18BD219EF322}</a:tableStyleId>
-              </a:tblPr>
-              <a:tblGrid>
-                <a:gridCol w="890214">
-                  <a:extLst>
-                    <a:ext uri="{9D8B030D-6E8A-4147-A177-3AD203B41FA5}">
-                      <a16:colId xmlns:a16="http://schemas.microsoft.com/office/drawing/2014/main" val="3457372882"/>
-                    </a:ext>
-                  </a:extLst>
-                </a:gridCol>
-                <a:gridCol w="890214">
-                  <a:extLst>
-                    <a:ext uri="{9D8B030D-6E8A-4147-A177-3AD203B41FA5}">
-                      <a16:colId xmlns:a16="http://schemas.microsoft.com/office/drawing/2014/main" val="4012716525"/>
-                    </a:ext>
-                  </a:extLst>
-                </a:gridCol>
-                <a:gridCol w="890214">
-                  <a:extLst>
-                    <a:ext uri="{9D8B030D-6E8A-4147-A177-3AD203B41FA5}">
-                      <a16:colId xmlns:a16="http://schemas.microsoft.com/office/drawing/2014/main" val="3635152842"/>
-                    </a:ext>
-                  </a:extLst>
-                </a:gridCol>
-                <a:gridCol w="890214">
-                  <a:extLst>
-                    <a:ext uri="{9D8B030D-6E8A-4147-A177-3AD203B41FA5}">
-                      <a16:colId xmlns:a16="http://schemas.microsoft.com/office/drawing/2014/main" val="1376262311"/>
-                    </a:ext>
-                  </a:extLst>
-                </a:gridCol>
-                <a:gridCol w="890214">
-                  <a:extLst>
-                    <a:ext uri="{9D8B030D-6E8A-4147-A177-3AD203B41FA5}">
-                      <a16:colId xmlns:a16="http://schemas.microsoft.com/office/drawing/2014/main" val="1171847317"/>
-                    </a:ext>
-                  </a:extLst>
-                </a:gridCol>
-              </a:tblGrid>
-              <a:tr h="886229">
-                <a:tc>
-                  <a:txBody>
-                    <a:bodyPr/>
-                    <a:lstStyle/>
-                    <a:p>
-                      <a:pPr algn="ctr"/>
-                      <a:r>
-                        <a:rPr lang="en-US" altLang="zh-TW" sz="3000" dirty="0">
-                          <a:latin typeface="Hiragino Sans CNS W3" panose="020B0300000000000000" pitchFamily="34" charset="-128"/>
-                          <a:ea typeface="Hiragino Sans CNS W3" panose="020B0300000000000000" pitchFamily="34" charset="-128"/>
-                        </a:rPr>
-                        <a:t>1</a:t>
-                      </a:r>
-                      <a:endParaRPr lang="zh-TW" altLang="en-US" sz="3000" dirty="0">
-                        <a:latin typeface="Hiragino Sans CNS W3" panose="020B0300000000000000" pitchFamily="34" charset="-128"/>
-                        <a:ea typeface="Hiragino Sans CNS W3" panose="020B0300000000000000" pitchFamily="34" charset="-128"/>
-                      </a:endParaRPr>
-                    </a:p>
-                  </a:txBody>
-                  <a:tcPr marL="99361" marR="99361" marT="49681" marB="49681" anchor="ctr"/>
-                </a:tc>
-                <a:tc>
-                  <a:txBody>
-                    <a:bodyPr/>
-                    <a:lstStyle/>
-                    <a:p>
-                      <a:pPr algn="ctr"/>
-                      <a:r>
-                        <a:rPr lang="en-US" altLang="zh-TW" sz="3000" dirty="0">
-                          <a:latin typeface="Hiragino Sans CNS W3" panose="020B0300000000000000" pitchFamily="34" charset="-128"/>
-                          <a:ea typeface="Hiragino Sans CNS W3" panose="020B0300000000000000" pitchFamily="34" charset="-128"/>
-                        </a:rPr>
-                        <a:t>2</a:t>
-                      </a:r>
-                      <a:endParaRPr lang="zh-TW" altLang="en-US" sz="3000" dirty="0">
-                        <a:latin typeface="Hiragino Sans CNS W3" panose="020B0300000000000000" pitchFamily="34" charset="-128"/>
-                        <a:ea typeface="Hiragino Sans CNS W3" panose="020B0300000000000000" pitchFamily="34" charset="-128"/>
-                      </a:endParaRPr>
-                    </a:p>
-                  </a:txBody>
-                  <a:tcPr marL="99361" marR="99361" marT="49681" marB="49681" anchor="ctr"/>
-                </a:tc>
-                <a:tc>
-                  <a:txBody>
-                    <a:bodyPr/>
-                    <a:lstStyle/>
-                    <a:p>
-                      <a:pPr algn="ctr"/>
-                      <a:r>
-                        <a:rPr lang="en-US" altLang="zh-TW" sz="3000" dirty="0">
-                          <a:latin typeface="Hiragino Sans CNS W3" panose="020B0300000000000000" pitchFamily="34" charset="-128"/>
-                          <a:ea typeface="Hiragino Sans CNS W3" panose="020B0300000000000000" pitchFamily="34" charset="-128"/>
-                        </a:rPr>
-                        <a:t>5</a:t>
-                      </a:r>
-                      <a:endParaRPr lang="zh-TW" altLang="en-US" sz="3000" dirty="0">
-                        <a:latin typeface="Hiragino Sans CNS W3" panose="020B0300000000000000" pitchFamily="34" charset="-128"/>
-                        <a:ea typeface="Hiragino Sans CNS W3" panose="020B0300000000000000" pitchFamily="34" charset="-128"/>
-                      </a:endParaRPr>
-                    </a:p>
-                  </a:txBody>
-                  <a:tcPr marL="99361" marR="99361" marT="49681" marB="49681" anchor="ctr"/>
-                </a:tc>
-                <a:tc>
-                  <a:txBody>
-                    <a:bodyPr/>
-                    <a:lstStyle/>
-                    <a:p>
-                      <a:pPr algn="ctr"/>
-                      <a:r>
-                        <a:rPr lang="en-US" altLang="zh-TW" sz="3000" dirty="0">
-                          <a:latin typeface="Hiragino Sans CNS W3" panose="020B0300000000000000" pitchFamily="34" charset="-128"/>
-                          <a:ea typeface="Hiragino Sans CNS W3" panose="020B0300000000000000" pitchFamily="34" charset="-128"/>
-                        </a:rPr>
-                        <a:t>3</a:t>
-                      </a:r>
-                      <a:endParaRPr lang="zh-TW" altLang="en-US" sz="3000" dirty="0">
-                        <a:latin typeface="Hiragino Sans CNS W3" panose="020B0300000000000000" pitchFamily="34" charset="-128"/>
-                        <a:ea typeface="Hiragino Sans CNS W3" panose="020B0300000000000000" pitchFamily="34" charset="-128"/>
-                      </a:endParaRPr>
-                    </a:p>
-                  </a:txBody>
-                  <a:tcPr marL="99361" marR="99361" marT="49681" marB="49681" anchor="ctr"/>
-                </a:tc>
-                <a:tc>
-                  <a:txBody>
-                    <a:bodyPr/>
-                    <a:lstStyle/>
-                    <a:p>
-                      <a:pPr algn="ctr"/>
-                      <a:r>
-                        <a:rPr lang="en-US" altLang="zh-TW" sz="3000" dirty="0">
-                          <a:latin typeface="Hiragino Sans CNS W3" panose="020B0300000000000000" pitchFamily="34" charset="-128"/>
-                          <a:ea typeface="Hiragino Sans CNS W3" panose="020B0300000000000000" pitchFamily="34" charset="-128"/>
-                        </a:rPr>
-                        <a:t>4</a:t>
-                      </a:r>
-                      <a:endParaRPr lang="zh-TW" altLang="en-US" sz="3000" dirty="0">
-                        <a:latin typeface="Hiragino Sans CNS W3" panose="020B0300000000000000" pitchFamily="34" charset="-128"/>
-                        <a:ea typeface="Hiragino Sans CNS W3" panose="020B0300000000000000" pitchFamily="34" charset="-128"/>
-                      </a:endParaRPr>
-                    </a:p>
-                  </a:txBody>
-                  <a:tcPr marL="99361" marR="99361" marT="49681" marB="49681" anchor="ctr"/>
-                </a:tc>
-                <a:extLst>
-                  <a:ext uri="{0D108BD9-81ED-4DB2-BD59-A6C34878D82A}">
-                    <a16:rowId xmlns:a16="http://schemas.microsoft.com/office/drawing/2014/main" val="3063813678"/>
-                  </a:ext>
-                </a:extLst>
-              </a:tr>
-              <a:tr h="886229">
-                <a:tc>
-                  <a:txBody>
-                    <a:bodyPr/>
-                    <a:lstStyle/>
-                    <a:p>
-                      <a:pPr algn="ctr"/>
-                      <a:r>
-                        <a:rPr lang="en-US" altLang="zh-TW" sz="3000" dirty="0">
-                          <a:latin typeface="Hiragino Sans CNS W3" panose="020B0300000000000000" pitchFamily="34" charset="-128"/>
-                          <a:ea typeface="Hiragino Sans CNS W3" panose="020B0300000000000000" pitchFamily="34" charset="-128"/>
-                        </a:rPr>
-                        <a:t>4</a:t>
-                      </a:r>
-                      <a:endParaRPr lang="zh-TW" altLang="en-US" sz="3000" dirty="0">
-                        <a:latin typeface="Hiragino Sans CNS W3" panose="020B0300000000000000" pitchFamily="34" charset="-128"/>
-                        <a:ea typeface="Hiragino Sans CNS W3" panose="020B0300000000000000" pitchFamily="34" charset="-128"/>
-                      </a:endParaRPr>
-                    </a:p>
-                  </a:txBody>
-                  <a:tcPr marL="99361" marR="99361" marT="49681" marB="49681" anchor="ctr">
-                    <a:solidFill>
-                      <a:schemeClr val="accent2">
-                        <a:lumMod val="60000"/>
-                        <a:lumOff val="40000"/>
-                      </a:schemeClr>
-                    </a:solidFill>
-                  </a:tcPr>
-                </a:tc>
-                <a:tc>
-                  <a:txBody>
-                    <a:bodyPr/>
-                    <a:lstStyle/>
-                    <a:p>
-                      <a:pPr algn="ctr"/>
-                      <a:r>
-                        <a:rPr lang="en-US" altLang="zh-TW" sz="3000" dirty="0">
-                          <a:latin typeface="Hiragino Sans CNS W3" panose="020B0300000000000000" pitchFamily="34" charset="-128"/>
-                          <a:ea typeface="Hiragino Sans CNS W3" panose="020B0300000000000000" pitchFamily="34" charset="-128"/>
-                        </a:rPr>
-                        <a:t>4</a:t>
-                      </a:r>
-                      <a:endParaRPr lang="zh-TW" altLang="en-US" sz="3000" dirty="0">
-                        <a:latin typeface="Hiragino Sans CNS W3" panose="020B0300000000000000" pitchFamily="34" charset="-128"/>
-                        <a:ea typeface="Hiragino Sans CNS W3" panose="020B0300000000000000" pitchFamily="34" charset="-128"/>
-                      </a:endParaRPr>
-                    </a:p>
-                  </a:txBody>
-                  <a:tcPr marL="99361" marR="99361" marT="49681" marB="49681" anchor="ctr">
-                    <a:solidFill>
-                      <a:schemeClr val="accent2"/>
-                    </a:solidFill>
-                  </a:tcPr>
-                </a:tc>
-                <a:tc>
-                  <a:txBody>
-                    <a:bodyPr/>
-                    <a:lstStyle/>
-                    <a:p>
-                      <a:pPr algn="ctr"/>
-                      <a:r>
-                        <a:rPr lang="en-US" altLang="zh-TW" sz="3000" dirty="0">
-                          <a:latin typeface="Hiragino Sans CNS W3" panose="020B0300000000000000" pitchFamily="34" charset="-128"/>
-                          <a:ea typeface="Hiragino Sans CNS W3" panose="020B0300000000000000" pitchFamily="34" charset="-128"/>
-                        </a:rPr>
-                        <a:t>5</a:t>
-                      </a:r>
-                      <a:endParaRPr lang="zh-TW" altLang="en-US" sz="3000" dirty="0">
-                        <a:latin typeface="Hiragino Sans CNS W3" panose="020B0300000000000000" pitchFamily="34" charset="-128"/>
-                        <a:ea typeface="Hiragino Sans CNS W3" panose="020B0300000000000000" pitchFamily="34" charset="-128"/>
-                      </a:endParaRPr>
-                    </a:p>
-                  </a:txBody>
-                  <a:tcPr marL="99361" marR="99361" marT="49681" marB="49681" anchor="ctr"/>
-                </a:tc>
-                <a:tc>
-                  <a:txBody>
-                    <a:bodyPr/>
-                    <a:lstStyle/>
-                    <a:p>
-                      <a:pPr algn="ctr"/>
-                      <a:r>
-                        <a:rPr lang="en-US" altLang="zh-TW" sz="3000" dirty="0">
-                          <a:latin typeface="Hiragino Sans CNS W3" panose="020B0300000000000000" pitchFamily="34" charset="-128"/>
-                          <a:ea typeface="Hiragino Sans CNS W3" panose="020B0300000000000000" pitchFamily="34" charset="-128"/>
-                        </a:rPr>
-                        <a:t>2</a:t>
-                      </a:r>
-                      <a:endParaRPr lang="zh-TW" altLang="en-US" sz="3000" dirty="0">
-                        <a:latin typeface="Hiragino Sans CNS W3" panose="020B0300000000000000" pitchFamily="34" charset="-128"/>
-                        <a:ea typeface="Hiragino Sans CNS W3" panose="020B0300000000000000" pitchFamily="34" charset="-128"/>
-                      </a:endParaRPr>
-                    </a:p>
-                  </a:txBody>
-                  <a:tcPr marL="99361" marR="99361" marT="49681" marB="49681" anchor="ctr"/>
-                </a:tc>
-                <a:tc>
-                  <a:txBody>
-                    <a:bodyPr/>
-                    <a:lstStyle/>
-                    <a:p>
-                      <a:pPr algn="ctr"/>
-                      <a:r>
-                        <a:rPr lang="en-US" altLang="zh-TW" sz="3000" dirty="0">
-                          <a:latin typeface="Hiragino Sans CNS W3" panose="020B0300000000000000" pitchFamily="34" charset="-128"/>
-                          <a:ea typeface="Hiragino Sans CNS W3" panose="020B0300000000000000" pitchFamily="34" charset="-128"/>
-                        </a:rPr>
-                        <a:t>1</a:t>
-                      </a:r>
-                      <a:endParaRPr lang="zh-TW" altLang="en-US" sz="3000" dirty="0">
-                        <a:latin typeface="Hiragino Sans CNS W3" panose="020B0300000000000000" pitchFamily="34" charset="-128"/>
-                        <a:ea typeface="Hiragino Sans CNS W3" panose="020B0300000000000000" pitchFamily="34" charset="-128"/>
-                      </a:endParaRPr>
-                    </a:p>
-                  </a:txBody>
-                  <a:tcPr marL="99361" marR="99361" marT="49681" marB="49681" anchor="ctr"/>
-                </a:tc>
-                <a:extLst>
-                  <a:ext uri="{0D108BD9-81ED-4DB2-BD59-A6C34878D82A}">
-                    <a16:rowId xmlns:a16="http://schemas.microsoft.com/office/drawing/2014/main" val="729469909"/>
-                  </a:ext>
-                </a:extLst>
-              </a:tr>
-              <a:tr h="886229">
-                <a:tc>
-                  <a:txBody>
-                    <a:bodyPr/>
-                    <a:lstStyle/>
-                    <a:p>
-                      <a:pPr algn="ctr"/>
-                      <a:r>
-                        <a:rPr lang="en-US" altLang="zh-TW" sz="3000" dirty="0">
-                          <a:latin typeface="Hiragino Sans CNS W3" panose="020B0300000000000000" pitchFamily="34" charset="-128"/>
-                          <a:ea typeface="Hiragino Sans CNS W3" panose="020B0300000000000000" pitchFamily="34" charset="-128"/>
-                        </a:rPr>
-                        <a:t>4</a:t>
-                      </a:r>
-                      <a:endParaRPr lang="zh-TW" altLang="en-US" sz="3000" dirty="0">
-                        <a:latin typeface="Hiragino Sans CNS W3" panose="020B0300000000000000" pitchFamily="34" charset="-128"/>
-                        <a:ea typeface="Hiragino Sans CNS W3" panose="020B0300000000000000" pitchFamily="34" charset="-128"/>
-                      </a:endParaRPr>
-                    </a:p>
-                  </a:txBody>
-                  <a:tcPr marL="99361" marR="99361" marT="49681" marB="49681" anchor="ctr"/>
-                </a:tc>
-                <a:tc>
-                  <a:txBody>
-                    <a:bodyPr/>
-                    <a:lstStyle/>
-                    <a:p>
-                      <a:pPr algn="ctr"/>
-                      <a:r>
-                        <a:rPr lang="en-US" altLang="zh-TW" sz="3000" dirty="0">
-                          <a:latin typeface="Hiragino Sans CNS W3" panose="020B0300000000000000" pitchFamily="34" charset="-128"/>
-                          <a:ea typeface="Hiragino Sans CNS W3" panose="020B0300000000000000" pitchFamily="34" charset="-128"/>
-                        </a:rPr>
-                        <a:t>3</a:t>
-                      </a:r>
-                      <a:endParaRPr lang="zh-TW" altLang="en-US" sz="3000" dirty="0">
-                        <a:latin typeface="Hiragino Sans CNS W3" panose="020B0300000000000000" pitchFamily="34" charset="-128"/>
-                        <a:ea typeface="Hiragino Sans CNS W3" panose="020B0300000000000000" pitchFamily="34" charset="-128"/>
-                      </a:endParaRPr>
-                    </a:p>
-                  </a:txBody>
-                  <a:tcPr marL="99361" marR="99361" marT="49681" marB="49681" anchor="ctr"/>
-                </a:tc>
-                <a:tc>
-                  <a:txBody>
-                    <a:bodyPr/>
-                    <a:lstStyle/>
-                    <a:p>
-                      <a:pPr algn="ctr"/>
-                      <a:r>
-                        <a:rPr lang="en-US" altLang="zh-TW" sz="3000" dirty="0">
-                          <a:latin typeface="Hiragino Sans CNS W3" panose="020B0300000000000000" pitchFamily="34" charset="-128"/>
-                          <a:ea typeface="Hiragino Sans CNS W3" panose="020B0300000000000000" pitchFamily="34" charset="-128"/>
-                        </a:rPr>
-                        <a:t>2</a:t>
-                      </a:r>
-                      <a:endParaRPr lang="zh-TW" altLang="en-US" sz="3000" dirty="0">
-                        <a:latin typeface="Hiragino Sans CNS W3" panose="020B0300000000000000" pitchFamily="34" charset="-128"/>
-                        <a:ea typeface="Hiragino Sans CNS W3" panose="020B0300000000000000" pitchFamily="34" charset="-128"/>
-                      </a:endParaRPr>
-                    </a:p>
-                  </a:txBody>
-                  <a:tcPr marL="99361" marR="99361" marT="49681" marB="49681" anchor="ctr"/>
-                </a:tc>
-                <a:tc>
-                  <a:txBody>
-                    <a:bodyPr/>
-                    <a:lstStyle/>
-                    <a:p>
-                      <a:pPr algn="ctr"/>
-                      <a:r>
-                        <a:rPr lang="en-US" altLang="zh-TW" sz="3000" dirty="0">
-                          <a:latin typeface="Hiragino Sans CNS W3" panose="020B0300000000000000" pitchFamily="34" charset="-128"/>
-                          <a:ea typeface="Hiragino Sans CNS W3" panose="020B0300000000000000" pitchFamily="34" charset="-128"/>
-                        </a:rPr>
-                        <a:t>5</a:t>
-                      </a:r>
-                      <a:endParaRPr lang="zh-TW" altLang="en-US" sz="3000" dirty="0">
-                        <a:latin typeface="Hiragino Sans CNS W3" panose="020B0300000000000000" pitchFamily="34" charset="-128"/>
-                        <a:ea typeface="Hiragino Sans CNS W3" panose="020B0300000000000000" pitchFamily="34" charset="-128"/>
-                      </a:endParaRPr>
-                    </a:p>
-                  </a:txBody>
-                  <a:tcPr marL="99361" marR="99361" marT="49681" marB="49681" anchor="ctr"/>
-                </a:tc>
-                <a:tc>
-                  <a:txBody>
-                    <a:bodyPr/>
-                    <a:lstStyle/>
-                    <a:p>
-                      <a:pPr algn="ctr"/>
-                      <a:r>
-                        <a:rPr lang="en-US" altLang="zh-TW" sz="3000" dirty="0">
-                          <a:latin typeface="Hiragino Sans CNS W3" panose="020B0300000000000000" pitchFamily="34" charset="-128"/>
-                          <a:ea typeface="Hiragino Sans CNS W3" panose="020B0300000000000000" pitchFamily="34" charset="-128"/>
-                        </a:rPr>
-                        <a:t>4</a:t>
-                      </a:r>
-                      <a:endParaRPr lang="zh-TW" altLang="en-US" sz="3000" dirty="0">
-                        <a:latin typeface="Hiragino Sans CNS W3" panose="020B0300000000000000" pitchFamily="34" charset="-128"/>
-                        <a:ea typeface="Hiragino Sans CNS W3" panose="020B0300000000000000" pitchFamily="34" charset="-128"/>
-                      </a:endParaRPr>
-                    </a:p>
-                  </a:txBody>
-                  <a:tcPr marL="99361" marR="99361" marT="49681" marB="49681" anchor="ctr"/>
-                </a:tc>
-                <a:extLst>
-                  <a:ext uri="{0D108BD9-81ED-4DB2-BD59-A6C34878D82A}">
-                    <a16:rowId xmlns:a16="http://schemas.microsoft.com/office/drawing/2014/main" val="1632199547"/>
-                  </a:ext>
-                </a:extLst>
-              </a:tr>
-              <a:tr h="886229">
-                <a:tc>
-                  <a:txBody>
-                    <a:bodyPr/>
-                    <a:lstStyle/>
-                    <a:p>
-                      <a:pPr algn="ctr"/>
-                      <a:r>
-                        <a:rPr lang="en-US" altLang="zh-TW" sz="3000" dirty="0">
-                          <a:latin typeface="Hiragino Sans CNS W3" panose="020B0300000000000000" pitchFamily="34" charset="-128"/>
-                          <a:ea typeface="Hiragino Sans CNS W3" panose="020B0300000000000000" pitchFamily="34" charset="-128"/>
-                        </a:rPr>
-                        <a:t>1</a:t>
-                      </a:r>
-                      <a:endParaRPr lang="zh-TW" altLang="en-US" sz="3000" dirty="0">
-                        <a:latin typeface="Hiragino Sans CNS W3" panose="020B0300000000000000" pitchFamily="34" charset="-128"/>
-                        <a:ea typeface="Hiragino Sans CNS W3" panose="020B0300000000000000" pitchFamily="34" charset="-128"/>
-                      </a:endParaRPr>
-                    </a:p>
-                  </a:txBody>
-                  <a:tcPr marL="99361" marR="99361" marT="49681" marB="49681" anchor="ctr"/>
-                </a:tc>
-                <a:tc>
-                  <a:txBody>
-                    <a:bodyPr/>
-                    <a:lstStyle/>
-                    <a:p>
-                      <a:pPr algn="ctr"/>
-                      <a:r>
-                        <a:rPr lang="en-US" altLang="zh-TW" sz="3000" dirty="0">
-                          <a:latin typeface="Hiragino Sans CNS W3" panose="020B0300000000000000" pitchFamily="34" charset="-128"/>
-                          <a:ea typeface="Hiragino Sans CNS W3" panose="020B0300000000000000" pitchFamily="34" charset="-128"/>
-                        </a:rPr>
-                        <a:t>2</a:t>
-                      </a:r>
-                      <a:endParaRPr lang="zh-TW" altLang="en-US" sz="3000" dirty="0">
-                        <a:latin typeface="Hiragino Sans CNS W3" panose="020B0300000000000000" pitchFamily="34" charset="-128"/>
-                        <a:ea typeface="Hiragino Sans CNS W3" panose="020B0300000000000000" pitchFamily="34" charset="-128"/>
-                      </a:endParaRPr>
-                    </a:p>
-                  </a:txBody>
-                  <a:tcPr marL="99361" marR="99361" marT="49681" marB="49681" anchor="ctr"/>
-                </a:tc>
-                <a:tc>
-                  <a:txBody>
-                    <a:bodyPr/>
-                    <a:lstStyle/>
-                    <a:p>
-                      <a:pPr algn="ctr"/>
-                      <a:r>
-                        <a:rPr lang="en-US" altLang="zh-TW" sz="3000" dirty="0">
-                          <a:latin typeface="Hiragino Sans CNS W3" panose="020B0300000000000000" pitchFamily="34" charset="-128"/>
-                          <a:ea typeface="Hiragino Sans CNS W3" panose="020B0300000000000000" pitchFamily="34" charset="-128"/>
-                        </a:rPr>
-                        <a:t>1</a:t>
-                      </a:r>
-                      <a:endParaRPr lang="zh-TW" altLang="en-US" sz="3000" dirty="0">
-                        <a:latin typeface="Hiragino Sans CNS W3" panose="020B0300000000000000" pitchFamily="34" charset="-128"/>
-                        <a:ea typeface="Hiragino Sans CNS W3" panose="020B0300000000000000" pitchFamily="34" charset="-128"/>
-                      </a:endParaRPr>
-                    </a:p>
-                  </a:txBody>
-                  <a:tcPr marL="99361" marR="99361" marT="49681" marB="49681" anchor="ctr"/>
-                </a:tc>
-                <a:tc>
-                  <a:txBody>
-                    <a:bodyPr/>
-                    <a:lstStyle/>
-                    <a:p>
-                      <a:pPr algn="ctr"/>
-                      <a:r>
-                        <a:rPr lang="en-US" altLang="zh-TW" sz="3000" dirty="0">
-                          <a:latin typeface="Hiragino Sans CNS W3" panose="020B0300000000000000" pitchFamily="34" charset="-128"/>
-                          <a:ea typeface="Hiragino Sans CNS W3" panose="020B0300000000000000" pitchFamily="34" charset="-128"/>
-                        </a:rPr>
-                        <a:t>3</a:t>
-                      </a:r>
-                      <a:endParaRPr lang="zh-TW" altLang="en-US" sz="3000" dirty="0">
-                        <a:latin typeface="Hiragino Sans CNS W3" panose="020B0300000000000000" pitchFamily="34" charset="-128"/>
-                        <a:ea typeface="Hiragino Sans CNS W3" panose="020B0300000000000000" pitchFamily="34" charset="-128"/>
-                      </a:endParaRPr>
-                    </a:p>
-                  </a:txBody>
-                  <a:tcPr marL="99361" marR="99361" marT="49681" marB="49681" anchor="ctr"/>
-                </a:tc>
-                <a:tc>
-                  <a:txBody>
-                    <a:bodyPr/>
-                    <a:lstStyle/>
-                    <a:p>
-                      <a:pPr algn="ctr"/>
-                      <a:r>
-                        <a:rPr lang="en-US" altLang="zh-TW" sz="3000" dirty="0">
-                          <a:latin typeface="Hiragino Sans CNS W3" panose="020B0300000000000000" pitchFamily="34" charset="-128"/>
-                          <a:ea typeface="Hiragino Sans CNS W3" panose="020B0300000000000000" pitchFamily="34" charset="-128"/>
-                        </a:rPr>
-                        <a:t>3</a:t>
-                      </a:r>
-                      <a:endParaRPr lang="zh-TW" altLang="en-US" sz="3000" dirty="0">
-                        <a:latin typeface="Hiragino Sans CNS W3" panose="020B0300000000000000" pitchFamily="34" charset="-128"/>
-                        <a:ea typeface="Hiragino Sans CNS W3" panose="020B0300000000000000" pitchFamily="34" charset="-128"/>
-                      </a:endParaRPr>
-                    </a:p>
-                  </a:txBody>
-                  <a:tcPr marL="99361" marR="99361" marT="49681" marB="49681" anchor="ctr"/>
-                </a:tc>
-                <a:extLst>
-                  <a:ext uri="{0D108BD9-81ED-4DB2-BD59-A6C34878D82A}">
-                    <a16:rowId xmlns:a16="http://schemas.microsoft.com/office/drawing/2014/main" val="1783147424"/>
-                  </a:ext>
-                </a:extLst>
-              </a:tr>
-              <a:tr h="886229">
-                <a:tc>
-                  <a:txBody>
-                    <a:bodyPr/>
-                    <a:lstStyle/>
-                    <a:p>
-                      <a:pPr algn="ctr"/>
-                      <a:r>
-                        <a:rPr lang="en-US" altLang="zh-TW" sz="3000" dirty="0">
-                          <a:latin typeface="Hiragino Sans CNS W3" panose="020B0300000000000000" pitchFamily="34" charset="-128"/>
-                          <a:ea typeface="Hiragino Sans CNS W3" panose="020B0300000000000000" pitchFamily="34" charset="-128"/>
-                        </a:rPr>
-                        <a:t>4</a:t>
-                      </a:r>
-                      <a:endParaRPr lang="zh-TW" altLang="en-US" sz="3000" dirty="0">
-                        <a:latin typeface="Hiragino Sans CNS W3" panose="020B0300000000000000" pitchFamily="34" charset="-128"/>
-                        <a:ea typeface="Hiragino Sans CNS W3" panose="020B0300000000000000" pitchFamily="34" charset="-128"/>
-                      </a:endParaRPr>
-                    </a:p>
-                  </a:txBody>
-                  <a:tcPr marL="99361" marR="99361" marT="49681" marB="49681" anchor="ctr"/>
-                </a:tc>
-                <a:tc>
-                  <a:txBody>
-                    <a:bodyPr/>
-                    <a:lstStyle/>
-                    <a:p>
-                      <a:pPr algn="ctr"/>
-                      <a:r>
-                        <a:rPr lang="en-US" altLang="zh-TW" sz="3000" dirty="0">
-                          <a:latin typeface="Hiragino Sans CNS W3" panose="020B0300000000000000" pitchFamily="34" charset="-128"/>
-                          <a:ea typeface="Hiragino Sans CNS W3" panose="020B0300000000000000" pitchFamily="34" charset="-128"/>
-                        </a:rPr>
-                        <a:t>4</a:t>
-                      </a:r>
-                      <a:endParaRPr lang="zh-TW" altLang="en-US" sz="3000" dirty="0">
-                        <a:latin typeface="Hiragino Sans CNS W3" panose="020B0300000000000000" pitchFamily="34" charset="-128"/>
-                        <a:ea typeface="Hiragino Sans CNS W3" panose="020B0300000000000000" pitchFamily="34" charset="-128"/>
-                      </a:endParaRPr>
-                    </a:p>
-                  </a:txBody>
-                  <a:tcPr marL="99361" marR="99361" marT="49681" marB="49681" anchor="ctr"/>
-                </a:tc>
-                <a:tc>
-                  <a:txBody>
-                    <a:bodyPr/>
-                    <a:lstStyle/>
-                    <a:p>
-                      <a:pPr algn="ctr"/>
-                      <a:r>
-                        <a:rPr lang="en-US" altLang="zh-TW" sz="3000" dirty="0">
-                          <a:latin typeface="Hiragino Sans CNS W3" panose="020B0300000000000000" pitchFamily="34" charset="-128"/>
-                          <a:ea typeface="Hiragino Sans CNS W3" panose="020B0300000000000000" pitchFamily="34" charset="-128"/>
-                        </a:rPr>
-                        <a:t>5</a:t>
-                      </a:r>
-                      <a:endParaRPr lang="zh-TW" altLang="en-US" sz="3000" dirty="0">
-                        <a:latin typeface="Hiragino Sans CNS W3" panose="020B0300000000000000" pitchFamily="34" charset="-128"/>
-                        <a:ea typeface="Hiragino Sans CNS W3" panose="020B0300000000000000" pitchFamily="34" charset="-128"/>
-                      </a:endParaRPr>
-                    </a:p>
-                  </a:txBody>
-                  <a:tcPr marL="99361" marR="99361" marT="49681" marB="49681" anchor="ctr"/>
-                </a:tc>
-                <a:tc>
-                  <a:txBody>
-                    <a:bodyPr/>
-                    <a:lstStyle/>
-                    <a:p>
-                      <a:pPr algn="ctr"/>
-                      <a:r>
-                        <a:rPr lang="en-US" altLang="zh-TW" sz="3000" dirty="0">
-                          <a:latin typeface="Hiragino Sans CNS W3" panose="020B0300000000000000" pitchFamily="34" charset="-128"/>
-                          <a:ea typeface="Hiragino Sans CNS W3" panose="020B0300000000000000" pitchFamily="34" charset="-128"/>
-                        </a:rPr>
-                        <a:t>2</a:t>
-                      </a:r>
-                      <a:endParaRPr lang="zh-TW" altLang="en-US" sz="3000" dirty="0">
-                        <a:latin typeface="Hiragino Sans CNS W3" panose="020B0300000000000000" pitchFamily="34" charset="-128"/>
-                        <a:ea typeface="Hiragino Sans CNS W3" panose="020B0300000000000000" pitchFamily="34" charset="-128"/>
-                      </a:endParaRPr>
-                    </a:p>
-                  </a:txBody>
-                  <a:tcPr marL="99361" marR="99361" marT="49681" marB="49681" anchor="ctr"/>
-                </a:tc>
-                <a:tc>
-                  <a:txBody>
-                    <a:bodyPr/>
-                    <a:lstStyle/>
-                    <a:p>
-                      <a:pPr algn="ctr"/>
-                      <a:r>
-                        <a:rPr lang="en-US" altLang="zh-TW" sz="3000" dirty="0">
-                          <a:latin typeface="Hiragino Sans CNS W3" panose="020B0300000000000000" pitchFamily="34" charset="-128"/>
-                          <a:ea typeface="Hiragino Sans CNS W3" panose="020B0300000000000000" pitchFamily="34" charset="-128"/>
-                        </a:rPr>
-                        <a:t>5</a:t>
-                      </a:r>
-                      <a:endParaRPr lang="zh-TW" altLang="en-US" sz="3000" dirty="0">
-                        <a:latin typeface="Hiragino Sans CNS W3" panose="020B0300000000000000" pitchFamily="34" charset="-128"/>
-                        <a:ea typeface="Hiragino Sans CNS W3" panose="020B0300000000000000" pitchFamily="34" charset="-128"/>
-                      </a:endParaRPr>
-                    </a:p>
-                  </a:txBody>
-                  <a:tcPr marL="99361" marR="99361" marT="49681" marB="49681" anchor="ctr"/>
-                </a:tc>
-                <a:extLst>
-                  <a:ext uri="{0D108BD9-81ED-4DB2-BD59-A6C34878D82A}">
-                    <a16:rowId xmlns:a16="http://schemas.microsoft.com/office/drawing/2014/main" val="3144180348"/>
-                  </a:ext>
-                </a:extLst>
-              </a:tr>
-            </a:tbl>
-          </a:graphicData>
-        </a:graphic>
-      </p:graphicFrame>
-      <p:graphicFrame>
-        <p:nvGraphicFramePr>
-          <p:cNvPr id="5" name="表格 4">
-            <a:extLst>
-              <a:ext uri="{FF2B5EF4-FFF2-40B4-BE49-F238E27FC236}">
-                <a16:creationId xmlns:a16="http://schemas.microsoft.com/office/drawing/2014/main" id="{E295E5F4-D89C-299C-3393-FA4B28861EC5}"/>
-              </a:ext>
-            </a:extLst>
-          </p:cNvPr>
-          <p:cNvGraphicFramePr>
-            <a:graphicFrameLocks noGrp="1"/>
-          </p:cNvGraphicFramePr>
-          <p:nvPr>
-            <p:extLst>
-              <p:ext uri="{D42A27DB-BD31-4B8C-83A1-F6EECF244321}">
-                <p14:modId xmlns:p14="http://schemas.microsoft.com/office/powerpoint/2010/main" val="581313984"/>
-              </p:ext>
-            </p:extLst>
-          </p:nvPr>
-        </p:nvGraphicFramePr>
-        <p:xfrm>
-          <a:off x="5792626" y="1690688"/>
-          <a:ext cx="4451070" cy="4431145"/>
-        </p:xfrm>
-        <a:graphic>
-          <a:graphicData uri="http://schemas.openxmlformats.org/drawingml/2006/table">
-            <a:tbl>
-              <a:tblPr bandRow="1">
-                <a:tableStyleId>{F5AB1C69-6EDB-4FF4-983F-18BD219EF322}</a:tableStyleId>
-              </a:tblPr>
-              <a:tblGrid>
-                <a:gridCol w="890214">
-                  <a:extLst>
-                    <a:ext uri="{9D8B030D-6E8A-4147-A177-3AD203B41FA5}">
-                      <a16:colId xmlns:a16="http://schemas.microsoft.com/office/drawing/2014/main" val="3457372882"/>
-                    </a:ext>
-                  </a:extLst>
-                </a:gridCol>
-                <a:gridCol w="890214">
-                  <a:extLst>
-                    <a:ext uri="{9D8B030D-6E8A-4147-A177-3AD203B41FA5}">
-                      <a16:colId xmlns:a16="http://schemas.microsoft.com/office/drawing/2014/main" val="4012716525"/>
-                    </a:ext>
-                  </a:extLst>
-                </a:gridCol>
-                <a:gridCol w="890214">
-                  <a:extLst>
-                    <a:ext uri="{9D8B030D-6E8A-4147-A177-3AD203B41FA5}">
-                      <a16:colId xmlns:a16="http://schemas.microsoft.com/office/drawing/2014/main" val="3635152842"/>
-                    </a:ext>
-                  </a:extLst>
-                </a:gridCol>
-                <a:gridCol w="890214">
-                  <a:extLst>
-                    <a:ext uri="{9D8B030D-6E8A-4147-A177-3AD203B41FA5}">
-                      <a16:colId xmlns:a16="http://schemas.microsoft.com/office/drawing/2014/main" val="1376262311"/>
-                    </a:ext>
-                  </a:extLst>
-                </a:gridCol>
-                <a:gridCol w="890214">
-                  <a:extLst>
-                    <a:ext uri="{9D8B030D-6E8A-4147-A177-3AD203B41FA5}">
-                      <a16:colId xmlns:a16="http://schemas.microsoft.com/office/drawing/2014/main" val="1171847317"/>
-                    </a:ext>
-                  </a:extLst>
-                </a:gridCol>
-              </a:tblGrid>
-              <a:tr h="886229">
-                <a:tc>
-                  <a:txBody>
-                    <a:bodyPr/>
-                    <a:lstStyle/>
-                    <a:p>
-                      <a:pPr algn="ctr"/>
-                      <a:endParaRPr lang="zh-TW" altLang="en-US" sz="3000" dirty="0">
-                        <a:latin typeface="Hiragino Sans CNS W3" panose="020B0300000000000000" pitchFamily="34" charset="-128"/>
-                        <a:ea typeface="Hiragino Sans CNS W3" panose="020B0300000000000000" pitchFamily="34" charset="-128"/>
-                      </a:endParaRPr>
-                    </a:p>
-                  </a:txBody>
-                  <a:tcPr marL="99361" marR="99361" marT="49681" marB="49681" anchor="ctr"/>
-                </a:tc>
-                <a:tc>
-                  <a:txBody>
-                    <a:bodyPr/>
-                    <a:lstStyle/>
-                    <a:p>
-                      <a:pPr algn="ctr"/>
-                      <a:endParaRPr lang="zh-TW" altLang="en-US" sz="3000" dirty="0">
-                        <a:latin typeface="Hiragino Sans CNS W3" panose="020B0300000000000000" pitchFamily="34" charset="-128"/>
-                        <a:ea typeface="Hiragino Sans CNS W3" panose="020B0300000000000000" pitchFamily="34" charset="-128"/>
-                      </a:endParaRPr>
-                    </a:p>
-                  </a:txBody>
-                  <a:tcPr marL="99361" marR="99361" marT="49681" marB="49681" anchor="ctr"/>
-                </a:tc>
-                <a:tc>
-                  <a:txBody>
-                    <a:bodyPr/>
-                    <a:lstStyle/>
-                    <a:p>
-                      <a:pPr algn="ctr"/>
-                      <a:endParaRPr lang="zh-TW" altLang="en-US" sz="3000" dirty="0">
-                        <a:latin typeface="Hiragino Sans CNS W3" panose="020B0300000000000000" pitchFamily="34" charset="-128"/>
-                        <a:ea typeface="Hiragino Sans CNS W3" panose="020B0300000000000000" pitchFamily="34" charset="-128"/>
-                      </a:endParaRPr>
-                    </a:p>
-                  </a:txBody>
-                  <a:tcPr marL="99361" marR="99361" marT="49681" marB="49681" anchor="ctr"/>
-                </a:tc>
-                <a:tc>
-                  <a:txBody>
-                    <a:bodyPr/>
-                    <a:lstStyle/>
-                    <a:p>
-                      <a:pPr algn="ctr"/>
-                      <a:endParaRPr lang="zh-TW" altLang="en-US" sz="3000" dirty="0">
-                        <a:latin typeface="Hiragino Sans CNS W3" panose="020B0300000000000000" pitchFamily="34" charset="-128"/>
-                        <a:ea typeface="Hiragino Sans CNS W3" panose="020B0300000000000000" pitchFamily="34" charset="-128"/>
-                      </a:endParaRPr>
-                    </a:p>
-                  </a:txBody>
-                  <a:tcPr marL="99361" marR="99361" marT="49681" marB="49681" anchor="ctr"/>
-                </a:tc>
-                <a:tc>
-                  <a:txBody>
-                    <a:bodyPr/>
-                    <a:lstStyle/>
-                    <a:p>
-                      <a:pPr algn="ctr"/>
-                      <a:endParaRPr lang="zh-TW" altLang="en-US" sz="3000" dirty="0">
-                        <a:latin typeface="Hiragino Sans CNS W3" panose="020B0300000000000000" pitchFamily="34" charset="-128"/>
-                        <a:ea typeface="Hiragino Sans CNS W3" panose="020B0300000000000000" pitchFamily="34" charset="-128"/>
-                      </a:endParaRPr>
-                    </a:p>
-                  </a:txBody>
-                  <a:tcPr marL="99361" marR="99361" marT="49681" marB="49681" anchor="ctr"/>
-                </a:tc>
-                <a:extLst>
-                  <a:ext uri="{0D108BD9-81ED-4DB2-BD59-A6C34878D82A}">
-                    <a16:rowId xmlns:a16="http://schemas.microsoft.com/office/drawing/2014/main" val="3063813678"/>
-                  </a:ext>
-                </a:extLst>
-              </a:tr>
-              <a:tr h="886229">
-                <a:tc>
-                  <a:txBody>
-                    <a:bodyPr/>
-                    <a:lstStyle/>
-                    <a:p>
-                      <a:pPr algn="ctr"/>
-                      <a:r>
-                        <a:rPr lang="en-US" altLang="zh-TW" sz="3000" dirty="0">
-                          <a:latin typeface="Hiragino Sans CNS W3" panose="020B0300000000000000" pitchFamily="34" charset="-128"/>
-                          <a:ea typeface="Hiragino Sans CNS W3" panose="020B0300000000000000" pitchFamily="34" charset="-128"/>
-                        </a:rPr>
-                        <a:t>R</a:t>
-                      </a:r>
-                      <a:endParaRPr lang="zh-TW" altLang="en-US" sz="3000" dirty="0">
-                        <a:latin typeface="Hiragino Sans CNS W3" panose="020B0300000000000000" pitchFamily="34" charset="-128"/>
-                        <a:ea typeface="Hiragino Sans CNS W3" panose="020B0300000000000000" pitchFamily="34" charset="-128"/>
-                      </a:endParaRPr>
-                    </a:p>
-                  </a:txBody>
-                  <a:tcPr marL="99361" marR="99361" marT="49681" marB="49681" anchor="ctr">
-                    <a:solidFill>
-                      <a:schemeClr val="accent2">
-                        <a:lumMod val="40000"/>
-                        <a:lumOff val="60000"/>
-                      </a:schemeClr>
-                    </a:solidFill>
-                  </a:tcPr>
-                </a:tc>
-                <a:tc>
-                  <a:txBody>
-                    <a:bodyPr/>
-                    <a:lstStyle/>
-                    <a:p>
-                      <a:pPr algn="ctr"/>
-                      <a:r>
-                        <a:rPr lang="en-US" altLang="zh-TW" sz="3000" dirty="0">
-                          <a:latin typeface="Hiragino Sans CNS W3" panose="020B0300000000000000" pitchFamily="34" charset="-128"/>
-                          <a:ea typeface="Hiragino Sans CNS W3" panose="020B0300000000000000" pitchFamily="34" charset="-128"/>
-                        </a:rPr>
-                        <a:t>X</a:t>
-                      </a:r>
-                      <a:endParaRPr lang="zh-TW" altLang="en-US" sz="3000" dirty="0">
-                        <a:latin typeface="Hiragino Sans CNS W3" panose="020B0300000000000000" pitchFamily="34" charset="-128"/>
-                        <a:ea typeface="Hiragino Sans CNS W3" panose="020B0300000000000000" pitchFamily="34" charset="-128"/>
-                      </a:endParaRPr>
-                    </a:p>
-                  </a:txBody>
-                  <a:tcPr marL="99361" marR="99361" marT="49681" marB="49681" anchor="ctr">
-                    <a:solidFill>
-                      <a:schemeClr val="accent2"/>
-                    </a:solidFill>
-                  </a:tcPr>
-                </a:tc>
-                <a:tc>
-                  <a:txBody>
-                    <a:bodyPr/>
-                    <a:lstStyle/>
-                    <a:p>
-                      <a:pPr algn="ctr"/>
-                      <a:endParaRPr lang="zh-TW" altLang="en-US" sz="3000" dirty="0">
-                        <a:latin typeface="Hiragino Sans CNS W3" panose="020B0300000000000000" pitchFamily="34" charset="-128"/>
-                        <a:ea typeface="Hiragino Sans CNS W3" panose="020B0300000000000000" pitchFamily="34" charset="-128"/>
-                      </a:endParaRPr>
-                    </a:p>
-                  </a:txBody>
-                  <a:tcPr marL="99361" marR="99361" marT="49681" marB="49681" anchor="ctr"/>
-                </a:tc>
-                <a:tc>
-                  <a:txBody>
-                    <a:bodyPr/>
-                    <a:lstStyle/>
-                    <a:p>
-                      <a:pPr algn="ctr"/>
-                      <a:endParaRPr lang="zh-TW" altLang="en-US" sz="3000" dirty="0">
-                        <a:latin typeface="Hiragino Sans CNS W3" panose="020B0300000000000000" pitchFamily="34" charset="-128"/>
-                        <a:ea typeface="Hiragino Sans CNS W3" panose="020B0300000000000000" pitchFamily="34" charset="-128"/>
-                      </a:endParaRPr>
-                    </a:p>
-                  </a:txBody>
-                  <a:tcPr marL="99361" marR="99361" marT="49681" marB="49681" anchor="ctr"/>
-                </a:tc>
-                <a:tc>
-                  <a:txBody>
-                    <a:bodyPr/>
-                    <a:lstStyle/>
-                    <a:p>
-                      <a:pPr algn="ctr"/>
-                      <a:endParaRPr lang="zh-TW" altLang="en-US" sz="3000" dirty="0">
-                        <a:latin typeface="Hiragino Sans CNS W3" panose="020B0300000000000000" pitchFamily="34" charset="-128"/>
-                        <a:ea typeface="Hiragino Sans CNS W3" panose="020B0300000000000000" pitchFamily="34" charset="-128"/>
-                      </a:endParaRPr>
-                    </a:p>
-                  </a:txBody>
-                  <a:tcPr marL="99361" marR="99361" marT="49681" marB="49681" anchor="ctr"/>
-                </a:tc>
-                <a:extLst>
-                  <a:ext uri="{0D108BD9-81ED-4DB2-BD59-A6C34878D82A}">
-                    <a16:rowId xmlns:a16="http://schemas.microsoft.com/office/drawing/2014/main" val="729469909"/>
-                  </a:ext>
-                </a:extLst>
-              </a:tr>
-              <a:tr h="886229">
-                <a:tc>
-                  <a:txBody>
-                    <a:bodyPr/>
-                    <a:lstStyle/>
-                    <a:p>
-                      <a:pPr algn="ctr"/>
-                      <a:endParaRPr lang="zh-TW" altLang="en-US" sz="3000" dirty="0">
-                        <a:latin typeface="Hiragino Sans CNS W3" panose="020B0300000000000000" pitchFamily="34" charset="-128"/>
-                        <a:ea typeface="Hiragino Sans CNS W3" panose="020B0300000000000000" pitchFamily="34" charset="-128"/>
-                      </a:endParaRPr>
-                    </a:p>
-                  </a:txBody>
-                  <a:tcPr marL="99361" marR="99361" marT="49681" marB="49681" anchor="ctr"/>
-                </a:tc>
-                <a:tc>
-                  <a:txBody>
-                    <a:bodyPr/>
-                    <a:lstStyle/>
-                    <a:p>
-                      <a:pPr algn="ctr"/>
-                      <a:endParaRPr lang="zh-TW" altLang="en-US" sz="3000" dirty="0">
-                        <a:latin typeface="Hiragino Sans CNS W3" panose="020B0300000000000000" pitchFamily="34" charset="-128"/>
-                        <a:ea typeface="Hiragino Sans CNS W3" panose="020B0300000000000000" pitchFamily="34" charset="-128"/>
-                      </a:endParaRPr>
-                    </a:p>
-                  </a:txBody>
-                  <a:tcPr marL="99361" marR="99361" marT="49681" marB="49681" anchor="ctr"/>
-                </a:tc>
-                <a:tc>
-                  <a:txBody>
-                    <a:bodyPr/>
-                    <a:lstStyle/>
-                    <a:p>
-                      <a:pPr algn="ctr"/>
-                      <a:endParaRPr lang="zh-TW" altLang="en-US" sz="3000" dirty="0">
-                        <a:latin typeface="Hiragino Sans CNS W3" panose="020B0300000000000000" pitchFamily="34" charset="-128"/>
-                        <a:ea typeface="Hiragino Sans CNS W3" panose="020B0300000000000000" pitchFamily="34" charset="-128"/>
-                      </a:endParaRPr>
-                    </a:p>
-                  </a:txBody>
-                  <a:tcPr marL="99361" marR="99361" marT="49681" marB="49681" anchor="ctr"/>
-                </a:tc>
-                <a:tc>
-                  <a:txBody>
-                    <a:bodyPr/>
-                    <a:lstStyle/>
-                    <a:p>
-                      <a:pPr algn="ctr"/>
-                      <a:endParaRPr lang="zh-TW" altLang="en-US" sz="3000" dirty="0">
-                        <a:latin typeface="Hiragino Sans CNS W3" panose="020B0300000000000000" pitchFamily="34" charset="-128"/>
-                        <a:ea typeface="Hiragino Sans CNS W3" panose="020B0300000000000000" pitchFamily="34" charset="-128"/>
-                      </a:endParaRPr>
-                    </a:p>
-                  </a:txBody>
-                  <a:tcPr marL="99361" marR="99361" marT="49681" marB="49681" anchor="ctr"/>
-                </a:tc>
-                <a:tc>
-                  <a:txBody>
-                    <a:bodyPr/>
-                    <a:lstStyle/>
-                    <a:p>
-                      <a:pPr algn="ctr"/>
-                      <a:endParaRPr lang="zh-TW" altLang="en-US" sz="3000" dirty="0">
-                        <a:latin typeface="Hiragino Sans CNS W3" panose="020B0300000000000000" pitchFamily="34" charset="-128"/>
-                        <a:ea typeface="Hiragino Sans CNS W3" panose="020B0300000000000000" pitchFamily="34" charset="-128"/>
-                      </a:endParaRPr>
-                    </a:p>
-                  </a:txBody>
-                  <a:tcPr marL="99361" marR="99361" marT="49681" marB="49681" anchor="ctr"/>
-                </a:tc>
-                <a:extLst>
-                  <a:ext uri="{0D108BD9-81ED-4DB2-BD59-A6C34878D82A}">
-                    <a16:rowId xmlns:a16="http://schemas.microsoft.com/office/drawing/2014/main" val="1632199547"/>
-                  </a:ext>
-                </a:extLst>
-              </a:tr>
-              <a:tr h="886229">
-                <a:tc>
-                  <a:txBody>
-                    <a:bodyPr/>
-                    <a:lstStyle/>
-                    <a:p>
-                      <a:pPr algn="ctr"/>
-                      <a:endParaRPr lang="zh-TW" altLang="en-US" sz="3000" dirty="0">
-                        <a:latin typeface="Hiragino Sans CNS W3" panose="020B0300000000000000" pitchFamily="34" charset="-128"/>
-                        <a:ea typeface="Hiragino Sans CNS W3" panose="020B0300000000000000" pitchFamily="34" charset="-128"/>
-                      </a:endParaRPr>
-                    </a:p>
-                  </a:txBody>
-                  <a:tcPr marL="99361" marR="99361" marT="49681" marB="49681" anchor="ctr"/>
-                </a:tc>
-                <a:tc>
-                  <a:txBody>
-                    <a:bodyPr/>
-                    <a:lstStyle/>
-                    <a:p>
-                      <a:pPr algn="ctr"/>
-                      <a:endParaRPr lang="zh-TW" altLang="en-US" sz="3000" dirty="0">
-                        <a:latin typeface="Hiragino Sans CNS W3" panose="020B0300000000000000" pitchFamily="34" charset="-128"/>
-                        <a:ea typeface="Hiragino Sans CNS W3" panose="020B0300000000000000" pitchFamily="34" charset="-128"/>
-                      </a:endParaRPr>
-                    </a:p>
-                  </a:txBody>
-                  <a:tcPr marL="99361" marR="99361" marT="49681" marB="49681" anchor="ctr"/>
-                </a:tc>
-                <a:tc>
-                  <a:txBody>
-                    <a:bodyPr/>
-                    <a:lstStyle/>
-                    <a:p>
-                      <a:pPr algn="ctr"/>
-                      <a:endParaRPr lang="zh-TW" altLang="en-US" sz="3000" dirty="0">
-                        <a:latin typeface="Hiragino Sans CNS W3" panose="020B0300000000000000" pitchFamily="34" charset="-128"/>
-                        <a:ea typeface="Hiragino Sans CNS W3" panose="020B0300000000000000" pitchFamily="34" charset="-128"/>
-                      </a:endParaRPr>
-                    </a:p>
-                  </a:txBody>
-                  <a:tcPr marL="99361" marR="99361" marT="49681" marB="49681" anchor="ctr"/>
-                </a:tc>
-                <a:tc>
-                  <a:txBody>
-                    <a:bodyPr/>
-                    <a:lstStyle/>
-                    <a:p>
-                      <a:pPr algn="ctr"/>
-                      <a:endParaRPr lang="zh-TW" altLang="en-US" sz="3000" dirty="0">
-                        <a:latin typeface="Hiragino Sans CNS W3" panose="020B0300000000000000" pitchFamily="34" charset="-128"/>
-                        <a:ea typeface="Hiragino Sans CNS W3" panose="020B0300000000000000" pitchFamily="34" charset="-128"/>
-                      </a:endParaRPr>
-                    </a:p>
-                  </a:txBody>
-                  <a:tcPr marL="99361" marR="99361" marT="49681" marB="49681" anchor="ctr"/>
-                </a:tc>
-                <a:tc>
-                  <a:txBody>
-                    <a:bodyPr/>
-                    <a:lstStyle/>
-                    <a:p>
-                      <a:pPr algn="ctr"/>
-                      <a:endParaRPr lang="zh-TW" altLang="en-US" sz="3000" dirty="0">
-                        <a:latin typeface="Hiragino Sans CNS W3" panose="020B0300000000000000" pitchFamily="34" charset="-128"/>
-                        <a:ea typeface="Hiragino Sans CNS W3" panose="020B0300000000000000" pitchFamily="34" charset="-128"/>
-                      </a:endParaRPr>
-                    </a:p>
-                  </a:txBody>
-                  <a:tcPr marL="99361" marR="99361" marT="49681" marB="49681" anchor="ctr"/>
-                </a:tc>
-                <a:extLst>
-                  <a:ext uri="{0D108BD9-81ED-4DB2-BD59-A6C34878D82A}">
-                    <a16:rowId xmlns:a16="http://schemas.microsoft.com/office/drawing/2014/main" val="1783147424"/>
-                  </a:ext>
-                </a:extLst>
-              </a:tr>
-              <a:tr h="886229">
-                <a:tc>
-                  <a:txBody>
-                    <a:bodyPr/>
-                    <a:lstStyle/>
-                    <a:p>
-                      <a:pPr algn="ctr"/>
-                      <a:endParaRPr lang="zh-TW" altLang="en-US" sz="3000" dirty="0">
-                        <a:latin typeface="Hiragino Sans CNS W3" panose="020B0300000000000000" pitchFamily="34" charset="-128"/>
-                        <a:ea typeface="Hiragino Sans CNS W3" panose="020B0300000000000000" pitchFamily="34" charset="-128"/>
-                      </a:endParaRPr>
-                    </a:p>
-                  </a:txBody>
-                  <a:tcPr marL="99361" marR="99361" marT="49681" marB="49681" anchor="ctr"/>
-                </a:tc>
-                <a:tc>
-                  <a:txBody>
-                    <a:bodyPr/>
-                    <a:lstStyle/>
-                    <a:p>
-                      <a:pPr algn="ctr"/>
-                      <a:endParaRPr lang="zh-TW" altLang="en-US" sz="3000" dirty="0">
-                        <a:latin typeface="Hiragino Sans CNS W3" panose="020B0300000000000000" pitchFamily="34" charset="-128"/>
-                        <a:ea typeface="Hiragino Sans CNS W3" panose="020B0300000000000000" pitchFamily="34" charset="-128"/>
-                      </a:endParaRPr>
-                    </a:p>
-                  </a:txBody>
-                  <a:tcPr marL="99361" marR="99361" marT="49681" marB="49681" anchor="ctr"/>
-                </a:tc>
-                <a:tc>
-                  <a:txBody>
-                    <a:bodyPr/>
-                    <a:lstStyle/>
-                    <a:p>
-                      <a:pPr algn="ctr"/>
-                      <a:endParaRPr lang="zh-TW" altLang="en-US" sz="3000" dirty="0">
-                        <a:latin typeface="Hiragino Sans CNS W3" panose="020B0300000000000000" pitchFamily="34" charset="-128"/>
-                        <a:ea typeface="Hiragino Sans CNS W3" panose="020B0300000000000000" pitchFamily="34" charset="-128"/>
-                      </a:endParaRPr>
-                    </a:p>
-                  </a:txBody>
-                  <a:tcPr marL="99361" marR="99361" marT="49681" marB="49681" anchor="ctr"/>
-                </a:tc>
-                <a:tc>
-                  <a:txBody>
-                    <a:bodyPr/>
-                    <a:lstStyle/>
-                    <a:p>
-                      <a:pPr algn="ctr"/>
-                      <a:endParaRPr lang="zh-TW" altLang="en-US" sz="3000" dirty="0">
-                        <a:latin typeface="Hiragino Sans CNS W3" panose="020B0300000000000000" pitchFamily="34" charset="-128"/>
-                        <a:ea typeface="Hiragino Sans CNS W3" panose="020B0300000000000000" pitchFamily="34" charset="-128"/>
-                      </a:endParaRPr>
-                    </a:p>
-                  </a:txBody>
-                  <a:tcPr marL="99361" marR="99361" marT="49681" marB="49681" anchor="ctr"/>
-                </a:tc>
-                <a:tc>
-                  <a:txBody>
-                    <a:bodyPr/>
-                    <a:lstStyle/>
-                    <a:p>
-                      <a:pPr algn="ctr"/>
-                      <a:endParaRPr lang="zh-TW" altLang="en-US" sz="3000" dirty="0">
-                        <a:latin typeface="Hiragino Sans CNS W3" panose="020B0300000000000000" pitchFamily="34" charset="-128"/>
-                        <a:ea typeface="Hiragino Sans CNS W3" panose="020B0300000000000000" pitchFamily="34" charset="-128"/>
-                      </a:endParaRPr>
-                    </a:p>
-                  </a:txBody>
-                  <a:tcPr marL="99361" marR="99361" marT="49681" marB="49681" anchor="ctr"/>
-                </a:tc>
-                <a:extLst>
-                  <a:ext uri="{0D108BD9-81ED-4DB2-BD59-A6C34878D82A}">
-                    <a16:rowId xmlns:a16="http://schemas.microsoft.com/office/drawing/2014/main" val="3144180348"/>
-                  </a:ext>
-                </a:extLst>
-              </a:tr>
-            </a:tbl>
-          </a:graphicData>
-        </a:graphic>
-      </p:graphicFrame>
-      <p:sp>
-        <p:nvSpPr>
-          <p:cNvPr id="6" name="文字方塊 5">
-            <a:extLst>
-              <a:ext uri="{FF2B5EF4-FFF2-40B4-BE49-F238E27FC236}">
-                <a16:creationId xmlns:a16="http://schemas.microsoft.com/office/drawing/2014/main" id="{2E5F868E-135B-D220-DBF2-07D5F6F496DA}"/>
-              </a:ext>
-            </a:extLst>
-          </p:cNvPr>
-          <p:cNvSpPr txBox="1"/>
-          <p:nvPr/>
-        </p:nvSpPr>
-        <p:spPr>
-          <a:xfrm>
-            <a:off x="744582" y="6231265"/>
-            <a:ext cx="2015295" cy="523220"/>
-          </a:xfrm>
-          <a:prstGeom prst="rect">
-            <a:avLst/>
-          </a:prstGeom>
-          <a:noFill/>
-        </p:spPr>
-        <p:txBody>
-          <a:bodyPr wrap="none" rtlCol="0">
-            <a:spAutoFit/>
-          </a:bodyPr>
-          <a:lstStyle/>
-          <a:p>
-            <a:r>
-              <a:rPr kumimoji="1" lang="en-US" altLang="zh-TW" sz="2800" dirty="0"/>
-              <a:t>Queue: [2,0]</a:t>
-            </a:r>
-            <a:endParaRPr kumimoji="1" lang="zh-TW" altLang="en-US" sz="2800" dirty="0"/>
-          </a:p>
-        </p:txBody>
-      </p:sp>
-    </p:spTree>
-    <p:extLst>
-      <p:ext uri="{BB962C8B-B14F-4D97-AF65-F5344CB8AC3E}">
-        <p14:creationId xmlns:p14="http://schemas.microsoft.com/office/powerpoint/2010/main" val="1682316909"/>
-      </p:ext>
-    </p:extLst>
-  </p:cSld>
-  <p:clrMapOvr>
-    <a:masterClrMapping/>
-  </p:clrMapOvr>
-</p:sld>
-</file>
-
-<file path=ppt/slides/slide9.xml><?xml version="1.0" encoding="utf-8"?>
-<p:sld xmlns:a="http://schemas.openxmlformats.org/drawingml/2006/main" xmlns:r="http://schemas.openxmlformats.org/officeDocument/2006/relationships" xmlns:p="http://schemas.openxmlformats.org/presentationml/2006/main">
-  <p:cSld>
-    <p:spTree>
-      <p:nvGrpSpPr>
-        <p:cNvPr id="1" name=""/>
-        <p:cNvGrpSpPr/>
-        <p:nvPr/>
-      </p:nvGrpSpPr>
-      <p:grpSpPr>
-        <a:xfrm>
-          <a:off x="0" y="0"/>
-          <a:ext cx="0" cy="0"/>
-          <a:chOff x="0" y="0"/>
-          <a:chExt cx="0" cy="0"/>
-        </a:xfrm>
-      </p:grpSpPr>
-      <p:sp>
-        <p:nvSpPr>
-          <p:cNvPr id="2" name="標題 1">
-            <a:extLst>
-              <a:ext uri="{FF2B5EF4-FFF2-40B4-BE49-F238E27FC236}">
-                <a16:creationId xmlns:a16="http://schemas.microsoft.com/office/drawing/2014/main" id="{B4FD27FB-CFA4-8E72-E656-450DE1D8D350}"/>
-              </a:ext>
-            </a:extLst>
-          </p:cNvPr>
-          <p:cNvSpPr>
-            <a:spLocks noGrp="1"/>
-          </p:cNvSpPr>
-          <p:nvPr>
-            <p:ph type="title"/>
-          </p:nvPr>
-        </p:nvSpPr>
-        <p:spPr/>
-        <p:txBody>
-          <a:bodyPr/>
-          <a:lstStyle/>
-          <a:p>
-            <a:r>
-              <a:rPr kumimoji="1" lang="en-US" altLang="zh-TW" dirty="0"/>
-              <a:t>BFS Algorithm with Route</a:t>
-            </a:r>
-            <a:endParaRPr kumimoji="1" lang="zh-TW" altLang="en-US" dirty="0"/>
-          </a:p>
-        </p:txBody>
-      </p:sp>
-      <p:graphicFrame>
-        <p:nvGraphicFramePr>
-          <p:cNvPr id="4" name="表格 4">
-            <a:extLst>
-              <a:ext uri="{FF2B5EF4-FFF2-40B4-BE49-F238E27FC236}">
-                <a16:creationId xmlns:a16="http://schemas.microsoft.com/office/drawing/2014/main" id="{2A4EC703-C96C-BB6E-6F6E-643DE3F3862A}"/>
-              </a:ext>
-            </a:extLst>
-          </p:cNvPr>
-          <p:cNvGraphicFramePr>
-            <a:graphicFrameLocks noGrp="1"/>
-          </p:cNvGraphicFramePr>
-          <p:nvPr>
-            <p:extLst>
-              <p:ext uri="{D42A27DB-BD31-4B8C-83A1-F6EECF244321}">
-                <p14:modId xmlns:p14="http://schemas.microsoft.com/office/powerpoint/2010/main" val="3132447973"/>
-              </p:ext>
-            </p:extLst>
-          </p:nvPr>
-        </p:nvGraphicFramePr>
-        <p:xfrm>
-          <a:off x="637152" y="1690688"/>
-          <a:ext cx="4451070" cy="4431145"/>
-        </p:xfrm>
-        <a:graphic>
-          <a:graphicData uri="http://schemas.openxmlformats.org/drawingml/2006/table">
-            <a:tbl>
-              <a:tblPr bandRow="1">
-                <a:tableStyleId>{F5AB1C69-6EDB-4FF4-983F-18BD219EF322}</a:tableStyleId>
-              </a:tblPr>
-              <a:tblGrid>
-                <a:gridCol w="890214">
-                  <a:extLst>
-                    <a:ext uri="{9D8B030D-6E8A-4147-A177-3AD203B41FA5}">
-                      <a16:colId xmlns:a16="http://schemas.microsoft.com/office/drawing/2014/main" val="3457372882"/>
-                    </a:ext>
-                  </a:extLst>
-                </a:gridCol>
-                <a:gridCol w="890214">
-                  <a:extLst>
-                    <a:ext uri="{9D8B030D-6E8A-4147-A177-3AD203B41FA5}">
-                      <a16:colId xmlns:a16="http://schemas.microsoft.com/office/drawing/2014/main" val="4012716525"/>
-                    </a:ext>
-                  </a:extLst>
-                </a:gridCol>
-                <a:gridCol w="890214">
-                  <a:extLst>
-                    <a:ext uri="{9D8B030D-6E8A-4147-A177-3AD203B41FA5}">
-                      <a16:colId xmlns:a16="http://schemas.microsoft.com/office/drawing/2014/main" val="3635152842"/>
-                    </a:ext>
-                  </a:extLst>
-                </a:gridCol>
-                <a:gridCol w="890214">
-                  <a:extLst>
-                    <a:ext uri="{9D8B030D-6E8A-4147-A177-3AD203B41FA5}">
-                      <a16:colId xmlns:a16="http://schemas.microsoft.com/office/drawing/2014/main" val="1376262311"/>
-                    </a:ext>
-                  </a:extLst>
-                </a:gridCol>
-                <a:gridCol w="890214">
-                  <a:extLst>
-                    <a:ext uri="{9D8B030D-6E8A-4147-A177-3AD203B41FA5}">
-                      <a16:colId xmlns:a16="http://schemas.microsoft.com/office/drawing/2014/main" val="1171847317"/>
-                    </a:ext>
-                  </a:extLst>
-                </a:gridCol>
-              </a:tblGrid>
-              <a:tr h="886229">
-                <a:tc>
-                  <a:txBody>
-                    <a:bodyPr/>
-                    <a:lstStyle/>
-                    <a:p>
-                      <a:pPr algn="ctr"/>
-                      <a:r>
-                        <a:rPr lang="en-US" altLang="zh-TW" sz="3000" dirty="0">
-                          <a:latin typeface="Hiragino Sans CNS W3" panose="020B0300000000000000" pitchFamily="34" charset="-128"/>
-                          <a:ea typeface="Hiragino Sans CNS W3" panose="020B0300000000000000" pitchFamily="34" charset="-128"/>
-                        </a:rPr>
-                        <a:t>1</a:t>
-                      </a:r>
-                      <a:endParaRPr lang="zh-TW" altLang="en-US" sz="3000" dirty="0">
-                        <a:latin typeface="Hiragino Sans CNS W3" panose="020B0300000000000000" pitchFamily="34" charset="-128"/>
-                        <a:ea typeface="Hiragino Sans CNS W3" panose="020B0300000000000000" pitchFamily="34" charset="-128"/>
-                      </a:endParaRPr>
-                    </a:p>
-                  </a:txBody>
-                  <a:tcPr marL="99361" marR="99361" marT="49681" marB="49681" anchor="ctr"/>
-                </a:tc>
-                <a:tc>
-                  <a:txBody>
-                    <a:bodyPr/>
-                    <a:lstStyle/>
-                    <a:p>
-                      <a:pPr algn="ctr"/>
-                      <a:r>
-                        <a:rPr lang="en-US" altLang="zh-TW" sz="3000" dirty="0">
-                          <a:latin typeface="Hiragino Sans CNS W3" panose="020B0300000000000000" pitchFamily="34" charset="-128"/>
-                          <a:ea typeface="Hiragino Sans CNS W3" panose="020B0300000000000000" pitchFamily="34" charset="-128"/>
-                        </a:rPr>
-                        <a:t>2</a:t>
-                      </a:r>
-                      <a:endParaRPr lang="zh-TW" altLang="en-US" sz="3000" dirty="0">
-                        <a:latin typeface="Hiragino Sans CNS W3" panose="020B0300000000000000" pitchFamily="34" charset="-128"/>
-                        <a:ea typeface="Hiragino Sans CNS W3" panose="020B0300000000000000" pitchFamily="34" charset="-128"/>
-                      </a:endParaRPr>
-                    </a:p>
-                  </a:txBody>
-                  <a:tcPr marL="99361" marR="99361" marT="49681" marB="49681" anchor="ctr"/>
-                </a:tc>
-                <a:tc>
-                  <a:txBody>
-                    <a:bodyPr/>
-                    <a:lstStyle/>
-                    <a:p>
-                      <a:pPr algn="ctr"/>
-                      <a:r>
-                        <a:rPr lang="en-US" altLang="zh-TW" sz="3000" dirty="0">
-                          <a:latin typeface="Hiragino Sans CNS W3" panose="020B0300000000000000" pitchFamily="34" charset="-128"/>
-                          <a:ea typeface="Hiragino Sans CNS W3" panose="020B0300000000000000" pitchFamily="34" charset="-128"/>
-                        </a:rPr>
-                        <a:t>5</a:t>
-                      </a:r>
-                      <a:endParaRPr lang="zh-TW" altLang="en-US" sz="3000" dirty="0">
-                        <a:latin typeface="Hiragino Sans CNS W3" panose="020B0300000000000000" pitchFamily="34" charset="-128"/>
-                        <a:ea typeface="Hiragino Sans CNS W3" panose="020B0300000000000000" pitchFamily="34" charset="-128"/>
-                      </a:endParaRPr>
-                    </a:p>
-                  </a:txBody>
-                  <a:tcPr marL="99361" marR="99361" marT="49681" marB="49681" anchor="ctr"/>
-                </a:tc>
-                <a:tc>
-                  <a:txBody>
-                    <a:bodyPr/>
-                    <a:lstStyle/>
-                    <a:p>
-                      <a:pPr algn="ctr"/>
-                      <a:r>
-                        <a:rPr lang="en-US" altLang="zh-TW" sz="3000" dirty="0">
-                          <a:latin typeface="Hiragino Sans CNS W3" panose="020B0300000000000000" pitchFamily="34" charset="-128"/>
-                          <a:ea typeface="Hiragino Sans CNS W3" panose="020B0300000000000000" pitchFamily="34" charset="-128"/>
-                        </a:rPr>
-                        <a:t>3</a:t>
-                      </a:r>
-                      <a:endParaRPr lang="zh-TW" altLang="en-US" sz="3000" dirty="0">
-                        <a:latin typeface="Hiragino Sans CNS W3" panose="020B0300000000000000" pitchFamily="34" charset="-128"/>
-                        <a:ea typeface="Hiragino Sans CNS W3" panose="020B0300000000000000" pitchFamily="34" charset="-128"/>
-                      </a:endParaRPr>
-                    </a:p>
-                  </a:txBody>
-                  <a:tcPr marL="99361" marR="99361" marT="49681" marB="49681" anchor="ctr"/>
-                </a:tc>
-                <a:tc>
-                  <a:txBody>
-                    <a:bodyPr/>
-                    <a:lstStyle/>
-                    <a:p>
-                      <a:pPr algn="ctr"/>
-                      <a:r>
-                        <a:rPr lang="en-US" altLang="zh-TW" sz="3000" dirty="0">
-                          <a:latin typeface="Hiragino Sans CNS W3" panose="020B0300000000000000" pitchFamily="34" charset="-128"/>
-                          <a:ea typeface="Hiragino Sans CNS W3" panose="020B0300000000000000" pitchFamily="34" charset="-128"/>
-                        </a:rPr>
-                        <a:t>4</a:t>
-                      </a:r>
-                      <a:endParaRPr lang="zh-TW" altLang="en-US" sz="3000" dirty="0">
-                        <a:latin typeface="Hiragino Sans CNS W3" panose="020B0300000000000000" pitchFamily="34" charset="-128"/>
-                        <a:ea typeface="Hiragino Sans CNS W3" panose="020B0300000000000000" pitchFamily="34" charset="-128"/>
-                      </a:endParaRPr>
-                    </a:p>
-                  </a:txBody>
-                  <a:tcPr marL="99361" marR="99361" marT="49681" marB="49681" anchor="ctr"/>
-                </a:tc>
-                <a:extLst>
-                  <a:ext uri="{0D108BD9-81ED-4DB2-BD59-A6C34878D82A}">
-                    <a16:rowId xmlns:a16="http://schemas.microsoft.com/office/drawing/2014/main" val="3063813678"/>
-                  </a:ext>
-                </a:extLst>
-              </a:tr>
-              <a:tr h="886229">
-                <a:tc>
-                  <a:txBody>
-                    <a:bodyPr/>
-                    <a:lstStyle/>
-                    <a:p>
-                      <a:pPr algn="ctr"/>
-                      <a:r>
-                        <a:rPr lang="en-US" altLang="zh-TW" sz="3000" dirty="0">
-                          <a:latin typeface="Hiragino Sans CNS W3" panose="020B0300000000000000" pitchFamily="34" charset="-128"/>
-                          <a:ea typeface="Hiragino Sans CNS W3" panose="020B0300000000000000" pitchFamily="34" charset="-128"/>
-                        </a:rPr>
-                        <a:t>4</a:t>
-                      </a:r>
-                      <a:endParaRPr lang="zh-TW" altLang="en-US" sz="3000" dirty="0">
-                        <a:latin typeface="Hiragino Sans CNS W3" panose="020B0300000000000000" pitchFamily="34" charset="-128"/>
-                        <a:ea typeface="Hiragino Sans CNS W3" panose="020B0300000000000000" pitchFamily="34" charset="-128"/>
-                      </a:endParaRPr>
-                    </a:p>
-                  </a:txBody>
-                  <a:tcPr marL="99361" marR="99361" marT="49681" marB="49681" anchor="ctr">
-                    <a:solidFill>
-                      <a:schemeClr val="accent2"/>
-                    </a:solidFill>
-                  </a:tcPr>
-                </a:tc>
-                <a:tc>
-                  <a:txBody>
-                    <a:bodyPr/>
-                    <a:lstStyle/>
-                    <a:p>
-                      <a:pPr algn="ctr"/>
-                      <a:r>
-                        <a:rPr lang="en-US" altLang="zh-TW" sz="3000" dirty="0">
-                          <a:latin typeface="Hiragino Sans CNS W3" panose="020B0300000000000000" pitchFamily="34" charset="-128"/>
-                          <a:ea typeface="Hiragino Sans CNS W3" panose="020B0300000000000000" pitchFamily="34" charset="-128"/>
-                        </a:rPr>
-                        <a:t>4</a:t>
-                      </a:r>
-                      <a:endParaRPr lang="zh-TW" altLang="en-US" sz="3000" dirty="0">
-                        <a:latin typeface="Hiragino Sans CNS W3" panose="020B0300000000000000" pitchFamily="34" charset="-128"/>
-                        <a:ea typeface="Hiragino Sans CNS W3" panose="020B0300000000000000" pitchFamily="34" charset="-128"/>
-                      </a:endParaRPr>
-                    </a:p>
-                  </a:txBody>
-                  <a:tcPr marL="99361" marR="99361" marT="49681" marB="49681" anchor="ctr">
-                    <a:solidFill>
-                      <a:schemeClr val="accent2"/>
-                    </a:solidFill>
-                  </a:tcPr>
-                </a:tc>
-                <a:tc>
-                  <a:txBody>
-                    <a:bodyPr/>
-                    <a:lstStyle/>
-                    <a:p>
-                      <a:pPr algn="ctr"/>
-                      <a:r>
-                        <a:rPr lang="en-US" altLang="zh-TW" sz="3000" dirty="0">
-                          <a:latin typeface="Hiragino Sans CNS W3" panose="020B0300000000000000" pitchFamily="34" charset="-128"/>
-                          <a:ea typeface="Hiragino Sans CNS W3" panose="020B0300000000000000" pitchFamily="34" charset="-128"/>
-                        </a:rPr>
-                        <a:t>5</a:t>
-                      </a:r>
-                      <a:endParaRPr lang="zh-TW" altLang="en-US" sz="3000" dirty="0">
-                        <a:latin typeface="Hiragino Sans CNS W3" panose="020B0300000000000000" pitchFamily="34" charset="-128"/>
-                        <a:ea typeface="Hiragino Sans CNS W3" panose="020B0300000000000000" pitchFamily="34" charset="-128"/>
-                      </a:endParaRPr>
-                    </a:p>
-                  </a:txBody>
-                  <a:tcPr marL="99361" marR="99361" marT="49681" marB="49681" anchor="ctr"/>
-                </a:tc>
-                <a:tc>
-                  <a:txBody>
-                    <a:bodyPr/>
-                    <a:lstStyle/>
-                    <a:p>
-                      <a:pPr algn="ctr"/>
-                      <a:r>
-                        <a:rPr lang="en-US" altLang="zh-TW" sz="3000" dirty="0">
-                          <a:latin typeface="Hiragino Sans CNS W3" panose="020B0300000000000000" pitchFamily="34" charset="-128"/>
-                          <a:ea typeface="Hiragino Sans CNS W3" panose="020B0300000000000000" pitchFamily="34" charset="-128"/>
-                        </a:rPr>
-                        <a:t>2</a:t>
-                      </a:r>
-                      <a:endParaRPr lang="zh-TW" altLang="en-US" sz="3000" dirty="0">
-                        <a:latin typeface="Hiragino Sans CNS W3" panose="020B0300000000000000" pitchFamily="34" charset="-128"/>
-                        <a:ea typeface="Hiragino Sans CNS W3" panose="020B0300000000000000" pitchFamily="34" charset="-128"/>
-                      </a:endParaRPr>
-                    </a:p>
-                  </a:txBody>
-                  <a:tcPr marL="99361" marR="99361" marT="49681" marB="49681" anchor="ctr"/>
-                </a:tc>
-                <a:tc>
-                  <a:txBody>
-                    <a:bodyPr/>
-                    <a:lstStyle/>
-                    <a:p>
-                      <a:pPr algn="ctr"/>
-                      <a:r>
-                        <a:rPr lang="en-US" altLang="zh-TW" sz="3000" dirty="0">
-                          <a:latin typeface="Hiragino Sans CNS W3" panose="020B0300000000000000" pitchFamily="34" charset="-128"/>
-                          <a:ea typeface="Hiragino Sans CNS W3" panose="020B0300000000000000" pitchFamily="34" charset="-128"/>
-                        </a:rPr>
-                        <a:t>1</a:t>
-                      </a:r>
-                      <a:endParaRPr lang="zh-TW" altLang="en-US" sz="3000" dirty="0">
-                        <a:latin typeface="Hiragino Sans CNS W3" panose="020B0300000000000000" pitchFamily="34" charset="-128"/>
-                        <a:ea typeface="Hiragino Sans CNS W3" panose="020B0300000000000000" pitchFamily="34" charset="-128"/>
-                      </a:endParaRPr>
-                    </a:p>
-                  </a:txBody>
-                  <a:tcPr marL="99361" marR="99361" marT="49681" marB="49681" anchor="ctr"/>
-                </a:tc>
-                <a:extLst>
-                  <a:ext uri="{0D108BD9-81ED-4DB2-BD59-A6C34878D82A}">
-                    <a16:rowId xmlns:a16="http://schemas.microsoft.com/office/drawing/2014/main" val="729469909"/>
-                  </a:ext>
-                </a:extLst>
-              </a:tr>
-              <a:tr h="886229">
-                <a:tc>
-                  <a:txBody>
-                    <a:bodyPr/>
-                    <a:lstStyle/>
-                    <a:p>
-                      <a:pPr algn="ctr"/>
-                      <a:r>
-                        <a:rPr lang="en-US" altLang="zh-TW" sz="3000" dirty="0">
-                          <a:latin typeface="Hiragino Sans CNS W3" panose="020B0300000000000000" pitchFamily="34" charset="-128"/>
-                          <a:ea typeface="Hiragino Sans CNS W3" panose="020B0300000000000000" pitchFamily="34" charset="-128"/>
-                        </a:rPr>
-                        <a:t>4</a:t>
-                      </a:r>
-                      <a:endParaRPr lang="zh-TW" altLang="en-US" sz="3000" dirty="0">
-                        <a:latin typeface="Hiragino Sans CNS W3" panose="020B0300000000000000" pitchFamily="34" charset="-128"/>
-                        <a:ea typeface="Hiragino Sans CNS W3" panose="020B0300000000000000" pitchFamily="34" charset="-128"/>
-                      </a:endParaRPr>
-                    </a:p>
-                  </a:txBody>
-                  <a:tcPr marL="99361" marR="99361" marT="49681" marB="49681" anchor="ctr">
-                    <a:solidFill>
-                      <a:schemeClr val="accent2">
-                        <a:lumMod val="40000"/>
-                        <a:lumOff val="60000"/>
-                      </a:schemeClr>
-                    </a:solidFill>
-                  </a:tcPr>
-                </a:tc>
-                <a:tc>
-                  <a:txBody>
-                    <a:bodyPr/>
-                    <a:lstStyle/>
-                    <a:p>
-                      <a:pPr algn="ctr"/>
-                      <a:r>
-                        <a:rPr lang="en-US" altLang="zh-TW" sz="3000" dirty="0">
-                          <a:latin typeface="Hiragino Sans CNS W3" panose="020B0300000000000000" pitchFamily="34" charset="-128"/>
-                          <a:ea typeface="Hiragino Sans CNS W3" panose="020B0300000000000000" pitchFamily="34" charset="-128"/>
-                        </a:rPr>
-                        <a:t>3</a:t>
-                      </a:r>
-                      <a:endParaRPr lang="zh-TW" altLang="en-US" sz="3000" dirty="0">
-                        <a:latin typeface="Hiragino Sans CNS W3" panose="020B0300000000000000" pitchFamily="34" charset="-128"/>
-                        <a:ea typeface="Hiragino Sans CNS W3" panose="020B0300000000000000" pitchFamily="34" charset="-128"/>
-                      </a:endParaRPr>
-                    </a:p>
-                  </a:txBody>
-                  <a:tcPr marL="99361" marR="99361" marT="49681" marB="49681" anchor="ctr"/>
-                </a:tc>
-                <a:tc>
-                  <a:txBody>
-                    <a:bodyPr/>
-                    <a:lstStyle/>
-                    <a:p>
-                      <a:pPr algn="ctr"/>
-                      <a:r>
-                        <a:rPr lang="en-US" altLang="zh-TW" sz="3000" dirty="0">
-                          <a:latin typeface="Hiragino Sans CNS W3" panose="020B0300000000000000" pitchFamily="34" charset="-128"/>
-                          <a:ea typeface="Hiragino Sans CNS W3" panose="020B0300000000000000" pitchFamily="34" charset="-128"/>
-                        </a:rPr>
-                        <a:t>2</a:t>
-                      </a:r>
-                      <a:endParaRPr lang="zh-TW" altLang="en-US" sz="3000" dirty="0">
-                        <a:latin typeface="Hiragino Sans CNS W3" panose="020B0300000000000000" pitchFamily="34" charset="-128"/>
-                        <a:ea typeface="Hiragino Sans CNS W3" panose="020B0300000000000000" pitchFamily="34" charset="-128"/>
-                      </a:endParaRPr>
-                    </a:p>
-                  </a:txBody>
-                  <a:tcPr marL="99361" marR="99361" marT="49681" marB="49681" anchor="ctr"/>
-                </a:tc>
-                <a:tc>
-                  <a:txBody>
-                    <a:bodyPr/>
-                    <a:lstStyle/>
-                    <a:p>
-                      <a:pPr algn="ctr"/>
-                      <a:r>
-                        <a:rPr lang="en-US" altLang="zh-TW" sz="3000" dirty="0">
-                          <a:latin typeface="Hiragino Sans CNS W3" panose="020B0300000000000000" pitchFamily="34" charset="-128"/>
-                          <a:ea typeface="Hiragino Sans CNS W3" panose="020B0300000000000000" pitchFamily="34" charset="-128"/>
-                        </a:rPr>
-                        <a:t>5</a:t>
-                      </a:r>
-                      <a:endParaRPr lang="zh-TW" altLang="en-US" sz="3000" dirty="0">
-                        <a:latin typeface="Hiragino Sans CNS W3" panose="020B0300000000000000" pitchFamily="34" charset="-128"/>
-                        <a:ea typeface="Hiragino Sans CNS W3" panose="020B0300000000000000" pitchFamily="34" charset="-128"/>
-                      </a:endParaRPr>
-                    </a:p>
-                  </a:txBody>
-                  <a:tcPr marL="99361" marR="99361" marT="49681" marB="49681" anchor="ctr"/>
-                </a:tc>
-                <a:tc>
-                  <a:txBody>
-                    <a:bodyPr/>
-                    <a:lstStyle/>
-                    <a:p>
-                      <a:pPr algn="ctr"/>
-                      <a:r>
-                        <a:rPr lang="en-US" altLang="zh-TW" sz="3000" dirty="0">
-                          <a:latin typeface="Hiragino Sans CNS W3" panose="020B0300000000000000" pitchFamily="34" charset="-128"/>
-                          <a:ea typeface="Hiragino Sans CNS W3" panose="020B0300000000000000" pitchFamily="34" charset="-128"/>
-                        </a:rPr>
-                        <a:t>4</a:t>
-                      </a:r>
-                      <a:endParaRPr lang="zh-TW" altLang="en-US" sz="3000" dirty="0">
-                        <a:latin typeface="Hiragino Sans CNS W3" panose="020B0300000000000000" pitchFamily="34" charset="-128"/>
-                        <a:ea typeface="Hiragino Sans CNS W3" panose="020B0300000000000000" pitchFamily="34" charset="-128"/>
-                      </a:endParaRPr>
-                    </a:p>
-                  </a:txBody>
-                  <a:tcPr marL="99361" marR="99361" marT="49681" marB="49681" anchor="ctr"/>
-                </a:tc>
-                <a:extLst>
-                  <a:ext uri="{0D108BD9-81ED-4DB2-BD59-A6C34878D82A}">
-                    <a16:rowId xmlns:a16="http://schemas.microsoft.com/office/drawing/2014/main" val="1632199547"/>
-                  </a:ext>
-                </a:extLst>
-              </a:tr>
-              <a:tr h="886229">
-                <a:tc>
-                  <a:txBody>
-                    <a:bodyPr/>
-                    <a:lstStyle/>
-                    <a:p>
-                      <a:pPr algn="ctr"/>
-                      <a:r>
-                        <a:rPr lang="en-US" altLang="zh-TW" sz="3000" dirty="0">
-                          <a:latin typeface="Hiragino Sans CNS W3" panose="020B0300000000000000" pitchFamily="34" charset="-128"/>
-                          <a:ea typeface="Hiragino Sans CNS W3" panose="020B0300000000000000" pitchFamily="34" charset="-128"/>
-                        </a:rPr>
-                        <a:t>1</a:t>
-                      </a:r>
-                      <a:endParaRPr lang="zh-TW" altLang="en-US" sz="3000" dirty="0">
-                        <a:latin typeface="Hiragino Sans CNS W3" panose="020B0300000000000000" pitchFamily="34" charset="-128"/>
-                        <a:ea typeface="Hiragino Sans CNS W3" panose="020B0300000000000000" pitchFamily="34" charset="-128"/>
-                      </a:endParaRPr>
-                    </a:p>
-                  </a:txBody>
-                  <a:tcPr marL="99361" marR="99361" marT="49681" marB="49681" anchor="ctr"/>
-                </a:tc>
-                <a:tc>
-                  <a:txBody>
-                    <a:bodyPr/>
-                    <a:lstStyle/>
-                    <a:p>
-                      <a:pPr algn="ctr"/>
-                      <a:r>
-                        <a:rPr lang="en-US" altLang="zh-TW" sz="3000" dirty="0">
-                          <a:latin typeface="Hiragino Sans CNS W3" panose="020B0300000000000000" pitchFamily="34" charset="-128"/>
-                          <a:ea typeface="Hiragino Sans CNS W3" panose="020B0300000000000000" pitchFamily="34" charset="-128"/>
-                        </a:rPr>
-                        <a:t>2</a:t>
-                      </a:r>
-                      <a:endParaRPr lang="zh-TW" altLang="en-US" sz="3000" dirty="0">
-                        <a:latin typeface="Hiragino Sans CNS W3" panose="020B0300000000000000" pitchFamily="34" charset="-128"/>
-                        <a:ea typeface="Hiragino Sans CNS W3" panose="020B0300000000000000" pitchFamily="34" charset="-128"/>
-                      </a:endParaRPr>
-                    </a:p>
-                  </a:txBody>
-                  <a:tcPr marL="99361" marR="99361" marT="49681" marB="49681" anchor="ctr"/>
-                </a:tc>
-                <a:tc>
-                  <a:txBody>
-                    <a:bodyPr/>
-                    <a:lstStyle/>
-                    <a:p>
-                      <a:pPr algn="ctr"/>
-                      <a:r>
-                        <a:rPr lang="en-US" altLang="zh-TW" sz="3000" dirty="0">
-                          <a:latin typeface="Hiragino Sans CNS W3" panose="020B0300000000000000" pitchFamily="34" charset="-128"/>
-                          <a:ea typeface="Hiragino Sans CNS W3" panose="020B0300000000000000" pitchFamily="34" charset="-128"/>
-                        </a:rPr>
-                        <a:t>1</a:t>
-                      </a:r>
-                      <a:endParaRPr lang="zh-TW" altLang="en-US" sz="3000" dirty="0">
-                        <a:latin typeface="Hiragino Sans CNS W3" panose="020B0300000000000000" pitchFamily="34" charset="-128"/>
-                        <a:ea typeface="Hiragino Sans CNS W3" panose="020B0300000000000000" pitchFamily="34" charset="-128"/>
-                      </a:endParaRPr>
-                    </a:p>
-                  </a:txBody>
-                  <a:tcPr marL="99361" marR="99361" marT="49681" marB="49681" anchor="ctr"/>
-                </a:tc>
-                <a:tc>
-                  <a:txBody>
-                    <a:bodyPr/>
-                    <a:lstStyle/>
-                    <a:p>
-                      <a:pPr algn="ctr"/>
-                      <a:r>
-                        <a:rPr lang="en-US" altLang="zh-TW" sz="3000" dirty="0">
-                          <a:latin typeface="Hiragino Sans CNS W3" panose="020B0300000000000000" pitchFamily="34" charset="-128"/>
-                          <a:ea typeface="Hiragino Sans CNS W3" panose="020B0300000000000000" pitchFamily="34" charset="-128"/>
-                        </a:rPr>
-                        <a:t>3</a:t>
-                      </a:r>
-                      <a:endParaRPr lang="zh-TW" altLang="en-US" sz="3000" dirty="0">
-                        <a:latin typeface="Hiragino Sans CNS W3" panose="020B0300000000000000" pitchFamily="34" charset="-128"/>
-                        <a:ea typeface="Hiragino Sans CNS W3" panose="020B0300000000000000" pitchFamily="34" charset="-128"/>
-                      </a:endParaRPr>
-                    </a:p>
-                  </a:txBody>
-                  <a:tcPr marL="99361" marR="99361" marT="49681" marB="49681" anchor="ctr"/>
-                </a:tc>
-                <a:tc>
-                  <a:txBody>
-                    <a:bodyPr/>
-                    <a:lstStyle/>
-                    <a:p>
-                      <a:pPr algn="ctr"/>
-                      <a:r>
-                        <a:rPr lang="en-US" altLang="zh-TW" sz="3000" dirty="0">
-                          <a:latin typeface="Hiragino Sans CNS W3" panose="020B0300000000000000" pitchFamily="34" charset="-128"/>
-                          <a:ea typeface="Hiragino Sans CNS W3" panose="020B0300000000000000" pitchFamily="34" charset="-128"/>
-                        </a:rPr>
-                        <a:t>3</a:t>
-                      </a:r>
-                      <a:endParaRPr lang="zh-TW" altLang="en-US" sz="3000" dirty="0">
-                        <a:latin typeface="Hiragino Sans CNS W3" panose="020B0300000000000000" pitchFamily="34" charset="-128"/>
-                        <a:ea typeface="Hiragino Sans CNS W3" panose="020B0300000000000000" pitchFamily="34" charset="-128"/>
-                      </a:endParaRPr>
-                    </a:p>
-                  </a:txBody>
-                  <a:tcPr marL="99361" marR="99361" marT="49681" marB="49681" anchor="ctr"/>
-                </a:tc>
-                <a:extLst>
-                  <a:ext uri="{0D108BD9-81ED-4DB2-BD59-A6C34878D82A}">
-                    <a16:rowId xmlns:a16="http://schemas.microsoft.com/office/drawing/2014/main" val="1783147424"/>
-                  </a:ext>
-                </a:extLst>
-              </a:tr>
-              <a:tr h="886229">
-                <a:tc>
-                  <a:txBody>
-                    <a:bodyPr/>
-                    <a:lstStyle/>
-                    <a:p>
-                      <a:pPr algn="ctr"/>
-                      <a:r>
-                        <a:rPr lang="en-US" altLang="zh-TW" sz="3000" dirty="0">
-                          <a:latin typeface="Hiragino Sans CNS W3" panose="020B0300000000000000" pitchFamily="34" charset="-128"/>
-                          <a:ea typeface="Hiragino Sans CNS W3" panose="020B0300000000000000" pitchFamily="34" charset="-128"/>
-                        </a:rPr>
-                        <a:t>4</a:t>
-                      </a:r>
-                      <a:endParaRPr lang="zh-TW" altLang="en-US" sz="3000" dirty="0">
-                        <a:latin typeface="Hiragino Sans CNS W3" panose="020B0300000000000000" pitchFamily="34" charset="-128"/>
-                        <a:ea typeface="Hiragino Sans CNS W3" panose="020B0300000000000000" pitchFamily="34" charset="-128"/>
-                      </a:endParaRPr>
-                    </a:p>
-                  </a:txBody>
-                  <a:tcPr marL="99361" marR="99361" marT="49681" marB="49681" anchor="ctr"/>
-                </a:tc>
-                <a:tc>
-                  <a:txBody>
-                    <a:bodyPr/>
-                    <a:lstStyle/>
-                    <a:p>
-                      <a:pPr algn="ctr"/>
-                      <a:r>
-                        <a:rPr lang="en-US" altLang="zh-TW" sz="3000" dirty="0">
-                          <a:latin typeface="Hiragino Sans CNS W3" panose="020B0300000000000000" pitchFamily="34" charset="-128"/>
-                          <a:ea typeface="Hiragino Sans CNS W3" panose="020B0300000000000000" pitchFamily="34" charset="-128"/>
-                        </a:rPr>
-                        <a:t>4</a:t>
-                      </a:r>
-                      <a:endParaRPr lang="zh-TW" altLang="en-US" sz="3000" dirty="0">
-                        <a:latin typeface="Hiragino Sans CNS W3" panose="020B0300000000000000" pitchFamily="34" charset="-128"/>
-                        <a:ea typeface="Hiragino Sans CNS W3" panose="020B0300000000000000" pitchFamily="34" charset="-128"/>
-                      </a:endParaRPr>
-                    </a:p>
-                  </a:txBody>
-                  <a:tcPr marL="99361" marR="99361" marT="49681" marB="49681" anchor="ctr"/>
-                </a:tc>
-                <a:tc>
-                  <a:txBody>
-                    <a:bodyPr/>
-                    <a:lstStyle/>
-                    <a:p>
-                      <a:pPr algn="ctr"/>
-                      <a:r>
-                        <a:rPr lang="en-US" altLang="zh-TW" sz="3000" dirty="0">
-                          <a:latin typeface="Hiragino Sans CNS W3" panose="020B0300000000000000" pitchFamily="34" charset="-128"/>
-                          <a:ea typeface="Hiragino Sans CNS W3" panose="020B0300000000000000" pitchFamily="34" charset="-128"/>
-                        </a:rPr>
-                        <a:t>5</a:t>
-                      </a:r>
-                      <a:endParaRPr lang="zh-TW" altLang="en-US" sz="3000" dirty="0">
-                        <a:latin typeface="Hiragino Sans CNS W3" panose="020B0300000000000000" pitchFamily="34" charset="-128"/>
-                        <a:ea typeface="Hiragino Sans CNS W3" panose="020B0300000000000000" pitchFamily="34" charset="-128"/>
-                      </a:endParaRPr>
-                    </a:p>
-                  </a:txBody>
-                  <a:tcPr marL="99361" marR="99361" marT="49681" marB="49681" anchor="ctr"/>
-                </a:tc>
-                <a:tc>
-                  <a:txBody>
-                    <a:bodyPr/>
-                    <a:lstStyle/>
-                    <a:p>
-                      <a:pPr algn="ctr"/>
-                      <a:r>
-                        <a:rPr lang="en-US" altLang="zh-TW" sz="3000" dirty="0">
-                          <a:latin typeface="Hiragino Sans CNS W3" panose="020B0300000000000000" pitchFamily="34" charset="-128"/>
-                          <a:ea typeface="Hiragino Sans CNS W3" panose="020B0300000000000000" pitchFamily="34" charset="-128"/>
-                        </a:rPr>
-                        <a:t>2</a:t>
-                      </a:r>
-                      <a:endParaRPr lang="zh-TW" altLang="en-US" sz="3000" dirty="0">
-                        <a:latin typeface="Hiragino Sans CNS W3" panose="020B0300000000000000" pitchFamily="34" charset="-128"/>
-                        <a:ea typeface="Hiragino Sans CNS W3" panose="020B0300000000000000" pitchFamily="34" charset="-128"/>
-                      </a:endParaRPr>
-                    </a:p>
-                  </a:txBody>
-                  <a:tcPr marL="99361" marR="99361" marT="49681" marB="49681" anchor="ctr"/>
-                </a:tc>
-                <a:tc>
-                  <a:txBody>
-                    <a:bodyPr/>
-                    <a:lstStyle/>
-                    <a:p>
-                      <a:pPr algn="ctr"/>
-                      <a:r>
-                        <a:rPr lang="en-US" altLang="zh-TW" sz="3000" dirty="0">
-                          <a:latin typeface="Hiragino Sans CNS W3" panose="020B0300000000000000" pitchFamily="34" charset="-128"/>
-                          <a:ea typeface="Hiragino Sans CNS W3" panose="020B0300000000000000" pitchFamily="34" charset="-128"/>
-                        </a:rPr>
-                        <a:t>5</a:t>
-                      </a:r>
-                      <a:endParaRPr lang="zh-TW" altLang="en-US" sz="3000" dirty="0">
-                        <a:latin typeface="Hiragino Sans CNS W3" panose="020B0300000000000000" pitchFamily="34" charset="-128"/>
-                        <a:ea typeface="Hiragino Sans CNS W3" panose="020B0300000000000000" pitchFamily="34" charset="-128"/>
-                      </a:endParaRPr>
-                    </a:p>
-                  </a:txBody>
-                  <a:tcPr marL="99361" marR="99361" marT="49681" marB="49681" anchor="ctr"/>
-                </a:tc>
-                <a:extLst>
-                  <a:ext uri="{0D108BD9-81ED-4DB2-BD59-A6C34878D82A}">
-                    <a16:rowId xmlns:a16="http://schemas.microsoft.com/office/drawing/2014/main" val="3144180348"/>
-                  </a:ext>
-                </a:extLst>
-              </a:tr>
-            </a:tbl>
-          </a:graphicData>
-        </a:graphic>
-      </p:graphicFrame>
-      <p:graphicFrame>
-        <p:nvGraphicFramePr>
-          <p:cNvPr id="5" name="表格 4">
-            <a:extLst>
-              <a:ext uri="{FF2B5EF4-FFF2-40B4-BE49-F238E27FC236}">
-                <a16:creationId xmlns:a16="http://schemas.microsoft.com/office/drawing/2014/main" id="{E295E5F4-D89C-299C-3393-FA4B28861EC5}"/>
-              </a:ext>
-            </a:extLst>
-          </p:cNvPr>
-          <p:cNvGraphicFramePr>
-            <a:graphicFrameLocks noGrp="1"/>
-          </p:cNvGraphicFramePr>
-          <p:nvPr>
-            <p:extLst>
-              <p:ext uri="{D42A27DB-BD31-4B8C-83A1-F6EECF244321}">
-                <p14:modId xmlns:p14="http://schemas.microsoft.com/office/powerpoint/2010/main" val="3822273536"/>
-              </p:ext>
-            </p:extLst>
-          </p:nvPr>
-        </p:nvGraphicFramePr>
-        <p:xfrm>
-          <a:off x="5792626" y="1690688"/>
-          <a:ext cx="4451070" cy="4431145"/>
-        </p:xfrm>
-        <a:graphic>
-          <a:graphicData uri="http://schemas.openxmlformats.org/drawingml/2006/table">
-            <a:tbl>
-              <a:tblPr bandRow="1">
-                <a:tableStyleId>{F5AB1C69-6EDB-4FF4-983F-18BD219EF322}</a:tableStyleId>
-              </a:tblPr>
-              <a:tblGrid>
-                <a:gridCol w="890214">
-                  <a:extLst>
-                    <a:ext uri="{9D8B030D-6E8A-4147-A177-3AD203B41FA5}">
-                      <a16:colId xmlns:a16="http://schemas.microsoft.com/office/drawing/2014/main" val="3457372882"/>
-                    </a:ext>
-                  </a:extLst>
-                </a:gridCol>
-                <a:gridCol w="890214">
-                  <a:extLst>
-                    <a:ext uri="{9D8B030D-6E8A-4147-A177-3AD203B41FA5}">
-                      <a16:colId xmlns:a16="http://schemas.microsoft.com/office/drawing/2014/main" val="4012716525"/>
-                    </a:ext>
-                  </a:extLst>
-                </a:gridCol>
-                <a:gridCol w="890214">
-                  <a:extLst>
-                    <a:ext uri="{9D8B030D-6E8A-4147-A177-3AD203B41FA5}">
-                      <a16:colId xmlns:a16="http://schemas.microsoft.com/office/drawing/2014/main" val="3635152842"/>
-                    </a:ext>
-                  </a:extLst>
-                </a:gridCol>
-                <a:gridCol w="890214">
-                  <a:extLst>
-                    <a:ext uri="{9D8B030D-6E8A-4147-A177-3AD203B41FA5}">
-                      <a16:colId xmlns:a16="http://schemas.microsoft.com/office/drawing/2014/main" val="1376262311"/>
-                    </a:ext>
-                  </a:extLst>
-                </a:gridCol>
-                <a:gridCol w="890214">
-                  <a:extLst>
-                    <a:ext uri="{9D8B030D-6E8A-4147-A177-3AD203B41FA5}">
-                      <a16:colId xmlns:a16="http://schemas.microsoft.com/office/drawing/2014/main" val="1171847317"/>
-                    </a:ext>
-                  </a:extLst>
-                </a:gridCol>
-              </a:tblGrid>
-              <a:tr h="886229">
-                <a:tc>
-                  <a:txBody>
-                    <a:bodyPr/>
-                    <a:lstStyle/>
-                    <a:p>
-                      <a:pPr algn="ctr"/>
-                      <a:endParaRPr lang="zh-TW" altLang="en-US" sz="3000" dirty="0">
-                        <a:latin typeface="Hiragino Sans CNS W3" panose="020B0300000000000000" pitchFamily="34" charset="-128"/>
-                        <a:ea typeface="Hiragino Sans CNS W3" panose="020B0300000000000000" pitchFamily="34" charset="-128"/>
-                      </a:endParaRPr>
-                    </a:p>
-                  </a:txBody>
-                  <a:tcPr marL="99361" marR="99361" marT="49681" marB="49681" anchor="ctr"/>
-                </a:tc>
-                <a:tc>
-                  <a:txBody>
-                    <a:bodyPr/>
-                    <a:lstStyle/>
-                    <a:p>
-                      <a:pPr algn="ctr"/>
-                      <a:endParaRPr lang="zh-TW" altLang="en-US" sz="3000" dirty="0">
-                        <a:latin typeface="Hiragino Sans CNS W3" panose="020B0300000000000000" pitchFamily="34" charset="-128"/>
-                        <a:ea typeface="Hiragino Sans CNS W3" panose="020B0300000000000000" pitchFamily="34" charset="-128"/>
-                      </a:endParaRPr>
-                    </a:p>
-                  </a:txBody>
-                  <a:tcPr marL="99361" marR="99361" marT="49681" marB="49681" anchor="ctr"/>
-                </a:tc>
-                <a:tc>
-                  <a:txBody>
-                    <a:bodyPr/>
-                    <a:lstStyle/>
-                    <a:p>
-                      <a:pPr algn="ctr"/>
-                      <a:endParaRPr lang="zh-TW" altLang="en-US" sz="3000" dirty="0">
-                        <a:latin typeface="Hiragino Sans CNS W3" panose="020B0300000000000000" pitchFamily="34" charset="-128"/>
-                        <a:ea typeface="Hiragino Sans CNS W3" panose="020B0300000000000000" pitchFamily="34" charset="-128"/>
-                      </a:endParaRPr>
-                    </a:p>
-                  </a:txBody>
-                  <a:tcPr marL="99361" marR="99361" marT="49681" marB="49681" anchor="ctr"/>
-                </a:tc>
-                <a:tc>
-                  <a:txBody>
-                    <a:bodyPr/>
-                    <a:lstStyle/>
-                    <a:p>
-                      <a:pPr algn="ctr"/>
-                      <a:endParaRPr lang="zh-TW" altLang="en-US" sz="3000" dirty="0">
-                        <a:latin typeface="Hiragino Sans CNS W3" panose="020B0300000000000000" pitchFamily="34" charset="-128"/>
-                        <a:ea typeface="Hiragino Sans CNS W3" panose="020B0300000000000000" pitchFamily="34" charset="-128"/>
-                      </a:endParaRPr>
-                    </a:p>
-                  </a:txBody>
-                  <a:tcPr marL="99361" marR="99361" marT="49681" marB="49681" anchor="ctr"/>
-                </a:tc>
-                <a:tc>
-                  <a:txBody>
-                    <a:bodyPr/>
-                    <a:lstStyle/>
-                    <a:p>
-                      <a:pPr algn="ctr"/>
-                      <a:endParaRPr lang="zh-TW" altLang="en-US" sz="3000" dirty="0">
-                        <a:latin typeface="Hiragino Sans CNS W3" panose="020B0300000000000000" pitchFamily="34" charset="-128"/>
-                        <a:ea typeface="Hiragino Sans CNS W3" panose="020B0300000000000000" pitchFamily="34" charset="-128"/>
-                      </a:endParaRPr>
-                    </a:p>
-                  </a:txBody>
-                  <a:tcPr marL="99361" marR="99361" marT="49681" marB="49681" anchor="ctr"/>
-                </a:tc>
-                <a:extLst>
-                  <a:ext uri="{0D108BD9-81ED-4DB2-BD59-A6C34878D82A}">
-                    <a16:rowId xmlns:a16="http://schemas.microsoft.com/office/drawing/2014/main" val="3063813678"/>
-                  </a:ext>
-                </a:extLst>
-              </a:tr>
-              <a:tr h="886229">
-                <a:tc>
-                  <a:txBody>
-                    <a:bodyPr/>
-                    <a:lstStyle/>
-                    <a:p>
-                      <a:pPr algn="ctr"/>
-                      <a:r>
-                        <a:rPr lang="en-US" altLang="zh-TW" sz="3000" dirty="0">
-                          <a:latin typeface="Hiragino Sans CNS W3" panose="020B0300000000000000" pitchFamily="34" charset="-128"/>
-                          <a:ea typeface="Hiragino Sans CNS W3" panose="020B0300000000000000" pitchFamily="34" charset="-128"/>
-                        </a:rPr>
-                        <a:t>R</a:t>
-                      </a:r>
-                      <a:endParaRPr lang="zh-TW" altLang="en-US" sz="3000" dirty="0">
-                        <a:latin typeface="Hiragino Sans CNS W3" panose="020B0300000000000000" pitchFamily="34" charset="-128"/>
-                        <a:ea typeface="Hiragino Sans CNS W3" panose="020B0300000000000000" pitchFamily="34" charset="-128"/>
-                      </a:endParaRPr>
-                    </a:p>
-                  </a:txBody>
-                  <a:tcPr marL="99361" marR="99361" marT="49681" marB="49681" anchor="ctr">
-                    <a:solidFill>
-                      <a:schemeClr val="accent2"/>
-                    </a:solidFill>
-                  </a:tcPr>
-                </a:tc>
-                <a:tc>
-                  <a:txBody>
-                    <a:bodyPr/>
-                    <a:lstStyle/>
-                    <a:p>
-                      <a:pPr algn="ctr"/>
-                      <a:r>
-                        <a:rPr lang="en-US" altLang="zh-TW" sz="3000" dirty="0">
-                          <a:latin typeface="Hiragino Sans CNS W3" panose="020B0300000000000000" pitchFamily="34" charset="-128"/>
-                          <a:ea typeface="Hiragino Sans CNS W3" panose="020B0300000000000000" pitchFamily="34" charset="-128"/>
-                        </a:rPr>
-                        <a:t>X</a:t>
-                      </a:r>
-                      <a:endParaRPr lang="zh-TW" altLang="en-US" sz="3000" dirty="0">
-                        <a:latin typeface="Hiragino Sans CNS W3" panose="020B0300000000000000" pitchFamily="34" charset="-128"/>
-                        <a:ea typeface="Hiragino Sans CNS W3" panose="020B0300000000000000" pitchFamily="34" charset="-128"/>
-                      </a:endParaRPr>
-                    </a:p>
-                  </a:txBody>
-                  <a:tcPr marL="99361" marR="99361" marT="49681" marB="49681" anchor="ctr">
-                    <a:solidFill>
-                      <a:schemeClr val="accent2"/>
-                    </a:solidFill>
-                  </a:tcPr>
-                </a:tc>
-                <a:tc>
-                  <a:txBody>
-                    <a:bodyPr/>
-                    <a:lstStyle/>
-                    <a:p>
-                      <a:pPr algn="ctr"/>
-                      <a:endParaRPr lang="zh-TW" altLang="en-US" sz="3000" dirty="0">
-                        <a:latin typeface="Hiragino Sans CNS W3" panose="020B0300000000000000" pitchFamily="34" charset="-128"/>
-                        <a:ea typeface="Hiragino Sans CNS W3" panose="020B0300000000000000" pitchFamily="34" charset="-128"/>
-                      </a:endParaRPr>
-                    </a:p>
-                  </a:txBody>
-                  <a:tcPr marL="99361" marR="99361" marT="49681" marB="49681" anchor="ctr"/>
-                </a:tc>
-                <a:tc>
-                  <a:txBody>
-                    <a:bodyPr/>
-                    <a:lstStyle/>
-                    <a:p>
-                      <a:pPr algn="ctr"/>
-                      <a:endParaRPr lang="zh-TW" altLang="en-US" sz="3000" dirty="0">
-                        <a:latin typeface="Hiragino Sans CNS W3" panose="020B0300000000000000" pitchFamily="34" charset="-128"/>
-                        <a:ea typeface="Hiragino Sans CNS W3" panose="020B0300000000000000" pitchFamily="34" charset="-128"/>
-                      </a:endParaRPr>
-                    </a:p>
-                  </a:txBody>
-                  <a:tcPr marL="99361" marR="99361" marT="49681" marB="49681" anchor="ctr"/>
-                </a:tc>
-                <a:tc>
-                  <a:txBody>
-                    <a:bodyPr/>
-                    <a:lstStyle/>
-                    <a:p>
-                      <a:pPr algn="ctr"/>
-                      <a:endParaRPr lang="zh-TW" altLang="en-US" sz="3000" dirty="0">
-                        <a:latin typeface="Hiragino Sans CNS W3" panose="020B0300000000000000" pitchFamily="34" charset="-128"/>
-                        <a:ea typeface="Hiragino Sans CNS W3" panose="020B0300000000000000" pitchFamily="34" charset="-128"/>
-                      </a:endParaRPr>
-                    </a:p>
-                  </a:txBody>
-                  <a:tcPr marL="99361" marR="99361" marT="49681" marB="49681" anchor="ctr"/>
-                </a:tc>
-                <a:extLst>
-                  <a:ext uri="{0D108BD9-81ED-4DB2-BD59-A6C34878D82A}">
-                    <a16:rowId xmlns:a16="http://schemas.microsoft.com/office/drawing/2014/main" val="729469909"/>
-                  </a:ext>
-                </a:extLst>
-              </a:tr>
-              <a:tr h="886229">
-                <a:tc>
-                  <a:txBody>
-                    <a:bodyPr/>
-                    <a:lstStyle/>
-                    <a:p>
-                      <a:pPr algn="ctr"/>
-                      <a:r>
-                        <a:rPr lang="en-US" altLang="zh-TW" sz="3000" dirty="0">
-                          <a:latin typeface="Hiragino Sans CNS W3" panose="020B0300000000000000" pitchFamily="34" charset="-128"/>
-                          <a:ea typeface="Hiragino Sans CNS W3" panose="020B0300000000000000" pitchFamily="34" charset="-128"/>
-                        </a:rPr>
-                        <a:t>U</a:t>
-                      </a:r>
-                      <a:endParaRPr lang="zh-TW" altLang="en-US" sz="3000" dirty="0">
-                        <a:latin typeface="Hiragino Sans CNS W3" panose="020B0300000000000000" pitchFamily="34" charset="-128"/>
-                        <a:ea typeface="Hiragino Sans CNS W3" panose="020B0300000000000000" pitchFamily="34" charset="-128"/>
-                      </a:endParaRPr>
-                    </a:p>
-                  </a:txBody>
-                  <a:tcPr marL="99361" marR="99361" marT="49681" marB="49681" anchor="ctr">
-                    <a:solidFill>
-                      <a:schemeClr val="accent2">
-                        <a:lumMod val="40000"/>
-                        <a:lumOff val="60000"/>
-                      </a:schemeClr>
-                    </a:solidFill>
-                  </a:tcPr>
-                </a:tc>
-                <a:tc>
-                  <a:txBody>
-                    <a:bodyPr/>
-                    <a:lstStyle/>
-                    <a:p>
-                      <a:pPr algn="ctr"/>
-                      <a:endParaRPr lang="zh-TW" altLang="en-US" sz="3000" dirty="0">
-                        <a:latin typeface="Hiragino Sans CNS W3" panose="020B0300000000000000" pitchFamily="34" charset="-128"/>
-                        <a:ea typeface="Hiragino Sans CNS W3" panose="020B0300000000000000" pitchFamily="34" charset="-128"/>
-                      </a:endParaRPr>
-                    </a:p>
-                  </a:txBody>
-                  <a:tcPr marL="99361" marR="99361" marT="49681" marB="49681" anchor="ctr"/>
-                </a:tc>
-                <a:tc>
-                  <a:txBody>
-                    <a:bodyPr/>
-                    <a:lstStyle/>
-                    <a:p>
-                      <a:pPr algn="ctr"/>
-                      <a:endParaRPr lang="zh-TW" altLang="en-US" sz="3000" dirty="0">
-                        <a:latin typeface="Hiragino Sans CNS W3" panose="020B0300000000000000" pitchFamily="34" charset="-128"/>
-                        <a:ea typeface="Hiragino Sans CNS W3" panose="020B0300000000000000" pitchFamily="34" charset="-128"/>
-                      </a:endParaRPr>
-                    </a:p>
-                  </a:txBody>
-                  <a:tcPr marL="99361" marR="99361" marT="49681" marB="49681" anchor="ctr"/>
-                </a:tc>
-                <a:tc>
-                  <a:txBody>
-                    <a:bodyPr/>
-                    <a:lstStyle/>
-                    <a:p>
-                      <a:pPr algn="ctr"/>
-                      <a:endParaRPr lang="zh-TW" altLang="en-US" sz="3000" dirty="0">
-                        <a:latin typeface="Hiragino Sans CNS W3" panose="020B0300000000000000" pitchFamily="34" charset="-128"/>
-                        <a:ea typeface="Hiragino Sans CNS W3" panose="020B0300000000000000" pitchFamily="34" charset="-128"/>
-                      </a:endParaRPr>
-                    </a:p>
-                  </a:txBody>
-                  <a:tcPr marL="99361" marR="99361" marT="49681" marB="49681" anchor="ctr"/>
-                </a:tc>
-                <a:tc>
-                  <a:txBody>
-                    <a:bodyPr/>
-                    <a:lstStyle/>
-                    <a:p>
-                      <a:pPr algn="ctr"/>
-                      <a:endParaRPr lang="zh-TW" altLang="en-US" sz="3000" dirty="0">
-                        <a:latin typeface="Hiragino Sans CNS W3" panose="020B0300000000000000" pitchFamily="34" charset="-128"/>
-                        <a:ea typeface="Hiragino Sans CNS W3" panose="020B0300000000000000" pitchFamily="34" charset="-128"/>
-                      </a:endParaRPr>
-                    </a:p>
-                  </a:txBody>
-                  <a:tcPr marL="99361" marR="99361" marT="49681" marB="49681" anchor="ctr"/>
-                </a:tc>
-                <a:extLst>
-                  <a:ext uri="{0D108BD9-81ED-4DB2-BD59-A6C34878D82A}">
-                    <a16:rowId xmlns:a16="http://schemas.microsoft.com/office/drawing/2014/main" val="1632199547"/>
-                  </a:ext>
-                </a:extLst>
-              </a:tr>
-              <a:tr h="886229">
-                <a:tc>
-                  <a:txBody>
-                    <a:bodyPr/>
-                    <a:lstStyle/>
-                    <a:p>
-                      <a:pPr algn="ctr"/>
-                      <a:endParaRPr lang="zh-TW" altLang="en-US" sz="3000" dirty="0">
-                        <a:latin typeface="Hiragino Sans CNS W3" panose="020B0300000000000000" pitchFamily="34" charset="-128"/>
-                        <a:ea typeface="Hiragino Sans CNS W3" panose="020B0300000000000000" pitchFamily="34" charset="-128"/>
-                      </a:endParaRPr>
-                    </a:p>
-                  </a:txBody>
-                  <a:tcPr marL="99361" marR="99361" marT="49681" marB="49681" anchor="ctr"/>
-                </a:tc>
-                <a:tc>
-                  <a:txBody>
-                    <a:bodyPr/>
-                    <a:lstStyle/>
-                    <a:p>
-                      <a:pPr algn="ctr"/>
-                      <a:endParaRPr lang="zh-TW" altLang="en-US" sz="3000" dirty="0">
-                        <a:latin typeface="Hiragino Sans CNS W3" panose="020B0300000000000000" pitchFamily="34" charset="-128"/>
-                        <a:ea typeface="Hiragino Sans CNS W3" panose="020B0300000000000000" pitchFamily="34" charset="-128"/>
-                      </a:endParaRPr>
-                    </a:p>
-                  </a:txBody>
-                  <a:tcPr marL="99361" marR="99361" marT="49681" marB="49681" anchor="ctr"/>
-                </a:tc>
-                <a:tc>
-                  <a:txBody>
-                    <a:bodyPr/>
-                    <a:lstStyle/>
-                    <a:p>
-                      <a:pPr algn="ctr"/>
-                      <a:endParaRPr lang="zh-TW" altLang="en-US" sz="3000" dirty="0">
-                        <a:latin typeface="Hiragino Sans CNS W3" panose="020B0300000000000000" pitchFamily="34" charset="-128"/>
-                        <a:ea typeface="Hiragino Sans CNS W3" panose="020B0300000000000000" pitchFamily="34" charset="-128"/>
-                      </a:endParaRPr>
-                    </a:p>
-                  </a:txBody>
-                  <a:tcPr marL="99361" marR="99361" marT="49681" marB="49681" anchor="ctr"/>
-                </a:tc>
-                <a:tc>
-                  <a:txBody>
-                    <a:bodyPr/>
-                    <a:lstStyle/>
-                    <a:p>
-                      <a:pPr algn="ctr"/>
-                      <a:endParaRPr lang="zh-TW" altLang="en-US" sz="3000" dirty="0">
-                        <a:latin typeface="Hiragino Sans CNS W3" panose="020B0300000000000000" pitchFamily="34" charset="-128"/>
-                        <a:ea typeface="Hiragino Sans CNS W3" panose="020B0300000000000000" pitchFamily="34" charset="-128"/>
-                      </a:endParaRPr>
-                    </a:p>
-                  </a:txBody>
-                  <a:tcPr marL="99361" marR="99361" marT="49681" marB="49681" anchor="ctr"/>
-                </a:tc>
-                <a:tc>
-                  <a:txBody>
-                    <a:bodyPr/>
-                    <a:lstStyle/>
-                    <a:p>
-                      <a:pPr algn="ctr"/>
-                      <a:endParaRPr lang="zh-TW" altLang="en-US" sz="3000" dirty="0">
-                        <a:latin typeface="Hiragino Sans CNS W3" panose="020B0300000000000000" pitchFamily="34" charset="-128"/>
-                        <a:ea typeface="Hiragino Sans CNS W3" panose="020B0300000000000000" pitchFamily="34" charset="-128"/>
-                      </a:endParaRPr>
-                    </a:p>
-                  </a:txBody>
-                  <a:tcPr marL="99361" marR="99361" marT="49681" marB="49681" anchor="ctr"/>
-                </a:tc>
-                <a:extLst>
-                  <a:ext uri="{0D108BD9-81ED-4DB2-BD59-A6C34878D82A}">
-                    <a16:rowId xmlns:a16="http://schemas.microsoft.com/office/drawing/2014/main" val="1783147424"/>
-                  </a:ext>
-                </a:extLst>
-              </a:tr>
-              <a:tr h="886229">
-                <a:tc>
-                  <a:txBody>
-                    <a:bodyPr/>
-                    <a:lstStyle/>
-                    <a:p>
-                      <a:pPr algn="ctr"/>
-                      <a:endParaRPr lang="zh-TW" altLang="en-US" sz="3000" dirty="0">
-                        <a:latin typeface="Hiragino Sans CNS W3" panose="020B0300000000000000" pitchFamily="34" charset="-128"/>
-                        <a:ea typeface="Hiragino Sans CNS W3" panose="020B0300000000000000" pitchFamily="34" charset="-128"/>
-                      </a:endParaRPr>
-                    </a:p>
-                  </a:txBody>
-                  <a:tcPr marL="99361" marR="99361" marT="49681" marB="49681" anchor="ctr"/>
-                </a:tc>
-                <a:tc>
-                  <a:txBody>
-                    <a:bodyPr/>
-                    <a:lstStyle/>
-                    <a:p>
-                      <a:pPr algn="ctr"/>
-                      <a:endParaRPr lang="zh-TW" altLang="en-US" sz="3000" dirty="0">
-                        <a:latin typeface="Hiragino Sans CNS W3" panose="020B0300000000000000" pitchFamily="34" charset="-128"/>
-                        <a:ea typeface="Hiragino Sans CNS W3" panose="020B0300000000000000" pitchFamily="34" charset="-128"/>
-                      </a:endParaRPr>
-                    </a:p>
-                  </a:txBody>
-                  <a:tcPr marL="99361" marR="99361" marT="49681" marB="49681" anchor="ctr"/>
-                </a:tc>
-                <a:tc>
-                  <a:txBody>
-                    <a:bodyPr/>
-                    <a:lstStyle/>
-                    <a:p>
-                      <a:pPr algn="ctr"/>
-                      <a:endParaRPr lang="zh-TW" altLang="en-US" sz="3000" dirty="0">
-                        <a:latin typeface="Hiragino Sans CNS W3" panose="020B0300000000000000" pitchFamily="34" charset="-128"/>
-                        <a:ea typeface="Hiragino Sans CNS W3" panose="020B0300000000000000" pitchFamily="34" charset="-128"/>
-                      </a:endParaRPr>
-                    </a:p>
-                  </a:txBody>
-                  <a:tcPr marL="99361" marR="99361" marT="49681" marB="49681" anchor="ctr"/>
-                </a:tc>
-                <a:tc>
-                  <a:txBody>
-                    <a:bodyPr/>
-                    <a:lstStyle/>
-                    <a:p>
-                      <a:pPr algn="ctr"/>
-                      <a:endParaRPr lang="zh-TW" altLang="en-US" sz="3000" dirty="0">
-                        <a:latin typeface="Hiragino Sans CNS W3" panose="020B0300000000000000" pitchFamily="34" charset="-128"/>
-                        <a:ea typeface="Hiragino Sans CNS W3" panose="020B0300000000000000" pitchFamily="34" charset="-128"/>
-                      </a:endParaRPr>
-                    </a:p>
-                  </a:txBody>
-                  <a:tcPr marL="99361" marR="99361" marT="49681" marB="49681" anchor="ctr"/>
-                </a:tc>
-                <a:tc>
-                  <a:txBody>
-                    <a:bodyPr/>
-                    <a:lstStyle/>
-                    <a:p>
-                      <a:pPr algn="ctr"/>
-                      <a:endParaRPr lang="zh-TW" altLang="en-US" sz="3000" dirty="0">
-                        <a:latin typeface="Hiragino Sans CNS W3" panose="020B0300000000000000" pitchFamily="34" charset="-128"/>
-                        <a:ea typeface="Hiragino Sans CNS W3" panose="020B0300000000000000" pitchFamily="34" charset="-128"/>
-                      </a:endParaRPr>
-                    </a:p>
-                  </a:txBody>
-                  <a:tcPr marL="99361" marR="99361" marT="49681" marB="49681" anchor="ctr"/>
-                </a:tc>
-                <a:extLst>
-                  <a:ext uri="{0D108BD9-81ED-4DB2-BD59-A6C34878D82A}">
-                    <a16:rowId xmlns:a16="http://schemas.microsoft.com/office/drawing/2014/main" val="3144180348"/>
-                  </a:ext>
-                </a:extLst>
-              </a:tr>
-            </a:tbl>
-          </a:graphicData>
-        </a:graphic>
-      </p:graphicFrame>
-      <p:sp>
-        <p:nvSpPr>
-          <p:cNvPr id="3" name="文字方塊 2">
-            <a:extLst>
-              <a:ext uri="{FF2B5EF4-FFF2-40B4-BE49-F238E27FC236}">
-                <a16:creationId xmlns:a16="http://schemas.microsoft.com/office/drawing/2014/main" id="{716D5D4D-026E-40D4-8876-5E450024660A}"/>
-              </a:ext>
-            </a:extLst>
-          </p:cNvPr>
-          <p:cNvSpPr txBox="1"/>
-          <p:nvPr/>
-        </p:nvSpPr>
-        <p:spPr>
-          <a:xfrm>
-            <a:off x="744582" y="6231265"/>
-            <a:ext cx="1338828" cy="523220"/>
-          </a:xfrm>
-          <a:prstGeom prst="rect">
-            <a:avLst/>
-          </a:prstGeom>
-          <a:noFill/>
-        </p:spPr>
-        <p:txBody>
-          <a:bodyPr wrap="none" rtlCol="0">
-            <a:spAutoFit/>
-          </a:bodyPr>
-          <a:lstStyle/>
-          <a:p>
-            <a:r>
-              <a:rPr kumimoji="1" lang="en-US" altLang="zh-TW" sz="2800" dirty="0"/>
-              <a:t>Queue: </a:t>
-            </a:r>
-            <a:endParaRPr kumimoji="1" lang="zh-TW" altLang="en-US" sz="2800" dirty="0"/>
-          </a:p>
-        </p:txBody>
-      </p:sp>
-    </p:spTree>
-    <p:extLst>
-      <p:ext uri="{BB962C8B-B14F-4D97-AF65-F5344CB8AC3E}">
-        <p14:creationId xmlns:p14="http://schemas.microsoft.com/office/powerpoint/2010/main" val="3572201348"/>
       </p:ext>
     </p:extLst>
   </p:cSld>

--- a/Presentation.pptx
+++ b/Presentation.pptx
@@ -6,30 +6,28 @@
   </p:sldMasterIdLst>
   <p:sldIdLst>
     <p:sldId id="256" r:id="rId2"/>
-    <p:sldId id="262" r:id="rId3"/>
-    <p:sldId id="279" r:id="rId4"/>
-    <p:sldId id="258" r:id="rId5"/>
-    <p:sldId id="280" r:id="rId6"/>
-    <p:sldId id="281" r:id="rId7"/>
-    <p:sldId id="282" r:id="rId8"/>
-    <p:sldId id="259" r:id="rId9"/>
-    <p:sldId id="261" r:id="rId10"/>
-    <p:sldId id="266" r:id="rId11"/>
-    <p:sldId id="267" r:id="rId12"/>
-    <p:sldId id="268" r:id="rId13"/>
-    <p:sldId id="269" r:id="rId14"/>
-    <p:sldId id="270" r:id="rId15"/>
-    <p:sldId id="271" r:id="rId16"/>
-    <p:sldId id="272" r:id="rId17"/>
-    <p:sldId id="273" r:id="rId18"/>
-    <p:sldId id="274" r:id="rId19"/>
-    <p:sldId id="275" r:id="rId20"/>
-    <p:sldId id="276" r:id="rId21"/>
-    <p:sldId id="277" r:id="rId22"/>
-    <p:sldId id="260" r:id="rId23"/>
-    <p:sldId id="264" r:id="rId24"/>
-    <p:sldId id="278" r:id="rId25"/>
-    <p:sldId id="257" r:id="rId26"/>
+    <p:sldId id="279" r:id="rId3"/>
+    <p:sldId id="280" r:id="rId4"/>
+    <p:sldId id="281" r:id="rId5"/>
+    <p:sldId id="282" r:id="rId6"/>
+    <p:sldId id="283" r:id="rId7"/>
+    <p:sldId id="259" r:id="rId8"/>
+    <p:sldId id="261" r:id="rId9"/>
+    <p:sldId id="266" r:id="rId10"/>
+    <p:sldId id="267" r:id="rId11"/>
+    <p:sldId id="268" r:id="rId12"/>
+    <p:sldId id="269" r:id="rId13"/>
+    <p:sldId id="270" r:id="rId14"/>
+    <p:sldId id="271" r:id="rId15"/>
+    <p:sldId id="272" r:id="rId16"/>
+    <p:sldId id="273" r:id="rId17"/>
+    <p:sldId id="274" r:id="rId18"/>
+    <p:sldId id="275" r:id="rId19"/>
+    <p:sldId id="276" r:id="rId20"/>
+    <p:sldId id="277" r:id="rId21"/>
+    <p:sldId id="260" r:id="rId22"/>
+    <p:sldId id="278" r:id="rId23"/>
+    <p:sldId id="257" r:id="rId24"/>
   </p:sldIdLst>
   <p:sldSz cx="12192000" cy="6858000"/>
   <p:notesSz cx="6858000" cy="9144000"/>
@@ -3200,7 +3198,7 @@
           <a:p>
             <a:fld id="{333ECB49-FEFD-5941-B1ED-93A94BAD6388}" type="datetimeFigureOut">
               <a:rPr kumimoji="1" lang="zh-TW" altLang="en-US" smtClean="0"/>
-              <a:t>2023/6/4</a:t>
+              <a:t>2023/6/7</a:t>
             </a:fld>
             <a:endParaRPr kumimoji="1" lang="zh-TW" altLang="en-US"/>
           </a:p>
@@ -3398,7 +3396,7 @@
           <a:p>
             <a:fld id="{333ECB49-FEFD-5941-B1ED-93A94BAD6388}" type="datetimeFigureOut">
               <a:rPr kumimoji="1" lang="zh-TW" altLang="en-US" smtClean="0"/>
-              <a:t>2023/6/4</a:t>
+              <a:t>2023/6/7</a:t>
             </a:fld>
             <a:endParaRPr kumimoji="1" lang="zh-TW" altLang="en-US"/>
           </a:p>
@@ -3606,7 +3604,7 @@
           <a:p>
             <a:fld id="{333ECB49-FEFD-5941-B1ED-93A94BAD6388}" type="datetimeFigureOut">
               <a:rPr kumimoji="1" lang="zh-TW" altLang="en-US" smtClean="0"/>
-              <a:t>2023/6/4</a:t>
+              <a:t>2023/6/7</a:t>
             </a:fld>
             <a:endParaRPr kumimoji="1" lang="zh-TW" altLang="en-US"/>
           </a:p>
@@ -3804,7 +3802,7 @@
           <a:p>
             <a:fld id="{333ECB49-FEFD-5941-B1ED-93A94BAD6388}" type="datetimeFigureOut">
               <a:rPr kumimoji="1" lang="zh-TW" altLang="en-US" smtClean="0"/>
-              <a:t>2023/6/4</a:t>
+              <a:t>2023/6/7</a:t>
             </a:fld>
             <a:endParaRPr kumimoji="1" lang="zh-TW" altLang="en-US"/>
           </a:p>
@@ -4079,7 +4077,7 @@
           <a:p>
             <a:fld id="{333ECB49-FEFD-5941-B1ED-93A94BAD6388}" type="datetimeFigureOut">
               <a:rPr kumimoji="1" lang="zh-TW" altLang="en-US" smtClean="0"/>
-              <a:t>2023/6/4</a:t>
+              <a:t>2023/6/7</a:t>
             </a:fld>
             <a:endParaRPr kumimoji="1" lang="zh-TW" altLang="en-US"/>
           </a:p>
@@ -4344,7 +4342,7 @@
           <a:p>
             <a:fld id="{333ECB49-FEFD-5941-B1ED-93A94BAD6388}" type="datetimeFigureOut">
               <a:rPr kumimoji="1" lang="zh-TW" altLang="en-US" smtClean="0"/>
-              <a:t>2023/6/4</a:t>
+              <a:t>2023/6/7</a:t>
             </a:fld>
             <a:endParaRPr kumimoji="1" lang="zh-TW" altLang="en-US"/>
           </a:p>
@@ -4756,7 +4754,7 @@
           <a:p>
             <a:fld id="{333ECB49-FEFD-5941-B1ED-93A94BAD6388}" type="datetimeFigureOut">
               <a:rPr kumimoji="1" lang="zh-TW" altLang="en-US" smtClean="0"/>
-              <a:t>2023/6/4</a:t>
+              <a:t>2023/6/7</a:t>
             </a:fld>
             <a:endParaRPr kumimoji="1" lang="zh-TW" altLang="en-US"/>
           </a:p>
@@ -4897,7 +4895,7 @@
           <a:p>
             <a:fld id="{333ECB49-FEFD-5941-B1ED-93A94BAD6388}" type="datetimeFigureOut">
               <a:rPr kumimoji="1" lang="zh-TW" altLang="en-US" smtClean="0"/>
-              <a:t>2023/6/4</a:t>
+              <a:t>2023/6/7</a:t>
             </a:fld>
             <a:endParaRPr kumimoji="1" lang="zh-TW" altLang="en-US"/>
           </a:p>
@@ -5010,7 +5008,7 @@
           <a:p>
             <a:fld id="{333ECB49-FEFD-5941-B1ED-93A94BAD6388}" type="datetimeFigureOut">
               <a:rPr kumimoji="1" lang="zh-TW" altLang="en-US" smtClean="0"/>
-              <a:t>2023/6/4</a:t>
+              <a:t>2023/6/7</a:t>
             </a:fld>
             <a:endParaRPr kumimoji="1" lang="zh-TW" altLang="en-US"/>
           </a:p>
@@ -5321,7 +5319,7 @@
           <a:p>
             <a:fld id="{333ECB49-FEFD-5941-B1ED-93A94BAD6388}" type="datetimeFigureOut">
               <a:rPr kumimoji="1" lang="zh-TW" altLang="en-US" smtClean="0"/>
-              <a:t>2023/6/4</a:t>
+              <a:t>2023/6/7</a:t>
             </a:fld>
             <a:endParaRPr kumimoji="1" lang="zh-TW" altLang="en-US"/>
           </a:p>
@@ -5609,7 +5607,7 @@
           <a:p>
             <a:fld id="{333ECB49-FEFD-5941-B1ED-93A94BAD6388}" type="datetimeFigureOut">
               <a:rPr kumimoji="1" lang="zh-TW" altLang="en-US" smtClean="0"/>
-              <a:t>2023/6/4</a:t>
+              <a:t>2023/6/7</a:t>
             </a:fld>
             <a:endParaRPr kumimoji="1" lang="zh-TW" altLang="en-US"/>
           </a:p>
@@ -5850,7 +5848,7 @@
           <a:p>
             <a:fld id="{333ECB49-FEFD-5941-B1ED-93A94BAD6388}" type="datetimeFigureOut">
               <a:rPr kumimoji="1" lang="zh-TW" altLang="en-US" smtClean="0"/>
-              <a:t>2023/6/4</a:t>
+              <a:t>2023/6/7</a:t>
             </a:fld>
             <a:endParaRPr kumimoji="1" lang="zh-TW" altLang="en-US"/>
           </a:p>
@@ -6396,1197 +6394,6 @@
           <p:cNvGraphicFramePr>
             <a:graphicFrameLocks noGrp="1"/>
           </p:cNvGraphicFramePr>
-          <p:nvPr/>
-        </p:nvGraphicFramePr>
-        <p:xfrm>
-          <a:off x="637152" y="1690688"/>
-          <a:ext cx="4451070" cy="4431145"/>
-        </p:xfrm>
-        <a:graphic>
-          <a:graphicData uri="http://schemas.openxmlformats.org/drawingml/2006/table">
-            <a:tbl>
-              <a:tblPr bandRow="1">
-                <a:tableStyleId>{F5AB1C69-6EDB-4FF4-983F-18BD219EF322}</a:tableStyleId>
-              </a:tblPr>
-              <a:tblGrid>
-                <a:gridCol w="890214">
-                  <a:extLst>
-                    <a:ext uri="{9D8B030D-6E8A-4147-A177-3AD203B41FA5}">
-                      <a16:colId xmlns:a16="http://schemas.microsoft.com/office/drawing/2014/main" val="3457372882"/>
-                    </a:ext>
-                  </a:extLst>
-                </a:gridCol>
-                <a:gridCol w="890214">
-                  <a:extLst>
-                    <a:ext uri="{9D8B030D-6E8A-4147-A177-3AD203B41FA5}">
-                      <a16:colId xmlns:a16="http://schemas.microsoft.com/office/drawing/2014/main" val="4012716525"/>
-                    </a:ext>
-                  </a:extLst>
-                </a:gridCol>
-                <a:gridCol w="890214">
-                  <a:extLst>
-                    <a:ext uri="{9D8B030D-6E8A-4147-A177-3AD203B41FA5}">
-                      <a16:colId xmlns:a16="http://schemas.microsoft.com/office/drawing/2014/main" val="3635152842"/>
-                    </a:ext>
-                  </a:extLst>
-                </a:gridCol>
-                <a:gridCol w="890214">
-                  <a:extLst>
-                    <a:ext uri="{9D8B030D-6E8A-4147-A177-3AD203B41FA5}">
-                      <a16:colId xmlns:a16="http://schemas.microsoft.com/office/drawing/2014/main" val="1376262311"/>
-                    </a:ext>
-                  </a:extLst>
-                </a:gridCol>
-                <a:gridCol w="890214">
-                  <a:extLst>
-                    <a:ext uri="{9D8B030D-6E8A-4147-A177-3AD203B41FA5}">
-                      <a16:colId xmlns:a16="http://schemas.microsoft.com/office/drawing/2014/main" val="1171847317"/>
-                    </a:ext>
-                  </a:extLst>
-                </a:gridCol>
-              </a:tblGrid>
-              <a:tr h="886229">
-                <a:tc>
-                  <a:txBody>
-                    <a:bodyPr/>
-                    <a:lstStyle/>
-                    <a:p>
-                      <a:pPr algn="ctr"/>
-                      <a:r>
-                        <a:rPr lang="en-US" altLang="zh-TW" sz="3000" dirty="0">
-                          <a:latin typeface="Hiragino Sans CNS W3" panose="020B0300000000000000" pitchFamily="34" charset="-128"/>
-                          <a:ea typeface="Hiragino Sans CNS W3" panose="020B0300000000000000" pitchFamily="34" charset="-128"/>
-                        </a:rPr>
-                        <a:t>1</a:t>
-                      </a:r>
-                      <a:endParaRPr lang="zh-TW" altLang="en-US" sz="3000" dirty="0">
-                        <a:latin typeface="Hiragino Sans CNS W3" panose="020B0300000000000000" pitchFamily="34" charset="-128"/>
-                        <a:ea typeface="Hiragino Sans CNS W3" panose="020B0300000000000000" pitchFamily="34" charset="-128"/>
-                      </a:endParaRPr>
-                    </a:p>
-                  </a:txBody>
-                  <a:tcPr marL="99361" marR="99361" marT="49681" marB="49681" anchor="ctr"/>
-                </a:tc>
-                <a:tc>
-                  <a:txBody>
-                    <a:bodyPr/>
-                    <a:lstStyle/>
-                    <a:p>
-                      <a:pPr algn="ctr"/>
-                      <a:r>
-                        <a:rPr lang="en-US" altLang="zh-TW" sz="3000" dirty="0">
-                          <a:latin typeface="Hiragino Sans CNS W3" panose="020B0300000000000000" pitchFamily="34" charset="-128"/>
-                          <a:ea typeface="Hiragino Sans CNS W3" panose="020B0300000000000000" pitchFamily="34" charset="-128"/>
-                        </a:rPr>
-                        <a:t>2</a:t>
-                      </a:r>
-                      <a:endParaRPr lang="zh-TW" altLang="en-US" sz="3000" dirty="0">
-                        <a:latin typeface="Hiragino Sans CNS W3" panose="020B0300000000000000" pitchFamily="34" charset="-128"/>
-                        <a:ea typeface="Hiragino Sans CNS W3" panose="020B0300000000000000" pitchFamily="34" charset="-128"/>
-                      </a:endParaRPr>
-                    </a:p>
-                  </a:txBody>
-                  <a:tcPr marL="99361" marR="99361" marT="49681" marB="49681" anchor="ctr"/>
-                </a:tc>
-                <a:tc>
-                  <a:txBody>
-                    <a:bodyPr/>
-                    <a:lstStyle/>
-                    <a:p>
-                      <a:pPr algn="ctr"/>
-                      <a:r>
-                        <a:rPr lang="en-US" altLang="zh-TW" sz="3000" dirty="0">
-                          <a:latin typeface="Hiragino Sans CNS W3" panose="020B0300000000000000" pitchFamily="34" charset="-128"/>
-                          <a:ea typeface="Hiragino Sans CNS W3" panose="020B0300000000000000" pitchFamily="34" charset="-128"/>
-                        </a:rPr>
-                        <a:t>5</a:t>
-                      </a:r>
-                      <a:endParaRPr lang="zh-TW" altLang="en-US" sz="3000" dirty="0">
-                        <a:latin typeface="Hiragino Sans CNS W3" panose="020B0300000000000000" pitchFamily="34" charset="-128"/>
-                        <a:ea typeface="Hiragino Sans CNS W3" panose="020B0300000000000000" pitchFamily="34" charset="-128"/>
-                      </a:endParaRPr>
-                    </a:p>
-                  </a:txBody>
-                  <a:tcPr marL="99361" marR="99361" marT="49681" marB="49681" anchor="ctr"/>
-                </a:tc>
-                <a:tc>
-                  <a:txBody>
-                    <a:bodyPr/>
-                    <a:lstStyle/>
-                    <a:p>
-                      <a:pPr algn="ctr"/>
-                      <a:r>
-                        <a:rPr lang="en-US" altLang="zh-TW" sz="3000" dirty="0">
-                          <a:latin typeface="Hiragino Sans CNS W3" panose="020B0300000000000000" pitchFamily="34" charset="-128"/>
-                          <a:ea typeface="Hiragino Sans CNS W3" panose="020B0300000000000000" pitchFamily="34" charset="-128"/>
-                        </a:rPr>
-                        <a:t>3</a:t>
-                      </a:r>
-                      <a:endParaRPr lang="zh-TW" altLang="en-US" sz="3000" dirty="0">
-                        <a:latin typeface="Hiragino Sans CNS W3" panose="020B0300000000000000" pitchFamily="34" charset="-128"/>
-                        <a:ea typeface="Hiragino Sans CNS W3" panose="020B0300000000000000" pitchFamily="34" charset="-128"/>
-                      </a:endParaRPr>
-                    </a:p>
-                  </a:txBody>
-                  <a:tcPr marL="99361" marR="99361" marT="49681" marB="49681" anchor="ctr"/>
-                </a:tc>
-                <a:tc>
-                  <a:txBody>
-                    <a:bodyPr/>
-                    <a:lstStyle/>
-                    <a:p>
-                      <a:pPr algn="ctr"/>
-                      <a:r>
-                        <a:rPr lang="en-US" altLang="zh-TW" sz="3000" dirty="0">
-                          <a:latin typeface="Hiragino Sans CNS W3" panose="020B0300000000000000" pitchFamily="34" charset="-128"/>
-                          <a:ea typeface="Hiragino Sans CNS W3" panose="020B0300000000000000" pitchFamily="34" charset="-128"/>
-                        </a:rPr>
-                        <a:t>4</a:t>
-                      </a:r>
-                      <a:endParaRPr lang="zh-TW" altLang="en-US" sz="3000" dirty="0">
-                        <a:latin typeface="Hiragino Sans CNS W3" panose="020B0300000000000000" pitchFamily="34" charset="-128"/>
-                        <a:ea typeface="Hiragino Sans CNS W3" panose="020B0300000000000000" pitchFamily="34" charset="-128"/>
-                      </a:endParaRPr>
-                    </a:p>
-                  </a:txBody>
-                  <a:tcPr marL="99361" marR="99361" marT="49681" marB="49681" anchor="ctr"/>
-                </a:tc>
-                <a:extLst>
-                  <a:ext uri="{0D108BD9-81ED-4DB2-BD59-A6C34878D82A}">
-                    <a16:rowId xmlns:a16="http://schemas.microsoft.com/office/drawing/2014/main" val="3063813678"/>
-                  </a:ext>
-                </a:extLst>
-              </a:tr>
-              <a:tr h="886229">
-                <a:tc>
-                  <a:txBody>
-                    <a:bodyPr/>
-                    <a:lstStyle/>
-                    <a:p>
-                      <a:pPr algn="ctr"/>
-                      <a:r>
-                        <a:rPr lang="en-US" altLang="zh-TW" sz="3000" dirty="0">
-                          <a:latin typeface="Hiragino Sans CNS W3" panose="020B0300000000000000" pitchFamily="34" charset="-128"/>
-                          <a:ea typeface="Hiragino Sans CNS W3" panose="020B0300000000000000" pitchFamily="34" charset="-128"/>
-                        </a:rPr>
-                        <a:t>4</a:t>
-                      </a:r>
-                      <a:endParaRPr lang="zh-TW" altLang="en-US" sz="3000" dirty="0">
-                        <a:latin typeface="Hiragino Sans CNS W3" panose="020B0300000000000000" pitchFamily="34" charset="-128"/>
-                        <a:ea typeface="Hiragino Sans CNS W3" panose="020B0300000000000000" pitchFamily="34" charset="-128"/>
-                      </a:endParaRPr>
-                    </a:p>
-                  </a:txBody>
-                  <a:tcPr marL="99361" marR="99361" marT="49681" marB="49681" anchor="ctr"/>
-                </a:tc>
-                <a:tc>
-                  <a:txBody>
-                    <a:bodyPr/>
-                    <a:lstStyle/>
-                    <a:p>
-                      <a:pPr algn="ctr"/>
-                      <a:r>
-                        <a:rPr lang="en-US" altLang="zh-TW" sz="3000" dirty="0">
-                          <a:latin typeface="Hiragino Sans CNS W3" panose="020B0300000000000000" pitchFamily="34" charset="-128"/>
-                          <a:ea typeface="Hiragino Sans CNS W3" panose="020B0300000000000000" pitchFamily="34" charset="-128"/>
-                        </a:rPr>
-                        <a:t>4</a:t>
-                      </a:r>
-                      <a:endParaRPr lang="zh-TW" altLang="en-US" sz="3000" dirty="0">
-                        <a:latin typeface="Hiragino Sans CNS W3" panose="020B0300000000000000" pitchFamily="34" charset="-128"/>
-                        <a:ea typeface="Hiragino Sans CNS W3" panose="020B0300000000000000" pitchFamily="34" charset="-128"/>
-                      </a:endParaRPr>
-                    </a:p>
-                  </a:txBody>
-                  <a:tcPr marL="99361" marR="99361" marT="49681" marB="49681" anchor="ctr">
-                    <a:solidFill>
-                      <a:schemeClr val="accent2"/>
-                    </a:solidFill>
-                  </a:tcPr>
-                </a:tc>
-                <a:tc>
-                  <a:txBody>
-                    <a:bodyPr/>
-                    <a:lstStyle/>
-                    <a:p>
-                      <a:pPr algn="ctr"/>
-                      <a:r>
-                        <a:rPr lang="en-US" altLang="zh-TW" sz="3000" dirty="0">
-                          <a:latin typeface="Hiragino Sans CNS W3" panose="020B0300000000000000" pitchFamily="34" charset="-128"/>
-                          <a:ea typeface="Hiragino Sans CNS W3" panose="020B0300000000000000" pitchFamily="34" charset="-128"/>
-                        </a:rPr>
-                        <a:t>5</a:t>
-                      </a:r>
-                      <a:endParaRPr lang="zh-TW" altLang="en-US" sz="3000" dirty="0">
-                        <a:latin typeface="Hiragino Sans CNS W3" panose="020B0300000000000000" pitchFamily="34" charset="-128"/>
-                        <a:ea typeface="Hiragino Sans CNS W3" panose="020B0300000000000000" pitchFamily="34" charset="-128"/>
-                      </a:endParaRPr>
-                    </a:p>
-                  </a:txBody>
-                  <a:tcPr marL="99361" marR="99361" marT="49681" marB="49681" anchor="ctr"/>
-                </a:tc>
-                <a:tc>
-                  <a:txBody>
-                    <a:bodyPr/>
-                    <a:lstStyle/>
-                    <a:p>
-                      <a:pPr algn="ctr"/>
-                      <a:r>
-                        <a:rPr lang="en-US" altLang="zh-TW" sz="3000" dirty="0">
-                          <a:latin typeface="Hiragino Sans CNS W3" panose="020B0300000000000000" pitchFamily="34" charset="-128"/>
-                          <a:ea typeface="Hiragino Sans CNS W3" panose="020B0300000000000000" pitchFamily="34" charset="-128"/>
-                        </a:rPr>
-                        <a:t>2</a:t>
-                      </a:r>
-                      <a:endParaRPr lang="zh-TW" altLang="en-US" sz="3000" dirty="0">
-                        <a:latin typeface="Hiragino Sans CNS W3" panose="020B0300000000000000" pitchFamily="34" charset="-128"/>
-                        <a:ea typeface="Hiragino Sans CNS W3" panose="020B0300000000000000" pitchFamily="34" charset="-128"/>
-                      </a:endParaRPr>
-                    </a:p>
-                  </a:txBody>
-                  <a:tcPr marL="99361" marR="99361" marT="49681" marB="49681" anchor="ctr"/>
-                </a:tc>
-                <a:tc>
-                  <a:txBody>
-                    <a:bodyPr/>
-                    <a:lstStyle/>
-                    <a:p>
-                      <a:pPr algn="ctr"/>
-                      <a:r>
-                        <a:rPr lang="en-US" altLang="zh-TW" sz="3000" dirty="0">
-                          <a:latin typeface="Hiragino Sans CNS W3" panose="020B0300000000000000" pitchFamily="34" charset="-128"/>
-                          <a:ea typeface="Hiragino Sans CNS W3" panose="020B0300000000000000" pitchFamily="34" charset="-128"/>
-                        </a:rPr>
-                        <a:t>1</a:t>
-                      </a:r>
-                      <a:endParaRPr lang="zh-TW" altLang="en-US" sz="3000" dirty="0">
-                        <a:latin typeface="Hiragino Sans CNS W3" panose="020B0300000000000000" pitchFamily="34" charset="-128"/>
-                        <a:ea typeface="Hiragino Sans CNS W3" panose="020B0300000000000000" pitchFamily="34" charset="-128"/>
-                      </a:endParaRPr>
-                    </a:p>
-                  </a:txBody>
-                  <a:tcPr marL="99361" marR="99361" marT="49681" marB="49681" anchor="ctr"/>
-                </a:tc>
-                <a:extLst>
-                  <a:ext uri="{0D108BD9-81ED-4DB2-BD59-A6C34878D82A}">
-                    <a16:rowId xmlns:a16="http://schemas.microsoft.com/office/drawing/2014/main" val="729469909"/>
-                  </a:ext>
-                </a:extLst>
-              </a:tr>
-              <a:tr h="886229">
-                <a:tc>
-                  <a:txBody>
-                    <a:bodyPr/>
-                    <a:lstStyle/>
-                    <a:p>
-                      <a:pPr algn="ctr"/>
-                      <a:r>
-                        <a:rPr lang="en-US" altLang="zh-TW" sz="3000" dirty="0">
-                          <a:latin typeface="Hiragino Sans CNS W3" panose="020B0300000000000000" pitchFamily="34" charset="-128"/>
-                          <a:ea typeface="Hiragino Sans CNS W3" panose="020B0300000000000000" pitchFamily="34" charset="-128"/>
-                        </a:rPr>
-                        <a:t>4</a:t>
-                      </a:r>
-                      <a:endParaRPr lang="zh-TW" altLang="en-US" sz="3000" dirty="0">
-                        <a:latin typeface="Hiragino Sans CNS W3" panose="020B0300000000000000" pitchFamily="34" charset="-128"/>
-                        <a:ea typeface="Hiragino Sans CNS W3" panose="020B0300000000000000" pitchFamily="34" charset="-128"/>
-                      </a:endParaRPr>
-                    </a:p>
-                  </a:txBody>
-                  <a:tcPr marL="99361" marR="99361" marT="49681" marB="49681" anchor="ctr"/>
-                </a:tc>
-                <a:tc>
-                  <a:txBody>
-                    <a:bodyPr/>
-                    <a:lstStyle/>
-                    <a:p>
-                      <a:pPr algn="ctr"/>
-                      <a:r>
-                        <a:rPr lang="en-US" altLang="zh-TW" sz="3000" dirty="0">
-                          <a:latin typeface="Hiragino Sans CNS W3" panose="020B0300000000000000" pitchFamily="34" charset="-128"/>
-                          <a:ea typeface="Hiragino Sans CNS W3" panose="020B0300000000000000" pitchFamily="34" charset="-128"/>
-                        </a:rPr>
-                        <a:t>3</a:t>
-                      </a:r>
-                      <a:endParaRPr lang="zh-TW" altLang="en-US" sz="3000" dirty="0">
-                        <a:latin typeface="Hiragino Sans CNS W3" panose="020B0300000000000000" pitchFamily="34" charset="-128"/>
-                        <a:ea typeface="Hiragino Sans CNS W3" panose="020B0300000000000000" pitchFamily="34" charset="-128"/>
-                      </a:endParaRPr>
-                    </a:p>
-                  </a:txBody>
-                  <a:tcPr marL="99361" marR="99361" marT="49681" marB="49681" anchor="ctr"/>
-                </a:tc>
-                <a:tc>
-                  <a:txBody>
-                    <a:bodyPr/>
-                    <a:lstStyle/>
-                    <a:p>
-                      <a:pPr algn="ctr"/>
-                      <a:r>
-                        <a:rPr lang="en-US" altLang="zh-TW" sz="3000" dirty="0">
-                          <a:latin typeface="Hiragino Sans CNS W3" panose="020B0300000000000000" pitchFamily="34" charset="-128"/>
-                          <a:ea typeface="Hiragino Sans CNS W3" panose="020B0300000000000000" pitchFamily="34" charset="-128"/>
-                        </a:rPr>
-                        <a:t>2</a:t>
-                      </a:r>
-                      <a:endParaRPr lang="zh-TW" altLang="en-US" sz="3000" dirty="0">
-                        <a:latin typeface="Hiragino Sans CNS W3" panose="020B0300000000000000" pitchFamily="34" charset="-128"/>
-                        <a:ea typeface="Hiragino Sans CNS W3" panose="020B0300000000000000" pitchFamily="34" charset="-128"/>
-                      </a:endParaRPr>
-                    </a:p>
-                  </a:txBody>
-                  <a:tcPr marL="99361" marR="99361" marT="49681" marB="49681" anchor="ctr"/>
-                </a:tc>
-                <a:tc>
-                  <a:txBody>
-                    <a:bodyPr/>
-                    <a:lstStyle/>
-                    <a:p>
-                      <a:pPr algn="ctr"/>
-                      <a:r>
-                        <a:rPr lang="en-US" altLang="zh-TW" sz="3000" dirty="0">
-                          <a:latin typeface="Hiragino Sans CNS W3" panose="020B0300000000000000" pitchFamily="34" charset="-128"/>
-                          <a:ea typeface="Hiragino Sans CNS W3" panose="020B0300000000000000" pitchFamily="34" charset="-128"/>
-                        </a:rPr>
-                        <a:t>5</a:t>
-                      </a:r>
-                      <a:endParaRPr lang="zh-TW" altLang="en-US" sz="3000" dirty="0">
-                        <a:latin typeface="Hiragino Sans CNS W3" panose="020B0300000000000000" pitchFamily="34" charset="-128"/>
-                        <a:ea typeface="Hiragino Sans CNS W3" panose="020B0300000000000000" pitchFamily="34" charset="-128"/>
-                      </a:endParaRPr>
-                    </a:p>
-                  </a:txBody>
-                  <a:tcPr marL="99361" marR="99361" marT="49681" marB="49681" anchor="ctr"/>
-                </a:tc>
-                <a:tc>
-                  <a:txBody>
-                    <a:bodyPr/>
-                    <a:lstStyle/>
-                    <a:p>
-                      <a:pPr algn="ctr"/>
-                      <a:r>
-                        <a:rPr lang="en-US" altLang="zh-TW" sz="3000" dirty="0">
-                          <a:latin typeface="Hiragino Sans CNS W3" panose="020B0300000000000000" pitchFamily="34" charset="-128"/>
-                          <a:ea typeface="Hiragino Sans CNS W3" panose="020B0300000000000000" pitchFamily="34" charset="-128"/>
-                        </a:rPr>
-                        <a:t>4</a:t>
-                      </a:r>
-                      <a:endParaRPr lang="zh-TW" altLang="en-US" sz="3000" dirty="0">
-                        <a:latin typeface="Hiragino Sans CNS W3" panose="020B0300000000000000" pitchFamily="34" charset="-128"/>
-                        <a:ea typeface="Hiragino Sans CNS W3" panose="020B0300000000000000" pitchFamily="34" charset="-128"/>
-                      </a:endParaRPr>
-                    </a:p>
-                  </a:txBody>
-                  <a:tcPr marL="99361" marR="99361" marT="49681" marB="49681" anchor="ctr"/>
-                </a:tc>
-                <a:extLst>
-                  <a:ext uri="{0D108BD9-81ED-4DB2-BD59-A6C34878D82A}">
-                    <a16:rowId xmlns:a16="http://schemas.microsoft.com/office/drawing/2014/main" val="1632199547"/>
-                  </a:ext>
-                </a:extLst>
-              </a:tr>
-              <a:tr h="886229">
-                <a:tc>
-                  <a:txBody>
-                    <a:bodyPr/>
-                    <a:lstStyle/>
-                    <a:p>
-                      <a:pPr algn="ctr"/>
-                      <a:r>
-                        <a:rPr lang="en-US" altLang="zh-TW" sz="3000" dirty="0">
-                          <a:latin typeface="Hiragino Sans CNS W3" panose="020B0300000000000000" pitchFamily="34" charset="-128"/>
-                          <a:ea typeface="Hiragino Sans CNS W3" panose="020B0300000000000000" pitchFamily="34" charset="-128"/>
-                        </a:rPr>
-                        <a:t>1</a:t>
-                      </a:r>
-                      <a:endParaRPr lang="zh-TW" altLang="en-US" sz="3000" dirty="0">
-                        <a:latin typeface="Hiragino Sans CNS W3" panose="020B0300000000000000" pitchFamily="34" charset="-128"/>
-                        <a:ea typeface="Hiragino Sans CNS W3" panose="020B0300000000000000" pitchFamily="34" charset="-128"/>
-                      </a:endParaRPr>
-                    </a:p>
-                  </a:txBody>
-                  <a:tcPr marL="99361" marR="99361" marT="49681" marB="49681" anchor="ctr"/>
-                </a:tc>
-                <a:tc>
-                  <a:txBody>
-                    <a:bodyPr/>
-                    <a:lstStyle/>
-                    <a:p>
-                      <a:pPr algn="ctr"/>
-                      <a:r>
-                        <a:rPr lang="en-US" altLang="zh-TW" sz="3000" dirty="0">
-                          <a:latin typeface="Hiragino Sans CNS W3" panose="020B0300000000000000" pitchFamily="34" charset="-128"/>
-                          <a:ea typeface="Hiragino Sans CNS W3" panose="020B0300000000000000" pitchFamily="34" charset="-128"/>
-                        </a:rPr>
-                        <a:t>2</a:t>
-                      </a:r>
-                      <a:endParaRPr lang="zh-TW" altLang="en-US" sz="3000" dirty="0">
-                        <a:latin typeface="Hiragino Sans CNS W3" panose="020B0300000000000000" pitchFamily="34" charset="-128"/>
-                        <a:ea typeface="Hiragino Sans CNS W3" panose="020B0300000000000000" pitchFamily="34" charset="-128"/>
-                      </a:endParaRPr>
-                    </a:p>
-                  </a:txBody>
-                  <a:tcPr marL="99361" marR="99361" marT="49681" marB="49681" anchor="ctr"/>
-                </a:tc>
-                <a:tc>
-                  <a:txBody>
-                    <a:bodyPr/>
-                    <a:lstStyle/>
-                    <a:p>
-                      <a:pPr algn="ctr"/>
-                      <a:r>
-                        <a:rPr lang="en-US" altLang="zh-TW" sz="3000" dirty="0">
-                          <a:latin typeface="Hiragino Sans CNS W3" panose="020B0300000000000000" pitchFamily="34" charset="-128"/>
-                          <a:ea typeface="Hiragino Sans CNS W3" panose="020B0300000000000000" pitchFamily="34" charset="-128"/>
-                        </a:rPr>
-                        <a:t>1</a:t>
-                      </a:r>
-                      <a:endParaRPr lang="zh-TW" altLang="en-US" sz="3000" dirty="0">
-                        <a:latin typeface="Hiragino Sans CNS W3" panose="020B0300000000000000" pitchFamily="34" charset="-128"/>
-                        <a:ea typeface="Hiragino Sans CNS W3" panose="020B0300000000000000" pitchFamily="34" charset="-128"/>
-                      </a:endParaRPr>
-                    </a:p>
-                  </a:txBody>
-                  <a:tcPr marL="99361" marR="99361" marT="49681" marB="49681" anchor="ctr"/>
-                </a:tc>
-                <a:tc>
-                  <a:txBody>
-                    <a:bodyPr/>
-                    <a:lstStyle/>
-                    <a:p>
-                      <a:pPr algn="ctr"/>
-                      <a:r>
-                        <a:rPr lang="en-US" altLang="zh-TW" sz="3000" dirty="0">
-                          <a:latin typeface="Hiragino Sans CNS W3" panose="020B0300000000000000" pitchFamily="34" charset="-128"/>
-                          <a:ea typeface="Hiragino Sans CNS W3" panose="020B0300000000000000" pitchFamily="34" charset="-128"/>
-                        </a:rPr>
-                        <a:t>3</a:t>
-                      </a:r>
-                      <a:endParaRPr lang="zh-TW" altLang="en-US" sz="3000" dirty="0">
-                        <a:latin typeface="Hiragino Sans CNS W3" panose="020B0300000000000000" pitchFamily="34" charset="-128"/>
-                        <a:ea typeface="Hiragino Sans CNS W3" panose="020B0300000000000000" pitchFamily="34" charset="-128"/>
-                      </a:endParaRPr>
-                    </a:p>
-                  </a:txBody>
-                  <a:tcPr marL="99361" marR="99361" marT="49681" marB="49681" anchor="ctr"/>
-                </a:tc>
-                <a:tc>
-                  <a:txBody>
-                    <a:bodyPr/>
-                    <a:lstStyle/>
-                    <a:p>
-                      <a:pPr algn="ctr"/>
-                      <a:r>
-                        <a:rPr lang="en-US" altLang="zh-TW" sz="3000" dirty="0">
-                          <a:latin typeface="Hiragino Sans CNS W3" panose="020B0300000000000000" pitchFamily="34" charset="-128"/>
-                          <a:ea typeface="Hiragino Sans CNS W3" panose="020B0300000000000000" pitchFamily="34" charset="-128"/>
-                        </a:rPr>
-                        <a:t>3</a:t>
-                      </a:r>
-                      <a:endParaRPr lang="zh-TW" altLang="en-US" sz="3000" dirty="0">
-                        <a:latin typeface="Hiragino Sans CNS W3" panose="020B0300000000000000" pitchFamily="34" charset="-128"/>
-                        <a:ea typeface="Hiragino Sans CNS W3" panose="020B0300000000000000" pitchFamily="34" charset="-128"/>
-                      </a:endParaRPr>
-                    </a:p>
-                  </a:txBody>
-                  <a:tcPr marL="99361" marR="99361" marT="49681" marB="49681" anchor="ctr"/>
-                </a:tc>
-                <a:extLst>
-                  <a:ext uri="{0D108BD9-81ED-4DB2-BD59-A6C34878D82A}">
-                    <a16:rowId xmlns:a16="http://schemas.microsoft.com/office/drawing/2014/main" val="1783147424"/>
-                  </a:ext>
-                </a:extLst>
-              </a:tr>
-              <a:tr h="886229">
-                <a:tc>
-                  <a:txBody>
-                    <a:bodyPr/>
-                    <a:lstStyle/>
-                    <a:p>
-                      <a:pPr algn="ctr"/>
-                      <a:r>
-                        <a:rPr lang="en-US" altLang="zh-TW" sz="3000" dirty="0">
-                          <a:latin typeface="Hiragino Sans CNS W3" panose="020B0300000000000000" pitchFamily="34" charset="-128"/>
-                          <a:ea typeface="Hiragino Sans CNS W3" panose="020B0300000000000000" pitchFamily="34" charset="-128"/>
-                        </a:rPr>
-                        <a:t>4</a:t>
-                      </a:r>
-                      <a:endParaRPr lang="zh-TW" altLang="en-US" sz="3000" dirty="0">
-                        <a:latin typeface="Hiragino Sans CNS W3" panose="020B0300000000000000" pitchFamily="34" charset="-128"/>
-                        <a:ea typeface="Hiragino Sans CNS W3" panose="020B0300000000000000" pitchFamily="34" charset="-128"/>
-                      </a:endParaRPr>
-                    </a:p>
-                  </a:txBody>
-                  <a:tcPr marL="99361" marR="99361" marT="49681" marB="49681" anchor="ctr"/>
-                </a:tc>
-                <a:tc>
-                  <a:txBody>
-                    <a:bodyPr/>
-                    <a:lstStyle/>
-                    <a:p>
-                      <a:pPr algn="ctr"/>
-                      <a:r>
-                        <a:rPr lang="en-US" altLang="zh-TW" sz="3000" dirty="0">
-                          <a:latin typeface="Hiragino Sans CNS W3" panose="020B0300000000000000" pitchFamily="34" charset="-128"/>
-                          <a:ea typeface="Hiragino Sans CNS W3" panose="020B0300000000000000" pitchFamily="34" charset="-128"/>
-                        </a:rPr>
-                        <a:t>4</a:t>
-                      </a:r>
-                      <a:endParaRPr lang="zh-TW" altLang="en-US" sz="3000" dirty="0">
-                        <a:latin typeface="Hiragino Sans CNS W3" panose="020B0300000000000000" pitchFamily="34" charset="-128"/>
-                        <a:ea typeface="Hiragino Sans CNS W3" panose="020B0300000000000000" pitchFamily="34" charset="-128"/>
-                      </a:endParaRPr>
-                    </a:p>
-                  </a:txBody>
-                  <a:tcPr marL="99361" marR="99361" marT="49681" marB="49681" anchor="ctr"/>
-                </a:tc>
-                <a:tc>
-                  <a:txBody>
-                    <a:bodyPr/>
-                    <a:lstStyle/>
-                    <a:p>
-                      <a:pPr algn="ctr"/>
-                      <a:r>
-                        <a:rPr lang="en-US" altLang="zh-TW" sz="3000" dirty="0">
-                          <a:latin typeface="Hiragino Sans CNS W3" panose="020B0300000000000000" pitchFamily="34" charset="-128"/>
-                          <a:ea typeface="Hiragino Sans CNS W3" panose="020B0300000000000000" pitchFamily="34" charset="-128"/>
-                        </a:rPr>
-                        <a:t>5</a:t>
-                      </a:r>
-                      <a:endParaRPr lang="zh-TW" altLang="en-US" sz="3000" dirty="0">
-                        <a:latin typeface="Hiragino Sans CNS W3" panose="020B0300000000000000" pitchFamily="34" charset="-128"/>
-                        <a:ea typeface="Hiragino Sans CNS W3" panose="020B0300000000000000" pitchFamily="34" charset="-128"/>
-                      </a:endParaRPr>
-                    </a:p>
-                  </a:txBody>
-                  <a:tcPr marL="99361" marR="99361" marT="49681" marB="49681" anchor="ctr"/>
-                </a:tc>
-                <a:tc>
-                  <a:txBody>
-                    <a:bodyPr/>
-                    <a:lstStyle/>
-                    <a:p>
-                      <a:pPr algn="ctr"/>
-                      <a:r>
-                        <a:rPr lang="en-US" altLang="zh-TW" sz="3000" dirty="0">
-                          <a:latin typeface="Hiragino Sans CNS W3" panose="020B0300000000000000" pitchFamily="34" charset="-128"/>
-                          <a:ea typeface="Hiragino Sans CNS W3" panose="020B0300000000000000" pitchFamily="34" charset="-128"/>
-                        </a:rPr>
-                        <a:t>2</a:t>
-                      </a:r>
-                      <a:endParaRPr lang="zh-TW" altLang="en-US" sz="3000" dirty="0">
-                        <a:latin typeface="Hiragino Sans CNS W3" panose="020B0300000000000000" pitchFamily="34" charset="-128"/>
-                        <a:ea typeface="Hiragino Sans CNS W3" panose="020B0300000000000000" pitchFamily="34" charset="-128"/>
-                      </a:endParaRPr>
-                    </a:p>
-                  </a:txBody>
-                  <a:tcPr marL="99361" marR="99361" marT="49681" marB="49681" anchor="ctr"/>
-                </a:tc>
-                <a:tc>
-                  <a:txBody>
-                    <a:bodyPr/>
-                    <a:lstStyle/>
-                    <a:p>
-                      <a:pPr algn="ctr"/>
-                      <a:r>
-                        <a:rPr lang="en-US" altLang="zh-TW" sz="3000" dirty="0">
-                          <a:latin typeface="Hiragino Sans CNS W3" panose="020B0300000000000000" pitchFamily="34" charset="-128"/>
-                          <a:ea typeface="Hiragino Sans CNS W3" panose="020B0300000000000000" pitchFamily="34" charset="-128"/>
-                        </a:rPr>
-                        <a:t>5</a:t>
-                      </a:r>
-                      <a:endParaRPr lang="zh-TW" altLang="en-US" sz="3000" dirty="0">
-                        <a:latin typeface="Hiragino Sans CNS W3" panose="020B0300000000000000" pitchFamily="34" charset="-128"/>
-                        <a:ea typeface="Hiragino Sans CNS W3" panose="020B0300000000000000" pitchFamily="34" charset="-128"/>
-                      </a:endParaRPr>
-                    </a:p>
-                  </a:txBody>
-                  <a:tcPr marL="99361" marR="99361" marT="49681" marB="49681" anchor="ctr"/>
-                </a:tc>
-                <a:extLst>
-                  <a:ext uri="{0D108BD9-81ED-4DB2-BD59-A6C34878D82A}">
-                    <a16:rowId xmlns:a16="http://schemas.microsoft.com/office/drawing/2014/main" val="3144180348"/>
-                  </a:ext>
-                </a:extLst>
-              </a:tr>
-            </a:tbl>
-          </a:graphicData>
-        </a:graphic>
-      </p:graphicFrame>
-      <p:graphicFrame>
-        <p:nvGraphicFramePr>
-          <p:cNvPr id="5" name="表格 4">
-            <a:extLst>
-              <a:ext uri="{FF2B5EF4-FFF2-40B4-BE49-F238E27FC236}">
-                <a16:creationId xmlns:a16="http://schemas.microsoft.com/office/drawing/2014/main" id="{E295E5F4-D89C-299C-3393-FA4B28861EC5}"/>
-              </a:ext>
-            </a:extLst>
-          </p:cNvPr>
-          <p:cNvGraphicFramePr>
-            <a:graphicFrameLocks noGrp="1"/>
-          </p:cNvGraphicFramePr>
-          <p:nvPr>
-            <p:extLst>
-              <p:ext uri="{D42A27DB-BD31-4B8C-83A1-F6EECF244321}">
-                <p14:modId xmlns:p14="http://schemas.microsoft.com/office/powerpoint/2010/main" val="1827950176"/>
-              </p:ext>
-            </p:extLst>
-          </p:nvPr>
-        </p:nvGraphicFramePr>
-        <p:xfrm>
-          <a:off x="5792626" y="1690688"/>
-          <a:ext cx="4451070" cy="4431145"/>
-        </p:xfrm>
-        <a:graphic>
-          <a:graphicData uri="http://schemas.openxmlformats.org/drawingml/2006/table">
-            <a:tbl>
-              <a:tblPr bandRow="1">
-                <a:tableStyleId>{F5AB1C69-6EDB-4FF4-983F-18BD219EF322}</a:tableStyleId>
-              </a:tblPr>
-              <a:tblGrid>
-                <a:gridCol w="890214">
-                  <a:extLst>
-                    <a:ext uri="{9D8B030D-6E8A-4147-A177-3AD203B41FA5}">
-                      <a16:colId xmlns:a16="http://schemas.microsoft.com/office/drawing/2014/main" val="3457372882"/>
-                    </a:ext>
-                  </a:extLst>
-                </a:gridCol>
-                <a:gridCol w="890214">
-                  <a:extLst>
-                    <a:ext uri="{9D8B030D-6E8A-4147-A177-3AD203B41FA5}">
-                      <a16:colId xmlns:a16="http://schemas.microsoft.com/office/drawing/2014/main" val="4012716525"/>
-                    </a:ext>
-                  </a:extLst>
-                </a:gridCol>
-                <a:gridCol w="890214">
-                  <a:extLst>
-                    <a:ext uri="{9D8B030D-6E8A-4147-A177-3AD203B41FA5}">
-                      <a16:colId xmlns:a16="http://schemas.microsoft.com/office/drawing/2014/main" val="3635152842"/>
-                    </a:ext>
-                  </a:extLst>
-                </a:gridCol>
-                <a:gridCol w="890214">
-                  <a:extLst>
-                    <a:ext uri="{9D8B030D-6E8A-4147-A177-3AD203B41FA5}">
-                      <a16:colId xmlns:a16="http://schemas.microsoft.com/office/drawing/2014/main" val="1376262311"/>
-                    </a:ext>
-                  </a:extLst>
-                </a:gridCol>
-                <a:gridCol w="890214">
-                  <a:extLst>
-                    <a:ext uri="{9D8B030D-6E8A-4147-A177-3AD203B41FA5}">
-                      <a16:colId xmlns:a16="http://schemas.microsoft.com/office/drawing/2014/main" val="1171847317"/>
-                    </a:ext>
-                  </a:extLst>
-                </a:gridCol>
-              </a:tblGrid>
-              <a:tr h="886229">
-                <a:tc>
-                  <a:txBody>
-                    <a:bodyPr/>
-                    <a:lstStyle/>
-                    <a:p>
-                      <a:pPr algn="ctr"/>
-                      <a:endParaRPr lang="zh-TW" altLang="en-US" sz="3000" dirty="0">
-                        <a:latin typeface="Hiragino Sans CNS W3" panose="020B0300000000000000" pitchFamily="34" charset="-128"/>
-                        <a:ea typeface="Hiragino Sans CNS W3" panose="020B0300000000000000" pitchFamily="34" charset="-128"/>
-                      </a:endParaRPr>
-                    </a:p>
-                  </a:txBody>
-                  <a:tcPr marL="99361" marR="99361" marT="49681" marB="49681" anchor="ctr"/>
-                </a:tc>
-                <a:tc>
-                  <a:txBody>
-                    <a:bodyPr/>
-                    <a:lstStyle/>
-                    <a:p>
-                      <a:pPr algn="ctr"/>
-                      <a:endParaRPr lang="zh-TW" altLang="en-US" sz="3000" dirty="0">
-                        <a:latin typeface="Hiragino Sans CNS W3" panose="020B0300000000000000" pitchFamily="34" charset="-128"/>
-                        <a:ea typeface="Hiragino Sans CNS W3" panose="020B0300000000000000" pitchFamily="34" charset="-128"/>
-                      </a:endParaRPr>
-                    </a:p>
-                  </a:txBody>
-                  <a:tcPr marL="99361" marR="99361" marT="49681" marB="49681" anchor="ctr"/>
-                </a:tc>
-                <a:tc>
-                  <a:txBody>
-                    <a:bodyPr/>
-                    <a:lstStyle/>
-                    <a:p>
-                      <a:pPr algn="ctr"/>
-                      <a:endParaRPr lang="zh-TW" altLang="en-US" sz="3000" dirty="0">
-                        <a:latin typeface="Hiragino Sans CNS W3" panose="020B0300000000000000" pitchFamily="34" charset="-128"/>
-                        <a:ea typeface="Hiragino Sans CNS W3" panose="020B0300000000000000" pitchFamily="34" charset="-128"/>
-                      </a:endParaRPr>
-                    </a:p>
-                  </a:txBody>
-                  <a:tcPr marL="99361" marR="99361" marT="49681" marB="49681" anchor="ctr"/>
-                </a:tc>
-                <a:tc>
-                  <a:txBody>
-                    <a:bodyPr/>
-                    <a:lstStyle/>
-                    <a:p>
-                      <a:pPr algn="ctr"/>
-                      <a:endParaRPr lang="zh-TW" altLang="en-US" sz="3000" dirty="0">
-                        <a:latin typeface="Hiragino Sans CNS W3" panose="020B0300000000000000" pitchFamily="34" charset="-128"/>
-                        <a:ea typeface="Hiragino Sans CNS W3" panose="020B0300000000000000" pitchFamily="34" charset="-128"/>
-                      </a:endParaRPr>
-                    </a:p>
-                  </a:txBody>
-                  <a:tcPr marL="99361" marR="99361" marT="49681" marB="49681" anchor="ctr"/>
-                </a:tc>
-                <a:tc>
-                  <a:txBody>
-                    <a:bodyPr/>
-                    <a:lstStyle/>
-                    <a:p>
-                      <a:pPr algn="ctr"/>
-                      <a:endParaRPr lang="zh-TW" altLang="en-US" sz="3000" dirty="0">
-                        <a:latin typeface="Hiragino Sans CNS W3" panose="020B0300000000000000" pitchFamily="34" charset="-128"/>
-                        <a:ea typeface="Hiragino Sans CNS W3" panose="020B0300000000000000" pitchFamily="34" charset="-128"/>
-                      </a:endParaRPr>
-                    </a:p>
-                  </a:txBody>
-                  <a:tcPr marL="99361" marR="99361" marT="49681" marB="49681" anchor="ctr"/>
-                </a:tc>
-                <a:extLst>
-                  <a:ext uri="{0D108BD9-81ED-4DB2-BD59-A6C34878D82A}">
-                    <a16:rowId xmlns:a16="http://schemas.microsoft.com/office/drawing/2014/main" val="3063813678"/>
-                  </a:ext>
-                </a:extLst>
-              </a:tr>
-              <a:tr h="886229">
-                <a:tc>
-                  <a:txBody>
-                    <a:bodyPr/>
-                    <a:lstStyle/>
-                    <a:p>
-                      <a:pPr algn="ctr"/>
-                      <a:endParaRPr lang="zh-TW" altLang="en-US" sz="3000" dirty="0">
-                        <a:latin typeface="Hiragino Sans CNS W3" panose="020B0300000000000000" pitchFamily="34" charset="-128"/>
-                        <a:ea typeface="Hiragino Sans CNS W3" panose="020B0300000000000000" pitchFamily="34" charset="-128"/>
-                      </a:endParaRPr>
-                    </a:p>
-                  </a:txBody>
-                  <a:tcPr marL="99361" marR="99361" marT="49681" marB="49681" anchor="ctr"/>
-                </a:tc>
-                <a:tc>
-                  <a:txBody>
-                    <a:bodyPr/>
-                    <a:lstStyle/>
-                    <a:p>
-                      <a:pPr algn="ctr"/>
-                      <a:r>
-                        <a:rPr lang="en-US" altLang="zh-TW" sz="3000" dirty="0">
-                          <a:latin typeface="Hiragino Sans CNS W3" panose="020B0300000000000000" pitchFamily="34" charset="-128"/>
-                          <a:ea typeface="Hiragino Sans CNS W3" panose="020B0300000000000000" pitchFamily="34" charset="-128"/>
-                        </a:rPr>
-                        <a:t>X</a:t>
-                      </a:r>
-                      <a:endParaRPr lang="zh-TW" altLang="en-US" sz="3000" dirty="0">
-                        <a:latin typeface="Hiragino Sans CNS W3" panose="020B0300000000000000" pitchFamily="34" charset="-128"/>
-                        <a:ea typeface="Hiragino Sans CNS W3" panose="020B0300000000000000" pitchFamily="34" charset="-128"/>
-                      </a:endParaRPr>
-                    </a:p>
-                  </a:txBody>
-                  <a:tcPr marL="99361" marR="99361" marT="49681" marB="49681" anchor="ctr">
-                    <a:solidFill>
-                      <a:schemeClr val="accent2"/>
-                    </a:solidFill>
-                  </a:tcPr>
-                </a:tc>
-                <a:tc>
-                  <a:txBody>
-                    <a:bodyPr/>
-                    <a:lstStyle/>
-                    <a:p>
-                      <a:pPr algn="ctr"/>
-                      <a:endParaRPr lang="zh-TW" altLang="en-US" sz="3000" dirty="0">
-                        <a:latin typeface="Hiragino Sans CNS W3" panose="020B0300000000000000" pitchFamily="34" charset="-128"/>
-                        <a:ea typeface="Hiragino Sans CNS W3" panose="020B0300000000000000" pitchFamily="34" charset="-128"/>
-                      </a:endParaRPr>
-                    </a:p>
-                  </a:txBody>
-                  <a:tcPr marL="99361" marR="99361" marT="49681" marB="49681" anchor="ctr"/>
-                </a:tc>
-                <a:tc>
-                  <a:txBody>
-                    <a:bodyPr/>
-                    <a:lstStyle/>
-                    <a:p>
-                      <a:pPr algn="ctr"/>
-                      <a:endParaRPr lang="zh-TW" altLang="en-US" sz="3000" dirty="0">
-                        <a:latin typeface="Hiragino Sans CNS W3" panose="020B0300000000000000" pitchFamily="34" charset="-128"/>
-                        <a:ea typeface="Hiragino Sans CNS W3" panose="020B0300000000000000" pitchFamily="34" charset="-128"/>
-                      </a:endParaRPr>
-                    </a:p>
-                  </a:txBody>
-                  <a:tcPr marL="99361" marR="99361" marT="49681" marB="49681" anchor="ctr"/>
-                </a:tc>
-                <a:tc>
-                  <a:txBody>
-                    <a:bodyPr/>
-                    <a:lstStyle/>
-                    <a:p>
-                      <a:pPr algn="ctr"/>
-                      <a:endParaRPr lang="zh-TW" altLang="en-US" sz="3000" dirty="0">
-                        <a:latin typeface="Hiragino Sans CNS W3" panose="020B0300000000000000" pitchFamily="34" charset="-128"/>
-                        <a:ea typeface="Hiragino Sans CNS W3" panose="020B0300000000000000" pitchFamily="34" charset="-128"/>
-                      </a:endParaRPr>
-                    </a:p>
-                  </a:txBody>
-                  <a:tcPr marL="99361" marR="99361" marT="49681" marB="49681" anchor="ctr"/>
-                </a:tc>
-                <a:extLst>
-                  <a:ext uri="{0D108BD9-81ED-4DB2-BD59-A6C34878D82A}">
-                    <a16:rowId xmlns:a16="http://schemas.microsoft.com/office/drawing/2014/main" val="729469909"/>
-                  </a:ext>
-                </a:extLst>
-              </a:tr>
-              <a:tr h="886229">
-                <a:tc>
-                  <a:txBody>
-                    <a:bodyPr/>
-                    <a:lstStyle/>
-                    <a:p>
-                      <a:pPr algn="ctr"/>
-                      <a:endParaRPr lang="zh-TW" altLang="en-US" sz="3000" dirty="0">
-                        <a:latin typeface="Hiragino Sans CNS W3" panose="020B0300000000000000" pitchFamily="34" charset="-128"/>
-                        <a:ea typeface="Hiragino Sans CNS W3" panose="020B0300000000000000" pitchFamily="34" charset="-128"/>
-                      </a:endParaRPr>
-                    </a:p>
-                  </a:txBody>
-                  <a:tcPr marL="99361" marR="99361" marT="49681" marB="49681" anchor="ctr"/>
-                </a:tc>
-                <a:tc>
-                  <a:txBody>
-                    <a:bodyPr/>
-                    <a:lstStyle/>
-                    <a:p>
-                      <a:pPr algn="ctr"/>
-                      <a:endParaRPr lang="zh-TW" altLang="en-US" sz="3000" dirty="0">
-                        <a:latin typeface="Hiragino Sans CNS W3" panose="020B0300000000000000" pitchFamily="34" charset="-128"/>
-                        <a:ea typeface="Hiragino Sans CNS W3" panose="020B0300000000000000" pitchFamily="34" charset="-128"/>
-                      </a:endParaRPr>
-                    </a:p>
-                  </a:txBody>
-                  <a:tcPr marL="99361" marR="99361" marT="49681" marB="49681" anchor="ctr"/>
-                </a:tc>
-                <a:tc>
-                  <a:txBody>
-                    <a:bodyPr/>
-                    <a:lstStyle/>
-                    <a:p>
-                      <a:pPr algn="ctr"/>
-                      <a:endParaRPr lang="zh-TW" altLang="en-US" sz="3000" dirty="0">
-                        <a:latin typeface="Hiragino Sans CNS W3" panose="020B0300000000000000" pitchFamily="34" charset="-128"/>
-                        <a:ea typeface="Hiragino Sans CNS W3" panose="020B0300000000000000" pitchFamily="34" charset="-128"/>
-                      </a:endParaRPr>
-                    </a:p>
-                  </a:txBody>
-                  <a:tcPr marL="99361" marR="99361" marT="49681" marB="49681" anchor="ctr"/>
-                </a:tc>
-                <a:tc>
-                  <a:txBody>
-                    <a:bodyPr/>
-                    <a:lstStyle/>
-                    <a:p>
-                      <a:pPr algn="ctr"/>
-                      <a:endParaRPr lang="zh-TW" altLang="en-US" sz="3000" dirty="0">
-                        <a:latin typeface="Hiragino Sans CNS W3" panose="020B0300000000000000" pitchFamily="34" charset="-128"/>
-                        <a:ea typeface="Hiragino Sans CNS W3" panose="020B0300000000000000" pitchFamily="34" charset="-128"/>
-                      </a:endParaRPr>
-                    </a:p>
-                  </a:txBody>
-                  <a:tcPr marL="99361" marR="99361" marT="49681" marB="49681" anchor="ctr"/>
-                </a:tc>
-                <a:tc>
-                  <a:txBody>
-                    <a:bodyPr/>
-                    <a:lstStyle/>
-                    <a:p>
-                      <a:pPr algn="ctr"/>
-                      <a:endParaRPr lang="zh-TW" altLang="en-US" sz="3000" dirty="0">
-                        <a:latin typeface="Hiragino Sans CNS W3" panose="020B0300000000000000" pitchFamily="34" charset="-128"/>
-                        <a:ea typeface="Hiragino Sans CNS W3" panose="020B0300000000000000" pitchFamily="34" charset="-128"/>
-                      </a:endParaRPr>
-                    </a:p>
-                  </a:txBody>
-                  <a:tcPr marL="99361" marR="99361" marT="49681" marB="49681" anchor="ctr"/>
-                </a:tc>
-                <a:extLst>
-                  <a:ext uri="{0D108BD9-81ED-4DB2-BD59-A6C34878D82A}">
-                    <a16:rowId xmlns:a16="http://schemas.microsoft.com/office/drawing/2014/main" val="1632199547"/>
-                  </a:ext>
-                </a:extLst>
-              </a:tr>
-              <a:tr h="886229">
-                <a:tc>
-                  <a:txBody>
-                    <a:bodyPr/>
-                    <a:lstStyle/>
-                    <a:p>
-                      <a:pPr algn="ctr"/>
-                      <a:endParaRPr lang="zh-TW" altLang="en-US" sz="3000" dirty="0">
-                        <a:latin typeface="Hiragino Sans CNS W3" panose="020B0300000000000000" pitchFamily="34" charset="-128"/>
-                        <a:ea typeface="Hiragino Sans CNS W3" panose="020B0300000000000000" pitchFamily="34" charset="-128"/>
-                      </a:endParaRPr>
-                    </a:p>
-                  </a:txBody>
-                  <a:tcPr marL="99361" marR="99361" marT="49681" marB="49681" anchor="ctr"/>
-                </a:tc>
-                <a:tc>
-                  <a:txBody>
-                    <a:bodyPr/>
-                    <a:lstStyle/>
-                    <a:p>
-                      <a:pPr algn="ctr"/>
-                      <a:endParaRPr lang="zh-TW" altLang="en-US" sz="3000" dirty="0">
-                        <a:latin typeface="Hiragino Sans CNS W3" panose="020B0300000000000000" pitchFamily="34" charset="-128"/>
-                        <a:ea typeface="Hiragino Sans CNS W3" panose="020B0300000000000000" pitchFamily="34" charset="-128"/>
-                      </a:endParaRPr>
-                    </a:p>
-                  </a:txBody>
-                  <a:tcPr marL="99361" marR="99361" marT="49681" marB="49681" anchor="ctr"/>
-                </a:tc>
-                <a:tc>
-                  <a:txBody>
-                    <a:bodyPr/>
-                    <a:lstStyle/>
-                    <a:p>
-                      <a:pPr algn="ctr"/>
-                      <a:endParaRPr lang="zh-TW" altLang="en-US" sz="3000" dirty="0">
-                        <a:latin typeface="Hiragino Sans CNS W3" panose="020B0300000000000000" pitchFamily="34" charset="-128"/>
-                        <a:ea typeface="Hiragino Sans CNS W3" panose="020B0300000000000000" pitchFamily="34" charset="-128"/>
-                      </a:endParaRPr>
-                    </a:p>
-                  </a:txBody>
-                  <a:tcPr marL="99361" marR="99361" marT="49681" marB="49681" anchor="ctr"/>
-                </a:tc>
-                <a:tc>
-                  <a:txBody>
-                    <a:bodyPr/>
-                    <a:lstStyle/>
-                    <a:p>
-                      <a:pPr algn="ctr"/>
-                      <a:endParaRPr lang="zh-TW" altLang="en-US" sz="3000" dirty="0">
-                        <a:latin typeface="Hiragino Sans CNS W3" panose="020B0300000000000000" pitchFamily="34" charset="-128"/>
-                        <a:ea typeface="Hiragino Sans CNS W3" panose="020B0300000000000000" pitchFamily="34" charset="-128"/>
-                      </a:endParaRPr>
-                    </a:p>
-                  </a:txBody>
-                  <a:tcPr marL="99361" marR="99361" marT="49681" marB="49681" anchor="ctr"/>
-                </a:tc>
-                <a:tc>
-                  <a:txBody>
-                    <a:bodyPr/>
-                    <a:lstStyle/>
-                    <a:p>
-                      <a:pPr algn="ctr"/>
-                      <a:endParaRPr lang="zh-TW" altLang="en-US" sz="3000" dirty="0">
-                        <a:latin typeface="Hiragino Sans CNS W3" panose="020B0300000000000000" pitchFamily="34" charset="-128"/>
-                        <a:ea typeface="Hiragino Sans CNS W3" panose="020B0300000000000000" pitchFamily="34" charset="-128"/>
-                      </a:endParaRPr>
-                    </a:p>
-                  </a:txBody>
-                  <a:tcPr marL="99361" marR="99361" marT="49681" marB="49681" anchor="ctr"/>
-                </a:tc>
-                <a:extLst>
-                  <a:ext uri="{0D108BD9-81ED-4DB2-BD59-A6C34878D82A}">
-                    <a16:rowId xmlns:a16="http://schemas.microsoft.com/office/drawing/2014/main" val="1783147424"/>
-                  </a:ext>
-                </a:extLst>
-              </a:tr>
-              <a:tr h="886229">
-                <a:tc>
-                  <a:txBody>
-                    <a:bodyPr/>
-                    <a:lstStyle/>
-                    <a:p>
-                      <a:pPr algn="ctr"/>
-                      <a:endParaRPr lang="zh-TW" altLang="en-US" sz="3000" dirty="0">
-                        <a:latin typeface="Hiragino Sans CNS W3" panose="020B0300000000000000" pitchFamily="34" charset="-128"/>
-                        <a:ea typeface="Hiragino Sans CNS W3" panose="020B0300000000000000" pitchFamily="34" charset="-128"/>
-                      </a:endParaRPr>
-                    </a:p>
-                  </a:txBody>
-                  <a:tcPr marL="99361" marR="99361" marT="49681" marB="49681" anchor="ctr"/>
-                </a:tc>
-                <a:tc>
-                  <a:txBody>
-                    <a:bodyPr/>
-                    <a:lstStyle/>
-                    <a:p>
-                      <a:pPr algn="ctr"/>
-                      <a:endParaRPr lang="zh-TW" altLang="en-US" sz="3000" dirty="0">
-                        <a:latin typeface="Hiragino Sans CNS W3" panose="020B0300000000000000" pitchFamily="34" charset="-128"/>
-                        <a:ea typeface="Hiragino Sans CNS W3" panose="020B0300000000000000" pitchFamily="34" charset="-128"/>
-                      </a:endParaRPr>
-                    </a:p>
-                  </a:txBody>
-                  <a:tcPr marL="99361" marR="99361" marT="49681" marB="49681" anchor="ctr"/>
-                </a:tc>
-                <a:tc>
-                  <a:txBody>
-                    <a:bodyPr/>
-                    <a:lstStyle/>
-                    <a:p>
-                      <a:pPr algn="ctr"/>
-                      <a:endParaRPr lang="zh-TW" altLang="en-US" sz="3000" dirty="0">
-                        <a:latin typeface="Hiragino Sans CNS W3" panose="020B0300000000000000" pitchFamily="34" charset="-128"/>
-                        <a:ea typeface="Hiragino Sans CNS W3" panose="020B0300000000000000" pitchFamily="34" charset="-128"/>
-                      </a:endParaRPr>
-                    </a:p>
-                  </a:txBody>
-                  <a:tcPr marL="99361" marR="99361" marT="49681" marB="49681" anchor="ctr"/>
-                </a:tc>
-                <a:tc>
-                  <a:txBody>
-                    <a:bodyPr/>
-                    <a:lstStyle/>
-                    <a:p>
-                      <a:pPr algn="ctr"/>
-                      <a:endParaRPr lang="zh-TW" altLang="en-US" sz="3000" dirty="0">
-                        <a:latin typeface="Hiragino Sans CNS W3" panose="020B0300000000000000" pitchFamily="34" charset="-128"/>
-                        <a:ea typeface="Hiragino Sans CNS W3" panose="020B0300000000000000" pitchFamily="34" charset="-128"/>
-                      </a:endParaRPr>
-                    </a:p>
-                  </a:txBody>
-                  <a:tcPr marL="99361" marR="99361" marT="49681" marB="49681" anchor="ctr"/>
-                </a:tc>
-                <a:tc>
-                  <a:txBody>
-                    <a:bodyPr/>
-                    <a:lstStyle/>
-                    <a:p>
-                      <a:pPr algn="ctr"/>
-                      <a:endParaRPr lang="zh-TW" altLang="en-US" sz="3000" dirty="0">
-                        <a:latin typeface="Hiragino Sans CNS W3" panose="020B0300000000000000" pitchFamily="34" charset="-128"/>
-                        <a:ea typeface="Hiragino Sans CNS W3" panose="020B0300000000000000" pitchFamily="34" charset="-128"/>
-                      </a:endParaRPr>
-                    </a:p>
-                  </a:txBody>
-                  <a:tcPr marL="99361" marR="99361" marT="49681" marB="49681" anchor="ctr"/>
-                </a:tc>
-                <a:extLst>
-                  <a:ext uri="{0D108BD9-81ED-4DB2-BD59-A6C34878D82A}">
-                    <a16:rowId xmlns:a16="http://schemas.microsoft.com/office/drawing/2014/main" val="3144180348"/>
-                  </a:ext>
-                </a:extLst>
-              </a:tr>
-            </a:tbl>
-          </a:graphicData>
-        </a:graphic>
-      </p:graphicFrame>
-      <p:sp>
-        <p:nvSpPr>
-          <p:cNvPr id="3" name="文字方塊 2">
-            <a:extLst>
-              <a:ext uri="{FF2B5EF4-FFF2-40B4-BE49-F238E27FC236}">
-                <a16:creationId xmlns:a16="http://schemas.microsoft.com/office/drawing/2014/main" id="{C9F2FBF5-518F-B24F-A3C0-8857178E284F}"/>
-              </a:ext>
-            </a:extLst>
-          </p:cNvPr>
-          <p:cNvSpPr txBox="1"/>
-          <p:nvPr/>
-        </p:nvSpPr>
-        <p:spPr>
-          <a:xfrm>
-            <a:off x="744582" y="6231265"/>
-            <a:ext cx="2015295" cy="523220"/>
-          </a:xfrm>
-          <a:prstGeom prst="rect">
-            <a:avLst/>
-          </a:prstGeom>
-          <a:noFill/>
-        </p:spPr>
-        <p:txBody>
-          <a:bodyPr wrap="none" rtlCol="0">
-            <a:spAutoFit/>
-          </a:bodyPr>
-          <a:lstStyle/>
-          <a:p>
-            <a:r>
-              <a:rPr kumimoji="1" lang="en-US" altLang="zh-TW" sz="2800" dirty="0"/>
-              <a:t>Queue: [1,0]</a:t>
-            </a:r>
-            <a:endParaRPr kumimoji="1" lang="zh-TW" altLang="en-US" sz="2800" dirty="0"/>
-          </a:p>
-        </p:txBody>
-      </p:sp>
-    </p:spTree>
-    <p:extLst>
-      <p:ext uri="{BB962C8B-B14F-4D97-AF65-F5344CB8AC3E}">
-        <p14:creationId xmlns:p14="http://schemas.microsoft.com/office/powerpoint/2010/main" val="1660394919"/>
-      </p:ext>
-    </p:extLst>
-  </p:cSld>
-  <p:clrMapOvr>
-    <a:masterClrMapping/>
-  </p:clrMapOvr>
-</p:sld>
-</file>
-
-<file path=ppt/slides/slide11.xml><?xml version="1.0" encoding="utf-8"?>
-<p:sld xmlns:a="http://schemas.openxmlformats.org/drawingml/2006/main" xmlns:r="http://schemas.openxmlformats.org/officeDocument/2006/relationships" xmlns:p="http://schemas.openxmlformats.org/presentationml/2006/main">
-  <p:cSld>
-    <p:spTree>
-      <p:nvGrpSpPr>
-        <p:cNvPr id="1" name=""/>
-        <p:cNvGrpSpPr/>
-        <p:nvPr/>
-      </p:nvGrpSpPr>
-      <p:grpSpPr>
-        <a:xfrm>
-          <a:off x="0" y="0"/>
-          <a:ext cx="0" cy="0"/>
-          <a:chOff x="0" y="0"/>
-          <a:chExt cx="0" cy="0"/>
-        </a:xfrm>
-      </p:grpSpPr>
-      <p:sp>
-        <p:nvSpPr>
-          <p:cNvPr id="2" name="標題 1">
-            <a:extLst>
-              <a:ext uri="{FF2B5EF4-FFF2-40B4-BE49-F238E27FC236}">
-                <a16:creationId xmlns:a16="http://schemas.microsoft.com/office/drawing/2014/main" id="{B4FD27FB-CFA4-8E72-E656-450DE1D8D350}"/>
-              </a:ext>
-            </a:extLst>
-          </p:cNvPr>
-          <p:cNvSpPr>
-            <a:spLocks noGrp="1"/>
-          </p:cNvSpPr>
-          <p:nvPr>
-            <p:ph type="title"/>
-          </p:nvPr>
-        </p:nvSpPr>
-        <p:spPr/>
-        <p:txBody>
-          <a:bodyPr/>
-          <a:lstStyle/>
-          <a:p>
-            <a:r>
-              <a:rPr kumimoji="1" lang="en-US" altLang="zh-TW" dirty="0"/>
-              <a:t>BFS Algorithm with Route</a:t>
-            </a:r>
-            <a:endParaRPr kumimoji="1" lang="zh-TW" altLang="en-US" dirty="0"/>
-          </a:p>
-        </p:txBody>
-      </p:sp>
-      <p:graphicFrame>
-        <p:nvGraphicFramePr>
-          <p:cNvPr id="4" name="表格 4">
-            <a:extLst>
-              <a:ext uri="{FF2B5EF4-FFF2-40B4-BE49-F238E27FC236}">
-                <a16:creationId xmlns:a16="http://schemas.microsoft.com/office/drawing/2014/main" id="{2A4EC703-C96C-BB6E-6F6E-643DE3F3862A}"/>
-              </a:ext>
-            </a:extLst>
-          </p:cNvPr>
-          <p:cNvGraphicFramePr>
-            <a:graphicFrameLocks noGrp="1"/>
-          </p:cNvGraphicFramePr>
           <p:nvPr>
             <p:extLst>
               <p:ext uri="{D42A27DB-BD31-4B8C-83A1-F6EECF244321}">
@@ -8747,7 +7554,7 @@
 </p:sld>
 </file>
 
-<file path=ppt/slides/slide12.xml><?xml version="1.0" encoding="utf-8"?>
+<file path=ppt/slides/slide11.xml><?xml version="1.0" encoding="utf-8"?>
 <p:sld xmlns:a="http://schemas.openxmlformats.org/drawingml/2006/main" xmlns:r="http://schemas.openxmlformats.org/officeDocument/2006/relationships" xmlns:p="http://schemas.openxmlformats.org/presentationml/2006/main">
   <p:cSld>
     <p:spTree>
@@ -9980,7 +8787,7 @@
 </p:sld>
 </file>
 
-<file path=ppt/slides/slide13.xml><?xml version="1.0" encoding="utf-8"?>
+<file path=ppt/slides/slide12.xml><?xml version="1.0" encoding="utf-8"?>
 <p:sld xmlns:a="http://schemas.openxmlformats.org/drawingml/2006/main" xmlns:r="http://schemas.openxmlformats.org/officeDocument/2006/relationships" xmlns:p="http://schemas.openxmlformats.org/presentationml/2006/main">
   <p:cSld>
     <p:spTree>
@@ -11207,7 +10014,7 @@
 </p:sld>
 </file>
 
-<file path=ppt/slides/slide14.xml><?xml version="1.0" encoding="utf-8"?>
+<file path=ppt/slides/slide13.xml><?xml version="1.0" encoding="utf-8"?>
 <p:sld xmlns:a="http://schemas.openxmlformats.org/drawingml/2006/main" xmlns:r="http://schemas.openxmlformats.org/officeDocument/2006/relationships" xmlns:p="http://schemas.openxmlformats.org/presentationml/2006/main">
   <p:cSld>
     <p:spTree>
@@ -12391,6 +11198,1197 @@
     <p:extLst>
       <p:ext uri="{BB962C8B-B14F-4D97-AF65-F5344CB8AC3E}">
         <p14:creationId xmlns:p14="http://schemas.microsoft.com/office/powerpoint/2010/main" val="4180965564"/>
+      </p:ext>
+    </p:extLst>
+  </p:cSld>
+  <p:clrMapOvr>
+    <a:masterClrMapping/>
+  </p:clrMapOvr>
+</p:sld>
+</file>
+
+<file path=ppt/slides/slide14.xml><?xml version="1.0" encoding="utf-8"?>
+<p:sld xmlns:a="http://schemas.openxmlformats.org/drawingml/2006/main" xmlns:r="http://schemas.openxmlformats.org/officeDocument/2006/relationships" xmlns:p="http://schemas.openxmlformats.org/presentationml/2006/main">
+  <p:cSld>
+    <p:spTree>
+      <p:nvGrpSpPr>
+        <p:cNvPr id="1" name=""/>
+        <p:cNvGrpSpPr/>
+        <p:nvPr/>
+      </p:nvGrpSpPr>
+      <p:grpSpPr>
+        <a:xfrm>
+          <a:off x="0" y="0"/>
+          <a:ext cx="0" cy="0"/>
+          <a:chOff x="0" y="0"/>
+          <a:chExt cx="0" cy="0"/>
+        </a:xfrm>
+      </p:grpSpPr>
+      <p:sp>
+        <p:nvSpPr>
+          <p:cNvPr id="2" name="標題 1">
+            <a:extLst>
+              <a:ext uri="{FF2B5EF4-FFF2-40B4-BE49-F238E27FC236}">
+                <a16:creationId xmlns:a16="http://schemas.microsoft.com/office/drawing/2014/main" id="{B4FD27FB-CFA4-8E72-E656-450DE1D8D350}"/>
+              </a:ext>
+            </a:extLst>
+          </p:cNvPr>
+          <p:cNvSpPr>
+            <a:spLocks noGrp="1"/>
+          </p:cNvSpPr>
+          <p:nvPr>
+            <p:ph type="title"/>
+          </p:nvPr>
+        </p:nvSpPr>
+        <p:spPr/>
+        <p:txBody>
+          <a:bodyPr/>
+          <a:lstStyle/>
+          <a:p>
+            <a:r>
+              <a:rPr kumimoji="1" lang="en-US" altLang="zh-TW" dirty="0"/>
+              <a:t>Backtracking and animation</a:t>
+            </a:r>
+            <a:endParaRPr kumimoji="1" lang="zh-TW" altLang="en-US" dirty="0"/>
+          </a:p>
+        </p:txBody>
+      </p:sp>
+      <p:graphicFrame>
+        <p:nvGraphicFramePr>
+          <p:cNvPr id="4" name="表格 4">
+            <a:extLst>
+              <a:ext uri="{FF2B5EF4-FFF2-40B4-BE49-F238E27FC236}">
+                <a16:creationId xmlns:a16="http://schemas.microsoft.com/office/drawing/2014/main" id="{2A4EC703-C96C-BB6E-6F6E-643DE3F3862A}"/>
+              </a:ext>
+            </a:extLst>
+          </p:cNvPr>
+          <p:cNvGraphicFramePr>
+            <a:graphicFrameLocks noGrp="1"/>
+          </p:cNvGraphicFramePr>
+          <p:nvPr/>
+        </p:nvGraphicFramePr>
+        <p:xfrm>
+          <a:off x="637152" y="1690688"/>
+          <a:ext cx="4451070" cy="4431145"/>
+        </p:xfrm>
+        <a:graphic>
+          <a:graphicData uri="http://schemas.openxmlformats.org/drawingml/2006/table">
+            <a:tbl>
+              <a:tblPr bandRow="1">
+                <a:tableStyleId>{F5AB1C69-6EDB-4FF4-983F-18BD219EF322}</a:tableStyleId>
+              </a:tblPr>
+              <a:tblGrid>
+                <a:gridCol w="890214">
+                  <a:extLst>
+                    <a:ext uri="{9D8B030D-6E8A-4147-A177-3AD203B41FA5}">
+                      <a16:colId xmlns:a16="http://schemas.microsoft.com/office/drawing/2014/main" val="3457372882"/>
+                    </a:ext>
+                  </a:extLst>
+                </a:gridCol>
+                <a:gridCol w="890214">
+                  <a:extLst>
+                    <a:ext uri="{9D8B030D-6E8A-4147-A177-3AD203B41FA5}">
+                      <a16:colId xmlns:a16="http://schemas.microsoft.com/office/drawing/2014/main" val="4012716525"/>
+                    </a:ext>
+                  </a:extLst>
+                </a:gridCol>
+                <a:gridCol w="890214">
+                  <a:extLst>
+                    <a:ext uri="{9D8B030D-6E8A-4147-A177-3AD203B41FA5}">
+                      <a16:colId xmlns:a16="http://schemas.microsoft.com/office/drawing/2014/main" val="3635152842"/>
+                    </a:ext>
+                  </a:extLst>
+                </a:gridCol>
+                <a:gridCol w="890214">
+                  <a:extLst>
+                    <a:ext uri="{9D8B030D-6E8A-4147-A177-3AD203B41FA5}">
+                      <a16:colId xmlns:a16="http://schemas.microsoft.com/office/drawing/2014/main" val="1376262311"/>
+                    </a:ext>
+                  </a:extLst>
+                </a:gridCol>
+                <a:gridCol w="890214">
+                  <a:extLst>
+                    <a:ext uri="{9D8B030D-6E8A-4147-A177-3AD203B41FA5}">
+                      <a16:colId xmlns:a16="http://schemas.microsoft.com/office/drawing/2014/main" val="1171847317"/>
+                    </a:ext>
+                  </a:extLst>
+                </a:gridCol>
+              </a:tblGrid>
+              <a:tr h="886229">
+                <a:tc>
+                  <a:txBody>
+                    <a:bodyPr/>
+                    <a:lstStyle/>
+                    <a:p>
+                      <a:pPr algn="ctr"/>
+                      <a:r>
+                        <a:rPr lang="en-US" altLang="zh-TW" sz="3000" dirty="0">
+                          <a:latin typeface="Hiragino Sans CNS W3" panose="020B0300000000000000" pitchFamily="34" charset="-128"/>
+                          <a:ea typeface="Hiragino Sans CNS W3" panose="020B0300000000000000" pitchFamily="34" charset="-128"/>
+                        </a:rPr>
+                        <a:t>1</a:t>
+                      </a:r>
+                      <a:endParaRPr lang="zh-TW" altLang="en-US" sz="3000" dirty="0">
+                        <a:latin typeface="Hiragino Sans CNS W3" panose="020B0300000000000000" pitchFamily="34" charset="-128"/>
+                        <a:ea typeface="Hiragino Sans CNS W3" panose="020B0300000000000000" pitchFamily="34" charset="-128"/>
+                      </a:endParaRPr>
+                    </a:p>
+                  </a:txBody>
+                  <a:tcPr marL="99361" marR="99361" marT="49681" marB="49681" anchor="ctr"/>
+                </a:tc>
+                <a:tc>
+                  <a:txBody>
+                    <a:bodyPr/>
+                    <a:lstStyle/>
+                    <a:p>
+                      <a:pPr algn="ctr"/>
+                      <a:r>
+                        <a:rPr lang="en-US" altLang="zh-TW" sz="3000" dirty="0">
+                          <a:latin typeface="Hiragino Sans CNS W3" panose="020B0300000000000000" pitchFamily="34" charset="-128"/>
+                          <a:ea typeface="Hiragino Sans CNS W3" panose="020B0300000000000000" pitchFamily="34" charset="-128"/>
+                        </a:rPr>
+                        <a:t>2</a:t>
+                      </a:r>
+                      <a:endParaRPr lang="zh-TW" altLang="en-US" sz="3000" dirty="0">
+                        <a:latin typeface="Hiragino Sans CNS W3" panose="020B0300000000000000" pitchFamily="34" charset="-128"/>
+                        <a:ea typeface="Hiragino Sans CNS W3" panose="020B0300000000000000" pitchFamily="34" charset="-128"/>
+                      </a:endParaRPr>
+                    </a:p>
+                  </a:txBody>
+                  <a:tcPr marL="99361" marR="99361" marT="49681" marB="49681" anchor="ctr"/>
+                </a:tc>
+                <a:tc>
+                  <a:txBody>
+                    <a:bodyPr/>
+                    <a:lstStyle/>
+                    <a:p>
+                      <a:pPr algn="ctr"/>
+                      <a:r>
+                        <a:rPr lang="en-US" altLang="zh-TW" sz="3000" dirty="0">
+                          <a:latin typeface="Hiragino Sans CNS W3" panose="020B0300000000000000" pitchFamily="34" charset="-128"/>
+                          <a:ea typeface="Hiragino Sans CNS W3" panose="020B0300000000000000" pitchFamily="34" charset="-128"/>
+                        </a:rPr>
+                        <a:t>5</a:t>
+                      </a:r>
+                      <a:endParaRPr lang="zh-TW" altLang="en-US" sz="3000" dirty="0">
+                        <a:latin typeface="Hiragino Sans CNS W3" panose="020B0300000000000000" pitchFamily="34" charset="-128"/>
+                        <a:ea typeface="Hiragino Sans CNS W3" panose="020B0300000000000000" pitchFamily="34" charset="-128"/>
+                      </a:endParaRPr>
+                    </a:p>
+                  </a:txBody>
+                  <a:tcPr marL="99361" marR="99361" marT="49681" marB="49681" anchor="ctr"/>
+                </a:tc>
+                <a:tc>
+                  <a:txBody>
+                    <a:bodyPr/>
+                    <a:lstStyle/>
+                    <a:p>
+                      <a:pPr algn="ctr"/>
+                      <a:r>
+                        <a:rPr lang="en-US" altLang="zh-TW" sz="3000" dirty="0">
+                          <a:latin typeface="Hiragino Sans CNS W3" panose="020B0300000000000000" pitchFamily="34" charset="-128"/>
+                          <a:ea typeface="Hiragino Sans CNS W3" panose="020B0300000000000000" pitchFamily="34" charset="-128"/>
+                        </a:rPr>
+                        <a:t>3</a:t>
+                      </a:r>
+                      <a:endParaRPr lang="zh-TW" altLang="en-US" sz="3000" dirty="0">
+                        <a:latin typeface="Hiragino Sans CNS W3" panose="020B0300000000000000" pitchFamily="34" charset="-128"/>
+                        <a:ea typeface="Hiragino Sans CNS W3" panose="020B0300000000000000" pitchFamily="34" charset="-128"/>
+                      </a:endParaRPr>
+                    </a:p>
+                  </a:txBody>
+                  <a:tcPr marL="99361" marR="99361" marT="49681" marB="49681" anchor="ctr"/>
+                </a:tc>
+                <a:tc>
+                  <a:txBody>
+                    <a:bodyPr/>
+                    <a:lstStyle/>
+                    <a:p>
+                      <a:pPr algn="ctr"/>
+                      <a:r>
+                        <a:rPr lang="en-US" altLang="zh-TW" sz="3000" dirty="0">
+                          <a:latin typeface="Hiragino Sans CNS W3" panose="020B0300000000000000" pitchFamily="34" charset="-128"/>
+                          <a:ea typeface="Hiragino Sans CNS W3" panose="020B0300000000000000" pitchFamily="34" charset="-128"/>
+                        </a:rPr>
+                        <a:t>4</a:t>
+                      </a:r>
+                      <a:endParaRPr lang="zh-TW" altLang="en-US" sz="3000" dirty="0">
+                        <a:latin typeface="Hiragino Sans CNS W3" panose="020B0300000000000000" pitchFamily="34" charset="-128"/>
+                        <a:ea typeface="Hiragino Sans CNS W3" panose="020B0300000000000000" pitchFamily="34" charset="-128"/>
+                      </a:endParaRPr>
+                    </a:p>
+                  </a:txBody>
+                  <a:tcPr marL="99361" marR="99361" marT="49681" marB="49681" anchor="ctr"/>
+                </a:tc>
+                <a:extLst>
+                  <a:ext uri="{0D108BD9-81ED-4DB2-BD59-A6C34878D82A}">
+                    <a16:rowId xmlns:a16="http://schemas.microsoft.com/office/drawing/2014/main" val="3063813678"/>
+                  </a:ext>
+                </a:extLst>
+              </a:tr>
+              <a:tr h="886229">
+                <a:tc>
+                  <a:txBody>
+                    <a:bodyPr/>
+                    <a:lstStyle/>
+                    <a:p>
+                      <a:pPr algn="ctr"/>
+                      <a:r>
+                        <a:rPr lang="en-US" altLang="zh-TW" sz="3000" dirty="0">
+                          <a:latin typeface="Hiragino Sans CNS W3" panose="020B0300000000000000" pitchFamily="34" charset="-128"/>
+                          <a:ea typeface="Hiragino Sans CNS W3" panose="020B0300000000000000" pitchFamily="34" charset="-128"/>
+                        </a:rPr>
+                        <a:t>4</a:t>
+                      </a:r>
+                      <a:endParaRPr lang="zh-TW" altLang="en-US" sz="3000" dirty="0">
+                        <a:latin typeface="Hiragino Sans CNS W3" panose="020B0300000000000000" pitchFamily="34" charset="-128"/>
+                        <a:ea typeface="Hiragino Sans CNS W3" panose="020B0300000000000000" pitchFamily="34" charset="-128"/>
+                      </a:endParaRPr>
+                    </a:p>
+                  </a:txBody>
+                  <a:tcPr marL="99361" marR="99361" marT="49681" marB="49681" anchor="ctr">
+                    <a:solidFill>
+                      <a:schemeClr val="bg1">
+                        <a:lumMod val="95000"/>
+                      </a:schemeClr>
+                    </a:solidFill>
+                  </a:tcPr>
+                </a:tc>
+                <a:tc>
+                  <a:txBody>
+                    <a:bodyPr/>
+                    <a:lstStyle/>
+                    <a:p>
+                      <a:pPr algn="ctr"/>
+                      <a:r>
+                        <a:rPr lang="en-US" altLang="zh-TW" sz="3000" dirty="0">
+                          <a:latin typeface="Hiragino Sans CNS W3" panose="020B0300000000000000" pitchFamily="34" charset="-128"/>
+                          <a:ea typeface="Hiragino Sans CNS W3" panose="020B0300000000000000" pitchFamily="34" charset="-128"/>
+                        </a:rPr>
+                        <a:t>4</a:t>
+                      </a:r>
+                      <a:endParaRPr lang="zh-TW" altLang="en-US" sz="3000" dirty="0">
+                        <a:latin typeface="Hiragino Sans CNS W3" panose="020B0300000000000000" pitchFamily="34" charset="-128"/>
+                        <a:ea typeface="Hiragino Sans CNS W3" panose="020B0300000000000000" pitchFamily="34" charset="-128"/>
+                      </a:endParaRPr>
+                    </a:p>
+                  </a:txBody>
+                  <a:tcPr marL="99361" marR="99361" marT="49681" marB="49681" anchor="ctr">
+                    <a:solidFill>
+                      <a:schemeClr val="bg1">
+                        <a:lumMod val="95000"/>
+                      </a:schemeClr>
+                    </a:solidFill>
+                  </a:tcPr>
+                </a:tc>
+                <a:tc>
+                  <a:txBody>
+                    <a:bodyPr/>
+                    <a:lstStyle/>
+                    <a:p>
+                      <a:pPr algn="ctr"/>
+                      <a:r>
+                        <a:rPr lang="en-US" altLang="zh-TW" sz="3000" dirty="0">
+                          <a:latin typeface="Hiragino Sans CNS W3" panose="020B0300000000000000" pitchFamily="34" charset="-128"/>
+                          <a:ea typeface="Hiragino Sans CNS W3" panose="020B0300000000000000" pitchFamily="34" charset="-128"/>
+                        </a:rPr>
+                        <a:t>5</a:t>
+                      </a:r>
+                      <a:endParaRPr lang="zh-TW" altLang="en-US" sz="3000" dirty="0">
+                        <a:latin typeface="Hiragino Sans CNS W3" panose="020B0300000000000000" pitchFamily="34" charset="-128"/>
+                        <a:ea typeface="Hiragino Sans CNS W3" panose="020B0300000000000000" pitchFamily="34" charset="-128"/>
+                      </a:endParaRPr>
+                    </a:p>
+                  </a:txBody>
+                  <a:tcPr marL="99361" marR="99361" marT="49681" marB="49681" anchor="ctr"/>
+                </a:tc>
+                <a:tc>
+                  <a:txBody>
+                    <a:bodyPr/>
+                    <a:lstStyle/>
+                    <a:p>
+                      <a:pPr algn="ctr"/>
+                      <a:r>
+                        <a:rPr lang="en-US" altLang="zh-TW" sz="3000" dirty="0">
+                          <a:latin typeface="Hiragino Sans CNS W3" panose="020B0300000000000000" pitchFamily="34" charset="-128"/>
+                          <a:ea typeface="Hiragino Sans CNS W3" panose="020B0300000000000000" pitchFamily="34" charset="-128"/>
+                        </a:rPr>
+                        <a:t>2</a:t>
+                      </a:r>
+                      <a:endParaRPr lang="zh-TW" altLang="en-US" sz="3000" dirty="0">
+                        <a:latin typeface="Hiragino Sans CNS W3" panose="020B0300000000000000" pitchFamily="34" charset="-128"/>
+                        <a:ea typeface="Hiragino Sans CNS W3" panose="020B0300000000000000" pitchFamily="34" charset="-128"/>
+                      </a:endParaRPr>
+                    </a:p>
+                  </a:txBody>
+                  <a:tcPr marL="99361" marR="99361" marT="49681" marB="49681" anchor="ctr"/>
+                </a:tc>
+                <a:tc>
+                  <a:txBody>
+                    <a:bodyPr/>
+                    <a:lstStyle/>
+                    <a:p>
+                      <a:pPr algn="ctr"/>
+                      <a:r>
+                        <a:rPr lang="en-US" altLang="zh-TW" sz="3000" dirty="0">
+                          <a:latin typeface="Hiragino Sans CNS W3" panose="020B0300000000000000" pitchFamily="34" charset="-128"/>
+                          <a:ea typeface="Hiragino Sans CNS W3" panose="020B0300000000000000" pitchFamily="34" charset="-128"/>
+                        </a:rPr>
+                        <a:t>1</a:t>
+                      </a:r>
+                      <a:endParaRPr lang="zh-TW" altLang="en-US" sz="3000" dirty="0">
+                        <a:latin typeface="Hiragino Sans CNS W3" panose="020B0300000000000000" pitchFamily="34" charset="-128"/>
+                        <a:ea typeface="Hiragino Sans CNS W3" panose="020B0300000000000000" pitchFamily="34" charset="-128"/>
+                      </a:endParaRPr>
+                    </a:p>
+                  </a:txBody>
+                  <a:tcPr marL="99361" marR="99361" marT="49681" marB="49681" anchor="ctr"/>
+                </a:tc>
+                <a:extLst>
+                  <a:ext uri="{0D108BD9-81ED-4DB2-BD59-A6C34878D82A}">
+                    <a16:rowId xmlns:a16="http://schemas.microsoft.com/office/drawing/2014/main" val="729469909"/>
+                  </a:ext>
+                </a:extLst>
+              </a:tr>
+              <a:tr h="886229">
+                <a:tc>
+                  <a:txBody>
+                    <a:bodyPr/>
+                    <a:lstStyle/>
+                    <a:p>
+                      <a:pPr algn="ctr"/>
+                      <a:r>
+                        <a:rPr lang="en-US" altLang="zh-TW" sz="3000" dirty="0">
+                          <a:latin typeface="Hiragino Sans CNS W3" panose="020B0300000000000000" pitchFamily="34" charset="-128"/>
+                          <a:ea typeface="Hiragino Sans CNS W3" panose="020B0300000000000000" pitchFamily="34" charset="-128"/>
+                        </a:rPr>
+                        <a:t>4</a:t>
+                      </a:r>
+                      <a:endParaRPr lang="zh-TW" altLang="en-US" sz="3000" dirty="0">
+                        <a:latin typeface="Hiragino Sans CNS W3" panose="020B0300000000000000" pitchFamily="34" charset="-128"/>
+                        <a:ea typeface="Hiragino Sans CNS W3" panose="020B0300000000000000" pitchFamily="34" charset="-128"/>
+                      </a:endParaRPr>
+                    </a:p>
+                  </a:txBody>
+                  <a:tcPr marL="99361" marR="99361" marT="49681" marB="49681" anchor="ctr">
+                    <a:solidFill>
+                      <a:schemeClr val="accent6"/>
+                    </a:solidFill>
+                  </a:tcPr>
+                </a:tc>
+                <a:tc>
+                  <a:txBody>
+                    <a:bodyPr/>
+                    <a:lstStyle/>
+                    <a:p>
+                      <a:pPr algn="ctr"/>
+                      <a:r>
+                        <a:rPr lang="en-US" altLang="zh-TW" sz="3000" dirty="0">
+                          <a:latin typeface="Hiragino Sans CNS W3" panose="020B0300000000000000" pitchFamily="34" charset="-128"/>
+                          <a:ea typeface="Hiragino Sans CNS W3" panose="020B0300000000000000" pitchFamily="34" charset="-128"/>
+                        </a:rPr>
+                        <a:t>3</a:t>
+                      </a:r>
+                      <a:endParaRPr lang="zh-TW" altLang="en-US" sz="3000" dirty="0">
+                        <a:latin typeface="Hiragino Sans CNS W3" panose="020B0300000000000000" pitchFamily="34" charset="-128"/>
+                        <a:ea typeface="Hiragino Sans CNS W3" panose="020B0300000000000000" pitchFamily="34" charset="-128"/>
+                      </a:endParaRPr>
+                    </a:p>
+                  </a:txBody>
+                  <a:tcPr marL="99361" marR="99361" marT="49681" marB="49681" anchor="ctr"/>
+                </a:tc>
+                <a:tc>
+                  <a:txBody>
+                    <a:bodyPr/>
+                    <a:lstStyle/>
+                    <a:p>
+                      <a:pPr algn="ctr"/>
+                      <a:r>
+                        <a:rPr lang="en-US" altLang="zh-TW" sz="3000" dirty="0">
+                          <a:latin typeface="Hiragino Sans CNS W3" panose="020B0300000000000000" pitchFamily="34" charset="-128"/>
+                          <a:ea typeface="Hiragino Sans CNS W3" panose="020B0300000000000000" pitchFamily="34" charset="-128"/>
+                        </a:rPr>
+                        <a:t>2</a:t>
+                      </a:r>
+                      <a:endParaRPr lang="zh-TW" altLang="en-US" sz="3000" dirty="0">
+                        <a:latin typeface="Hiragino Sans CNS W3" panose="020B0300000000000000" pitchFamily="34" charset="-128"/>
+                        <a:ea typeface="Hiragino Sans CNS W3" panose="020B0300000000000000" pitchFamily="34" charset="-128"/>
+                      </a:endParaRPr>
+                    </a:p>
+                  </a:txBody>
+                  <a:tcPr marL="99361" marR="99361" marT="49681" marB="49681" anchor="ctr"/>
+                </a:tc>
+                <a:tc>
+                  <a:txBody>
+                    <a:bodyPr/>
+                    <a:lstStyle/>
+                    <a:p>
+                      <a:pPr algn="ctr"/>
+                      <a:r>
+                        <a:rPr lang="en-US" altLang="zh-TW" sz="3000" dirty="0">
+                          <a:latin typeface="Hiragino Sans CNS W3" panose="020B0300000000000000" pitchFamily="34" charset="-128"/>
+                          <a:ea typeface="Hiragino Sans CNS W3" panose="020B0300000000000000" pitchFamily="34" charset="-128"/>
+                        </a:rPr>
+                        <a:t>5</a:t>
+                      </a:r>
+                      <a:endParaRPr lang="zh-TW" altLang="en-US" sz="3000" dirty="0">
+                        <a:latin typeface="Hiragino Sans CNS W3" panose="020B0300000000000000" pitchFamily="34" charset="-128"/>
+                        <a:ea typeface="Hiragino Sans CNS W3" panose="020B0300000000000000" pitchFamily="34" charset="-128"/>
+                      </a:endParaRPr>
+                    </a:p>
+                  </a:txBody>
+                  <a:tcPr marL="99361" marR="99361" marT="49681" marB="49681" anchor="ctr"/>
+                </a:tc>
+                <a:tc>
+                  <a:txBody>
+                    <a:bodyPr/>
+                    <a:lstStyle/>
+                    <a:p>
+                      <a:pPr algn="ctr"/>
+                      <a:r>
+                        <a:rPr lang="en-US" altLang="zh-TW" sz="3000" dirty="0">
+                          <a:latin typeface="Hiragino Sans CNS W3" panose="020B0300000000000000" pitchFamily="34" charset="-128"/>
+                          <a:ea typeface="Hiragino Sans CNS W3" panose="020B0300000000000000" pitchFamily="34" charset="-128"/>
+                        </a:rPr>
+                        <a:t>4</a:t>
+                      </a:r>
+                      <a:endParaRPr lang="zh-TW" altLang="en-US" sz="3000" dirty="0">
+                        <a:latin typeface="Hiragino Sans CNS W3" panose="020B0300000000000000" pitchFamily="34" charset="-128"/>
+                        <a:ea typeface="Hiragino Sans CNS W3" panose="020B0300000000000000" pitchFamily="34" charset="-128"/>
+                      </a:endParaRPr>
+                    </a:p>
+                  </a:txBody>
+                  <a:tcPr marL="99361" marR="99361" marT="49681" marB="49681" anchor="ctr"/>
+                </a:tc>
+                <a:extLst>
+                  <a:ext uri="{0D108BD9-81ED-4DB2-BD59-A6C34878D82A}">
+                    <a16:rowId xmlns:a16="http://schemas.microsoft.com/office/drawing/2014/main" val="1632199547"/>
+                  </a:ext>
+                </a:extLst>
+              </a:tr>
+              <a:tr h="886229">
+                <a:tc>
+                  <a:txBody>
+                    <a:bodyPr/>
+                    <a:lstStyle/>
+                    <a:p>
+                      <a:pPr algn="ctr"/>
+                      <a:r>
+                        <a:rPr lang="en-US" altLang="zh-TW" sz="3000" dirty="0">
+                          <a:latin typeface="Hiragino Sans CNS W3" panose="020B0300000000000000" pitchFamily="34" charset="-128"/>
+                          <a:ea typeface="Hiragino Sans CNS W3" panose="020B0300000000000000" pitchFamily="34" charset="-128"/>
+                        </a:rPr>
+                        <a:t>1</a:t>
+                      </a:r>
+                      <a:endParaRPr lang="zh-TW" altLang="en-US" sz="3000" dirty="0">
+                        <a:latin typeface="Hiragino Sans CNS W3" panose="020B0300000000000000" pitchFamily="34" charset="-128"/>
+                        <a:ea typeface="Hiragino Sans CNS W3" panose="020B0300000000000000" pitchFamily="34" charset="-128"/>
+                      </a:endParaRPr>
+                    </a:p>
+                  </a:txBody>
+                  <a:tcPr marL="99361" marR="99361" marT="49681" marB="49681" anchor="ctr"/>
+                </a:tc>
+                <a:tc>
+                  <a:txBody>
+                    <a:bodyPr/>
+                    <a:lstStyle/>
+                    <a:p>
+                      <a:pPr algn="ctr"/>
+                      <a:r>
+                        <a:rPr lang="en-US" altLang="zh-TW" sz="3000" dirty="0">
+                          <a:latin typeface="Hiragino Sans CNS W3" panose="020B0300000000000000" pitchFamily="34" charset="-128"/>
+                          <a:ea typeface="Hiragino Sans CNS W3" panose="020B0300000000000000" pitchFamily="34" charset="-128"/>
+                        </a:rPr>
+                        <a:t>2</a:t>
+                      </a:r>
+                      <a:endParaRPr lang="zh-TW" altLang="en-US" sz="3000" dirty="0">
+                        <a:latin typeface="Hiragino Sans CNS W3" panose="020B0300000000000000" pitchFamily="34" charset="-128"/>
+                        <a:ea typeface="Hiragino Sans CNS W3" panose="020B0300000000000000" pitchFamily="34" charset="-128"/>
+                      </a:endParaRPr>
+                    </a:p>
+                  </a:txBody>
+                  <a:tcPr marL="99361" marR="99361" marT="49681" marB="49681" anchor="ctr"/>
+                </a:tc>
+                <a:tc>
+                  <a:txBody>
+                    <a:bodyPr/>
+                    <a:lstStyle/>
+                    <a:p>
+                      <a:pPr algn="ctr"/>
+                      <a:r>
+                        <a:rPr lang="en-US" altLang="zh-TW" sz="3000" dirty="0">
+                          <a:latin typeface="Hiragino Sans CNS W3" panose="020B0300000000000000" pitchFamily="34" charset="-128"/>
+                          <a:ea typeface="Hiragino Sans CNS W3" panose="020B0300000000000000" pitchFamily="34" charset="-128"/>
+                        </a:rPr>
+                        <a:t>1</a:t>
+                      </a:r>
+                      <a:endParaRPr lang="zh-TW" altLang="en-US" sz="3000" dirty="0">
+                        <a:latin typeface="Hiragino Sans CNS W3" panose="020B0300000000000000" pitchFamily="34" charset="-128"/>
+                        <a:ea typeface="Hiragino Sans CNS W3" panose="020B0300000000000000" pitchFamily="34" charset="-128"/>
+                      </a:endParaRPr>
+                    </a:p>
+                  </a:txBody>
+                  <a:tcPr marL="99361" marR="99361" marT="49681" marB="49681" anchor="ctr"/>
+                </a:tc>
+                <a:tc>
+                  <a:txBody>
+                    <a:bodyPr/>
+                    <a:lstStyle/>
+                    <a:p>
+                      <a:pPr algn="ctr"/>
+                      <a:r>
+                        <a:rPr lang="en-US" altLang="zh-TW" sz="3000" dirty="0">
+                          <a:latin typeface="Hiragino Sans CNS W3" panose="020B0300000000000000" pitchFamily="34" charset="-128"/>
+                          <a:ea typeface="Hiragino Sans CNS W3" panose="020B0300000000000000" pitchFamily="34" charset="-128"/>
+                        </a:rPr>
+                        <a:t>3</a:t>
+                      </a:r>
+                      <a:endParaRPr lang="zh-TW" altLang="en-US" sz="3000" dirty="0">
+                        <a:latin typeface="Hiragino Sans CNS W3" panose="020B0300000000000000" pitchFamily="34" charset="-128"/>
+                        <a:ea typeface="Hiragino Sans CNS W3" panose="020B0300000000000000" pitchFamily="34" charset="-128"/>
+                      </a:endParaRPr>
+                    </a:p>
+                  </a:txBody>
+                  <a:tcPr marL="99361" marR="99361" marT="49681" marB="49681" anchor="ctr"/>
+                </a:tc>
+                <a:tc>
+                  <a:txBody>
+                    <a:bodyPr/>
+                    <a:lstStyle/>
+                    <a:p>
+                      <a:pPr algn="ctr"/>
+                      <a:r>
+                        <a:rPr lang="en-US" altLang="zh-TW" sz="3000" dirty="0">
+                          <a:latin typeface="Hiragino Sans CNS W3" panose="020B0300000000000000" pitchFamily="34" charset="-128"/>
+                          <a:ea typeface="Hiragino Sans CNS W3" panose="020B0300000000000000" pitchFamily="34" charset="-128"/>
+                        </a:rPr>
+                        <a:t>3</a:t>
+                      </a:r>
+                      <a:endParaRPr lang="zh-TW" altLang="en-US" sz="3000" dirty="0">
+                        <a:latin typeface="Hiragino Sans CNS W3" panose="020B0300000000000000" pitchFamily="34" charset="-128"/>
+                        <a:ea typeface="Hiragino Sans CNS W3" panose="020B0300000000000000" pitchFamily="34" charset="-128"/>
+                      </a:endParaRPr>
+                    </a:p>
+                  </a:txBody>
+                  <a:tcPr marL="99361" marR="99361" marT="49681" marB="49681" anchor="ctr"/>
+                </a:tc>
+                <a:extLst>
+                  <a:ext uri="{0D108BD9-81ED-4DB2-BD59-A6C34878D82A}">
+                    <a16:rowId xmlns:a16="http://schemas.microsoft.com/office/drawing/2014/main" val="1783147424"/>
+                  </a:ext>
+                </a:extLst>
+              </a:tr>
+              <a:tr h="886229">
+                <a:tc>
+                  <a:txBody>
+                    <a:bodyPr/>
+                    <a:lstStyle/>
+                    <a:p>
+                      <a:pPr algn="ctr"/>
+                      <a:r>
+                        <a:rPr lang="en-US" altLang="zh-TW" sz="3000" dirty="0">
+                          <a:latin typeface="Hiragino Sans CNS W3" panose="020B0300000000000000" pitchFamily="34" charset="-128"/>
+                          <a:ea typeface="Hiragino Sans CNS W3" panose="020B0300000000000000" pitchFamily="34" charset="-128"/>
+                        </a:rPr>
+                        <a:t>4</a:t>
+                      </a:r>
+                      <a:endParaRPr lang="zh-TW" altLang="en-US" sz="3000" dirty="0">
+                        <a:latin typeface="Hiragino Sans CNS W3" panose="020B0300000000000000" pitchFamily="34" charset="-128"/>
+                        <a:ea typeface="Hiragino Sans CNS W3" panose="020B0300000000000000" pitchFamily="34" charset="-128"/>
+                      </a:endParaRPr>
+                    </a:p>
+                  </a:txBody>
+                  <a:tcPr marL="99361" marR="99361" marT="49681" marB="49681" anchor="ctr"/>
+                </a:tc>
+                <a:tc>
+                  <a:txBody>
+                    <a:bodyPr/>
+                    <a:lstStyle/>
+                    <a:p>
+                      <a:pPr algn="ctr"/>
+                      <a:r>
+                        <a:rPr lang="en-US" altLang="zh-TW" sz="3000" dirty="0">
+                          <a:latin typeface="Hiragino Sans CNS W3" panose="020B0300000000000000" pitchFamily="34" charset="-128"/>
+                          <a:ea typeface="Hiragino Sans CNS W3" panose="020B0300000000000000" pitchFamily="34" charset="-128"/>
+                        </a:rPr>
+                        <a:t>4</a:t>
+                      </a:r>
+                      <a:endParaRPr lang="zh-TW" altLang="en-US" sz="3000" dirty="0">
+                        <a:latin typeface="Hiragino Sans CNS W3" panose="020B0300000000000000" pitchFamily="34" charset="-128"/>
+                        <a:ea typeface="Hiragino Sans CNS W3" panose="020B0300000000000000" pitchFamily="34" charset="-128"/>
+                      </a:endParaRPr>
+                    </a:p>
+                  </a:txBody>
+                  <a:tcPr marL="99361" marR="99361" marT="49681" marB="49681" anchor="ctr"/>
+                </a:tc>
+                <a:tc>
+                  <a:txBody>
+                    <a:bodyPr/>
+                    <a:lstStyle/>
+                    <a:p>
+                      <a:pPr algn="ctr"/>
+                      <a:r>
+                        <a:rPr lang="en-US" altLang="zh-TW" sz="3000" dirty="0">
+                          <a:latin typeface="Hiragino Sans CNS W3" panose="020B0300000000000000" pitchFamily="34" charset="-128"/>
+                          <a:ea typeface="Hiragino Sans CNS W3" panose="020B0300000000000000" pitchFamily="34" charset="-128"/>
+                        </a:rPr>
+                        <a:t>5</a:t>
+                      </a:r>
+                      <a:endParaRPr lang="zh-TW" altLang="en-US" sz="3000" dirty="0">
+                        <a:latin typeface="Hiragino Sans CNS W3" panose="020B0300000000000000" pitchFamily="34" charset="-128"/>
+                        <a:ea typeface="Hiragino Sans CNS W3" panose="020B0300000000000000" pitchFamily="34" charset="-128"/>
+                      </a:endParaRPr>
+                    </a:p>
+                  </a:txBody>
+                  <a:tcPr marL="99361" marR="99361" marT="49681" marB="49681" anchor="ctr"/>
+                </a:tc>
+                <a:tc>
+                  <a:txBody>
+                    <a:bodyPr/>
+                    <a:lstStyle/>
+                    <a:p>
+                      <a:pPr algn="ctr"/>
+                      <a:r>
+                        <a:rPr lang="en-US" altLang="zh-TW" sz="3000" dirty="0">
+                          <a:latin typeface="Hiragino Sans CNS W3" panose="020B0300000000000000" pitchFamily="34" charset="-128"/>
+                          <a:ea typeface="Hiragino Sans CNS W3" panose="020B0300000000000000" pitchFamily="34" charset="-128"/>
+                        </a:rPr>
+                        <a:t>2</a:t>
+                      </a:r>
+                      <a:endParaRPr lang="zh-TW" altLang="en-US" sz="3000" dirty="0">
+                        <a:latin typeface="Hiragino Sans CNS W3" panose="020B0300000000000000" pitchFamily="34" charset="-128"/>
+                        <a:ea typeface="Hiragino Sans CNS W3" panose="020B0300000000000000" pitchFamily="34" charset="-128"/>
+                      </a:endParaRPr>
+                    </a:p>
+                  </a:txBody>
+                  <a:tcPr marL="99361" marR="99361" marT="49681" marB="49681" anchor="ctr"/>
+                </a:tc>
+                <a:tc>
+                  <a:txBody>
+                    <a:bodyPr/>
+                    <a:lstStyle/>
+                    <a:p>
+                      <a:pPr algn="ctr"/>
+                      <a:r>
+                        <a:rPr lang="en-US" altLang="zh-TW" sz="3000" dirty="0">
+                          <a:latin typeface="Hiragino Sans CNS W3" panose="020B0300000000000000" pitchFamily="34" charset="-128"/>
+                          <a:ea typeface="Hiragino Sans CNS W3" panose="020B0300000000000000" pitchFamily="34" charset="-128"/>
+                        </a:rPr>
+                        <a:t>5</a:t>
+                      </a:r>
+                      <a:endParaRPr lang="zh-TW" altLang="en-US" sz="3000" dirty="0">
+                        <a:latin typeface="Hiragino Sans CNS W3" panose="020B0300000000000000" pitchFamily="34" charset="-128"/>
+                        <a:ea typeface="Hiragino Sans CNS W3" panose="020B0300000000000000" pitchFamily="34" charset="-128"/>
+                      </a:endParaRPr>
+                    </a:p>
+                  </a:txBody>
+                  <a:tcPr marL="99361" marR="99361" marT="49681" marB="49681" anchor="ctr"/>
+                </a:tc>
+                <a:extLst>
+                  <a:ext uri="{0D108BD9-81ED-4DB2-BD59-A6C34878D82A}">
+                    <a16:rowId xmlns:a16="http://schemas.microsoft.com/office/drawing/2014/main" val="3144180348"/>
+                  </a:ext>
+                </a:extLst>
+              </a:tr>
+            </a:tbl>
+          </a:graphicData>
+        </a:graphic>
+      </p:graphicFrame>
+      <p:graphicFrame>
+        <p:nvGraphicFramePr>
+          <p:cNvPr id="5" name="表格 4">
+            <a:extLst>
+              <a:ext uri="{FF2B5EF4-FFF2-40B4-BE49-F238E27FC236}">
+                <a16:creationId xmlns:a16="http://schemas.microsoft.com/office/drawing/2014/main" id="{E295E5F4-D89C-299C-3393-FA4B28861EC5}"/>
+              </a:ext>
+            </a:extLst>
+          </p:cNvPr>
+          <p:cNvGraphicFramePr>
+            <a:graphicFrameLocks noGrp="1"/>
+          </p:cNvGraphicFramePr>
+          <p:nvPr>
+            <p:extLst>
+              <p:ext uri="{D42A27DB-BD31-4B8C-83A1-F6EECF244321}">
+                <p14:modId xmlns:p14="http://schemas.microsoft.com/office/powerpoint/2010/main" val="3849132613"/>
+              </p:ext>
+            </p:extLst>
+          </p:nvPr>
+        </p:nvGraphicFramePr>
+        <p:xfrm>
+          <a:off x="5792626" y="1690688"/>
+          <a:ext cx="4451070" cy="4431145"/>
+        </p:xfrm>
+        <a:graphic>
+          <a:graphicData uri="http://schemas.openxmlformats.org/drawingml/2006/table">
+            <a:tbl>
+              <a:tblPr bandRow="1">
+                <a:tableStyleId>{F5AB1C69-6EDB-4FF4-983F-18BD219EF322}</a:tableStyleId>
+              </a:tblPr>
+              <a:tblGrid>
+                <a:gridCol w="890214">
+                  <a:extLst>
+                    <a:ext uri="{9D8B030D-6E8A-4147-A177-3AD203B41FA5}">
+                      <a16:colId xmlns:a16="http://schemas.microsoft.com/office/drawing/2014/main" val="3457372882"/>
+                    </a:ext>
+                  </a:extLst>
+                </a:gridCol>
+                <a:gridCol w="890214">
+                  <a:extLst>
+                    <a:ext uri="{9D8B030D-6E8A-4147-A177-3AD203B41FA5}">
+                      <a16:colId xmlns:a16="http://schemas.microsoft.com/office/drawing/2014/main" val="4012716525"/>
+                    </a:ext>
+                  </a:extLst>
+                </a:gridCol>
+                <a:gridCol w="890214">
+                  <a:extLst>
+                    <a:ext uri="{9D8B030D-6E8A-4147-A177-3AD203B41FA5}">
+                      <a16:colId xmlns:a16="http://schemas.microsoft.com/office/drawing/2014/main" val="3635152842"/>
+                    </a:ext>
+                  </a:extLst>
+                </a:gridCol>
+                <a:gridCol w="890214">
+                  <a:extLst>
+                    <a:ext uri="{9D8B030D-6E8A-4147-A177-3AD203B41FA5}">
+                      <a16:colId xmlns:a16="http://schemas.microsoft.com/office/drawing/2014/main" val="1376262311"/>
+                    </a:ext>
+                  </a:extLst>
+                </a:gridCol>
+                <a:gridCol w="890214">
+                  <a:extLst>
+                    <a:ext uri="{9D8B030D-6E8A-4147-A177-3AD203B41FA5}">
+                      <a16:colId xmlns:a16="http://schemas.microsoft.com/office/drawing/2014/main" val="1171847317"/>
+                    </a:ext>
+                  </a:extLst>
+                </a:gridCol>
+              </a:tblGrid>
+              <a:tr h="886229">
+                <a:tc>
+                  <a:txBody>
+                    <a:bodyPr/>
+                    <a:lstStyle/>
+                    <a:p>
+                      <a:pPr algn="ctr"/>
+                      <a:endParaRPr lang="zh-TW" altLang="en-US" sz="3000" dirty="0">
+                        <a:latin typeface="Hiragino Sans CNS W3" panose="020B0300000000000000" pitchFamily="34" charset="-128"/>
+                        <a:ea typeface="Hiragino Sans CNS W3" panose="020B0300000000000000" pitchFamily="34" charset="-128"/>
+                      </a:endParaRPr>
+                    </a:p>
+                  </a:txBody>
+                  <a:tcPr marL="99361" marR="99361" marT="49681" marB="49681" anchor="ctr"/>
+                </a:tc>
+                <a:tc>
+                  <a:txBody>
+                    <a:bodyPr/>
+                    <a:lstStyle/>
+                    <a:p>
+                      <a:pPr algn="ctr"/>
+                      <a:endParaRPr lang="zh-TW" altLang="en-US" sz="3000" dirty="0">
+                        <a:latin typeface="Hiragino Sans CNS W3" panose="020B0300000000000000" pitchFamily="34" charset="-128"/>
+                        <a:ea typeface="Hiragino Sans CNS W3" panose="020B0300000000000000" pitchFamily="34" charset="-128"/>
+                      </a:endParaRPr>
+                    </a:p>
+                  </a:txBody>
+                  <a:tcPr marL="99361" marR="99361" marT="49681" marB="49681" anchor="ctr"/>
+                </a:tc>
+                <a:tc>
+                  <a:txBody>
+                    <a:bodyPr/>
+                    <a:lstStyle/>
+                    <a:p>
+                      <a:pPr algn="ctr"/>
+                      <a:endParaRPr lang="zh-TW" altLang="en-US" sz="3000" dirty="0">
+                        <a:latin typeface="Hiragino Sans CNS W3" panose="020B0300000000000000" pitchFamily="34" charset="-128"/>
+                        <a:ea typeface="Hiragino Sans CNS W3" panose="020B0300000000000000" pitchFamily="34" charset="-128"/>
+                      </a:endParaRPr>
+                    </a:p>
+                  </a:txBody>
+                  <a:tcPr marL="99361" marR="99361" marT="49681" marB="49681" anchor="ctr"/>
+                </a:tc>
+                <a:tc>
+                  <a:txBody>
+                    <a:bodyPr/>
+                    <a:lstStyle/>
+                    <a:p>
+                      <a:pPr algn="ctr"/>
+                      <a:endParaRPr lang="zh-TW" altLang="en-US" sz="3000" dirty="0">
+                        <a:latin typeface="Hiragino Sans CNS W3" panose="020B0300000000000000" pitchFamily="34" charset="-128"/>
+                        <a:ea typeface="Hiragino Sans CNS W3" panose="020B0300000000000000" pitchFamily="34" charset="-128"/>
+                      </a:endParaRPr>
+                    </a:p>
+                  </a:txBody>
+                  <a:tcPr marL="99361" marR="99361" marT="49681" marB="49681" anchor="ctr"/>
+                </a:tc>
+                <a:tc>
+                  <a:txBody>
+                    <a:bodyPr/>
+                    <a:lstStyle/>
+                    <a:p>
+                      <a:pPr algn="ctr"/>
+                      <a:endParaRPr lang="zh-TW" altLang="en-US" sz="3000" dirty="0">
+                        <a:latin typeface="Hiragino Sans CNS W3" panose="020B0300000000000000" pitchFamily="34" charset="-128"/>
+                        <a:ea typeface="Hiragino Sans CNS W3" panose="020B0300000000000000" pitchFamily="34" charset="-128"/>
+                      </a:endParaRPr>
+                    </a:p>
+                  </a:txBody>
+                  <a:tcPr marL="99361" marR="99361" marT="49681" marB="49681" anchor="ctr"/>
+                </a:tc>
+                <a:extLst>
+                  <a:ext uri="{0D108BD9-81ED-4DB2-BD59-A6C34878D82A}">
+                    <a16:rowId xmlns:a16="http://schemas.microsoft.com/office/drawing/2014/main" val="3063813678"/>
+                  </a:ext>
+                </a:extLst>
+              </a:tr>
+              <a:tr h="886229">
+                <a:tc>
+                  <a:txBody>
+                    <a:bodyPr/>
+                    <a:lstStyle/>
+                    <a:p>
+                      <a:pPr algn="ctr"/>
+                      <a:r>
+                        <a:rPr lang="en-US" altLang="zh-TW" sz="3000" dirty="0">
+                          <a:latin typeface="Hiragino Sans CNS W3" panose="020B0300000000000000" pitchFamily="34" charset="-128"/>
+                          <a:ea typeface="Hiragino Sans CNS W3" panose="020B0300000000000000" pitchFamily="34" charset="-128"/>
+                        </a:rPr>
+                        <a:t>R</a:t>
+                      </a:r>
+                      <a:endParaRPr lang="zh-TW" altLang="en-US" sz="3000" dirty="0">
+                        <a:latin typeface="Hiragino Sans CNS W3" panose="020B0300000000000000" pitchFamily="34" charset="-128"/>
+                        <a:ea typeface="Hiragino Sans CNS W3" panose="020B0300000000000000" pitchFamily="34" charset="-128"/>
+                      </a:endParaRPr>
+                    </a:p>
+                  </a:txBody>
+                  <a:tcPr marL="99361" marR="99361" marT="49681" marB="49681" anchor="ctr">
+                    <a:solidFill>
+                      <a:schemeClr val="accent6"/>
+                    </a:solidFill>
+                  </a:tcPr>
+                </a:tc>
+                <a:tc>
+                  <a:txBody>
+                    <a:bodyPr/>
+                    <a:lstStyle/>
+                    <a:p>
+                      <a:pPr algn="ctr"/>
+                      <a:r>
+                        <a:rPr lang="en-US" altLang="zh-TW" sz="3000" dirty="0">
+                          <a:latin typeface="Hiragino Sans CNS W3" panose="020B0300000000000000" pitchFamily="34" charset="-128"/>
+                          <a:ea typeface="Hiragino Sans CNS W3" panose="020B0300000000000000" pitchFamily="34" charset="-128"/>
+                        </a:rPr>
+                        <a:t>X</a:t>
+                      </a:r>
+                      <a:endParaRPr lang="zh-TW" altLang="en-US" sz="3000" dirty="0">
+                        <a:latin typeface="Hiragino Sans CNS W3" panose="020B0300000000000000" pitchFamily="34" charset="-128"/>
+                        <a:ea typeface="Hiragino Sans CNS W3" panose="020B0300000000000000" pitchFamily="34" charset="-128"/>
+                      </a:endParaRPr>
+                    </a:p>
+                  </a:txBody>
+                  <a:tcPr marL="99361" marR="99361" marT="49681" marB="49681" anchor="ctr">
+                    <a:solidFill>
+                      <a:schemeClr val="bg1">
+                        <a:lumMod val="95000"/>
+                      </a:schemeClr>
+                    </a:solidFill>
+                  </a:tcPr>
+                </a:tc>
+                <a:tc>
+                  <a:txBody>
+                    <a:bodyPr/>
+                    <a:lstStyle/>
+                    <a:p>
+                      <a:pPr algn="ctr"/>
+                      <a:endParaRPr lang="zh-TW" altLang="en-US" sz="3000" dirty="0">
+                        <a:latin typeface="Hiragino Sans CNS W3" panose="020B0300000000000000" pitchFamily="34" charset="-128"/>
+                        <a:ea typeface="Hiragino Sans CNS W3" panose="020B0300000000000000" pitchFamily="34" charset="-128"/>
+                      </a:endParaRPr>
+                    </a:p>
+                  </a:txBody>
+                  <a:tcPr marL="99361" marR="99361" marT="49681" marB="49681" anchor="ctr"/>
+                </a:tc>
+                <a:tc>
+                  <a:txBody>
+                    <a:bodyPr/>
+                    <a:lstStyle/>
+                    <a:p>
+                      <a:pPr algn="ctr"/>
+                      <a:endParaRPr lang="zh-TW" altLang="en-US" sz="3000" dirty="0">
+                        <a:latin typeface="Hiragino Sans CNS W3" panose="020B0300000000000000" pitchFamily="34" charset="-128"/>
+                        <a:ea typeface="Hiragino Sans CNS W3" panose="020B0300000000000000" pitchFamily="34" charset="-128"/>
+                      </a:endParaRPr>
+                    </a:p>
+                  </a:txBody>
+                  <a:tcPr marL="99361" marR="99361" marT="49681" marB="49681" anchor="ctr"/>
+                </a:tc>
+                <a:tc>
+                  <a:txBody>
+                    <a:bodyPr/>
+                    <a:lstStyle/>
+                    <a:p>
+                      <a:pPr algn="ctr"/>
+                      <a:endParaRPr lang="zh-TW" altLang="en-US" sz="3000" dirty="0">
+                        <a:latin typeface="Hiragino Sans CNS W3" panose="020B0300000000000000" pitchFamily="34" charset="-128"/>
+                        <a:ea typeface="Hiragino Sans CNS W3" panose="020B0300000000000000" pitchFamily="34" charset="-128"/>
+                      </a:endParaRPr>
+                    </a:p>
+                  </a:txBody>
+                  <a:tcPr marL="99361" marR="99361" marT="49681" marB="49681" anchor="ctr"/>
+                </a:tc>
+                <a:extLst>
+                  <a:ext uri="{0D108BD9-81ED-4DB2-BD59-A6C34878D82A}">
+                    <a16:rowId xmlns:a16="http://schemas.microsoft.com/office/drawing/2014/main" val="729469909"/>
+                  </a:ext>
+                </a:extLst>
+              </a:tr>
+              <a:tr h="886229">
+                <a:tc>
+                  <a:txBody>
+                    <a:bodyPr/>
+                    <a:lstStyle/>
+                    <a:p>
+                      <a:pPr algn="ctr"/>
+                      <a:r>
+                        <a:rPr lang="en-US" altLang="zh-TW" sz="3000" dirty="0">
+                          <a:latin typeface="Hiragino Sans CNS W3" panose="020B0300000000000000" pitchFamily="34" charset="-128"/>
+                          <a:ea typeface="Hiragino Sans CNS W3" panose="020B0300000000000000" pitchFamily="34" charset="-128"/>
+                        </a:rPr>
+                        <a:t>U</a:t>
+                      </a:r>
+                      <a:endParaRPr lang="zh-TW" altLang="en-US" sz="3000" dirty="0">
+                        <a:latin typeface="Hiragino Sans CNS W3" panose="020B0300000000000000" pitchFamily="34" charset="-128"/>
+                        <a:ea typeface="Hiragino Sans CNS W3" panose="020B0300000000000000" pitchFamily="34" charset="-128"/>
+                      </a:endParaRPr>
+                    </a:p>
+                  </a:txBody>
+                  <a:tcPr marL="99361" marR="99361" marT="49681" marB="49681" anchor="ctr">
+                    <a:solidFill>
+                      <a:schemeClr val="accent6"/>
+                    </a:solidFill>
+                  </a:tcPr>
+                </a:tc>
+                <a:tc>
+                  <a:txBody>
+                    <a:bodyPr/>
+                    <a:lstStyle/>
+                    <a:p>
+                      <a:pPr algn="ctr"/>
+                      <a:endParaRPr lang="zh-TW" altLang="en-US" sz="3000" dirty="0">
+                        <a:latin typeface="Hiragino Sans CNS W3" panose="020B0300000000000000" pitchFamily="34" charset="-128"/>
+                        <a:ea typeface="Hiragino Sans CNS W3" panose="020B0300000000000000" pitchFamily="34" charset="-128"/>
+                      </a:endParaRPr>
+                    </a:p>
+                  </a:txBody>
+                  <a:tcPr marL="99361" marR="99361" marT="49681" marB="49681" anchor="ctr"/>
+                </a:tc>
+                <a:tc>
+                  <a:txBody>
+                    <a:bodyPr/>
+                    <a:lstStyle/>
+                    <a:p>
+                      <a:pPr algn="ctr"/>
+                      <a:endParaRPr lang="zh-TW" altLang="en-US" sz="3000" dirty="0">
+                        <a:latin typeface="Hiragino Sans CNS W3" panose="020B0300000000000000" pitchFamily="34" charset="-128"/>
+                        <a:ea typeface="Hiragino Sans CNS W3" panose="020B0300000000000000" pitchFamily="34" charset="-128"/>
+                      </a:endParaRPr>
+                    </a:p>
+                  </a:txBody>
+                  <a:tcPr marL="99361" marR="99361" marT="49681" marB="49681" anchor="ctr"/>
+                </a:tc>
+                <a:tc>
+                  <a:txBody>
+                    <a:bodyPr/>
+                    <a:lstStyle/>
+                    <a:p>
+                      <a:pPr algn="ctr"/>
+                      <a:endParaRPr lang="zh-TW" altLang="en-US" sz="3000" dirty="0">
+                        <a:latin typeface="Hiragino Sans CNS W3" panose="020B0300000000000000" pitchFamily="34" charset="-128"/>
+                        <a:ea typeface="Hiragino Sans CNS W3" panose="020B0300000000000000" pitchFamily="34" charset="-128"/>
+                      </a:endParaRPr>
+                    </a:p>
+                  </a:txBody>
+                  <a:tcPr marL="99361" marR="99361" marT="49681" marB="49681" anchor="ctr"/>
+                </a:tc>
+                <a:tc>
+                  <a:txBody>
+                    <a:bodyPr/>
+                    <a:lstStyle/>
+                    <a:p>
+                      <a:pPr algn="ctr"/>
+                      <a:endParaRPr lang="zh-TW" altLang="en-US" sz="3000" dirty="0">
+                        <a:latin typeface="Hiragino Sans CNS W3" panose="020B0300000000000000" pitchFamily="34" charset="-128"/>
+                        <a:ea typeface="Hiragino Sans CNS W3" panose="020B0300000000000000" pitchFamily="34" charset="-128"/>
+                      </a:endParaRPr>
+                    </a:p>
+                  </a:txBody>
+                  <a:tcPr marL="99361" marR="99361" marT="49681" marB="49681" anchor="ctr"/>
+                </a:tc>
+                <a:extLst>
+                  <a:ext uri="{0D108BD9-81ED-4DB2-BD59-A6C34878D82A}">
+                    <a16:rowId xmlns:a16="http://schemas.microsoft.com/office/drawing/2014/main" val="1632199547"/>
+                  </a:ext>
+                </a:extLst>
+              </a:tr>
+              <a:tr h="886229">
+                <a:tc>
+                  <a:txBody>
+                    <a:bodyPr/>
+                    <a:lstStyle/>
+                    <a:p>
+                      <a:pPr algn="ctr"/>
+                      <a:endParaRPr lang="zh-TW" altLang="en-US" sz="3000" dirty="0">
+                        <a:latin typeface="Hiragino Sans CNS W3" panose="020B0300000000000000" pitchFamily="34" charset="-128"/>
+                        <a:ea typeface="Hiragino Sans CNS W3" panose="020B0300000000000000" pitchFamily="34" charset="-128"/>
+                      </a:endParaRPr>
+                    </a:p>
+                  </a:txBody>
+                  <a:tcPr marL="99361" marR="99361" marT="49681" marB="49681" anchor="ctr"/>
+                </a:tc>
+                <a:tc>
+                  <a:txBody>
+                    <a:bodyPr/>
+                    <a:lstStyle/>
+                    <a:p>
+                      <a:pPr algn="ctr"/>
+                      <a:endParaRPr lang="zh-TW" altLang="en-US" sz="3000" dirty="0">
+                        <a:latin typeface="Hiragino Sans CNS W3" panose="020B0300000000000000" pitchFamily="34" charset="-128"/>
+                        <a:ea typeface="Hiragino Sans CNS W3" panose="020B0300000000000000" pitchFamily="34" charset="-128"/>
+                      </a:endParaRPr>
+                    </a:p>
+                  </a:txBody>
+                  <a:tcPr marL="99361" marR="99361" marT="49681" marB="49681" anchor="ctr"/>
+                </a:tc>
+                <a:tc>
+                  <a:txBody>
+                    <a:bodyPr/>
+                    <a:lstStyle/>
+                    <a:p>
+                      <a:pPr algn="ctr"/>
+                      <a:endParaRPr lang="zh-TW" altLang="en-US" sz="3000" dirty="0">
+                        <a:latin typeface="Hiragino Sans CNS W3" panose="020B0300000000000000" pitchFamily="34" charset="-128"/>
+                        <a:ea typeface="Hiragino Sans CNS W3" panose="020B0300000000000000" pitchFamily="34" charset="-128"/>
+                      </a:endParaRPr>
+                    </a:p>
+                  </a:txBody>
+                  <a:tcPr marL="99361" marR="99361" marT="49681" marB="49681" anchor="ctr"/>
+                </a:tc>
+                <a:tc>
+                  <a:txBody>
+                    <a:bodyPr/>
+                    <a:lstStyle/>
+                    <a:p>
+                      <a:pPr algn="ctr"/>
+                      <a:endParaRPr lang="zh-TW" altLang="en-US" sz="3000" dirty="0">
+                        <a:latin typeface="Hiragino Sans CNS W3" panose="020B0300000000000000" pitchFamily="34" charset="-128"/>
+                        <a:ea typeface="Hiragino Sans CNS W3" panose="020B0300000000000000" pitchFamily="34" charset="-128"/>
+                      </a:endParaRPr>
+                    </a:p>
+                  </a:txBody>
+                  <a:tcPr marL="99361" marR="99361" marT="49681" marB="49681" anchor="ctr"/>
+                </a:tc>
+                <a:tc>
+                  <a:txBody>
+                    <a:bodyPr/>
+                    <a:lstStyle/>
+                    <a:p>
+                      <a:pPr algn="ctr"/>
+                      <a:endParaRPr lang="zh-TW" altLang="en-US" sz="3000" dirty="0">
+                        <a:latin typeface="Hiragino Sans CNS W3" panose="020B0300000000000000" pitchFamily="34" charset="-128"/>
+                        <a:ea typeface="Hiragino Sans CNS W3" panose="020B0300000000000000" pitchFamily="34" charset="-128"/>
+                      </a:endParaRPr>
+                    </a:p>
+                  </a:txBody>
+                  <a:tcPr marL="99361" marR="99361" marT="49681" marB="49681" anchor="ctr"/>
+                </a:tc>
+                <a:extLst>
+                  <a:ext uri="{0D108BD9-81ED-4DB2-BD59-A6C34878D82A}">
+                    <a16:rowId xmlns:a16="http://schemas.microsoft.com/office/drawing/2014/main" val="1783147424"/>
+                  </a:ext>
+                </a:extLst>
+              </a:tr>
+              <a:tr h="886229">
+                <a:tc>
+                  <a:txBody>
+                    <a:bodyPr/>
+                    <a:lstStyle/>
+                    <a:p>
+                      <a:pPr algn="ctr"/>
+                      <a:endParaRPr lang="zh-TW" altLang="en-US" sz="3000" dirty="0">
+                        <a:latin typeface="Hiragino Sans CNS W3" panose="020B0300000000000000" pitchFamily="34" charset="-128"/>
+                        <a:ea typeface="Hiragino Sans CNS W3" panose="020B0300000000000000" pitchFamily="34" charset="-128"/>
+                      </a:endParaRPr>
+                    </a:p>
+                  </a:txBody>
+                  <a:tcPr marL="99361" marR="99361" marT="49681" marB="49681" anchor="ctr"/>
+                </a:tc>
+                <a:tc>
+                  <a:txBody>
+                    <a:bodyPr/>
+                    <a:lstStyle/>
+                    <a:p>
+                      <a:pPr algn="ctr"/>
+                      <a:endParaRPr lang="zh-TW" altLang="en-US" sz="3000" dirty="0">
+                        <a:latin typeface="Hiragino Sans CNS W3" panose="020B0300000000000000" pitchFamily="34" charset="-128"/>
+                        <a:ea typeface="Hiragino Sans CNS W3" panose="020B0300000000000000" pitchFamily="34" charset="-128"/>
+                      </a:endParaRPr>
+                    </a:p>
+                  </a:txBody>
+                  <a:tcPr marL="99361" marR="99361" marT="49681" marB="49681" anchor="ctr"/>
+                </a:tc>
+                <a:tc>
+                  <a:txBody>
+                    <a:bodyPr/>
+                    <a:lstStyle/>
+                    <a:p>
+                      <a:pPr algn="ctr"/>
+                      <a:endParaRPr lang="zh-TW" altLang="en-US" sz="3000" dirty="0">
+                        <a:latin typeface="Hiragino Sans CNS W3" panose="020B0300000000000000" pitchFamily="34" charset="-128"/>
+                        <a:ea typeface="Hiragino Sans CNS W3" panose="020B0300000000000000" pitchFamily="34" charset="-128"/>
+                      </a:endParaRPr>
+                    </a:p>
+                  </a:txBody>
+                  <a:tcPr marL="99361" marR="99361" marT="49681" marB="49681" anchor="ctr"/>
+                </a:tc>
+                <a:tc>
+                  <a:txBody>
+                    <a:bodyPr/>
+                    <a:lstStyle/>
+                    <a:p>
+                      <a:pPr algn="ctr"/>
+                      <a:endParaRPr lang="zh-TW" altLang="en-US" sz="3000" dirty="0">
+                        <a:latin typeface="Hiragino Sans CNS W3" panose="020B0300000000000000" pitchFamily="34" charset="-128"/>
+                        <a:ea typeface="Hiragino Sans CNS W3" panose="020B0300000000000000" pitchFamily="34" charset="-128"/>
+                      </a:endParaRPr>
+                    </a:p>
+                  </a:txBody>
+                  <a:tcPr marL="99361" marR="99361" marT="49681" marB="49681" anchor="ctr"/>
+                </a:tc>
+                <a:tc>
+                  <a:txBody>
+                    <a:bodyPr/>
+                    <a:lstStyle/>
+                    <a:p>
+                      <a:pPr algn="ctr"/>
+                      <a:endParaRPr lang="zh-TW" altLang="en-US" sz="3000" dirty="0">
+                        <a:latin typeface="Hiragino Sans CNS W3" panose="020B0300000000000000" pitchFamily="34" charset="-128"/>
+                        <a:ea typeface="Hiragino Sans CNS W3" panose="020B0300000000000000" pitchFamily="34" charset="-128"/>
+                      </a:endParaRPr>
+                    </a:p>
+                  </a:txBody>
+                  <a:tcPr marL="99361" marR="99361" marT="49681" marB="49681" anchor="ctr"/>
+                </a:tc>
+                <a:extLst>
+                  <a:ext uri="{0D108BD9-81ED-4DB2-BD59-A6C34878D82A}">
+                    <a16:rowId xmlns:a16="http://schemas.microsoft.com/office/drawing/2014/main" val="3144180348"/>
+                  </a:ext>
+                </a:extLst>
+              </a:tr>
+            </a:tbl>
+          </a:graphicData>
+        </a:graphic>
+      </p:graphicFrame>
+    </p:spTree>
+    <p:extLst>
+      <p:ext uri="{BB962C8B-B14F-4D97-AF65-F5344CB8AC3E}">
+        <p14:creationId xmlns:p14="http://schemas.microsoft.com/office/powerpoint/2010/main" val="1996734557"/>
       </p:ext>
     </p:extLst>
   </p:cSld>
@@ -13102,1197 +13100,6 @@
           <p:nvPr>
             <p:extLst>
               <p:ext uri="{D42A27DB-BD31-4B8C-83A1-F6EECF244321}">
-                <p14:modId xmlns:p14="http://schemas.microsoft.com/office/powerpoint/2010/main" val="3849132613"/>
-              </p:ext>
-            </p:extLst>
-          </p:nvPr>
-        </p:nvGraphicFramePr>
-        <p:xfrm>
-          <a:off x="5792626" y="1690688"/>
-          <a:ext cx="4451070" cy="4431145"/>
-        </p:xfrm>
-        <a:graphic>
-          <a:graphicData uri="http://schemas.openxmlformats.org/drawingml/2006/table">
-            <a:tbl>
-              <a:tblPr bandRow="1">
-                <a:tableStyleId>{F5AB1C69-6EDB-4FF4-983F-18BD219EF322}</a:tableStyleId>
-              </a:tblPr>
-              <a:tblGrid>
-                <a:gridCol w="890214">
-                  <a:extLst>
-                    <a:ext uri="{9D8B030D-6E8A-4147-A177-3AD203B41FA5}">
-                      <a16:colId xmlns:a16="http://schemas.microsoft.com/office/drawing/2014/main" val="3457372882"/>
-                    </a:ext>
-                  </a:extLst>
-                </a:gridCol>
-                <a:gridCol w="890214">
-                  <a:extLst>
-                    <a:ext uri="{9D8B030D-6E8A-4147-A177-3AD203B41FA5}">
-                      <a16:colId xmlns:a16="http://schemas.microsoft.com/office/drawing/2014/main" val="4012716525"/>
-                    </a:ext>
-                  </a:extLst>
-                </a:gridCol>
-                <a:gridCol w="890214">
-                  <a:extLst>
-                    <a:ext uri="{9D8B030D-6E8A-4147-A177-3AD203B41FA5}">
-                      <a16:colId xmlns:a16="http://schemas.microsoft.com/office/drawing/2014/main" val="3635152842"/>
-                    </a:ext>
-                  </a:extLst>
-                </a:gridCol>
-                <a:gridCol w="890214">
-                  <a:extLst>
-                    <a:ext uri="{9D8B030D-6E8A-4147-A177-3AD203B41FA5}">
-                      <a16:colId xmlns:a16="http://schemas.microsoft.com/office/drawing/2014/main" val="1376262311"/>
-                    </a:ext>
-                  </a:extLst>
-                </a:gridCol>
-                <a:gridCol w="890214">
-                  <a:extLst>
-                    <a:ext uri="{9D8B030D-6E8A-4147-A177-3AD203B41FA5}">
-                      <a16:colId xmlns:a16="http://schemas.microsoft.com/office/drawing/2014/main" val="1171847317"/>
-                    </a:ext>
-                  </a:extLst>
-                </a:gridCol>
-              </a:tblGrid>
-              <a:tr h="886229">
-                <a:tc>
-                  <a:txBody>
-                    <a:bodyPr/>
-                    <a:lstStyle/>
-                    <a:p>
-                      <a:pPr algn="ctr"/>
-                      <a:endParaRPr lang="zh-TW" altLang="en-US" sz="3000" dirty="0">
-                        <a:latin typeface="Hiragino Sans CNS W3" panose="020B0300000000000000" pitchFamily="34" charset="-128"/>
-                        <a:ea typeface="Hiragino Sans CNS W3" panose="020B0300000000000000" pitchFamily="34" charset="-128"/>
-                      </a:endParaRPr>
-                    </a:p>
-                  </a:txBody>
-                  <a:tcPr marL="99361" marR="99361" marT="49681" marB="49681" anchor="ctr"/>
-                </a:tc>
-                <a:tc>
-                  <a:txBody>
-                    <a:bodyPr/>
-                    <a:lstStyle/>
-                    <a:p>
-                      <a:pPr algn="ctr"/>
-                      <a:endParaRPr lang="zh-TW" altLang="en-US" sz="3000" dirty="0">
-                        <a:latin typeface="Hiragino Sans CNS W3" panose="020B0300000000000000" pitchFamily="34" charset="-128"/>
-                        <a:ea typeface="Hiragino Sans CNS W3" panose="020B0300000000000000" pitchFamily="34" charset="-128"/>
-                      </a:endParaRPr>
-                    </a:p>
-                  </a:txBody>
-                  <a:tcPr marL="99361" marR="99361" marT="49681" marB="49681" anchor="ctr"/>
-                </a:tc>
-                <a:tc>
-                  <a:txBody>
-                    <a:bodyPr/>
-                    <a:lstStyle/>
-                    <a:p>
-                      <a:pPr algn="ctr"/>
-                      <a:endParaRPr lang="zh-TW" altLang="en-US" sz="3000" dirty="0">
-                        <a:latin typeface="Hiragino Sans CNS W3" panose="020B0300000000000000" pitchFamily="34" charset="-128"/>
-                        <a:ea typeface="Hiragino Sans CNS W3" panose="020B0300000000000000" pitchFamily="34" charset="-128"/>
-                      </a:endParaRPr>
-                    </a:p>
-                  </a:txBody>
-                  <a:tcPr marL="99361" marR="99361" marT="49681" marB="49681" anchor="ctr"/>
-                </a:tc>
-                <a:tc>
-                  <a:txBody>
-                    <a:bodyPr/>
-                    <a:lstStyle/>
-                    <a:p>
-                      <a:pPr algn="ctr"/>
-                      <a:endParaRPr lang="zh-TW" altLang="en-US" sz="3000" dirty="0">
-                        <a:latin typeface="Hiragino Sans CNS W3" panose="020B0300000000000000" pitchFamily="34" charset="-128"/>
-                        <a:ea typeface="Hiragino Sans CNS W3" panose="020B0300000000000000" pitchFamily="34" charset="-128"/>
-                      </a:endParaRPr>
-                    </a:p>
-                  </a:txBody>
-                  <a:tcPr marL="99361" marR="99361" marT="49681" marB="49681" anchor="ctr"/>
-                </a:tc>
-                <a:tc>
-                  <a:txBody>
-                    <a:bodyPr/>
-                    <a:lstStyle/>
-                    <a:p>
-                      <a:pPr algn="ctr"/>
-                      <a:endParaRPr lang="zh-TW" altLang="en-US" sz="3000" dirty="0">
-                        <a:latin typeface="Hiragino Sans CNS W3" panose="020B0300000000000000" pitchFamily="34" charset="-128"/>
-                        <a:ea typeface="Hiragino Sans CNS W3" panose="020B0300000000000000" pitchFamily="34" charset="-128"/>
-                      </a:endParaRPr>
-                    </a:p>
-                  </a:txBody>
-                  <a:tcPr marL="99361" marR="99361" marT="49681" marB="49681" anchor="ctr"/>
-                </a:tc>
-                <a:extLst>
-                  <a:ext uri="{0D108BD9-81ED-4DB2-BD59-A6C34878D82A}">
-                    <a16:rowId xmlns:a16="http://schemas.microsoft.com/office/drawing/2014/main" val="3063813678"/>
-                  </a:ext>
-                </a:extLst>
-              </a:tr>
-              <a:tr h="886229">
-                <a:tc>
-                  <a:txBody>
-                    <a:bodyPr/>
-                    <a:lstStyle/>
-                    <a:p>
-                      <a:pPr algn="ctr"/>
-                      <a:r>
-                        <a:rPr lang="en-US" altLang="zh-TW" sz="3000" dirty="0">
-                          <a:latin typeface="Hiragino Sans CNS W3" panose="020B0300000000000000" pitchFamily="34" charset="-128"/>
-                          <a:ea typeface="Hiragino Sans CNS W3" panose="020B0300000000000000" pitchFamily="34" charset="-128"/>
-                        </a:rPr>
-                        <a:t>R</a:t>
-                      </a:r>
-                      <a:endParaRPr lang="zh-TW" altLang="en-US" sz="3000" dirty="0">
-                        <a:latin typeface="Hiragino Sans CNS W3" panose="020B0300000000000000" pitchFamily="34" charset="-128"/>
-                        <a:ea typeface="Hiragino Sans CNS W3" panose="020B0300000000000000" pitchFamily="34" charset="-128"/>
-                      </a:endParaRPr>
-                    </a:p>
-                  </a:txBody>
-                  <a:tcPr marL="99361" marR="99361" marT="49681" marB="49681" anchor="ctr">
-                    <a:solidFill>
-                      <a:schemeClr val="accent6"/>
-                    </a:solidFill>
-                  </a:tcPr>
-                </a:tc>
-                <a:tc>
-                  <a:txBody>
-                    <a:bodyPr/>
-                    <a:lstStyle/>
-                    <a:p>
-                      <a:pPr algn="ctr"/>
-                      <a:r>
-                        <a:rPr lang="en-US" altLang="zh-TW" sz="3000" dirty="0">
-                          <a:latin typeface="Hiragino Sans CNS W3" panose="020B0300000000000000" pitchFamily="34" charset="-128"/>
-                          <a:ea typeface="Hiragino Sans CNS W3" panose="020B0300000000000000" pitchFamily="34" charset="-128"/>
-                        </a:rPr>
-                        <a:t>X</a:t>
-                      </a:r>
-                      <a:endParaRPr lang="zh-TW" altLang="en-US" sz="3000" dirty="0">
-                        <a:latin typeface="Hiragino Sans CNS W3" panose="020B0300000000000000" pitchFamily="34" charset="-128"/>
-                        <a:ea typeface="Hiragino Sans CNS W3" panose="020B0300000000000000" pitchFamily="34" charset="-128"/>
-                      </a:endParaRPr>
-                    </a:p>
-                  </a:txBody>
-                  <a:tcPr marL="99361" marR="99361" marT="49681" marB="49681" anchor="ctr">
-                    <a:solidFill>
-                      <a:schemeClr val="bg1">
-                        <a:lumMod val="95000"/>
-                      </a:schemeClr>
-                    </a:solidFill>
-                  </a:tcPr>
-                </a:tc>
-                <a:tc>
-                  <a:txBody>
-                    <a:bodyPr/>
-                    <a:lstStyle/>
-                    <a:p>
-                      <a:pPr algn="ctr"/>
-                      <a:endParaRPr lang="zh-TW" altLang="en-US" sz="3000" dirty="0">
-                        <a:latin typeface="Hiragino Sans CNS W3" panose="020B0300000000000000" pitchFamily="34" charset="-128"/>
-                        <a:ea typeface="Hiragino Sans CNS W3" panose="020B0300000000000000" pitchFamily="34" charset="-128"/>
-                      </a:endParaRPr>
-                    </a:p>
-                  </a:txBody>
-                  <a:tcPr marL="99361" marR="99361" marT="49681" marB="49681" anchor="ctr"/>
-                </a:tc>
-                <a:tc>
-                  <a:txBody>
-                    <a:bodyPr/>
-                    <a:lstStyle/>
-                    <a:p>
-                      <a:pPr algn="ctr"/>
-                      <a:endParaRPr lang="zh-TW" altLang="en-US" sz="3000" dirty="0">
-                        <a:latin typeface="Hiragino Sans CNS W3" panose="020B0300000000000000" pitchFamily="34" charset="-128"/>
-                        <a:ea typeface="Hiragino Sans CNS W3" panose="020B0300000000000000" pitchFamily="34" charset="-128"/>
-                      </a:endParaRPr>
-                    </a:p>
-                  </a:txBody>
-                  <a:tcPr marL="99361" marR="99361" marT="49681" marB="49681" anchor="ctr"/>
-                </a:tc>
-                <a:tc>
-                  <a:txBody>
-                    <a:bodyPr/>
-                    <a:lstStyle/>
-                    <a:p>
-                      <a:pPr algn="ctr"/>
-                      <a:endParaRPr lang="zh-TW" altLang="en-US" sz="3000" dirty="0">
-                        <a:latin typeface="Hiragino Sans CNS W3" panose="020B0300000000000000" pitchFamily="34" charset="-128"/>
-                        <a:ea typeface="Hiragino Sans CNS W3" panose="020B0300000000000000" pitchFamily="34" charset="-128"/>
-                      </a:endParaRPr>
-                    </a:p>
-                  </a:txBody>
-                  <a:tcPr marL="99361" marR="99361" marT="49681" marB="49681" anchor="ctr"/>
-                </a:tc>
-                <a:extLst>
-                  <a:ext uri="{0D108BD9-81ED-4DB2-BD59-A6C34878D82A}">
-                    <a16:rowId xmlns:a16="http://schemas.microsoft.com/office/drawing/2014/main" val="729469909"/>
-                  </a:ext>
-                </a:extLst>
-              </a:tr>
-              <a:tr h="886229">
-                <a:tc>
-                  <a:txBody>
-                    <a:bodyPr/>
-                    <a:lstStyle/>
-                    <a:p>
-                      <a:pPr algn="ctr"/>
-                      <a:r>
-                        <a:rPr lang="en-US" altLang="zh-TW" sz="3000" dirty="0">
-                          <a:latin typeface="Hiragino Sans CNS W3" panose="020B0300000000000000" pitchFamily="34" charset="-128"/>
-                          <a:ea typeface="Hiragino Sans CNS W3" panose="020B0300000000000000" pitchFamily="34" charset="-128"/>
-                        </a:rPr>
-                        <a:t>U</a:t>
-                      </a:r>
-                      <a:endParaRPr lang="zh-TW" altLang="en-US" sz="3000" dirty="0">
-                        <a:latin typeface="Hiragino Sans CNS W3" panose="020B0300000000000000" pitchFamily="34" charset="-128"/>
-                        <a:ea typeface="Hiragino Sans CNS W3" panose="020B0300000000000000" pitchFamily="34" charset="-128"/>
-                      </a:endParaRPr>
-                    </a:p>
-                  </a:txBody>
-                  <a:tcPr marL="99361" marR="99361" marT="49681" marB="49681" anchor="ctr">
-                    <a:solidFill>
-                      <a:schemeClr val="accent6"/>
-                    </a:solidFill>
-                  </a:tcPr>
-                </a:tc>
-                <a:tc>
-                  <a:txBody>
-                    <a:bodyPr/>
-                    <a:lstStyle/>
-                    <a:p>
-                      <a:pPr algn="ctr"/>
-                      <a:endParaRPr lang="zh-TW" altLang="en-US" sz="3000" dirty="0">
-                        <a:latin typeface="Hiragino Sans CNS W3" panose="020B0300000000000000" pitchFamily="34" charset="-128"/>
-                        <a:ea typeface="Hiragino Sans CNS W3" panose="020B0300000000000000" pitchFamily="34" charset="-128"/>
-                      </a:endParaRPr>
-                    </a:p>
-                  </a:txBody>
-                  <a:tcPr marL="99361" marR="99361" marT="49681" marB="49681" anchor="ctr"/>
-                </a:tc>
-                <a:tc>
-                  <a:txBody>
-                    <a:bodyPr/>
-                    <a:lstStyle/>
-                    <a:p>
-                      <a:pPr algn="ctr"/>
-                      <a:endParaRPr lang="zh-TW" altLang="en-US" sz="3000" dirty="0">
-                        <a:latin typeface="Hiragino Sans CNS W3" panose="020B0300000000000000" pitchFamily="34" charset="-128"/>
-                        <a:ea typeface="Hiragino Sans CNS W3" panose="020B0300000000000000" pitchFamily="34" charset="-128"/>
-                      </a:endParaRPr>
-                    </a:p>
-                  </a:txBody>
-                  <a:tcPr marL="99361" marR="99361" marT="49681" marB="49681" anchor="ctr"/>
-                </a:tc>
-                <a:tc>
-                  <a:txBody>
-                    <a:bodyPr/>
-                    <a:lstStyle/>
-                    <a:p>
-                      <a:pPr algn="ctr"/>
-                      <a:endParaRPr lang="zh-TW" altLang="en-US" sz="3000" dirty="0">
-                        <a:latin typeface="Hiragino Sans CNS W3" panose="020B0300000000000000" pitchFamily="34" charset="-128"/>
-                        <a:ea typeface="Hiragino Sans CNS W3" panose="020B0300000000000000" pitchFamily="34" charset="-128"/>
-                      </a:endParaRPr>
-                    </a:p>
-                  </a:txBody>
-                  <a:tcPr marL="99361" marR="99361" marT="49681" marB="49681" anchor="ctr"/>
-                </a:tc>
-                <a:tc>
-                  <a:txBody>
-                    <a:bodyPr/>
-                    <a:lstStyle/>
-                    <a:p>
-                      <a:pPr algn="ctr"/>
-                      <a:endParaRPr lang="zh-TW" altLang="en-US" sz="3000" dirty="0">
-                        <a:latin typeface="Hiragino Sans CNS W3" panose="020B0300000000000000" pitchFamily="34" charset="-128"/>
-                        <a:ea typeface="Hiragino Sans CNS W3" panose="020B0300000000000000" pitchFamily="34" charset="-128"/>
-                      </a:endParaRPr>
-                    </a:p>
-                  </a:txBody>
-                  <a:tcPr marL="99361" marR="99361" marT="49681" marB="49681" anchor="ctr"/>
-                </a:tc>
-                <a:extLst>
-                  <a:ext uri="{0D108BD9-81ED-4DB2-BD59-A6C34878D82A}">
-                    <a16:rowId xmlns:a16="http://schemas.microsoft.com/office/drawing/2014/main" val="1632199547"/>
-                  </a:ext>
-                </a:extLst>
-              </a:tr>
-              <a:tr h="886229">
-                <a:tc>
-                  <a:txBody>
-                    <a:bodyPr/>
-                    <a:lstStyle/>
-                    <a:p>
-                      <a:pPr algn="ctr"/>
-                      <a:endParaRPr lang="zh-TW" altLang="en-US" sz="3000" dirty="0">
-                        <a:latin typeface="Hiragino Sans CNS W3" panose="020B0300000000000000" pitchFamily="34" charset="-128"/>
-                        <a:ea typeface="Hiragino Sans CNS W3" panose="020B0300000000000000" pitchFamily="34" charset="-128"/>
-                      </a:endParaRPr>
-                    </a:p>
-                  </a:txBody>
-                  <a:tcPr marL="99361" marR="99361" marT="49681" marB="49681" anchor="ctr"/>
-                </a:tc>
-                <a:tc>
-                  <a:txBody>
-                    <a:bodyPr/>
-                    <a:lstStyle/>
-                    <a:p>
-                      <a:pPr algn="ctr"/>
-                      <a:endParaRPr lang="zh-TW" altLang="en-US" sz="3000" dirty="0">
-                        <a:latin typeface="Hiragino Sans CNS W3" panose="020B0300000000000000" pitchFamily="34" charset="-128"/>
-                        <a:ea typeface="Hiragino Sans CNS W3" panose="020B0300000000000000" pitchFamily="34" charset="-128"/>
-                      </a:endParaRPr>
-                    </a:p>
-                  </a:txBody>
-                  <a:tcPr marL="99361" marR="99361" marT="49681" marB="49681" anchor="ctr"/>
-                </a:tc>
-                <a:tc>
-                  <a:txBody>
-                    <a:bodyPr/>
-                    <a:lstStyle/>
-                    <a:p>
-                      <a:pPr algn="ctr"/>
-                      <a:endParaRPr lang="zh-TW" altLang="en-US" sz="3000" dirty="0">
-                        <a:latin typeface="Hiragino Sans CNS W3" panose="020B0300000000000000" pitchFamily="34" charset="-128"/>
-                        <a:ea typeface="Hiragino Sans CNS W3" panose="020B0300000000000000" pitchFamily="34" charset="-128"/>
-                      </a:endParaRPr>
-                    </a:p>
-                  </a:txBody>
-                  <a:tcPr marL="99361" marR="99361" marT="49681" marB="49681" anchor="ctr"/>
-                </a:tc>
-                <a:tc>
-                  <a:txBody>
-                    <a:bodyPr/>
-                    <a:lstStyle/>
-                    <a:p>
-                      <a:pPr algn="ctr"/>
-                      <a:endParaRPr lang="zh-TW" altLang="en-US" sz="3000" dirty="0">
-                        <a:latin typeface="Hiragino Sans CNS W3" panose="020B0300000000000000" pitchFamily="34" charset="-128"/>
-                        <a:ea typeface="Hiragino Sans CNS W3" panose="020B0300000000000000" pitchFamily="34" charset="-128"/>
-                      </a:endParaRPr>
-                    </a:p>
-                  </a:txBody>
-                  <a:tcPr marL="99361" marR="99361" marT="49681" marB="49681" anchor="ctr"/>
-                </a:tc>
-                <a:tc>
-                  <a:txBody>
-                    <a:bodyPr/>
-                    <a:lstStyle/>
-                    <a:p>
-                      <a:pPr algn="ctr"/>
-                      <a:endParaRPr lang="zh-TW" altLang="en-US" sz="3000" dirty="0">
-                        <a:latin typeface="Hiragino Sans CNS W3" panose="020B0300000000000000" pitchFamily="34" charset="-128"/>
-                        <a:ea typeface="Hiragino Sans CNS W3" panose="020B0300000000000000" pitchFamily="34" charset="-128"/>
-                      </a:endParaRPr>
-                    </a:p>
-                  </a:txBody>
-                  <a:tcPr marL="99361" marR="99361" marT="49681" marB="49681" anchor="ctr"/>
-                </a:tc>
-                <a:extLst>
-                  <a:ext uri="{0D108BD9-81ED-4DB2-BD59-A6C34878D82A}">
-                    <a16:rowId xmlns:a16="http://schemas.microsoft.com/office/drawing/2014/main" val="1783147424"/>
-                  </a:ext>
-                </a:extLst>
-              </a:tr>
-              <a:tr h="886229">
-                <a:tc>
-                  <a:txBody>
-                    <a:bodyPr/>
-                    <a:lstStyle/>
-                    <a:p>
-                      <a:pPr algn="ctr"/>
-                      <a:endParaRPr lang="zh-TW" altLang="en-US" sz="3000" dirty="0">
-                        <a:latin typeface="Hiragino Sans CNS W3" panose="020B0300000000000000" pitchFamily="34" charset="-128"/>
-                        <a:ea typeface="Hiragino Sans CNS W3" panose="020B0300000000000000" pitchFamily="34" charset="-128"/>
-                      </a:endParaRPr>
-                    </a:p>
-                  </a:txBody>
-                  <a:tcPr marL="99361" marR="99361" marT="49681" marB="49681" anchor="ctr"/>
-                </a:tc>
-                <a:tc>
-                  <a:txBody>
-                    <a:bodyPr/>
-                    <a:lstStyle/>
-                    <a:p>
-                      <a:pPr algn="ctr"/>
-                      <a:endParaRPr lang="zh-TW" altLang="en-US" sz="3000" dirty="0">
-                        <a:latin typeface="Hiragino Sans CNS W3" panose="020B0300000000000000" pitchFamily="34" charset="-128"/>
-                        <a:ea typeface="Hiragino Sans CNS W3" panose="020B0300000000000000" pitchFamily="34" charset="-128"/>
-                      </a:endParaRPr>
-                    </a:p>
-                  </a:txBody>
-                  <a:tcPr marL="99361" marR="99361" marT="49681" marB="49681" anchor="ctr"/>
-                </a:tc>
-                <a:tc>
-                  <a:txBody>
-                    <a:bodyPr/>
-                    <a:lstStyle/>
-                    <a:p>
-                      <a:pPr algn="ctr"/>
-                      <a:endParaRPr lang="zh-TW" altLang="en-US" sz="3000" dirty="0">
-                        <a:latin typeface="Hiragino Sans CNS W3" panose="020B0300000000000000" pitchFamily="34" charset="-128"/>
-                        <a:ea typeface="Hiragino Sans CNS W3" panose="020B0300000000000000" pitchFamily="34" charset="-128"/>
-                      </a:endParaRPr>
-                    </a:p>
-                  </a:txBody>
-                  <a:tcPr marL="99361" marR="99361" marT="49681" marB="49681" anchor="ctr"/>
-                </a:tc>
-                <a:tc>
-                  <a:txBody>
-                    <a:bodyPr/>
-                    <a:lstStyle/>
-                    <a:p>
-                      <a:pPr algn="ctr"/>
-                      <a:endParaRPr lang="zh-TW" altLang="en-US" sz="3000" dirty="0">
-                        <a:latin typeface="Hiragino Sans CNS W3" panose="020B0300000000000000" pitchFamily="34" charset="-128"/>
-                        <a:ea typeface="Hiragino Sans CNS W3" panose="020B0300000000000000" pitchFamily="34" charset="-128"/>
-                      </a:endParaRPr>
-                    </a:p>
-                  </a:txBody>
-                  <a:tcPr marL="99361" marR="99361" marT="49681" marB="49681" anchor="ctr"/>
-                </a:tc>
-                <a:tc>
-                  <a:txBody>
-                    <a:bodyPr/>
-                    <a:lstStyle/>
-                    <a:p>
-                      <a:pPr algn="ctr"/>
-                      <a:endParaRPr lang="zh-TW" altLang="en-US" sz="3000" dirty="0">
-                        <a:latin typeface="Hiragino Sans CNS W3" panose="020B0300000000000000" pitchFamily="34" charset="-128"/>
-                        <a:ea typeface="Hiragino Sans CNS W3" panose="020B0300000000000000" pitchFamily="34" charset="-128"/>
-                      </a:endParaRPr>
-                    </a:p>
-                  </a:txBody>
-                  <a:tcPr marL="99361" marR="99361" marT="49681" marB="49681" anchor="ctr"/>
-                </a:tc>
-                <a:extLst>
-                  <a:ext uri="{0D108BD9-81ED-4DB2-BD59-A6C34878D82A}">
-                    <a16:rowId xmlns:a16="http://schemas.microsoft.com/office/drawing/2014/main" val="3144180348"/>
-                  </a:ext>
-                </a:extLst>
-              </a:tr>
-            </a:tbl>
-          </a:graphicData>
-        </a:graphic>
-      </p:graphicFrame>
-    </p:spTree>
-    <p:extLst>
-      <p:ext uri="{BB962C8B-B14F-4D97-AF65-F5344CB8AC3E}">
-        <p14:creationId xmlns:p14="http://schemas.microsoft.com/office/powerpoint/2010/main" val="1996734557"/>
-      </p:ext>
-    </p:extLst>
-  </p:cSld>
-  <p:clrMapOvr>
-    <a:masterClrMapping/>
-  </p:clrMapOvr>
-</p:sld>
-</file>
-
-<file path=ppt/slides/slide16.xml><?xml version="1.0" encoding="utf-8"?>
-<p:sld xmlns:a="http://schemas.openxmlformats.org/drawingml/2006/main" xmlns:r="http://schemas.openxmlformats.org/officeDocument/2006/relationships" xmlns:p="http://schemas.openxmlformats.org/presentationml/2006/main">
-  <p:cSld>
-    <p:spTree>
-      <p:nvGrpSpPr>
-        <p:cNvPr id="1" name=""/>
-        <p:cNvGrpSpPr/>
-        <p:nvPr/>
-      </p:nvGrpSpPr>
-      <p:grpSpPr>
-        <a:xfrm>
-          <a:off x="0" y="0"/>
-          <a:ext cx="0" cy="0"/>
-          <a:chOff x="0" y="0"/>
-          <a:chExt cx="0" cy="0"/>
-        </a:xfrm>
-      </p:grpSpPr>
-      <p:sp>
-        <p:nvSpPr>
-          <p:cNvPr id="2" name="標題 1">
-            <a:extLst>
-              <a:ext uri="{FF2B5EF4-FFF2-40B4-BE49-F238E27FC236}">
-                <a16:creationId xmlns:a16="http://schemas.microsoft.com/office/drawing/2014/main" id="{B4FD27FB-CFA4-8E72-E656-450DE1D8D350}"/>
-              </a:ext>
-            </a:extLst>
-          </p:cNvPr>
-          <p:cNvSpPr>
-            <a:spLocks noGrp="1"/>
-          </p:cNvSpPr>
-          <p:nvPr>
-            <p:ph type="title"/>
-          </p:nvPr>
-        </p:nvSpPr>
-        <p:spPr/>
-        <p:txBody>
-          <a:bodyPr/>
-          <a:lstStyle/>
-          <a:p>
-            <a:r>
-              <a:rPr kumimoji="1" lang="en-US" altLang="zh-TW" dirty="0"/>
-              <a:t>Backtracking and animation</a:t>
-            </a:r>
-            <a:endParaRPr kumimoji="1" lang="zh-TW" altLang="en-US" dirty="0"/>
-          </a:p>
-        </p:txBody>
-      </p:sp>
-      <p:graphicFrame>
-        <p:nvGraphicFramePr>
-          <p:cNvPr id="4" name="表格 4">
-            <a:extLst>
-              <a:ext uri="{FF2B5EF4-FFF2-40B4-BE49-F238E27FC236}">
-                <a16:creationId xmlns:a16="http://schemas.microsoft.com/office/drawing/2014/main" id="{2A4EC703-C96C-BB6E-6F6E-643DE3F3862A}"/>
-              </a:ext>
-            </a:extLst>
-          </p:cNvPr>
-          <p:cNvGraphicFramePr>
-            <a:graphicFrameLocks noGrp="1"/>
-          </p:cNvGraphicFramePr>
-          <p:nvPr/>
-        </p:nvGraphicFramePr>
-        <p:xfrm>
-          <a:off x="637152" y="1690688"/>
-          <a:ext cx="4451070" cy="4431145"/>
-        </p:xfrm>
-        <a:graphic>
-          <a:graphicData uri="http://schemas.openxmlformats.org/drawingml/2006/table">
-            <a:tbl>
-              <a:tblPr bandRow="1">
-                <a:tableStyleId>{F5AB1C69-6EDB-4FF4-983F-18BD219EF322}</a:tableStyleId>
-              </a:tblPr>
-              <a:tblGrid>
-                <a:gridCol w="890214">
-                  <a:extLst>
-                    <a:ext uri="{9D8B030D-6E8A-4147-A177-3AD203B41FA5}">
-                      <a16:colId xmlns:a16="http://schemas.microsoft.com/office/drawing/2014/main" val="3457372882"/>
-                    </a:ext>
-                  </a:extLst>
-                </a:gridCol>
-                <a:gridCol w="890214">
-                  <a:extLst>
-                    <a:ext uri="{9D8B030D-6E8A-4147-A177-3AD203B41FA5}">
-                      <a16:colId xmlns:a16="http://schemas.microsoft.com/office/drawing/2014/main" val="4012716525"/>
-                    </a:ext>
-                  </a:extLst>
-                </a:gridCol>
-                <a:gridCol w="890214">
-                  <a:extLst>
-                    <a:ext uri="{9D8B030D-6E8A-4147-A177-3AD203B41FA5}">
-                      <a16:colId xmlns:a16="http://schemas.microsoft.com/office/drawing/2014/main" val="3635152842"/>
-                    </a:ext>
-                  </a:extLst>
-                </a:gridCol>
-                <a:gridCol w="890214">
-                  <a:extLst>
-                    <a:ext uri="{9D8B030D-6E8A-4147-A177-3AD203B41FA5}">
-                      <a16:colId xmlns:a16="http://schemas.microsoft.com/office/drawing/2014/main" val="1376262311"/>
-                    </a:ext>
-                  </a:extLst>
-                </a:gridCol>
-                <a:gridCol w="890214">
-                  <a:extLst>
-                    <a:ext uri="{9D8B030D-6E8A-4147-A177-3AD203B41FA5}">
-                      <a16:colId xmlns:a16="http://schemas.microsoft.com/office/drawing/2014/main" val="1171847317"/>
-                    </a:ext>
-                  </a:extLst>
-                </a:gridCol>
-              </a:tblGrid>
-              <a:tr h="886229">
-                <a:tc>
-                  <a:txBody>
-                    <a:bodyPr/>
-                    <a:lstStyle/>
-                    <a:p>
-                      <a:pPr algn="ctr"/>
-                      <a:r>
-                        <a:rPr lang="en-US" altLang="zh-TW" sz="3000" dirty="0">
-                          <a:latin typeface="Hiragino Sans CNS W3" panose="020B0300000000000000" pitchFamily="34" charset="-128"/>
-                          <a:ea typeface="Hiragino Sans CNS W3" panose="020B0300000000000000" pitchFamily="34" charset="-128"/>
-                        </a:rPr>
-                        <a:t>1</a:t>
-                      </a:r>
-                      <a:endParaRPr lang="zh-TW" altLang="en-US" sz="3000" dirty="0">
-                        <a:latin typeface="Hiragino Sans CNS W3" panose="020B0300000000000000" pitchFamily="34" charset="-128"/>
-                        <a:ea typeface="Hiragino Sans CNS W3" panose="020B0300000000000000" pitchFamily="34" charset="-128"/>
-                      </a:endParaRPr>
-                    </a:p>
-                  </a:txBody>
-                  <a:tcPr marL="99361" marR="99361" marT="49681" marB="49681" anchor="ctr"/>
-                </a:tc>
-                <a:tc>
-                  <a:txBody>
-                    <a:bodyPr/>
-                    <a:lstStyle/>
-                    <a:p>
-                      <a:pPr algn="ctr"/>
-                      <a:r>
-                        <a:rPr lang="en-US" altLang="zh-TW" sz="3000" dirty="0">
-                          <a:latin typeface="Hiragino Sans CNS W3" panose="020B0300000000000000" pitchFamily="34" charset="-128"/>
-                          <a:ea typeface="Hiragino Sans CNS W3" panose="020B0300000000000000" pitchFamily="34" charset="-128"/>
-                        </a:rPr>
-                        <a:t>2</a:t>
-                      </a:r>
-                      <a:endParaRPr lang="zh-TW" altLang="en-US" sz="3000" dirty="0">
-                        <a:latin typeface="Hiragino Sans CNS W3" panose="020B0300000000000000" pitchFamily="34" charset="-128"/>
-                        <a:ea typeface="Hiragino Sans CNS W3" panose="020B0300000000000000" pitchFamily="34" charset="-128"/>
-                      </a:endParaRPr>
-                    </a:p>
-                  </a:txBody>
-                  <a:tcPr marL="99361" marR="99361" marT="49681" marB="49681" anchor="ctr"/>
-                </a:tc>
-                <a:tc>
-                  <a:txBody>
-                    <a:bodyPr/>
-                    <a:lstStyle/>
-                    <a:p>
-                      <a:pPr algn="ctr"/>
-                      <a:r>
-                        <a:rPr lang="en-US" altLang="zh-TW" sz="3000" dirty="0">
-                          <a:latin typeface="Hiragino Sans CNS W3" panose="020B0300000000000000" pitchFamily="34" charset="-128"/>
-                          <a:ea typeface="Hiragino Sans CNS W3" panose="020B0300000000000000" pitchFamily="34" charset="-128"/>
-                        </a:rPr>
-                        <a:t>5</a:t>
-                      </a:r>
-                      <a:endParaRPr lang="zh-TW" altLang="en-US" sz="3000" dirty="0">
-                        <a:latin typeface="Hiragino Sans CNS W3" panose="020B0300000000000000" pitchFamily="34" charset="-128"/>
-                        <a:ea typeface="Hiragino Sans CNS W3" panose="020B0300000000000000" pitchFamily="34" charset="-128"/>
-                      </a:endParaRPr>
-                    </a:p>
-                  </a:txBody>
-                  <a:tcPr marL="99361" marR="99361" marT="49681" marB="49681" anchor="ctr"/>
-                </a:tc>
-                <a:tc>
-                  <a:txBody>
-                    <a:bodyPr/>
-                    <a:lstStyle/>
-                    <a:p>
-                      <a:pPr algn="ctr"/>
-                      <a:r>
-                        <a:rPr lang="en-US" altLang="zh-TW" sz="3000" dirty="0">
-                          <a:latin typeface="Hiragino Sans CNS W3" panose="020B0300000000000000" pitchFamily="34" charset="-128"/>
-                          <a:ea typeface="Hiragino Sans CNS W3" panose="020B0300000000000000" pitchFamily="34" charset="-128"/>
-                        </a:rPr>
-                        <a:t>3</a:t>
-                      </a:r>
-                      <a:endParaRPr lang="zh-TW" altLang="en-US" sz="3000" dirty="0">
-                        <a:latin typeface="Hiragino Sans CNS W3" panose="020B0300000000000000" pitchFamily="34" charset="-128"/>
-                        <a:ea typeface="Hiragino Sans CNS W3" panose="020B0300000000000000" pitchFamily="34" charset="-128"/>
-                      </a:endParaRPr>
-                    </a:p>
-                  </a:txBody>
-                  <a:tcPr marL="99361" marR="99361" marT="49681" marB="49681" anchor="ctr"/>
-                </a:tc>
-                <a:tc>
-                  <a:txBody>
-                    <a:bodyPr/>
-                    <a:lstStyle/>
-                    <a:p>
-                      <a:pPr algn="ctr"/>
-                      <a:r>
-                        <a:rPr lang="en-US" altLang="zh-TW" sz="3000" dirty="0">
-                          <a:latin typeface="Hiragino Sans CNS W3" panose="020B0300000000000000" pitchFamily="34" charset="-128"/>
-                          <a:ea typeface="Hiragino Sans CNS W3" panose="020B0300000000000000" pitchFamily="34" charset="-128"/>
-                        </a:rPr>
-                        <a:t>4</a:t>
-                      </a:r>
-                      <a:endParaRPr lang="zh-TW" altLang="en-US" sz="3000" dirty="0">
-                        <a:latin typeface="Hiragino Sans CNS W3" panose="020B0300000000000000" pitchFamily="34" charset="-128"/>
-                        <a:ea typeface="Hiragino Sans CNS W3" panose="020B0300000000000000" pitchFamily="34" charset="-128"/>
-                      </a:endParaRPr>
-                    </a:p>
-                  </a:txBody>
-                  <a:tcPr marL="99361" marR="99361" marT="49681" marB="49681" anchor="ctr"/>
-                </a:tc>
-                <a:extLst>
-                  <a:ext uri="{0D108BD9-81ED-4DB2-BD59-A6C34878D82A}">
-                    <a16:rowId xmlns:a16="http://schemas.microsoft.com/office/drawing/2014/main" val="3063813678"/>
-                  </a:ext>
-                </a:extLst>
-              </a:tr>
-              <a:tr h="886229">
-                <a:tc>
-                  <a:txBody>
-                    <a:bodyPr/>
-                    <a:lstStyle/>
-                    <a:p>
-                      <a:pPr algn="ctr"/>
-                      <a:r>
-                        <a:rPr lang="en-US" altLang="zh-TW" sz="3000" dirty="0">
-                          <a:latin typeface="Hiragino Sans CNS W3" panose="020B0300000000000000" pitchFamily="34" charset="-128"/>
-                          <a:ea typeface="Hiragino Sans CNS W3" panose="020B0300000000000000" pitchFamily="34" charset="-128"/>
-                        </a:rPr>
-                        <a:t>4</a:t>
-                      </a:r>
-                      <a:endParaRPr lang="zh-TW" altLang="en-US" sz="3000" dirty="0">
-                        <a:latin typeface="Hiragino Sans CNS W3" panose="020B0300000000000000" pitchFamily="34" charset="-128"/>
-                        <a:ea typeface="Hiragino Sans CNS W3" panose="020B0300000000000000" pitchFamily="34" charset="-128"/>
-                      </a:endParaRPr>
-                    </a:p>
-                  </a:txBody>
-                  <a:tcPr marL="99361" marR="99361" marT="49681" marB="49681" anchor="ctr">
-                    <a:solidFill>
-                      <a:schemeClr val="bg1">
-                        <a:lumMod val="95000"/>
-                      </a:schemeClr>
-                    </a:solidFill>
-                  </a:tcPr>
-                </a:tc>
-                <a:tc>
-                  <a:txBody>
-                    <a:bodyPr/>
-                    <a:lstStyle/>
-                    <a:p>
-                      <a:pPr algn="ctr"/>
-                      <a:r>
-                        <a:rPr lang="en-US" altLang="zh-TW" sz="3000" dirty="0">
-                          <a:latin typeface="Hiragino Sans CNS W3" panose="020B0300000000000000" pitchFamily="34" charset="-128"/>
-                          <a:ea typeface="Hiragino Sans CNS W3" panose="020B0300000000000000" pitchFamily="34" charset="-128"/>
-                        </a:rPr>
-                        <a:t>4</a:t>
-                      </a:r>
-                      <a:endParaRPr lang="zh-TW" altLang="en-US" sz="3000" dirty="0">
-                        <a:latin typeface="Hiragino Sans CNS W3" panose="020B0300000000000000" pitchFamily="34" charset="-128"/>
-                        <a:ea typeface="Hiragino Sans CNS W3" panose="020B0300000000000000" pitchFamily="34" charset="-128"/>
-                      </a:endParaRPr>
-                    </a:p>
-                  </a:txBody>
-                  <a:tcPr marL="99361" marR="99361" marT="49681" marB="49681" anchor="ctr">
-                    <a:solidFill>
-                      <a:schemeClr val="bg1">
-                        <a:lumMod val="95000"/>
-                      </a:schemeClr>
-                    </a:solidFill>
-                  </a:tcPr>
-                </a:tc>
-                <a:tc>
-                  <a:txBody>
-                    <a:bodyPr/>
-                    <a:lstStyle/>
-                    <a:p>
-                      <a:pPr algn="ctr"/>
-                      <a:r>
-                        <a:rPr lang="en-US" altLang="zh-TW" sz="3000" dirty="0">
-                          <a:latin typeface="Hiragino Sans CNS W3" panose="020B0300000000000000" pitchFamily="34" charset="-128"/>
-                          <a:ea typeface="Hiragino Sans CNS W3" panose="020B0300000000000000" pitchFamily="34" charset="-128"/>
-                        </a:rPr>
-                        <a:t>5</a:t>
-                      </a:r>
-                      <a:endParaRPr lang="zh-TW" altLang="en-US" sz="3000" dirty="0">
-                        <a:latin typeface="Hiragino Sans CNS W3" panose="020B0300000000000000" pitchFamily="34" charset="-128"/>
-                        <a:ea typeface="Hiragino Sans CNS W3" panose="020B0300000000000000" pitchFamily="34" charset="-128"/>
-                      </a:endParaRPr>
-                    </a:p>
-                  </a:txBody>
-                  <a:tcPr marL="99361" marR="99361" marT="49681" marB="49681" anchor="ctr"/>
-                </a:tc>
-                <a:tc>
-                  <a:txBody>
-                    <a:bodyPr/>
-                    <a:lstStyle/>
-                    <a:p>
-                      <a:pPr algn="ctr"/>
-                      <a:r>
-                        <a:rPr lang="en-US" altLang="zh-TW" sz="3000" dirty="0">
-                          <a:latin typeface="Hiragino Sans CNS W3" panose="020B0300000000000000" pitchFamily="34" charset="-128"/>
-                          <a:ea typeface="Hiragino Sans CNS W3" panose="020B0300000000000000" pitchFamily="34" charset="-128"/>
-                        </a:rPr>
-                        <a:t>2</a:t>
-                      </a:r>
-                      <a:endParaRPr lang="zh-TW" altLang="en-US" sz="3000" dirty="0">
-                        <a:latin typeface="Hiragino Sans CNS W3" panose="020B0300000000000000" pitchFamily="34" charset="-128"/>
-                        <a:ea typeface="Hiragino Sans CNS W3" panose="020B0300000000000000" pitchFamily="34" charset="-128"/>
-                      </a:endParaRPr>
-                    </a:p>
-                  </a:txBody>
-                  <a:tcPr marL="99361" marR="99361" marT="49681" marB="49681" anchor="ctr"/>
-                </a:tc>
-                <a:tc>
-                  <a:txBody>
-                    <a:bodyPr/>
-                    <a:lstStyle/>
-                    <a:p>
-                      <a:pPr algn="ctr"/>
-                      <a:r>
-                        <a:rPr lang="en-US" altLang="zh-TW" sz="3000" dirty="0">
-                          <a:latin typeface="Hiragino Sans CNS W3" panose="020B0300000000000000" pitchFamily="34" charset="-128"/>
-                          <a:ea typeface="Hiragino Sans CNS W3" panose="020B0300000000000000" pitchFamily="34" charset="-128"/>
-                        </a:rPr>
-                        <a:t>1</a:t>
-                      </a:r>
-                      <a:endParaRPr lang="zh-TW" altLang="en-US" sz="3000" dirty="0">
-                        <a:latin typeface="Hiragino Sans CNS W3" panose="020B0300000000000000" pitchFamily="34" charset="-128"/>
-                        <a:ea typeface="Hiragino Sans CNS W3" panose="020B0300000000000000" pitchFamily="34" charset="-128"/>
-                      </a:endParaRPr>
-                    </a:p>
-                  </a:txBody>
-                  <a:tcPr marL="99361" marR="99361" marT="49681" marB="49681" anchor="ctr"/>
-                </a:tc>
-                <a:extLst>
-                  <a:ext uri="{0D108BD9-81ED-4DB2-BD59-A6C34878D82A}">
-                    <a16:rowId xmlns:a16="http://schemas.microsoft.com/office/drawing/2014/main" val="729469909"/>
-                  </a:ext>
-                </a:extLst>
-              </a:tr>
-              <a:tr h="886229">
-                <a:tc>
-                  <a:txBody>
-                    <a:bodyPr/>
-                    <a:lstStyle/>
-                    <a:p>
-                      <a:pPr algn="ctr"/>
-                      <a:r>
-                        <a:rPr lang="en-US" altLang="zh-TW" sz="3000" dirty="0">
-                          <a:latin typeface="Hiragino Sans CNS W3" panose="020B0300000000000000" pitchFamily="34" charset="-128"/>
-                          <a:ea typeface="Hiragino Sans CNS W3" panose="020B0300000000000000" pitchFamily="34" charset="-128"/>
-                        </a:rPr>
-                        <a:t>4</a:t>
-                      </a:r>
-                      <a:endParaRPr lang="zh-TW" altLang="en-US" sz="3000" dirty="0">
-                        <a:latin typeface="Hiragino Sans CNS W3" panose="020B0300000000000000" pitchFamily="34" charset="-128"/>
-                        <a:ea typeface="Hiragino Sans CNS W3" panose="020B0300000000000000" pitchFamily="34" charset="-128"/>
-                      </a:endParaRPr>
-                    </a:p>
-                  </a:txBody>
-                  <a:tcPr marL="99361" marR="99361" marT="49681" marB="49681" anchor="ctr">
-                    <a:solidFill>
-                      <a:schemeClr val="accent6"/>
-                    </a:solidFill>
-                  </a:tcPr>
-                </a:tc>
-                <a:tc>
-                  <a:txBody>
-                    <a:bodyPr/>
-                    <a:lstStyle/>
-                    <a:p>
-                      <a:pPr algn="ctr"/>
-                      <a:r>
-                        <a:rPr lang="en-US" altLang="zh-TW" sz="3000" dirty="0">
-                          <a:latin typeface="Hiragino Sans CNS W3" panose="020B0300000000000000" pitchFamily="34" charset="-128"/>
-                          <a:ea typeface="Hiragino Sans CNS W3" panose="020B0300000000000000" pitchFamily="34" charset="-128"/>
-                        </a:rPr>
-                        <a:t>3</a:t>
-                      </a:r>
-                      <a:endParaRPr lang="zh-TW" altLang="en-US" sz="3000" dirty="0">
-                        <a:latin typeface="Hiragino Sans CNS W3" panose="020B0300000000000000" pitchFamily="34" charset="-128"/>
-                        <a:ea typeface="Hiragino Sans CNS W3" panose="020B0300000000000000" pitchFamily="34" charset="-128"/>
-                      </a:endParaRPr>
-                    </a:p>
-                  </a:txBody>
-                  <a:tcPr marL="99361" marR="99361" marT="49681" marB="49681" anchor="ctr"/>
-                </a:tc>
-                <a:tc>
-                  <a:txBody>
-                    <a:bodyPr/>
-                    <a:lstStyle/>
-                    <a:p>
-                      <a:pPr algn="ctr"/>
-                      <a:r>
-                        <a:rPr lang="en-US" altLang="zh-TW" sz="3000" dirty="0">
-                          <a:latin typeface="Hiragino Sans CNS W3" panose="020B0300000000000000" pitchFamily="34" charset="-128"/>
-                          <a:ea typeface="Hiragino Sans CNS W3" panose="020B0300000000000000" pitchFamily="34" charset="-128"/>
-                        </a:rPr>
-                        <a:t>2</a:t>
-                      </a:r>
-                      <a:endParaRPr lang="zh-TW" altLang="en-US" sz="3000" dirty="0">
-                        <a:latin typeface="Hiragino Sans CNS W3" panose="020B0300000000000000" pitchFamily="34" charset="-128"/>
-                        <a:ea typeface="Hiragino Sans CNS W3" panose="020B0300000000000000" pitchFamily="34" charset="-128"/>
-                      </a:endParaRPr>
-                    </a:p>
-                  </a:txBody>
-                  <a:tcPr marL="99361" marR="99361" marT="49681" marB="49681" anchor="ctr"/>
-                </a:tc>
-                <a:tc>
-                  <a:txBody>
-                    <a:bodyPr/>
-                    <a:lstStyle/>
-                    <a:p>
-                      <a:pPr algn="ctr"/>
-                      <a:r>
-                        <a:rPr lang="en-US" altLang="zh-TW" sz="3000" dirty="0">
-                          <a:latin typeface="Hiragino Sans CNS W3" panose="020B0300000000000000" pitchFamily="34" charset="-128"/>
-                          <a:ea typeface="Hiragino Sans CNS W3" panose="020B0300000000000000" pitchFamily="34" charset="-128"/>
-                        </a:rPr>
-                        <a:t>5</a:t>
-                      </a:r>
-                      <a:endParaRPr lang="zh-TW" altLang="en-US" sz="3000" dirty="0">
-                        <a:latin typeface="Hiragino Sans CNS W3" panose="020B0300000000000000" pitchFamily="34" charset="-128"/>
-                        <a:ea typeface="Hiragino Sans CNS W3" panose="020B0300000000000000" pitchFamily="34" charset="-128"/>
-                      </a:endParaRPr>
-                    </a:p>
-                  </a:txBody>
-                  <a:tcPr marL="99361" marR="99361" marT="49681" marB="49681" anchor="ctr"/>
-                </a:tc>
-                <a:tc>
-                  <a:txBody>
-                    <a:bodyPr/>
-                    <a:lstStyle/>
-                    <a:p>
-                      <a:pPr algn="ctr"/>
-                      <a:r>
-                        <a:rPr lang="en-US" altLang="zh-TW" sz="3000" dirty="0">
-                          <a:latin typeface="Hiragino Sans CNS W3" panose="020B0300000000000000" pitchFamily="34" charset="-128"/>
-                          <a:ea typeface="Hiragino Sans CNS W3" panose="020B0300000000000000" pitchFamily="34" charset="-128"/>
-                        </a:rPr>
-                        <a:t>4</a:t>
-                      </a:r>
-                      <a:endParaRPr lang="zh-TW" altLang="en-US" sz="3000" dirty="0">
-                        <a:latin typeface="Hiragino Sans CNS W3" panose="020B0300000000000000" pitchFamily="34" charset="-128"/>
-                        <a:ea typeface="Hiragino Sans CNS W3" panose="020B0300000000000000" pitchFamily="34" charset="-128"/>
-                      </a:endParaRPr>
-                    </a:p>
-                  </a:txBody>
-                  <a:tcPr marL="99361" marR="99361" marT="49681" marB="49681" anchor="ctr"/>
-                </a:tc>
-                <a:extLst>
-                  <a:ext uri="{0D108BD9-81ED-4DB2-BD59-A6C34878D82A}">
-                    <a16:rowId xmlns:a16="http://schemas.microsoft.com/office/drawing/2014/main" val="1632199547"/>
-                  </a:ext>
-                </a:extLst>
-              </a:tr>
-              <a:tr h="886229">
-                <a:tc>
-                  <a:txBody>
-                    <a:bodyPr/>
-                    <a:lstStyle/>
-                    <a:p>
-                      <a:pPr algn="ctr"/>
-                      <a:r>
-                        <a:rPr lang="en-US" altLang="zh-TW" sz="3000" dirty="0">
-                          <a:latin typeface="Hiragino Sans CNS W3" panose="020B0300000000000000" pitchFamily="34" charset="-128"/>
-                          <a:ea typeface="Hiragino Sans CNS W3" panose="020B0300000000000000" pitchFamily="34" charset="-128"/>
-                        </a:rPr>
-                        <a:t>1</a:t>
-                      </a:r>
-                      <a:endParaRPr lang="zh-TW" altLang="en-US" sz="3000" dirty="0">
-                        <a:latin typeface="Hiragino Sans CNS W3" panose="020B0300000000000000" pitchFamily="34" charset="-128"/>
-                        <a:ea typeface="Hiragino Sans CNS W3" panose="020B0300000000000000" pitchFamily="34" charset="-128"/>
-                      </a:endParaRPr>
-                    </a:p>
-                  </a:txBody>
-                  <a:tcPr marL="99361" marR="99361" marT="49681" marB="49681" anchor="ctr"/>
-                </a:tc>
-                <a:tc>
-                  <a:txBody>
-                    <a:bodyPr/>
-                    <a:lstStyle/>
-                    <a:p>
-                      <a:pPr algn="ctr"/>
-                      <a:r>
-                        <a:rPr lang="en-US" altLang="zh-TW" sz="3000" dirty="0">
-                          <a:latin typeface="Hiragino Sans CNS W3" panose="020B0300000000000000" pitchFamily="34" charset="-128"/>
-                          <a:ea typeface="Hiragino Sans CNS W3" panose="020B0300000000000000" pitchFamily="34" charset="-128"/>
-                        </a:rPr>
-                        <a:t>2</a:t>
-                      </a:r>
-                      <a:endParaRPr lang="zh-TW" altLang="en-US" sz="3000" dirty="0">
-                        <a:latin typeface="Hiragino Sans CNS W3" panose="020B0300000000000000" pitchFamily="34" charset="-128"/>
-                        <a:ea typeface="Hiragino Sans CNS W3" panose="020B0300000000000000" pitchFamily="34" charset="-128"/>
-                      </a:endParaRPr>
-                    </a:p>
-                  </a:txBody>
-                  <a:tcPr marL="99361" marR="99361" marT="49681" marB="49681" anchor="ctr"/>
-                </a:tc>
-                <a:tc>
-                  <a:txBody>
-                    <a:bodyPr/>
-                    <a:lstStyle/>
-                    <a:p>
-                      <a:pPr algn="ctr"/>
-                      <a:r>
-                        <a:rPr lang="en-US" altLang="zh-TW" sz="3000" dirty="0">
-                          <a:latin typeface="Hiragino Sans CNS W3" panose="020B0300000000000000" pitchFamily="34" charset="-128"/>
-                          <a:ea typeface="Hiragino Sans CNS W3" panose="020B0300000000000000" pitchFamily="34" charset="-128"/>
-                        </a:rPr>
-                        <a:t>1</a:t>
-                      </a:r>
-                      <a:endParaRPr lang="zh-TW" altLang="en-US" sz="3000" dirty="0">
-                        <a:latin typeface="Hiragino Sans CNS W3" panose="020B0300000000000000" pitchFamily="34" charset="-128"/>
-                        <a:ea typeface="Hiragino Sans CNS W3" panose="020B0300000000000000" pitchFamily="34" charset="-128"/>
-                      </a:endParaRPr>
-                    </a:p>
-                  </a:txBody>
-                  <a:tcPr marL="99361" marR="99361" marT="49681" marB="49681" anchor="ctr"/>
-                </a:tc>
-                <a:tc>
-                  <a:txBody>
-                    <a:bodyPr/>
-                    <a:lstStyle/>
-                    <a:p>
-                      <a:pPr algn="ctr"/>
-                      <a:r>
-                        <a:rPr lang="en-US" altLang="zh-TW" sz="3000" dirty="0">
-                          <a:latin typeface="Hiragino Sans CNS W3" panose="020B0300000000000000" pitchFamily="34" charset="-128"/>
-                          <a:ea typeface="Hiragino Sans CNS W3" panose="020B0300000000000000" pitchFamily="34" charset="-128"/>
-                        </a:rPr>
-                        <a:t>3</a:t>
-                      </a:r>
-                      <a:endParaRPr lang="zh-TW" altLang="en-US" sz="3000" dirty="0">
-                        <a:latin typeface="Hiragino Sans CNS W3" panose="020B0300000000000000" pitchFamily="34" charset="-128"/>
-                        <a:ea typeface="Hiragino Sans CNS W3" panose="020B0300000000000000" pitchFamily="34" charset="-128"/>
-                      </a:endParaRPr>
-                    </a:p>
-                  </a:txBody>
-                  <a:tcPr marL="99361" marR="99361" marT="49681" marB="49681" anchor="ctr"/>
-                </a:tc>
-                <a:tc>
-                  <a:txBody>
-                    <a:bodyPr/>
-                    <a:lstStyle/>
-                    <a:p>
-                      <a:pPr algn="ctr"/>
-                      <a:r>
-                        <a:rPr lang="en-US" altLang="zh-TW" sz="3000" dirty="0">
-                          <a:latin typeface="Hiragino Sans CNS W3" panose="020B0300000000000000" pitchFamily="34" charset="-128"/>
-                          <a:ea typeface="Hiragino Sans CNS W3" panose="020B0300000000000000" pitchFamily="34" charset="-128"/>
-                        </a:rPr>
-                        <a:t>3</a:t>
-                      </a:r>
-                      <a:endParaRPr lang="zh-TW" altLang="en-US" sz="3000" dirty="0">
-                        <a:latin typeface="Hiragino Sans CNS W3" panose="020B0300000000000000" pitchFamily="34" charset="-128"/>
-                        <a:ea typeface="Hiragino Sans CNS W3" panose="020B0300000000000000" pitchFamily="34" charset="-128"/>
-                      </a:endParaRPr>
-                    </a:p>
-                  </a:txBody>
-                  <a:tcPr marL="99361" marR="99361" marT="49681" marB="49681" anchor="ctr"/>
-                </a:tc>
-                <a:extLst>
-                  <a:ext uri="{0D108BD9-81ED-4DB2-BD59-A6C34878D82A}">
-                    <a16:rowId xmlns:a16="http://schemas.microsoft.com/office/drawing/2014/main" val="1783147424"/>
-                  </a:ext>
-                </a:extLst>
-              </a:tr>
-              <a:tr h="886229">
-                <a:tc>
-                  <a:txBody>
-                    <a:bodyPr/>
-                    <a:lstStyle/>
-                    <a:p>
-                      <a:pPr algn="ctr"/>
-                      <a:r>
-                        <a:rPr lang="en-US" altLang="zh-TW" sz="3000" dirty="0">
-                          <a:latin typeface="Hiragino Sans CNS W3" panose="020B0300000000000000" pitchFamily="34" charset="-128"/>
-                          <a:ea typeface="Hiragino Sans CNS W3" panose="020B0300000000000000" pitchFamily="34" charset="-128"/>
-                        </a:rPr>
-                        <a:t>4</a:t>
-                      </a:r>
-                      <a:endParaRPr lang="zh-TW" altLang="en-US" sz="3000" dirty="0">
-                        <a:latin typeface="Hiragino Sans CNS W3" panose="020B0300000000000000" pitchFamily="34" charset="-128"/>
-                        <a:ea typeface="Hiragino Sans CNS W3" panose="020B0300000000000000" pitchFamily="34" charset="-128"/>
-                      </a:endParaRPr>
-                    </a:p>
-                  </a:txBody>
-                  <a:tcPr marL="99361" marR="99361" marT="49681" marB="49681" anchor="ctr"/>
-                </a:tc>
-                <a:tc>
-                  <a:txBody>
-                    <a:bodyPr/>
-                    <a:lstStyle/>
-                    <a:p>
-                      <a:pPr algn="ctr"/>
-                      <a:r>
-                        <a:rPr lang="en-US" altLang="zh-TW" sz="3000" dirty="0">
-                          <a:latin typeface="Hiragino Sans CNS W3" panose="020B0300000000000000" pitchFamily="34" charset="-128"/>
-                          <a:ea typeface="Hiragino Sans CNS W3" panose="020B0300000000000000" pitchFamily="34" charset="-128"/>
-                        </a:rPr>
-                        <a:t>4</a:t>
-                      </a:r>
-                      <a:endParaRPr lang="zh-TW" altLang="en-US" sz="3000" dirty="0">
-                        <a:latin typeface="Hiragino Sans CNS W3" panose="020B0300000000000000" pitchFamily="34" charset="-128"/>
-                        <a:ea typeface="Hiragino Sans CNS W3" panose="020B0300000000000000" pitchFamily="34" charset="-128"/>
-                      </a:endParaRPr>
-                    </a:p>
-                  </a:txBody>
-                  <a:tcPr marL="99361" marR="99361" marT="49681" marB="49681" anchor="ctr"/>
-                </a:tc>
-                <a:tc>
-                  <a:txBody>
-                    <a:bodyPr/>
-                    <a:lstStyle/>
-                    <a:p>
-                      <a:pPr algn="ctr"/>
-                      <a:r>
-                        <a:rPr lang="en-US" altLang="zh-TW" sz="3000" dirty="0">
-                          <a:latin typeface="Hiragino Sans CNS W3" panose="020B0300000000000000" pitchFamily="34" charset="-128"/>
-                          <a:ea typeface="Hiragino Sans CNS W3" panose="020B0300000000000000" pitchFamily="34" charset="-128"/>
-                        </a:rPr>
-                        <a:t>5</a:t>
-                      </a:r>
-                      <a:endParaRPr lang="zh-TW" altLang="en-US" sz="3000" dirty="0">
-                        <a:latin typeface="Hiragino Sans CNS W3" panose="020B0300000000000000" pitchFamily="34" charset="-128"/>
-                        <a:ea typeface="Hiragino Sans CNS W3" panose="020B0300000000000000" pitchFamily="34" charset="-128"/>
-                      </a:endParaRPr>
-                    </a:p>
-                  </a:txBody>
-                  <a:tcPr marL="99361" marR="99361" marT="49681" marB="49681" anchor="ctr"/>
-                </a:tc>
-                <a:tc>
-                  <a:txBody>
-                    <a:bodyPr/>
-                    <a:lstStyle/>
-                    <a:p>
-                      <a:pPr algn="ctr"/>
-                      <a:r>
-                        <a:rPr lang="en-US" altLang="zh-TW" sz="3000" dirty="0">
-                          <a:latin typeface="Hiragino Sans CNS W3" panose="020B0300000000000000" pitchFamily="34" charset="-128"/>
-                          <a:ea typeface="Hiragino Sans CNS W3" panose="020B0300000000000000" pitchFamily="34" charset="-128"/>
-                        </a:rPr>
-                        <a:t>2</a:t>
-                      </a:r>
-                      <a:endParaRPr lang="zh-TW" altLang="en-US" sz="3000" dirty="0">
-                        <a:latin typeface="Hiragino Sans CNS W3" panose="020B0300000000000000" pitchFamily="34" charset="-128"/>
-                        <a:ea typeface="Hiragino Sans CNS W3" panose="020B0300000000000000" pitchFamily="34" charset="-128"/>
-                      </a:endParaRPr>
-                    </a:p>
-                  </a:txBody>
-                  <a:tcPr marL="99361" marR="99361" marT="49681" marB="49681" anchor="ctr"/>
-                </a:tc>
-                <a:tc>
-                  <a:txBody>
-                    <a:bodyPr/>
-                    <a:lstStyle/>
-                    <a:p>
-                      <a:pPr algn="ctr"/>
-                      <a:r>
-                        <a:rPr lang="en-US" altLang="zh-TW" sz="3000" dirty="0">
-                          <a:latin typeface="Hiragino Sans CNS W3" panose="020B0300000000000000" pitchFamily="34" charset="-128"/>
-                          <a:ea typeface="Hiragino Sans CNS W3" panose="020B0300000000000000" pitchFamily="34" charset="-128"/>
-                        </a:rPr>
-                        <a:t>5</a:t>
-                      </a:r>
-                      <a:endParaRPr lang="zh-TW" altLang="en-US" sz="3000" dirty="0">
-                        <a:latin typeface="Hiragino Sans CNS W3" panose="020B0300000000000000" pitchFamily="34" charset="-128"/>
-                        <a:ea typeface="Hiragino Sans CNS W3" panose="020B0300000000000000" pitchFamily="34" charset="-128"/>
-                      </a:endParaRPr>
-                    </a:p>
-                  </a:txBody>
-                  <a:tcPr marL="99361" marR="99361" marT="49681" marB="49681" anchor="ctr"/>
-                </a:tc>
-                <a:extLst>
-                  <a:ext uri="{0D108BD9-81ED-4DB2-BD59-A6C34878D82A}">
-                    <a16:rowId xmlns:a16="http://schemas.microsoft.com/office/drawing/2014/main" val="3144180348"/>
-                  </a:ext>
-                </a:extLst>
-              </a:tr>
-            </a:tbl>
-          </a:graphicData>
-        </a:graphic>
-      </p:graphicFrame>
-      <p:graphicFrame>
-        <p:nvGraphicFramePr>
-          <p:cNvPr id="5" name="表格 4">
-            <a:extLst>
-              <a:ext uri="{FF2B5EF4-FFF2-40B4-BE49-F238E27FC236}">
-                <a16:creationId xmlns:a16="http://schemas.microsoft.com/office/drawing/2014/main" id="{E295E5F4-D89C-299C-3393-FA4B28861EC5}"/>
-              </a:ext>
-            </a:extLst>
-          </p:cNvPr>
-          <p:cNvGraphicFramePr>
-            <a:graphicFrameLocks noGrp="1"/>
-          </p:cNvGraphicFramePr>
-          <p:nvPr>
-            <p:extLst>
-              <p:ext uri="{D42A27DB-BD31-4B8C-83A1-F6EECF244321}">
                 <p14:modId xmlns:p14="http://schemas.microsoft.com/office/powerpoint/2010/main" val="828048093"/>
               </p:ext>
             </p:extLst>
@@ -14780,7 +13587,7 @@
 </p:sld>
 </file>
 
-<file path=ppt/slides/slide17.xml><?xml version="1.0" encoding="utf-8"?>
+<file path=ppt/slides/slide16.xml><?xml version="1.0" encoding="utf-8"?>
 <p:sld xmlns:a="http://schemas.openxmlformats.org/drawingml/2006/main" xmlns:r="http://schemas.openxmlformats.org/officeDocument/2006/relationships" xmlns:p="http://schemas.openxmlformats.org/presentationml/2006/main">
   <p:cSld>
     <p:spTree>
@@ -15925,7 +14732,7 @@
 </p:sld>
 </file>
 
-<file path=ppt/slides/slide18.xml><?xml version="1.0" encoding="utf-8"?>
+<file path=ppt/slides/slide17.xml><?xml version="1.0" encoding="utf-8"?>
 <p:sld xmlns:a="http://schemas.openxmlformats.org/drawingml/2006/main" xmlns:r="http://schemas.openxmlformats.org/officeDocument/2006/relationships" xmlns:p="http://schemas.openxmlformats.org/presentationml/2006/main">
   <p:cSld>
     <p:spTree>
@@ -17266,7 +16073,7 @@
 </p:sld>
 </file>
 
-<file path=ppt/slides/slide19.xml><?xml version="1.0" encoding="utf-8"?>
+<file path=ppt/slides/slide18.xml><?xml version="1.0" encoding="utf-8"?>
 <p:sld xmlns:a="http://schemas.openxmlformats.org/drawingml/2006/main" xmlns:r="http://schemas.openxmlformats.org/officeDocument/2006/relationships" xmlns:p="http://schemas.openxmlformats.org/presentationml/2006/main">
   <p:cSld>
     <p:spTree>
@@ -17974,91 +16781,7 @@
 </p:sld>
 </file>
 
-<file path=ppt/slides/slide2.xml><?xml version="1.0" encoding="utf-8"?>
-<p:sld xmlns:a="http://schemas.openxmlformats.org/drawingml/2006/main" xmlns:r="http://schemas.openxmlformats.org/officeDocument/2006/relationships" xmlns:p="http://schemas.openxmlformats.org/presentationml/2006/main">
-  <p:cSld>
-    <p:spTree>
-      <p:nvGrpSpPr>
-        <p:cNvPr id="1" name=""/>
-        <p:cNvGrpSpPr/>
-        <p:nvPr/>
-      </p:nvGrpSpPr>
-      <p:grpSpPr>
-        <a:xfrm>
-          <a:off x="0" y="0"/>
-          <a:ext cx="0" cy="0"/>
-          <a:chOff x="0" y="0"/>
-          <a:chExt cx="0" cy="0"/>
-        </a:xfrm>
-      </p:grpSpPr>
-      <p:sp>
-        <p:nvSpPr>
-          <p:cNvPr id="2" name="標題 1">
-            <a:extLst>
-              <a:ext uri="{FF2B5EF4-FFF2-40B4-BE49-F238E27FC236}">
-                <a16:creationId xmlns:a16="http://schemas.microsoft.com/office/drawing/2014/main" id="{9DA14271-0CC6-375F-232F-A8D875E99527}"/>
-              </a:ext>
-            </a:extLst>
-          </p:cNvPr>
-          <p:cNvSpPr>
-            <a:spLocks noGrp="1"/>
-          </p:cNvSpPr>
-          <p:nvPr>
-            <p:ph type="title"/>
-          </p:nvPr>
-        </p:nvSpPr>
-        <p:spPr/>
-        <p:txBody>
-          <a:bodyPr/>
-          <a:lstStyle/>
-          <a:p>
-            <a:r>
-              <a:rPr kumimoji="1" lang="en-US" altLang="zh-TW" dirty="0"/>
-              <a:t>Outline</a:t>
-            </a:r>
-            <a:endParaRPr kumimoji="1" lang="zh-TW" altLang="en-US" dirty="0"/>
-          </a:p>
-        </p:txBody>
-      </p:sp>
-      <p:sp>
-        <p:nvSpPr>
-          <p:cNvPr id="3" name="內容版面配置區 2">
-            <a:extLst>
-              <a:ext uri="{FF2B5EF4-FFF2-40B4-BE49-F238E27FC236}">
-                <a16:creationId xmlns:a16="http://schemas.microsoft.com/office/drawing/2014/main" id="{8A238DF9-C11B-36C4-2528-F2DF654DC33A}"/>
-              </a:ext>
-            </a:extLst>
-          </p:cNvPr>
-          <p:cNvSpPr>
-            <a:spLocks noGrp="1"/>
-          </p:cNvSpPr>
-          <p:nvPr>
-            <p:ph idx="1"/>
-          </p:nvPr>
-        </p:nvSpPr>
-        <p:spPr/>
-        <p:txBody>
-          <a:bodyPr/>
-          <a:lstStyle/>
-          <a:p>
-            <a:endParaRPr kumimoji="1" lang="zh-TW" altLang="en-US" dirty="0"/>
-          </a:p>
-        </p:txBody>
-      </p:sp>
-    </p:spTree>
-    <p:extLst>
-      <p:ext uri="{BB962C8B-B14F-4D97-AF65-F5344CB8AC3E}">
-        <p14:creationId xmlns:p14="http://schemas.microsoft.com/office/powerpoint/2010/main" val="2733100007"/>
-      </p:ext>
-    </p:extLst>
-  </p:cSld>
-  <p:clrMapOvr>
-    <a:masterClrMapping/>
-  </p:clrMapOvr>
-</p:sld>
-</file>
-
-<file path=ppt/slides/slide20.xml><?xml version="1.0" encoding="utf-8"?>
+<file path=ppt/slides/slide19.xml><?xml version="1.0" encoding="utf-8"?>
 <p:sld xmlns:a="http://schemas.openxmlformats.org/drawingml/2006/main" xmlns:r="http://schemas.openxmlformats.org/officeDocument/2006/relationships" xmlns:p="http://schemas.openxmlformats.org/presentationml/2006/main">
   <p:cSld>
     <p:spTree>
@@ -19401,7 +18124,90 @@
 </p:sld>
 </file>
 
-<file path=ppt/slides/slide21.xml><?xml version="1.0" encoding="utf-8"?>
+<file path=ppt/slides/slide2.xml><?xml version="1.0" encoding="utf-8"?>
+<p:sld xmlns:a="http://schemas.openxmlformats.org/drawingml/2006/main" xmlns:r="http://schemas.openxmlformats.org/officeDocument/2006/relationships" xmlns:p="http://schemas.openxmlformats.org/presentationml/2006/main">
+  <p:cSld>
+    <p:spTree>
+      <p:nvGrpSpPr>
+        <p:cNvPr id="1" name=""/>
+        <p:cNvGrpSpPr/>
+        <p:nvPr/>
+      </p:nvGrpSpPr>
+      <p:grpSpPr>
+        <a:xfrm>
+          <a:off x="0" y="0"/>
+          <a:ext cx="0" cy="0"/>
+          <a:chOff x="0" y="0"/>
+          <a:chExt cx="0" cy="0"/>
+        </a:xfrm>
+      </p:grpSpPr>
+      <p:sp>
+        <p:nvSpPr>
+          <p:cNvPr id="2" name="標題 1">
+            <a:extLst>
+              <a:ext uri="{FF2B5EF4-FFF2-40B4-BE49-F238E27FC236}">
+                <a16:creationId xmlns:a16="http://schemas.microsoft.com/office/drawing/2014/main" id="{D41BDB1D-8E96-D701-9005-FC5D4D911DE3}"/>
+              </a:ext>
+            </a:extLst>
+          </p:cNvPr>
+          <p:cNvSpPr>
+            <a:spLocks noGrp="1"/>
+          </p:cNvSpPr>
+          <p:nvPr>
+            <p:ph type="title"/>
+          </p:nvPr>
+        </p:nvSpPr>
+        <p:spPr/>
+        <p:txBody>
+          <a:bodyPr/>
+          <a:lstStyle/>
+          <a:p>
+            <a:r>
+              <a:rPr kumimoji="1" lang="zh-TW" altLang="en-US" dirty="0"/>
+              <a:t>遊戲規則</a:t>
+            </a:r>
+          </a:p>
+        </p:txBody>
+      </p:sp>
+      <p:sp>
+        <p:nvSpPr>
+          <p:cNvPr id="3" name="內容版面配置區 2">
+            <a:extLst>
+              <a:ext uri="{FF2B5EF4-FFF2-40B4-BE49-F238E27FC236}">
+                <a16:creationId xmlns:a16="http://schemas.microsoft.com/office/drawing/2014/main" id="{21FEAB31-4A37-31C8-9030-63ECD31C954D}"/>
+              </a:ext>
+            </a:extLst>
+          </p:cNvPr>
+          <p:cNvSpPr>
+            <a:spLocks noGrp="1"/>
+          </p:cNvSpPr>
+          <p:nvPr>
+            <p:ph idx="1"/>
+          </p:nvPr>
+        </p:nvSpPr>
+        <p:spPr/>
+        <p:txBody>
+          <a:bodyPr/>
+          <a:lstStyle/>
+          <a:p>
+            <a:endParaRPr kumimoji="1" lang="zh-TW" altLang="en-US"/>
+          </a:p>
+        </p:txBody>
+      </p:sp>
+    </p:spTree>
+    <p:extLst>
+      <p:ext uri="{BB962C8B-B14F-4D97-AF65-F5344CB8AC3E}">
+        <p14:creationId xmlns:p14="http://schemas.microsoft.com/office/powerpoint/2010/main" val="113121507"/>
+      </p:ext>
+    </p:extLst>
+  </p:cSld>
+  <p:clrMapOvr>
+    <a:masterClrMapping/>
+  </p:clrMapOvr>
+</p:sld>
+</file>
+
+<file path=ppt/slides/slide20.xml><?xml version="1.0" encoding="utf-8"?>
 <p:sld xmlns:a="http://schemas.openxmlformats.org/drawingml/2006/main" xmlns:r="http://schemas.openxmlformats.org/officeDocument/2006/relationships" xmlns:p="http://schemas.openxmlformats.org/presentationml/2006/main">
   <p:cSld>
     <p:spTree>
@@ -20788,7 +19594,7 @@
 </p:sld>
 </file>
 
-<file path=ppt/slides/slide22.xml><?xml version="1.0" encoding="utf-8"?>
+<file path=ppt/slides/slide21.xml><?xml version="1.0" encoding="utf-8"?>
 <p:sld xmlns:a="http://schemas.openxmlformats.org/drawingml/2006/main" xmlns:r="http://schemas.openxmlformats.org/officeDocument/2006/relationships" xmlns:p="http://schemas.openxmlformats.org/presentationml/2006/main">
   <p:cSld>
     <p:spTree>
@@ -20955,96 +19761,7 @@
 </p:sld>
 </file>
 
-<file path=ppt/slides/slide23.xml><?xml version="1.0" encoding="utf-8"?>
-<p:sld xmlns:a="http://schemas.openxmlformats.org/drawingml/2006/main" xmlns:r="http://schemas.openxmlformats.org/officeDocument/2006/relationships" xmlns:p="http://schemas.openxmlformats.org/presentationml/2006/main">
-  <p:cSld>
-    <p:spTree>
-      <p:nvGrpSpPr>
-        <p:cNvPr id="1" name=""/>
-        <p:cNvGrpSpPr/>
-        <p:nvPr/>
-      </p:nvGrpSpPr>
-      <p:grpSpPr>
-        <a:xfrm>
-          <a:off x="0" y="0"/>
-          <a:ext cx="0" cy="0"/>
-          <a:chOff x="0" y="0"/>
-          <a:chExt cx="0" cy="0"/>
-        </a:xfrm>
-      </p:grpSpPr>
-      <p:sp>
-        <p:nvSpPr>
-          <p:cNvPr id="2" name="標題 1">
-            <a:extLst>
-              <a:ext uri="{FF2B5EF4-FFF2-40B4-BE49-F238E27FC236}">
-                <a16:creationId xmlns:a16="http://schemas.microsoft.com/office/drawing/2014/main" id="{07A70756-D2A5-3F8E-BEE4-473D4EA0D0DC}"/>
-              </a:ext>
-            </a:extLst>
-          </p:cNvPr>
-          <p:cNvSpPr>
-            <a:spLocks noGrp="1"/>
-          </p:cNvSpPr>
-          <p:nvPr>
-            <p:ph type="title"/>
-          </p:nvPr>
-        </p:nvSpPr>
-        <p:spPr/>
-        <p:txBody>
-          <a:bodyPr/>
-          <a:lstStyle/>
-          <a:p>
-            <a:r>
-              <a:rPr kumimoji="1" lang="en-US" altLang="zh-TW" dirty="0"/>
-              <a:t>Ads</a:t>
-            </a:r>
-            <a:endParaRPr kumimoji="1" lang="zh-TW" altLang="en-US" dirty="0"/>
-          </a:p>
-        </p:txBody>
-      </p:sp>
-      <p:sp>
-        <p:nvSpPr>
-          <p:cNvPr id="3" name="內容版面配置區 2">
-            <a:extLst>
-              <a:ext uri="{FF2B5EF4-FFF2-40B4-BE49-F238E27FC236}">
-                <a16:creationId xmlns:a16="http://schemas.microsoft.com/office/drawing/2014/main" id="{806145CC-3060-B5C4-CF40-878FE74032BC}"/>
-              </a:ext>
-            </a:extLst>
-          </p:cNvPr>
-          <p:cNvSpPr>
-            <a:spLocks noGrp="1"/>
-          </p:cNvSpPr>
-          <p:nvPr>
-            <p:ph idx="1"/>
-          </p:nvPr>
-        </p:nvSpPr>
-        <p:spPr>
-          <a:xfrm>
-            <a:off x="838200" y="1825625"/>
-            <a:ext cx="7206343" cy="4351338"/>
-          </a:xfrm>
-        </p:spPr>
-        <p:txBody>
-          <a:bodyPr/>
-          <a:lstStyle/>
-          <a:p>
-            <a:endParaRPr kumimoji="1" lang="zh-TW" altLang="en-US" dirty="0"/>
-          </a:p>
-        </p:txBody>
-      </p:sp>
-    </p:spTree>
-    <p:extLst>
-      <p:ext uri="{BB962C8B-B14F-4D97-AF65-F5344CB8AC3E}">
-        <p14:creationId xmlns:p14="http://schemas.microsoft.com/office/powerpoint/2010/main" val="3793941550"/>
-      </p:ext>
-    </p:extLst>
-  </p:cSld>
-  <p:clrMapOvr>
-    <a:masterClrMapping/>
-  </p:clrMapOvr>
-</p:sld>
-</file>
-
-<file path=ppt/slides/slide24.xml><?xml version="1.0" encoding="utf-8"?>
+<file path=ppt/slides/slide22.xml><?xml version="1.0" encoding="utf-8"?>
 <p:sld xmlns:a="http://schemas.openxmlformats.org/drawingml/2006/main" xmlns:r="http://schemas.openxmlformats.org/officeDocument/2006/relationships" xmlns:p="http://schemas.openxmlformats.org/presentationml/2006/main">
   <p:cSld>
     <p:spTree>
@@ -21137,7 +19854,7 @@
 </p:sld>
 </file>
 
-<file path=ppt/slides/slide25.xml><?xml version="1.0" encoding="utf-8"?>
+<file path=ppt/slides/slide23.xml><?xml version="1.0" encoding="utf-8"?>
 <p:sld xmlns:a="http://schemas.openxmlformats.org/drawingml/2006/main" xmlns:r="http://schemas.openxmlformats.org/officeDocument/2006/relationships" xmlns:p="http://schemas.openxmlformats.org/presentationml/2006/main">
   <p:cSld>
     <p:spTree>
@@ -21216,25 +19933,15 @@
               <a:rPr kumimoji="1" lang="en-US" altLang="zh-TW" dirty="0">
                 <a:hlinkClick r:id="rId2"/>
               </a:rPr>
-              <a:t>https://github.com/fangyidong/json-simple</a:t>
+              <a:t>https://github.com/fangyidong/json</a:t>
+            </a:r>
+            <a:r>
+              <a:rPr kumimoji="1" lang="en-US" altLang="zh-TW">
+                <a:hlinkClick r:id="rId2"/>
+              </a:rPr>
+              <a:t>-simple</a:t>
             </a:r>
             <a:endParaRPr kumimoji="1" lang="en-US" altLang="zh-TW" dirty="0"/>
-          </a:p>
-          <a:p>
-            <a:r>
-              <a:rPr kumimoji="1" lang="en-US" altLang="zh-TW" dirty="0"/>
-              <a:t>Microsoft Designer</a:t>
-            </a:r>
-          </a:p>
-          <a:p>
-            <a:r>
-              <a:rPr kumimoji="1" lang="en-US" altLang="zh-TW" dirty="0" err="1"/>
-              <a:t>ChatGPT</a:t>
-            </a:r>
-            <a:endParaRPr kumimoji="1" lang="en-US" altLang="zh-TW" dirty="0"/>
-          </a:p>
-          <a:p>
-            <a:endParaRPr kumimoji="1" lang="zh-TW" altLang="en-US" dirty="0"/>
           </a:p>
         </p:txBody>
       </p:sp>
@@ -21252,182 +19959,6 @@
 </file>
 
 <file path=ppt/slides/slide3.xml><?xml version="1.0" encoding="utf-8"?>
-<p:sld xmlns:a="http://schemas.openxmlformats.org/drawingml/2006/main" xmlns:r="http://schemas.openxmlformats.org/officeDocument/2006/relationships" xmlns:p="http://schemas.openxmlformats.org/presentationml/2006/main">
-  <p:cSld>
-    <p:spTree>
-      <p:nvGrpSpPr>
-        <p:cNvPr id="1" name=""/>
-        <p:cNvGrpSpPr/>
-        <p:nvPr/>
-      </p:nvGrpSpPr>
-      <p:grpSpPr>
-        <a:xfrm>
-          <a:off x="0" y="0"/>
-          <a:ext cx="0" cy="0"/>
-          <a:chOff x="0" y="0"/>
-          <a:chExt cx="0" cy="0"/>
-        </a:xfrm>
-      </p:grpSpPr>
-      <p:sp>
-        <p:nvSpPr>
-          <p:cNvPr id="2" name="標題 1">
-            <a:extLst>
-              <a:ext uri="{FF2B5EF4-FFF2-40B4-BE49-F238E27FC236}">
-                <a16:creationId xmlns:a16="http://schemas.microsoft.com/office/drawing/2014/main" id="{D41BDB1D-8E96-D701-9005-FC5D4D911DE3}"/>
-              </a:ext>
-            </a:extLst>
-          </p:cNvPr>
-          <p:cNvSpPr>
-            <a:spLocks noGrp="1"/>
-          </p:cNvSpPr>
-          <p:nvPr>
-            <p:ph type="title"/>
-          </p:nvPr>
-        </p:nvSpPr>
-        <p:spPr/>
-        <p:txBody>
-          <a:bodyPr/>
-          <a:lstStyle/>
-          <a:p>
-            <a:r>
-              <a:rPr kumimoji="1" lang="zh-TW" altLang="en-US" dirty="0"/>
-              <a:t>遊戲規則</a:t>
-            </a:r>
-          </a:p>
-        </p:txBody>
-      </p:sp>
-      <p:sp>
-        <p:nvSpPr>
-          <p:cNvPr id="3" name="內容版面配置區 2">
-            <a:extLst>
-              <a:ext uri="{FF2B5EF4-FFF2-40B4-BE49-F238E27FC236}">
-                <a16:creationId xmlns:a16="http://schemas.microsoft.com/office/drawing/2014/main" id="{21FEAB31-4A37-31C8-9030-63ECD31C954D}"/>
-              </a:ext>
-            </a:extLst>
-          </p:cNvPr>
-          <p:cNvSpPr>
-            <a:spLocks noGrp="1"/>
-          </p:cNvSpPr>
-          <p:nvPr>
-            <p:ph idx="1"/>
-          </p:nvPr>
-        </p:nvSpPr>
-        <p:spPr/>
-        <p:txBody>
-          <a:bodyPr/>
-          <a:lstStyle/>
-          <a:p>
-            <a:endParaRPr kumimoji="1" lang="zh-TW" altLang="en-US"/>
-          </a:p>
-        </p:txBody>
-      </p:sp>
-    </p:spTree>
-    <p:extLst>
-      <p:ext uri="{BB962C8B-B14F-4D97-AF65-F5344CB8AC3E}">
-        <p14:creationId xmlns:p14="http://schemas.microsoft.com/office/powerpoint/2010/main" val="113121507"/>
-      </p:ext>
-    </p:extLst>
-  </p:cSld>
-  <p:clrMapOvr>
-    <a:masterClrMapping/>
-  </p:clrMapOvr>
-</p:sld>
-</file>
-
-<file path=ppt/slides/slide4.xml><?xml version="1.0" encoding="utf-8"?>
-<p:sld xmlns:a="http://schemas.openxmlformats.org/drawingml/2006/main" xmlns:r="http://schemas.openxmlformats.org/officeDocument/2006/relationships" xmlns:p="http://schemas.openxmlformats.org/presentationml/2006/main">
-  <p:cSld>
-    <p:spTree>
-      <p:nvGrpSpPr>
-        <p:cNvPr id="1" name=""/>
-        <p:cNvGrpSpPr/>
-        <p:nvPr/>
-      </p:nvGrpSpPr>
-      <p:grpSpPr>
-        <a:xfrm>
-          <a:off x="0" y="0"/>
-          <a:ext cx="0" cy="0"/>
-          <a:chOff x="0" y="0"/>
-          <a:chExt cx="0" cy="0"/>
-        </a:xfrm>
-      </p:grpSpPr>
-      <p:sp>
-        <p:nvSpPr>
-          <p:cNvPr id="2" name="標題 1">
-            <a:extLst>
-              <a:ext uri="{FF2B5EF4-FFF2-40B4-BE49-F238E27FC236}">
-                <a16:creationId xmlns:a16="http://schemas.microsoft.com/office/drawing/2014/main" id="{5B2BD45B-F1E4-FEA2-24C0-5E352D9D1B6D}"/>
-              </a:ext>
-            </a:extLst>
-          </p:cNvPr>
-          <p:cNvSpPr>
-            <a:spLocks noGrp="1"/>
-          </p:cNvSpPr>
-          <p:nvPr>
-            <p:ph type="title"/>
-          </p:nvPr>
-        </p:nvSpPr>
-        <p:spPr/>
-        <p:txBody>
-          <a:bodyPr/>
-          <a:lstStyle/>
-          <a:p>
-            <a:r>
-              <a:rPr kumimoji="1" lang="zh-TW" altLang="en-US" dirty="0"/>
-              <a:t>遊戲架構與流程圖</a:t>
-            </a:r>
-          </a:p>
-        </p:txBody>
-      </p:sp>
-      <p:sp>
-        <p:nvSpPr>
-          <p:cNvPr id="3" name="內容版面配置區 2">
-            <a:extLst>
-              <a:ext uri="{FF2B5EF4-FFF2-40B4-BE49-F238E27FC236}">
-                <a16:creationId xmlns:a16="http://schemas.microsoft.com/office/drawing/2014/main" id="{BB370C24-ECD8-63DE-CBDD-7DA85C81534F}"/>
-              </a:ext>
-            </a:extLst>
-          </p:cNvPr>
-          <p:cNvSpPr>
-            <a:spLocks noGrp="1"/>
-          </p:cNvSpPr>
-          <p:nvPr>
-            <p:ph idx="1"/>
-          </p:nvPr>
-        </p:nvSpPr>
-        <p:spPr/>
-        <p:txBody>
-          <a:bodyPr/>
-          <a:lstStyle/>
-          <a:p>
-            <a:r>
-              <a:rPr kumimoji="1" lang="zh-TW" altLang="en-US" dirty="0"/>
-              <a:t>遊戲主體</a:t>
-            </a:r>
-            <a:endParaRPr kumimoji="1" lang="en-US" altLang="zh-TW" dirty="0"/>
-          </a:p>
-          <a:p>
-            <a:r>
-              <a:rPr kumimoji="1" lang="zh-TW" altLang="en-US" dirty="0"/>
-              <a:t>計分板</a:t>
-            </a:r>
-          </a:p>
-        </p:txBody>
-      </p:sp>
-    </p:spTree>
-    <p:extLst>
-      <p:ext uri="{BB962C8B-B14F-4D97-AF65-F5344CB8AC3E}">
-        <p14:creationId xmlns:p14="http://schemas.microsoft.com/office/powerpoint/2010/main" val="905587204"/>
-      </p:ext>
-    </p:extLst>
-  </p:cSld>
-  <p:clrMapOvr>
-    <a:masterClrMapping/>
-  </p:clrMapOvr>
-</p:sld>
-</file>
-
-<file path=ppt/slides/slide5.xml><?xml version="1.0" encoding="utf-8"?>
 <p:sld xmlns:a="http://schemas.openxmlformats.org/drawingml/2006/main" xmlns:r="http://schemas.openxmlformats.org/officeDocument/2006/relationships" xmlns:p="http://schemas.openxmlformats.org/presentationml/2006/main">
   <p:cSld>
     <p:spTree>
@@ -21537,7 +20068,7 @@
 </p:sld>
 </file>
 
-<file path=ppt/slides/slide6.xml><?xml version="1.0" encoding="utf-8"?>
+<file path=ppt/slides/slide4.xml><?xml version="1.0" encoding="utf-8"?>
 <p:sld xmlns:a="http://schemas.openxmlformats.org/drawingml/2006/main" xmlns:r="http://schemas.openxmlformats.org/officeDocument/2006/relationships" xmlns:p="http://schemas.openxmlformats.org/presentationml/2006/main">
   <p:cSld>
     <p:spTree>
@@ -21647,7 +20178,7 @@
 </p:sld>
 </file>
 
-<file path=ppt/slides/slide7.xml><?xml version="1.0" encoding="utf-8"?>
+<file path=ppt/slides/slide5.xml><?xml version="1.0" encoding="utf-8"?>
 <p:sld xmlns:a="http://schemas.openxmlformats.org/drawingml/2006/main" xmlns:r="http://schemas.openxmlformats.org/officeDocument/2006/relationships" xmlns:p="http://schemas.openxmlformats.org/presentationml/2006/main">
   <p:cSld>
     <p:spTree>
@@ -21757,7 +20288,148 @@
 </p:sld>
 </file>
 
-<file path=ppt/slides/slide8.xml><?xml version="1.0" encoding="utf-8"?>
+<file path=ppt/slides/slide6.xml><?xml version="1.0" encoding="utf-8"?>
+<p:sld xmlns:a="http://schemas.openxmlformats.org/drawingml/2006/main" xmlns:r="http://schemas.openxmlformats.org/officeDocument/2006/relationships" xmlns:p="http://schemas.openxmlformats.org/presentationml/2006/main">
+  <p:cSld>
+    <p:spTree>
+      <p:nvGrpSpPr>
+        <p:cNvPr id="1" name=""/>
+        <p:cNvGrpSpPr/>
+        <p:nvPr/>
+      </p:nvGrpSpPr>
+      <p:grpSpPr>
+        <a:xfrm>
+          <a:off x="0" y="0"/>
+          <a:ext cx="0" cy="0"/>
+          <a:chOff x="0" y="0"/>
+          <a:chExt cx="0" cy="0"/>
+        </a:xfrm>
+      </p:grpSpPr>
+      <p:sp>
+        <p:nvSpPr>
+          <p:cNvPr id="2" name="標題 1">
+            <a:extLst>
+              <a:ext uri="{FF2B5EF4-FFF2-40B4-BE49-F238E27FC236}">
+                <a16:creationId xmlns:a16="http://schemas.microsoft.com/office/drawing/2014/main" id="{94625AB5-5ECA-9A78-C91A-EE5987566431}"/>
+              </a:ext>
+            </a:extLst>
+          </p:cNvPr>
+          <p:cNvSpPr>
+            <a:spLocks noGrp="1"/>
+          </p:cNvSpPr>
+          <p:nvPr>
+            <p:ph type="title"/>
+          </p:nvPr>
+        </p:nvSpPr>
+        <p:spPr/>
+        <p:txBody>
+          <a:bodyPr/>
+          <a:lstStyle/>
+          <a:p>
+            <a:r>
+              <a:rPr kumimoji="1" lang="zh-TW" altLang="en-US" dirty="0"/>
+              <a:t>計分板</a:t>
+            </a:r>
+          </a:p>
+        </p:txBody>
+      </p:sp>
+      <p:sp>
+        <p:nvSpPr>
+          <p:cNvPr id="3" name="內容版面配置區 2">
+            <a:extLst>
+              <a:ext uri="{FF2B5EF4-FFF2-40B4-BE49-F238E27FC236}">
+                <a16:creationId xmlns:a16="http://schemas.microsoft.com/office/drawing/2014/main" id="{AFD24A0F-8E5A-36C2-D3EB-6B6B02F361F9}"/>
+              </a:ext>
+            </a:extLst>
+          </p:cNvPr>
+          <p:cNvSpPr>
+            <a:spLocks noGrp="1"/>
+          </p:cNvSpPr>
+          <p:nvPr>
+            <p:ph idx="1"/>
+          </p:nvPr>
+        </p:nvSpPr>
+        <p:spPr/>
+        <p:txBody>
+          <a:bodyPr/>
+          <a:lstStyle/>
+          <a:p>
+            <a:r>
+              <a:rPr kumimoji="1" lang="zh-TW" altLang="en-US" dirty="0"/>
+              <a:t>使用 </a:t>
+            </a:r>
+            <a:r>
+              <a:rPr kumimoji="1" lang="en-US" altLang="zh-TW" dirty="0" err="1"/>
+              <a:t>TableView</a:t>
+            </a:r>
+            <a:r>
+              <a:rPr kumimoji="1" lang="en-US" altLang="zh-TW" dirty="0"/>
+              <a:t> </a:t>
+            </a:r>
+            <a:r>
+              <a:rPr kumimoji="1" lang="zh-TW" altLang="en-US" dirty="0"/>
+              <a:t>與 </a:t>
+            </a:r>
+            <a:r>
+              <a:rPr kumimoji="1" lang="en-US" altLang="zh-TW" dirty="0" err="1"/>
+              <a:t>dreamlo</a:t>
+            </a:r>
+            <a:r>
+              <a:rPr kumimoji="1" lang="en-US" altLang="zh-TW" dirty="0"/>
+              <a:t> </a:t>
+            </a:r>
+            <a:r>
+              <a:rPr kumimoji="1" lang="zh-TW" altLang="en-US" dirty="0"/>
+              <a:t>服務</a:t>
+            </a:r>
+            <a:endParaRPr kumimoji="1" lang="en-US" altLang="zh-TW" dirty="0"/>
+          </a:p>
+          <a:p>
+            <a:r>
+              <a:rPr kumimoji="1" lang="en-US" altLang="zh-TW" dirty="0"/>
+              <a:t>Simple-</a:t>
+            </a:r>
+            <a:r>
+              <a:rPr kumimoji="1" lang="en-US" altLang="zh-TW" dirty="0" err="1"/>
+              <a:t>json</a:t>
+            </a:r>
+            <a:r>
+              <a:rPr kumimoji="1" lang="en-US" altLang="zh-TW" dirty="0"/>
+              <a:t> </a:t>
+            </a:r>
+            <a:r>
+              <a:rPr kumimoji="1" lang="zh-TW" altLang="en-US" dirty="0"/>
+              <a:t>處理</a:t>
+            </a:r>
+            <a:r>
+              <a:rPr kumimoji="1" lang="en-US" altLang="zh-TW" dirty="0"/>
+              <a:t> API</a:t>
+            </a:r>
+            <a:r>
+              <a:rPr kumimoji="1" lang="zh-TW" altLang="en-US" dirty="0"/>
+              <a:t> 回傳資料，並整理計分板</a:t>
+            </a:r>
+            <a:r>
+              <a:rPr kumimoji="1" lang="en-US" altLang="zh-TW" dirty="0"/>
+              <a:t> </a:t>
+            </a:r>
+          </a:p>
+        </p:txBody>
+      </p:sp>
+    </p:spTree>
+    <p:extLst>
+      <p:ext uri="{BB962C8B-B14F-4D97-AF65-F5344CB8AC3E}">
+        <p14:creationId xmlns:p14="http://schemas.microsoft.com/office/powerpoint/2010/main" val="3308646117"/>
+      </p:ext>
+    </p:extLst>
+  </p:cSld>
+  <p:clrMapOvr>
+    <a:masterClrMapping/>
+  </p:clrMapOvr>
+</p:sld>
+</file>
+
+<file path=ppt/slides/slide7.xml><?xml version="1.0" encoding="utf-8"?>
 <p:sld xmlns:a="http://schemas.openxmlformats.org/drawingml/2006/main" xmlns:r="http://schemas.openxmlformats.org/officeDocument/2006/relationships" xmlns:p="http://schemas.openxmlformats.org/presentationml/2006/main">
   <p:cSld>
     <p:spTree>
@@ -21930,7 +20602,7 @@
 </p:sld>
 </file>
 
-<file path=ppt/slides/slide9.xml><?xml version="1.0" encoding="utf-8"?>
+<file path=ppt/slides/slide8.xml><?xml version="1.0" encoding="utf-8"?>
 <p:sld xmlns:a="http://schemas.openxmlformats.org/drawingml/2006/main" xmlns:r="http://schemas.openxmlformats.org/officeDocument/2006/relationships" xmlns:p="http://schemas.openxmlformats.org/presentationml/2006/main">
   <p:cSld>
     <p:spTree>
@@ -23282,6 +21954,1197 @@
     <p:extLst>
       <p:ext uri="{BB962C8B-B14F-4D97-AF65-F5344CB8AC3E}">
         <p14:creationId xmlns:p14="http://schemas.microsoft.com/office/powerpoint/2010/main" val="2771855596"/>
+      </p:ext>
+    </p:extLst>
+  </p:cSld>
+  <p:clrMapOvr>
+    <a:masterClrMapping/>
+  </p:clrMapOvr>
+</p:sld>
+</file>
+
+<file path=ppt/slides/slide9.xml><?xml version="1.0" encoding="utf-8"?>
+<p:sld xmlns:a="http://schemas.openxmlformats.org/drawingml/2006/main" xmlns:r="http://schemas.openxmlformats.org/officeDocument/2006/relationships" xmlns:p="http://schemas.openxmlformats.org/presentationml/2006/main">
+  <p:cSld>
+    <p:spTree>
+      <p:nvGrpSpPr>
+        <p:cNvPr id="1" name=""/>
+        <p:cNvGrpSpPr/>
+        <p:nvPr/>
+      </p:nvGrpSpPr>
+      <p:grpSpPr>
+        <a:xfrm>
+          <a:off x="0" y="0"/>
+          <a:ext cx="0" cy="0"/>
+          <a:chOff x="0" y="0"/>
+          <a:chExt cx="0" cy="0"/>
+        </a:xfrm>
+      </p:grpSpPr>
+      <p:sp>
+        <p:nvSpPr>
+          <p:cNvPr id="2" name="標題 1">
+            <a:extLst>
+              <a:ext uri="{FF2B5EF4-FFF2-40B4-BE49-F238E27FC236}">
+                <a16:creationId xmlns:a16="http://schemas.microsoft.com/office/drawing/2014/main" id="{B4FD27FB-CFA4-8E72-E656-450DE1D8D350}"/>
+              </a:ext>
+            </a:extLst>
+          </p:cNvPr>
+          <p:cNvSpPr>
+            <a:spLocks noGrp="1"/>
+          </p:cNvSpPr>
+          <p:nvPr>
+            <p:ph type="title"/>
+          </p:nvPr>
+        </p:nvSpPr>
+        <p:spPr/>
+        <p:txBody>
+          <a:bodyPr/>
+          <a:lstStyle/>
+          <a:p>
+            <a:r>
+              <a:rPr kumimoji="1" lang="en-US" altLang="zh-TW" dirty="0"/>
+              <a:t>BFS Algorithm with Route</a:t>
+            </a:r>
+            <a:endParaRPr kumimoji="1" lang="zh-TW" altLang="en-US" dirty="0"/>
+          </a:p>
+        </p:txBody>
+      </p:sp>
+      <p:graphicFrame>
+        <p:nvGraphicFramePr>
+          <p:cNvPr id="4" name="表格 4">
+            <a:extLst>
+              <a:ext uri="{FF2B5EF4-FFF2-40B4-BE49-F238E27FC236}">
+                <a16:creationId xmlns:a16="http://schemas.microsoft.com/office/drawing/2014/main" id="{2A4EC703-C96C-BB6E-6F6E-643DE3F3862A}"/>
+              </a:ext>
+            </a:extLst>
+          </p:cNvPr>
+          <p:cNvGraphicFramePr>
+            <a:graphicFrameLocks noGrp="1"/>
+          </p:cNvGraphicFramePr>
+          <p:nvPr/>
+        </p:nvGraphicFramePr>
+        <p:xfrm>
+          <a:off x="637152" y="1690688"/>
+          <a:ext cx="4451070" cy="4431145"/>
+        </p:xfrm>
+        <a:graphic>
+          <a:graphicData uri="http://schemas.openxmlformats.org/drawingml/2006/table">
+            <a:tbl>
+              <a:tblPr bandRow="1">
+                <a:tableStyleId>{F5AB1C69-6EDB-4FF4-983F-18BD219EF322}</a:tableStyleId>
+              </a:tblPr>
+              <a:tblGrid>
+                <a:gridCol w="890214">
+                  <a:extLst>
+                    <a:ext uri="{9D8B030D-6E8A-4147-A177-3AD203B41FA5}">
+                      <a16:colId xmlns:a16="http://schemas.microsoft.com/office/drawing/2014/main" val="3457372882"/>
+                    </a:ext>
+                  </a:extLst>
+                </a:gridCol>
+                <a:gridCol w="890214">
+                  <a:extLst>
+                    <a:ext uri="{9D8B030D-6E8A-4147-A177-3AD203B41FA5}">
+                      <a16:colId xmlns:a16="http://schemas.microsoft.com/office/drawing/2014/main" val="4012716525"/>
+                    </a:ext>
+                  </a:extLst>
+                </a:gridCol>
+                <a:gridCol w="890214">
+                  <a:extLst>
+                    <a:ext uri="{9D8B030D-6E8A-4147-A177-3AD203B41FA5}">
+                      <a16:colId xmlns:a16="http://schemas.microsoft.com/office/drawing/2014/main" val="3635152842"/>
+                    </a:ext>
+                  </a:extLst>
+                </a:gridCol>
+                <a:gridCol w="890214">
+                  <a:extLst>
+                    <a:ext uri="{9D8B030D-6E8A-4147-A177-3AD203B41FA5}">
+                      <a16:colId xmlns:a16="http://schemas.microsoft.com/office/drawing/2014/main" val="1376262311"/>
+                    </a:ext>
+                  </a:extLst>
+                </a:gridCol>
+                <a:gridCol w="890214">
+                  <a:extLst>
+                    <a:ext uri="{9D8B030D-6E8A-4147-A177-3AD203B41FA5}">
+                      <a16:colId xmlns:a16="http://schemas.microsoft.com/office/drawing/2014/main" val="1171847317"/>
+                    </a:ext>
+                  </a:extLst>
+                </a:gridCol>
+              </a:tblGrid>
+              <a:tr h="886229">
+                <a:tc>
+                  <a:txBody>
+                    <a:bodyPr/>
+                    <a:lstStyle/>
+                    <a:p>
+                      <a:pPr algn="ctr"/>
+                      <a:r>
+                        <a:rPr lang="en-US" altLang="zh-TW" sz="3000" dirty="0">
+                          <a:latin typeface="Hiragino Sans CNS W3" panose="020B0300000000000000" pitchFamily="34" charset="-128"/>
+                          <a:ea typeface="Hiragino Sans CNS W3" panose="020B0300000000000000" pitchFamily="34" charset="-128"/>
+                        </a:rPr>
+                        <a:t>1</a:t>
+                      </a:r>
+                      <a:endParaRPr lang="zh-TW" altLang="en-US" sz="3000" dirty="0">
+                        <a:latin typeface="Hiragino Sans CNS W3" panose="020B0300000000000000" pitchFamily="34" charset="-128"/>
+                        <a:ea typeface="Hiragino Sans CNS W3" panose="020B0300000000000000" pitchFamily="34" charset="-128"/>
+                      </a:endParaRPr>
+                    </a:p>
+                  </a:txBody>
+                  <a:tcPr marL="99361" marR="99361" marT="49681" marB="49681" anchor="ctr"/>
+                </a:tc>
+                <a:tc>
+                  <a:txBody>
+                    <a:bodyPr/>
+                    <a:lstStyle/>
+                    <a:p>
+                      <a:pPr algn="ctr"/>
+                      <a:r>
+                        <a:rPr lang="en-US" altLang="zh-TW" sz="3000" dirty="0">
+                          <a:latin typeface="Hiragino Sans CNS W3" panose="020B0300000000000000" pitchFamily="34" charset="-128"/>
+                          <a:ea typeface="Hiragino Sans CNS W3" panose="020B0300000000000000" pitchFamily="34" charset="-128"/>
+                        </a:rPr>
+                        <a:t>2</a:t>
+                      </a:r>
+                      <a:endParaRPr lang="zh-TW" altLang="en-US" sz="3000" dirty="0">
+                        <a:latin typeface="Hiragino Sans CNS W3" panose="020B0300000000000000" pitchFamily="34" charset="-128"/>
+                        <a:ea typeface="Hiragino Sans CNS W3" panose="020B0300000000000000" pitchFamily="34" charset="-128"/>
+                      </a:endParaRPr>
+                    </a:p>
+                  </a:txBody>
+                  <a:tcPr marL="99361" marR="99361" marT="49681" marB="49681" anchor="ctr"/>
+                </a:tc>
+                <a:tc>
+                  <a:txBody>
+                    <a:bodyPr/>
+                    <a:lstStyle/>
+                    <a:p>
+                      <a:pPr algn="ctr"/>
+                      <a:r>
+                        <a:rPr lang="en-US" altLang="zh-TW" sz="3000" dirty="0">
+                          <a:latin typeface="Hiragino Sans CNS W3" panose="020B0300000000000000" pitchFamily="34" charset="-128"/>
+                          <a:ea typeface="Hiragino Sans CNS W3" panose="020B0300000000000000" pitchFamily="34" charset="-128"/>
+                        </a:rPr>
+                        <a:t>5</a:t>
+                      </a:r>
+                      <a:endParaRPr lang="zh-TW" altLang="en-US" sz="3000" dirty="0">
+                        <a:latin typeface="Hiragino Sans CNS W3" panose="020B0300000000000000" pitchFamily="34" charset="-128"/>
+                        <a:ea typeface="Hiragino Sans CNS W3" panose="020B0300000000000000" pitchFamily="34" charset="-128"/>
+                      </a:endParaRPr>
+                    </a:p>
+                  </a:txBody>
+                  <a:tcPr marL="99361" marR="99361" marT="49681" marB="49681" anchor="ctr"/>
+                </a:tc>
+                <a:tc>
+                  <a:txBody>
+                    <a:bodyPr/>
+                    <a:lstStyle/>
+                    <a:p>
+                      <a:pPr algn="ctr"/>
+                      <a:r>
+                        <a:rPr lang="en-US" altLang="zh-TW" sz="3000" dirty="0">
+                          <a:latin typeface="Hiragino Sans CNS W3" panose="020B0300000000000000" pitchFamily="34" charset="-128"/>
+                          <a:ea typeface="Hiragino Sans CNS W3" panose="020B0300000000000000" pitchFamily="34" charset="-128"/>
+                        </a:rPr>
+                        <a:t>3</a:t>
+                      </a:r>
+                      <a:endParaRPr lang="zh-TW" altLang="en-US" sz="3000" dirty="0">
+                        <a:latin typeface="Hiragino Sans CNS W3" panose="020B0300000000000000" pitchFamily="34" charset="-128"/>
+                        <a:ea typeface="Hiragino Sans CNS W3" panose="020B0300000000000000" pitchFamily="34" charset="-128"/>
+                      </a:endParaRPr>
+                    </a:p>
+                  </a:txBody>
+                  <a:tcPr marL="99361" marR="99361" marT="49681" marB="49681" anchor="ctr"/>
+                </a:tc>
+                <a:tc>
+                  <a:txBody>
+                    <a:bodyPr/>
+                    <a:lstStyle/>
+                    <a:p>
+                      <a:pPr algn="ctr"/>
+                      <a:r>
+                        <a:rPr lang="en-US" altLang="zh-TW" sz="3000" dirty="0">
+                          <a:latin typeface="Hiragino Sans CNS W3" panose="020B0300000000000000" pitchFamily="34" charset="-128"/>
+                          <a:ea typeface="Hiragino Sans CNS W3" panose="020B0300000000000000" pitchFamily="34" charset="-128"/>
+                        </a:rPr>
+                        <a:t>4</a:t>
+                      </a:r>
+                      <a:endParaRPr lang="zh-TW" altLang="en-US" sz="3000" dirty="0">
+                        <a:latin typeface="Hiragino Sans CNS W3" panose="020B0300000000000000" pitchFamily="34" charset="-128"/>
+                        <a:ea typeface="Hiragino Sans CNS W3" panose="020B0300000000000000" pitchFamily="34" charset="-128"/>
+                      </a:endParaRPr>
+                    </a:p>
+                  </a:txBody>
+                  <a:tcPr marL="99361" marR="99361" marT="49681" marB="49681" anchor="ctr"/>
+                </a:tc>
+                <a:extLst>
+                  <a:ext uri="{0D108BD9-81ED-4DB2-BD59-A6C34878D82A}">
+                    <a16:rowId xmlns:a16="http://schemas.microsoft.com/office/drawing/2014/main" val="3063813678"/>
+                  </a:ext>
+                </a:extLst>
+              </a:tr>
+              <a:tr h="886229">
+                <a:tc>
+                  <a:txBody>
+                    <a:bodyPr/>
+                    <a:lstStyle/>
+                    <a:p>
+                      <a:pPr algn="ctr"/>
+                      <a:r>
+                        <a:rPr lang="en-US" altLang="zh-TW" sz="3000" dirty="0">
+                          <a:latin typeface="Hiragino Sans CNS W3" panose="020B0300000000000000" pitchFamily="34" charset="-128"/>
+                          <a:ea typeface="Hiragino Sans CNS W3" panose="020B0300000000000000" pitchFamily="34" charset="-128"/>
+                        </a:rPr>
+                        <a:t>4</a:t>
+                      </a:r>
+                      <a:endParaRPr lang="zh-TW" altLang="en-US" sz="3000" dirty="0">
+                        <a:latin typeface="Hiragino Sans CNS W3" panose="020B0300000000000000" pitchFamily="34" charset="-128"/>
+                        <a:ea typeface="Hiragino Sans CNS W3" panose="020B0300000000000000" pitchFamily="34" charset="-128"/>
+                      </a:endParaRPr>
+                    </a:p>
+                  </a:txBody>
+                  <a:tcPr marL="99361" marR="99361" marT="49681" marB="49681" anchor="ctr"/>
+                </a:tc>
+                <a:tc>
+                  <a:txBody>
+                    <a:bodyPr/>
+                    <a:lstStyle/>
+                    <a:p>
+                      <a:pPr algn="ctr"/>
+                      <a:r>
+                        <a:rPr lang="en-US" altLang="zh-TW" sz="3000" dirty="0">
+                          <a:latin typeface="Hiragino Sans CNS W3" panose="020B0300000000000000" pitchFamily="34" charset="-128"/>
+                          <a:ea typeface="Hiragino Sans CNS W3" panose="020B0300000000000000" pitchFamily="34" charset="-128"/>
+                        </a:rPr>
+                        <a:t>4</a:t>
+                      </a:r>
+                      <a:endParaRPr lang="zh-TW" altLang="en-US" sz="3000" dirty="0">
+                        <a:latin typeface="Hiragino Sans CNS W3" panose="020B0300000000000000" pitchFamily="34" charset="-128"/>
+                        <a:ea typeface="Hiragino Sans CNS W3" panose="020B0300000000000000" pitchFamily="34" charset="-128"/>
+                      </a:endParaRPr>
+                    </a:p>
+                  </a:txBody>
+                  <a:tcPr marL="99361" marR="99361" marT="49681" marB="49681" anchor="ctr">
+                    <a:solidFill>
+                      <a:schemeClr val="accent2"/>
+                    </a:solidFill>
+                  </a:tcPr>
+                </a:tc>
+                <a:tc>
+                  <a:txBody>
+                    <a:bodyPr/>
+                    <a:lstStyle/>
+                    <a:p>
+                      <a:pPr algn="ctr"/>
+                      <a:r>
+                        <a:rPr lang="en-US" altLang="zh-TW" sz="3000" dirty="0">
+                          <a:latin typeface="Hiragino Sans CNS W3" panose="020B0300000000000000" pitchFamily="34" charset="-128"/>
+                          <a:ea typeface="Hiragino Sans CNS W3" panose="020B0300000000000000" pitchFamily="34" charset="-128"/>
+                        </a:rPr>
+                        <a:t>5</a:t>
+                      </a:r>
+                      <a:endParaRPr lang="zh-TW" altLang="en-US" sz="3000" dirty="0">
+                        <a:latin typeface="Hiragino Sans CNS W3" panose="020B0300000000000000" pitchFamily="34" charset="-128"/>
+                        <a:ea typeface="Hiragino Sans CNS W3" panose="020B0300000000000000" pitchFamily="34" charset="-128"/>
+                      </a:endParaRPr>
+                    </a:p>
+                  </a:txBody>
+                  <a:tcPr marL="99361" marR="99361" marT="49681" marB="49681" anchor="ctr"/>
+                </a:tc>
+                <a:tc>
+                  <a:txBody>
+                    <a:bodyPr/>
+                    <a:lstStyle/>
+                    <a:p>
+                      <a:pPr algn="ctr"/>
+                      <a:r>
+                        <a:rPr lang="en-US" altLang="zh-TW" sz="3000" dirty="0">
+                          <a:latin typeface="Hiragino Sans CNS W3" panose="020B0300000000000000" pitchFamily="34" charset="-128"/>
+                          <a:ea typeface="Hiragino Sans CNS W3" panose="020B0300000000000000" pitchFamily="34" charset="-128"/>
+                        </a:rPr>
+                        <a:t>2</a:t>
+                      </a:r>
+                      <a:endParaRPr lang="zh-TW" altLang="en-US" sz="3000" dirty="0">
+                        <a:latin typeface="Hiragino Sans CNS W3" panose="020B0300000000000000" pitchFamily="34" charset="-128"/>
+                        <a:ea typeface="Hiragino Sans CNS W3" panose="020B0300000000000000" pitchFamily="34" charset="-128"/>
+                      </a:endParaRPr>
+                    </a:p>
+                  </a:txBody>
+                  <a:tcPr marL="99361" marR="99361" marT="49681" marB="49681" anchor="ctr"/>
+                </a:tc>
+                <a:tc>
+                  <a:txBody>
+                    <a:bodyPr/>
+                    <a:lstStyle/>
+                    <a:p>
+                      <a:pPr algn="ctr"/>
+                      <a:r>
+                        <a:rPr lang="en-US" altLang="zh-TW" sz="3000" dirty="0">
+                          <a:latin typeface="Hiragino Sans CNS W3" panose="020B0300000000000000" pitchFamily="34" charset="-128"/>
+                          <a:ea typeface="Hiragino Sans CNS W3" panose="020B0300000000000000" pitchFamily="34" charset="-128"/>
+                        </a:rPr>
+                        <a:t>1</a:t>
+                      </a:r>
+                      <a:endParaRPr lang="zh-TW" altLang="en-US" sz="3000" dirty="0">
+                        <a:latin typeface="Hiragino Sans CNS W3" panose="020B0300000000000000" pitchFamily="34" charset="-128"/>
+                        <a:ea typeface="Hiragino Sans CNS W3" panose="020B0300000000000000" pitchFamily="34" charset="-128"/>
+                      </a:endParaRPr>
+                    </a:p>
+                  </a:txBody>
+                  <a:tcPr marL="99361" marR="99361" marT="49681" marB="49681" anchor="ctr"/>
+                </a:tc>
+                <a:extLst>
+                  <a:ext uri="{0D108BD9-81ED-4DB2-BD59-A6C34878D82A}">
+                    <a16:rowId xmlns:a16="http://schemas.microsoft.com/office/drawing/2014/main" val="729469909"/>
+                  </a:ext>
+                </a:extLst>
+              </a:tr>
+              <a:tr h="886229">
+                <a:tc>
+                  <a:txBody>
+                    <a:bodyPr/>
+                    <a:lstStyle/>
+                    <a:p>
+                      <a:pPr algn="ctr"/>
+                      <a:r>
+                        <a:rPr lang="en-US" altLang="zh-TW" sz="3000" dirty="0">
+                          <a:latin typeface="Hiragino Sans CNS W3" panose="020B0300000000000000" pitchFamily="34" charset="-128"/>
+                          <a:ea typeface="Hiragino Sans CNS W3" panose="020B0300000000000000" pitchFamily="34" charset="-128"/>
+                        </a:rPr>
+                        <a:t>4</a:t>
+                      </a:r>
+                      <a:endParaRPr lang="zh-TW" altLang="en-US" sz="3000" dirty="0">
+                        <a:latin typeface="Hiragino Sans CNS W3" panose="020B0300000000000000" pitchFamily="34" charset="-128"/>
+                        <a:ea typeface="Hiragino Sans CNS W3" panose="020B0300000000000000" pitchFamily="34" charset="-128"/>
+                      </a:endParaRPr>
+                    </a:p>
+                  </a:txBody>
+                  <a:tcPr marL="99361" marR="99361" marT="49681" marB="49681" anchor="ctr"/>
+                </a:tc>
+                <a:tc>
+                  <a:txBody>
+                    <a:bodyPr/>
+                    <a:lstStyle/>
+                    <a:p>
+                      <a:pPr algn="ctr"/>
+                      <a:r>
+                        <a:rPr lang="en-US" altLang="zh-TW" sz="3000" dirty="0">
+                          <a:latin typeface="Hiragino Sans CNS W3" panose="020B0300000000000000" pitchFamily="34" charset="-128"/>
+                          <a:ea typeface="Hiragino Sans CNS W3" panose="020B0300000000000000" pitchFamily="34" charset="-128"/>
+                        </a:rPr>
+                        <a:t>3</a:t>
+                      </a:r>
+                      <a:endParaRPr lang="zh-TW" altLang="en-US" sz="3000" dirty="0">
+                        <a:latin typeface="Hiragino Sans CNS W3" panose="020B0300000000000000" pitchFamily="34" charset="-128"/>
+                        <a:ea typeface="Hiragino Sans CNS W3" panose="020B0300000000000000" pitchFamily="34" charset="-128"/>
+                      </a:endParaRPr>
+                    </a:p>
+                  </a:txBody>
+                  <a:tcPr marL="99361" marR="99361" marT="49681" marB="49681" anchor="ctr"/>
+                </a:tc>
+                <a:tc>
+                  <a:txBody>
+                    <a:bodyPr/>
+                    <a:lstStyle/>
+                    <a:p>
+                      <a:pPr algn="ctr"/>
+                      <a:r>
+                        <a:rPr lang="en-US" altLang="zh-TW" sz="3000" dirty="0">
+                          <a:latin typeface="Hiragino Sans CNS W3" panose="020B0300000000000000" pitchFamily="34" charset="-128"/>
+                          <a:ea typeface="Hiragino Sans CNS W3" panose="020B0300000000000000" pitchFamily="34" charset="-128"/>
+                        </a:rPr>
+                        <a:t>2</a:t>
+                      </a:r>
+                      <a:endParaRPr lang="zh-TW" altLang="en-US" sz="3000" dirty="0">
+                        <a:latin typeface="Hiragino Sans CNS W3" panose="020B0300000000000000" pitchFamily="34" charset="-128"/>
+                        <a:ea typeface="Hiragino Sans CNS W3" panose="020B0300000000000000" pitchFamily="34" charset="-128"/>
+                      </a:endParaRPr>
+                    </a:p>
+                  </a:txBody>
+                  <a:tcPr marL="99361" marR="99361" marT="49681" marB="49681" anchor="ctr"/>
+                </a:tc>
+                <a:tc>
+                  <a:txBody>
+                    <a:bodyPr/>
+                    <a:lstStyle/>
+                    <a:p>
+                      <a:pPr algn="ctr"/>
+                      <a:r>
+                        <a:rPr lang="en-US" altLang="zh-TW" sz="3000" dirty="0">
+                          <a:latin typeface="Hiragino Sans CNS W3" panose="020B0300000000000000" pitchFamily="34" charset="-128"/>
+                          <a:ea typeface="Hiragino Sans CNS W3" panose="020B0300000000000000" pitchFamily="34" charset="-128"/>
+                        </a:rPr>
+                        <a:t>5</a:t>
+                      </a:r>
+                      <a:endParaRPr lang="zh-TW" altLang="en-US" sz="3000" dirty="0">
+                        <a:latin typeface="Hiragino Sans CNS W3" panose="020B0300000000000000" pitchFamily="34" charset="-128"/>
+                        <a:ea typeface="Hiragino Sans CNS W3" panose="020B0300000000000000" pitchFamily="34" charset="-128"/>
+                      </a:endParaRPr>
+                    </a:p>
+                  </a:txBody>
+                  <a:tcPr marL="99361" marR="99361" marT="49681" marB="49681" anchor="ctr"/>
+                </a:tc>
+                <a:tc>
+                  <a:txBody>
+                    <a:bodyPr/>
+                    <a:lstStyle/>
+                    <a:p>
+                      <a:pPr algn="ctr"/>
+                      <a:r>
+                        <a:rPr lang="en-US" altLang="zh-TW" sz="3000" dirty="0">
+                          <a:latin typeface="Hiragino Sans CNS W3" panose="020B0300000000000000" pitchFamily="34" charset="-128"/>
+                          <a:ea typeface="Hiragino Sans CNS W3" panose="020B0300000000000000" pitchFamily="34" charset="-128"/>
+                        </a:rPr>
+                        <a:t>4</a:t>
+                      </a:r>
+                      <a:endParaRPr lang="zh-TW" altLang="en-US" sz="3000" dirty="0">
+                        <a:latin typeface="Hiragino Sans CNS W3" panose="020B0300000000000000" pitchFamily="34" charset="-128"/>
+                        <a:ea typeface="Hiragino Sans CNS W3" panose="020B0300000000000000" pitchFamily="34" charset="-128"/>
+                      </a:endParaRPr>
+                    </a:p>
+                  </a:txBody>
+                  <a:tcPr marL="99361" marR="99361" marT="49681" marB="49681" anchor="ctr"/>
+                </a:tc>
+                <a:extLst>
+                  <a:ext uri="{0D108BD9-81ED-4DB2-BD59-A6C34878D82A}">
+                    <a16:rowId xmlns:a16="http://schemas.microsoft.com/office/drawing/2014/main" val="1632199547"/>
+                  </a:ext>
+                </a:extLst>
+              </a:tr>
+              <a:tr h="886229">
+                <a:tc>
+                  <a:txBody>
+                    <a:bodyPr/>
+                    <a:lstStyle/>
+                    <a:p>
+                      <a:pPr algn="ctr"/>
+                      <a:r>
+                        <a:rPr lang="en-US" altLang="zh-TW" sz="3000" dirty="0">
+                          <a:latin typeface="Hiragino Sans CNS W3" panose="020B0300000000000000" pitchFamily="34" charset="-128"/>
+                          <a:ea typeface="Hiragino Sans CNS W3" panose="020B0300000000000000" pitchFamily="34" charset="-128"/>
+                        </a:rPr>
+                        <a:t>1</a:t>
+                      </a:r>
+                      <a:endParaRPr lang="zh-TW" altLang="en-US" sz="3000" dirty="0">
+                        <a:latin typeface="Hiragino Sans CNS W3" panose="020B0300000000000000" pitchFamily="34" charset="-128"/>
+                        <a:ea typeface="Hiragino Sans CNS W3" panose="020B0300000000000000" pitchFamily="34" charset="-128"/>
+                      </a:endParaRPr>
+                    </a:p>
+                  </a:txBody>
+                  <a:tcPr marL="99361" marR="99361" marT="49681" marB="49681" anchor="ctr"/>
+                </a:tc>
+                <a:tc>
+                  <a:txBody>
+                    <a:bodyPr/>
+                    <a:lstStyle/>
+                    <a:p>
+                      <a:pPr algn="ctr"/>
+                      <a:r>
+                        <a:rPr lang="en-US" altLang="zh-TW" sz="3000" dirty="0">
+                          <a:latin typeface="Hiragino Sans CNS W3" panose="020B0300000000000000" pitchFamily="34" charset="-128"/>
+                          <a:ea typeface="Hiragino Sans CNS W3" panose="020B0300000000000000" pitchFamily="34" charset="-128"/>
+                        </a:rPr>
+                        <a:t>2</a:t>
+                      </a:r>
+                      <a:endParaRPr lang="zh-TW" altLang="en-US" sz="3000" dirty="0">
+                        <a:latin typeface="Hiragino Sans CNS W3" panose="020B0300000000000000" pitchFamily="34" charset="-128"/>
+                        <a:ea typeface="Hiragino Sans CNS W3" panose="020B0300000000000000" pitchFamily="34" charset="-128"/>
+                      </a:endParaRPr>
+                    </a:p>
+                  </a:txBody>
+                  <a:tcPr marL="99361" marR="99361" marT="49681" marB="49681" anchor="ctr"/>
+                </a:tc>
+                <a:tc>
+                  <a:txBody>
+                    <a:bodyPr/>
+                    <a:lstStyle/>
+                    <a:p>
+                      <a:pPr algn="ctr"/>
+                      <a:r>
+                        <a:rPr lang="en-US" altLang="zh-TW" sz="3000" dirty="0">
+                          <a:latin typeface="Hiragino Sans CNS W3" panose="020B0300000000000000" pitchFamily="34" charset="-128"/>
+                          <a:ea typeface="Hiragino Sans CNS W3" panose="020B0300000000000000" pitchFamily="34" charset="-128"/>
+                        </a:rPr>
+                        <a:t>1</a:t>
+                      </a:r>
+                      <a:endParaRPr lang="zh-TW" altLang="en-US" sz="3000" dirty="0">
+                        <a:latin typeface="Hiragino Sans CNS W3" panose="020B0300000000000000" pitchFamily="34" charset="-128"/>
+                        <a:ea typeface="Hiragino Sans CNS W3" panose="020B0300000000000000" pitchFamily="34" charset="-128"/>
+                      </a:endParaRPr>
+                    </a:p>
+                  </a:txBody>
+                  <a:tcPr marL="99361" marR="99361" marT="49681" marB="49681" anchor="ctr"/>
+                </a:tc>
+                <a:tc>
+                  <a:txBody>
+                    <a:bodyPr/>
+                    <a:lstStyle/>
+                    <a:p>
+                      <a:pPr algn="ctr"/>
+                      <a:r>
+                        <a:rPr lang="en-US" altLang="zh-TW" sz="3000" dirty="0">
+                          <a:latin typeface="Hiragino Sans CNS W3" panose="020B0300000000000000" pitchFamily="34" charset="-128"/>
+                          <a:ea typeface="Hiragino Sans CNS W3" panose="020B0300000000000000" pitchFamily="34" charset="-128"/>
+                        </a:rPr>
+                        <a:t>3</a:t>
+                      </a:r>
+                      <a:endParaRPr lang="zh-TW" altLang="en-US" sz="3000" dirty="0">
+                        <a:latin typeface="Hiragino Sans CNS W3" panose="020B0300000000000000" pitchFamily="34" charset="-128"/>
+                        <a:ea typeface="Hiragino Sans CNS W3" panose="020B0300000000000000" pitchFamily="34" charset="-128"/>
+                      </a:endParaRPr>
+                    </a:p>
+                  </a:txBody>
+                  <a:tcPr marL="99361" marR="99361" marT="49681" marB="49681" anchor="ctr"/>
+                </a:tc>
+                <a:tc>
+                  <a:txBody>
+                    <a:bodyPr/>
+                    <a:lstStyle/>
+                    <a:p>
+                      <a:pPr algn="ctr"/>
+                      <a:r>
+                        <a:rPr lang="en-US" altLang="zh-TW" sz="3000" dirty="0">
+                          <a:latin typeface="Hiragino Sans CNS W3" panose="020B0300000000000000" pitchFamily="34" charset="-128"/>
+                          <a:ea typeface="Hiragino Sans CNS W3" panose="020B0300000000000000" pitchFamily="34" charset="-128"/>
+                        </a:rPr>
+                        <a:t>3</a:t>
+                      </a:r>
+                      <a:endParaRPr lang="zh-TW" altLang="en-US" sz="3000" dirty="0">
+                        <a:latin typeface="Hiragino Sans CNS W3" panose="020B0300000000000000" pitchFamily="34" charset="-128"/>
+                        <a:ea typeface="Hiragino Sans CNS W3" panose="020B0300000000000000" pitchFamily="34" charset="-128"/>
+                      </a:endParaRPr>
+                    </a:p>
+                  </a:txBody>
+                  <a:tcPr marL="99361" marR="99361" marT="49681" marB="49681" anchor="ctr"/>
+                </a:tc>
+                <a:extLst>
+                  <a:ext uri="{0D108BD9-81ED-4DB2-BD59-A6C34878D82A}">
+                    <a16:rowId xmlns:a16="http://schemas.microsoft.com/office/drawing/2014/main" val="1783147424"/>
+                  </a:ext>
+                </a:extLst>
+              </a:tr>
+              <a:tr h="886229">
+                <a:tc>
+                  <a:txBody>
+                    <a:bodyPr/>
+                    <a:lstStyle/>
+                    <a:p>
+                      <a:pPr algn="ctr"/>
+                      <a:r>
+                        <a:rPr lang="en-US" altLang="zh-TW" sz="3000" dirty="0">
+                          <a:latin typeface="Hiragino Sans CNS W3" panose="020B0300000000000000" pitchFamily="34" charset="-128"/>
+                          <a:ea typeface="Hiragino Sans CNS W3" panose="020B0300000000000000" pitchFamily="34" charset="-128"/>
+                        </a:rPr>
+                        <a:t>4</a:t>
+                      </a:r>
+                      <a:endParaRPr lang="zh-TW" altLang="en-US" sz="3000" dirty="0">
+                        <a:latin typeface="Hiragino Sans CNS W3" panose="020B0300000000000000" pitchFamily="34" charset="-128"/>
+                        <a:ea typeface="Hiragino Sans CNS W3" panose="020B0300000000000000" pitchFamily="34" charset="-128"/>
+                      </a:endParaRPr>
+                    </a:p>
+                  </a:txBody>
+                  <a:tcPr marL="99361" marR="99361" marT="49681" marB="49681" anchor="ctr"/>
+                </a:tc>
+                <a:tc>
+                  <a:txBody>
+                    <a:bodyPr/>
+                    <a:lstStyle/>
+                    <a:p>
+                      <a:pPr algn="ctr"/>
+                      <a:r>
+                        <a:rPr lang="en-US" altLang="zh-TW" sz="3000" dirty="0">
+                          <a:latin typeface="Hiragino Sans CNS W3" panose="020B0300000000000000" pitchFamily="34" charset="-128"/>
+                          <a:ea typeface="Hiragino Sans CNS W3" panose="020B0300000000000000" pitchFamily="34" charset="-128"/>
+                        </a:rPr>
+                        <a:t>4</a:t>
+                      </a:r>
+                      <a:endParaRPr lang="zh-TW" altLang="en-US" sz="3000" dirty="0">
+                        <a:latin typeface="Hiragino Sans CNS W3" panose="020B0300000000000000" pitchFamily="34" charset="-128"/>
+                        <a:ea typeface="Hiragino Sans CNS W3" panose="020B0300000000000000" pitchFamily="34" charset="-128"/>
+                      </a:endParaRPr>
+                    </a:p>
+                  </a:txBody>
+                  <a:tcPr marL="99361" marR="99361" marT="49681" marB="49681" anchor="ctr"/>
+                </a:tc>
+                <a:tc>
+                  <a:txBody>
+                    <a:bodyPr/>
+                    <a:lstStyle/>
+                    <a:p>
+                      <a:pPr algn="ctr"/>
+                      <a:r>
+                        <a:rPr lang="en-US" altLang="zh-TW" sz="3000" dirty="0">
+                          <a:latin typeface="Hiragino Sans CNS W3" panose="020B0300000000000000" pitchFamily="34" charset="-128"/>
+                          <a:ea typeface="Hiragino Sans CNS W3" panose="020B0300000000000000" pitchFamily="34" charset="-128"/>
+                        </a:rPr>
+                        <a:t>5</a:t>
+                      </a:r>
+                      <a:endParaRPr lang="zh-TW" altLang="en-US" sz="3000" dirty="0">
+                        <a:latin typeface="Hiragino Sans CNS W3" panose="020B0300000000000000" pitchFamily="34" charset="-128"/>
+                        <a:ea typeface="Hiragino Sans CNS W3" panose="020B0300000000000000" pitchFamily="34" charset="-128"/>
+                      </a:endParaRPr>
+                    </a:p>
+                  </a:txBody>
+                  <a:tcPr marL="99361" marR="99361" marT="49681" marB="49681" anchor="ctr"/>
+                </a:tc>
+                <a:tc>
+                  <a:txBody>
+                    <a:bodyPr/>
+                    <a:lstStyle/>
+                    <a:p>
+                      <a:pPr algn="ctr"/>
+                      <a:r>
+                        <a:rPr lang="en-US" altLang="zh-TW" sz="3000" dirty="0">
+                          <a:latin typeface="Hiragino Sans CNS W3" panose="020B0300000000000000" pitchFamily="34" charset="-128"/>
+                          <a:ea typeface="Hiragino Sans CNS W3" panose="020B0300000000000000" pitchFamily="34" charset="-128"/>
+                        </a:rPr>
+                        <a:t>2</a:t>
+                      </a:r>
+                      <a:endParaRPr lang="zh-TW" altLang="en-US" sz="3000" dirty="0">
+                        <a:latin typeface="Hiragino Sans CNS W3" panose="020B0300000000000000" pitchFamily="34" charset="-128"/>
+                        <a:ea typeface="Hiragino Sans CNS W3" panose="020B0300000000000000" pitchFamily="34" charset="-128"/>
+                      </a:endParaRPr>
+                    </a:p>
+                  </a:txBody>
+                  <a:tcPr marL="99361" marR="99361" marT="49681" marB="49681" anchor="ctr"/>
+                </a:tc>
+                <a:tc>
+                  <a:txBody>
+                    <a:bodyPr/>
+                    <a:lstStyle/>
+                    <a:p>
+                      <a:pPr algn="ctr"/>
+                      <a:r>
+                        <a:rPr lang="en-US" altLang="zh-TW" sz="3000" dirty="0">
+                          <a:latin typeface="Hiragino Sans CNS W3" panose="020B0300000000000000" pitchFamily="34" charset="-128"/>
+                          <a:ea typeface="Hiragino Sans CNS W3" panose="020B0300000000000000" pitchFamily="34" charset="-128"/>
+                        </a:rPr>
+                        <a:t>5</a:t>
+                      </a:r>
+                      <a:endParaRPr lang="zh-TW" altLang="en-US" sz="3000" dirty="0">
+                        <a:latin typeface="Hiragino Sans CNS W3" panose="020B0300000000000000" pitchFamily="34" charset="-128"/>
+                        <a:ea typeface="Hiragino Sans CNS W3" panose="020B0300000000000000" pitchFamily="34" charset="-128"/>
+                      </a:endParaRPr>
+                    </a:p>
+                  </a:txBody>
+                  <a:tcPr marL="99361" marR="99361" marT="49681" marB="49681" anchor="ctr"/>
+                </a:tc>
+                <a:extLst>
+                  <a:ext uri="{0D108BD9-81ED-4DB2-BD59-A6C34878D82A}">
+                    <a16:rowId xmlns:a16="http://schemas.microsoft.com/office/drawing/2014/main" val="3144180348"/>
+                  </a:ext>
+                </a:extLst>
+              </a:tr>
+            </a:tbl>
+          </a:graphicData>
+        </a:graphic>
+      </p:graphicFrame>
+      <p:graphicFrame>
+        <p:nvGraphicFramePr>
+          <p:cNvPr id="5" name="表格 4">
+            <a:extLst>
+              <a:ext uri="{FF2B5EF4-FFF2-40B4-BE49-F238E27FC236}">
+                <a16:creationId xmlns:a16="http://schemas.microsoft.com/office/drawing/2014/main" id="{E295E5F4-D89C-299C-3393-FA4B28861EC5}"/>
+              </a:ext>
+            </a:extLst>
+          </p:cNvPr>
+          <p:cNvGraphicFramePr>
+            <a:graphicFrameLocks noGrp="1"/>
+          </p:cNvGraphicFramePr>
+          <p:nvPr>
+            <p:extLst>
+              <p:ext uri="{D42A27DB-BD31-4B8C-83A1-F6EECF244321}">
+                <p14:modId xmlns:p14="http://schemas.microsoft.com/office/powerpoint/2010/main" val="1827950176"/>
+              </p:ext>
+            </p:extLst>
+          </p:nvPr>
+        </p:nvGraphicFramePr>
+        <p:xfrm>
+          <a:off x="5792626" y="1690688"/>
+          <a:ext cx="4451070" cy="4431145"/>
+        </p:xfrm>
+        <a:graphic>
+          <a:graphicData uri="http://schemas.openxmlformats.org/drawingml/2006/table">
+            <a:tbl>
+              <a:tblPr bandRow="1">
+                <a:tableStyleId>{F5AB1C69-6EDB-4FF4-983F-18BD219EF322}</a:tableStyleId>
+              </a:tblPr>
+              <a:tblGrid>
+                <a:gridCol w="890214">
+                  <a:extLst>
+                    <a:ext uri="{9D8B030D-6E8A-4147-A177-3AD203B41FA5}">
+                      <a16:colId xmlns:a16="http://schemas.microsoft.com/office/drawing/2014/main" val="3457372882"/>
+                    </a:ext>
+                  </a:extLst>
+                </a:gridCol>
+                <a:gridCol w="890214">
+                  <a:extLst>
+                    <a:ext uri="{9D8B030D-6E8A-4147-A177-3AD203B41FA5}">
+                      <a16:colId xmlns:a16="http://schemas.microsoft.com/office/drawing/2014/main" val="4012716525"/>
+                    </a:ext>
+                  </a:extLst>
+                </a:gridCol>
+                <a:gridCol w="890214">
+                  <a:extLst>
+                    <a:ext uri="{9D8B030D-6E8A-4147-A177-3AD203B41FA5}">
+                      <a16:colId xmlns:a16="http://schemas.microsoft.com/office/drawing/2014/main" val="3635152842"/>
+                    </a:ext>
+                  </a:extLst>
+                </a:gridCol>
+                <a:gridCol w="890214">
+                  <a:extLst>
+                    <a:ext uri="{9D8B030D-6E8A-4147-A177-3AD203B41FA5}">
+                      <a16:colId xmlns:a16="http://schemas.microsoft.com/office/drawing/2014/main" val="1376262311"/>
+                    </a:ext>
+                  </a:extLst>
+                </a:gridCol>
+                <a:gridCol w="890214">
+                  <a:extLst>
+                    <a:ext uri="{9D8B030D-6E8A-4147-A177-3AD203B41FA5}">
+                      <a16:colId xmlns:a16="http://schemas.microsoft.com/office/drawing/2014/main" val="1171847317"/>
+                    </a:ext>
+                  </a:extLst>
+                </a:gridCol>
+              </a:tblGrid>
+              <a:tr h="886229">
+                <a:tc>
+                  <a:txBody>
+                    <a:bodyPr/>
+                    <a:lstStyle/>
+                    <a:p>
+                      <a:pPr algn="ctr"/>
+                      <a:endParaRPr lang="zh-TW" altLang="en-US" sz="3000" dirty="0">
+                        <a:latin typeface="Hiragino Sans CNS W3" panose="020B0300000000000000" pitchFamily="34" charset="-128"/>
+                        <a:ea typeface="Hiragino Sans CNS W3" panose="020B0300000000000000" pitchFamily="34" charset="-128"/>
+                      </a:endParaRPr>
+                    </a:p>
+                  </a:txBody>
+                  <a:tcPr marL="99361" marR="99361" marT="49681" marB="49681" anchor="ctr"/>
+                </a:tc>
+                <a:tc>
+                  <a:txBody>
+                    <a:bodyPr/>
+                    <a:lstStyle/>
+                    <a:p>
+                      <a:pPr algn="ctr"/>
+                      <a:endParaRPr lang="zh-TW" altLang="en-US" sz="3000" dirty="0">
+                        <a:latin typeface="Hiragino Sans CNS W3" panose="020B0300000000000000" pitchFamily="34" charset="-128"/>
+                        <a:ea typeface="Hiragino Sans CNS W3" panose="020B0300000000000000" pitchFamily="34" charset="-128"/>
+                      </a:endParaRPr>
+                    </a:p>
+                  </a:txBody>
+                  <a:tcPr marL="99361" marR="99361" marT="49681" marB="49681" anchor="ctr"/>
+                </a:tc>
+                <a:tc>
+                  <a:txBody>
+                    <a:bodyPr/>
+                    <a:lstStyle/>
+                    <a:p>
+                      <a:pPr algn="ctr"/>
+                      <a:endParaRPr lang="zh-TW" altLang="en-US" sz="3000" dirty="0">
+                        <a:latin typeface="Hiragino Sans CNS W3" panose="020B0300000000000000" pitchFamily="34" charset="-128"/>
+                        <a:ea typeface="Hiragino Sans CNS W3" panose="020B0300000000000000" pitchFamily="34" charset="-128"/>
+                      </a:endParaRPr>
+                    </a:p>
+                  </a:txBody>
+                  <a:tcPr marL="99361" marR="99361" marT="49681" marB="49681" anchor="ctr"/>
+                </a:tc>
+                <a:tc>
+                  <a:txBody>
+                    <a:bodyPr/>
+                    <a:lstStyle/>
+                    <a:p>
+                      <a:pPr algn="ctr"/>
+                      <a:endParaRPr lang="zh-TW" altLang="en-US" sz="3000" dirty="0">
+                        <a:latin typeface="Hiragino Sans CNS W3" panose="020B0300000000000000" pitchFamily="34" charset="-128"/>
+                        <a:ea typeface="Hiragino Sans CNS W3" panose="020B0300000000000000" pitchFamily="34" charset="-128"/>
+                      </a:endParaRPr>
+                    </a:p>
+                  </a:txBody>
+                  <a:tcPr marL="99361" marR="99361" marT="49681" marB="49681" anchor="ctr"/>
+                </a:tc>
+                <a:tc>
+                  <a:txBody>
+                    <a:bodyPr/>
+                    <a:lstStyle/>
+                    <a:p>
+                      <a:pPr algn="ctr"/>
+                      <a:endParaRPr lang="zh-TW" altLang="en-US" sz="3000" dirty="0">
+                        <a:latin typeface="Hiragino Sans CNS W3" panose="020B0300000000000000" pitchFamily="34" charset="-128"/>
+                        <a:ea typeface="Hiragino Sans CNS W3" panose="020B0300000000000000" pitchFamily="34" charset="-128"/>
+                      </a:endParaRPr>
+                    </a:p>
+                  </a:txBody>
+                  <a:tcPr marL="99361" marR="99361" marT="49681" marB="49681" anchor="ctr"/>
+                </a:tc>
+                <a:extLst>
+                  <a:ext uri="{0D108BD9-81ED-4DB2-BD59-A6C34878D82A}">
+                    <a16:rowId xmlns:a16="http://schemas.microsoft.com/office/drawing/2014/main" val="3063813678"/>
+                  </a:ext>
+                </a:extLst>
+              </a:tr>
+              <a:tr h="886229">
+                <a:tc>
+                  <a:txBody>
+                    <a:bodyPr/>
+                    <a:lstStyle/>
+                    <a:p>
+                      <a:pPr algn="ctr"/>
+                      <a:endParaRPr lang="zh-TW" altLang="en-US" sz="3000" dirty="0">
+                        <a:latin typeface="Hiragino Sans CNS W3" panose="020B0300000000000000" pitchFamily="34" charset="-128"/>
+                        <a:ea typeface="Hiragino Sans CNS W3" panose="020B0300000000000000" pitchFamily="34" charset="-128"/>
+                      </a:endParaRPr>
+                    </a:p>
+                  </a:txBody>
+                  <a:tcPr marL="99361" marR="99361" marT="49681" marB="49681" anchor="ctr"/>
+                </a:tc>
+                <a:tc>
+                  <a:txBody>
+                    <a:bodyPr/>
+                    <a:lstStyle/>
+                    <a:p>
+                      <a:pPr algn="ctr"/>
+                      <a:r>
+                        <a:rPr lang="en-US" altLang="zh-TW" sz="3000" dirty="0">
+                          <a:latin typeface="Hiragino Sans CNS W3" panose="020B0300000000000000" pitchFamily="34" charset="-128"/>
+                          <a:ea typeface="Hiragino Sans CNS W3" panose="020B0300000000000000" pitchFamily="34" charset="-128"/>
+                        </a:rPr>
+                        <a:t>X</a:t>
+                      </a:r>
+                      <a:endParaRPr lang="zh-TW" altLang="en-US" sz="3000" dirty="0">
+                        <a:latin typeface="Hiragino Sans CNS W3" panose="020B0300000000000000" pitchFamily="34" charset="-128"/>
+                        <a:ea typeface="Hiragino Sans CNS W3" panose="020B0300000000000000" pitchFamily="34" charset="-128"/>
+                      </a:endParaRPr>
+                    </a:p>
+                  </a:txBody>
+                  <a:tcPr marL="99361" marR="99361" marT="49681" marB="49681" anchor="ctr">
+                    <a:solidFill>
+                      <a:schemeClr val="accent2"/>
+                    </a:solidFill>
+                  </a:tcPr>
+                </a:tc>
+                <a:tc>
+                  <a:txBody>
+                    <a:bodyPr/>
+                    <a:lstStyle/>
+                    <a:p>
+                      <a:pPr algn="ctr"/>
+                      <a:endParaRPr lang="zh-TW" altLang="en-US" sz="3000" dirty="0">
+                        <a:latin typeface="Hiragino Sans CNS W3" panose="020B0300000000000000" pitchFamily="34" charset="-128"/>
+                        <a:ea typeface="Hiragino Sans CNS W3" panose="020B0300000000000000" pitchFamily="34" charset="-128"/>
+                      </a:endParaRPr>
+                    </a:p>
+                  </a:txBody>
+                  <a:tcPr marL="99361" marR="99361" marT="49681" marB="49681" anchor="ctr"/>
+                </a:tc>
+                <a:tc>
+                  <a:txBody>
+                    <a:bodyPr/>
+                    <a:lstStyle/>
+                    <a:p>
+                      <a:pPr algn="ctr"/>
+                      <a:endParaRPr lang="zh-TW" altLang="en-US" sz="3000" dirty="0">
+                        <a:latin typeface="Hiragino Sans CNS W3" panose="020B0300000000000000" pitchFamily="34" charset="-128"/>
+                        <a:ea typeface="Hiragino Sans CNS W3" panose="020B0300000000000000" pitchFamily="34" charset="-128"/>
+                      </a:endParaRPr>
+                    </a:p>
+                  </a:txBody>
+                  <a:tcPr marL="99361" marR="99361" marT="49681" marB="49681" anchor="ctr"/>
+                </a:tc>
+                <a:tc>
+                  <a:txBody>
+                    <a:bodyPr/>
+                    <a:lstStyle/>
+                    <a:p>
+                      <a:pPr algn="ctr"/>
+                      <a:endParaRPr lang="zh-TW" altLang="en-US" sz="3000" dirty="0">
+                        <a:latin typeface="Hiragino Sans CNS W3" panose="020B0300000000000000" pitchFamily="34" charset="-128"/>
+                        <a:ea typeface="Hiragino Sans CNS W3" panose="020B0300000000000000" pitchFamily="34" charset="-128"/>
+                      </a:endParaRPr>
+                    </a:p>
+                  </a:txBody>
+                  <a:tcPr marL="99361" marR="99361" marT="49681" marB="49681" anchor="ctr"/>
+                </a:tc>
+                <a:extLst>
+                  <a:ext uri="{0D108BD9-81ED-4DB2-BD59-A6C34878D82A}">
+                    <a16:rowId xmlns:a16="http://schemas.microsoft.com/office/drawing/2014/main" val="729469909"/>
+                  </a:ext>
+                </a:extLst>
+              </a:tr>
+              <a:tr h="886229">
+                <a:tc>
+                  <a:txBody>
+                    <a:bodyPr/>
+                    <a:lstStyle/>
+                    <a:p>
+                      <a:pPr algn="ctr"/>
+                      <a:endParaRPr lang="zh-TW" altLang="en-US" sz="3000" dirty="0">
+                        <a:latin typeface="Hiragino Sans CNS W3" panose="020B0300000000000000" pitchFamily="34" charset="-128"/>
+                        <a:ea typeface="Hiragino Sans CNS W3" panose="020B0300000000000000" pitchFamily="34" charset="-128"/>
+                      </a:endParaRPr>
+                    </a:p>
+                  </a:txBody>
+                  <a:tcPr marL="99361" marR="99361" marT="49681" marB="49681" anchor="ctr"/>
+                </a:tc>
+                <a:tc>
+                  <a:txBody>
+                    <a:bodyPr/>
+                    <a:lstStyle/>
+                    <a:p>
+                      <a:pPr algn="ctr"/>
+                      <a:endParaRPr lang="zh-TW" altLang="en-US" sz="3000" dirty="0">
+                        <a:latin typeface="Hiragino Sans CNS W3" panose="020B0300000000000000" pitchFamily="34" charset="-128"/>
+                        <a:ea typeface="Hiragino Sans CNS W3" panose="020B0300000000000000" pitchFamily="34" charset="-128"/>
+                      </a:endParaRPr>
+                    </a:p>
+                  </a:txBody>
+                  <a:tcPr marL="99361" marR="99361" marT="49681" marB="49681" anchor="ctr"/>
+                </a:tc>
+                <a:tc>
+                  <a:txBody>
+                    <a:bodyPr/>
+                    <a:lstStyle/>
+                    <a:p>
+                      <a:pPr algn="ctr"/>
+                      <a:endParaRPr lang="zh-TW" altLang="en-US" sz="3000" dirty="0">
+                        <a:latin typeface="Hiragino Sans CNS W3" panose="020B0300000000000000" pitchFamily="34" charset="-128"/>
+                        <a:ea typeface="Hiragino Sans CNS W3" panose="020B0300000000000000" pitchFamily="34" charset="-128"/>
+                      </a:endParaRPr>
+                    </a:p>
+                  </a:txBody>
+                  <a:tcPr marL="99361" marR="99361" marT="49681" marB="49681" anchor="ctr"/>
+                </a:tc>
+                <a:tc>
+                  <a:txBody>
+                    <a:bodyPr/>
+                    <a:lstStyle/>
+                    <a:p>
+                      <a:pPr algn="ctr"/>
+                      <a:endParaRPr lang="zh-TW" altLang="en-US" sz="3000" dirty="0">
+                        <a:latin typeface="Hiragino Sans CNS W3" panose="020B0300000000000000" pitchFamily="34" charset="-128"/>
+                        <a:ea typeface="Hiragino Sans CNS W3" panose="020B0300000000000000" pitchFamily="34" charset="-128"/>
+                      </a:endParaRPr>
+                    </a:p>
+                  </a:txBody>
+                  <a:tcPr marL="99361" marR="99361" marT="49681" marB="49681" anchor="ctr"/>
+                </a:tc>
+                <a:tc>
+                  <a:txBody>
+                    <a:bodyPr/>
+                    <a:lstStyle/>
+                    <a:p>
+                      <a:pPr algn="ctr"/>
+                      <a:endParaRPr lang="zh-TW" altLang="en-US" sz="3000" dirty="0">
+                        <a:latin typeface="Hiragino Sans CNS W3" panose="020B0300000000000000" pitchFamily="34" charset="-128"/>
+                        <a:ea typeface="Hiragino Sans CNS W3" panose="020B0300000000000000" pitchFamily="34" charset="-128"/>
+                      </a:endParaRPr>
+                    </a:p>
+                  </a:txBody>
+                  <a:tcPr marL="99361" marR="99361" marT="49681" marB="49681" anchor="ctr"/>
+                </a:tc>
+                <a:extLst>
+                  <a:ext uri="{0D108BD9-81ED-4DB2-BD59-A6C34878D82A}">
+                    <a16:rowId xmlns:a16="http://schemas.microsoft.com/office/drawing/2014/main" val="1632199547"/>
+                  </a:ext>
+                </a:extLst>
+              </a:tr>
+              <a:tr h="886229">
+                <a:tc>
+                  <a:txBody>
+                    <a:bodyPr/>
+                    <a:lstStyle/>
+                    <a:p>
+                      <a:pPr algn="ctr"/>
+                      <a:endParaRPr lang="zh-TW" altLang="en-US" sz="3000" dirty="0">
+                        <a:latin typeface="Hiragino Sans CNS W3" panose="020B0300000000000000" pitchFamily="34" charset="-128"/>
+                        <a:ea typeface="Hiragino Sans CNS W3" panose="020B0300000000000000" pitchFamily="34" charset="-128"/>
+                      </a:endParaRPr>
+                    </a:p>
+                  </a:txBody>
+                  <a:tcPr marL="99361" marR="99361" marT="49681" marB="49681" anchor="ctr"/>
+                </a:tc>
+                <a:tc>
+                  <a:txBody>
+                    <a:bodyPr/>
+                    <a:lstStyle/>
+                    <a:p>
+                      <a:pPr algn="ctr"/>
+                      <a:endParaRPr lang="zh-TW" altLang="en-US" sz="3000" dirty="0">
+                        <a:latin typeface="Hiragino Sans CNS W3" panose="020B0300000000000000" pitchFamily="34" charset="-128"/>
+                        <a:ea typeface="Hiragino Sans CNS W3" panose="020B0300000000000000" pitchFamily="34" charset="-128"/>
+                      </a:endParaRPr>
+                    </a:p>
+                  </a:txBody>
+                  <a:tcPr marL="99361" marR="99361" marT="49681" marB="49681" anchor="ctr"/>
+                </a:tc>
+                <a:tc>
+                  <a:txBody>
+                    <a:bodyPr/>
+                    <a:lstStyle/>
+                    <a:p>
+                      <a:pPr algn="ctr"/>
+                      <a:endParaRPr lang="zh-TW" altLang="en-US" sz="3000" dirty="0">
+                        <a:latin typeface="Hiragino Sans CNS W3" panose="020B0300000000000000" pitchFamily="34" charset="-128"/>
+                        <a:ea typeface="Hiragino Sans CNS W3" panose="020B0300000000000000" pitchFamily="34" charset="-128"/>
+                      </a:endParaRPr>
+                    </a:p>
+                  </a:txBody>
+                  <a:tcPr marL="99361" marR="99361" marT="49681" marB="49681" anchor="ctr"/>
+                </a:tc>
+                <a:tc>
+                  <a:txBody>
+                    <a:bodyPr/>
+                    <a:lstStyle/>
+                    <a:p>
+                      <a:pPr algn="ctr"/>
+                      <a:endParaRPr lang="zh-TW" altLang="en-US" sz="3000" dirty="0">
+                        <a:latin typeface="Hiragino Sans CNS W3" panose="020B0300000000000000" pitchFamily="34" charset="-128"/>
+                        <a:ea typeface="Hiragino Sans CNS W3" panose="020B0300000000000000" pitchFamily="34" charset="-128"/>
+                      </a:endParaRPr>
+                    </a:p>
+                  </a:txBody>
+                  <a:tcPr marL="99361" marR="99361" marT="49681" marB="49681" anchor="ctr"/>
+                </a:tc>
+                <a:tc>
+                  <a:txBody>
+                    <a:bodyPr/>
+                    <a:lstStyle/>
+                    <a:p>
+                      <a:pPr algn="ctr"/>
+                      <a:endParaRPr lang="zh-TW" altLang="en-US" sz="3000" dirty="0">
+                        <a:latin typeface="Hiragino Sans CNS W3" panose="020B0300000000000000" pitchFamily="34" charset="-128"/>
+                        <a:ea typeface="Hiragino Sans CNS W3" panose="020B0300000000000000" pitchFamily="34" charset="-128"/>
+                      </a:endParaRPr>
+                    </a:p>
+                  </a:txBody>
+                  <a:tcPr marL="99361" marR="99361" marT="49681" marB="49681" anchor="ctr"/>
+                </a:tc>
+                <a:extLst>
+                  <a:ext uri="{0D108BD9-81ED-4DB2-BD59-A6C34878D82A}">
+                    <a16:rowId xmlns:a16="http://schemas.microsoft.com/office/drawing/2014/main" val="1783147424"/>
+                  </a:ext>
+                </a:extLst>
+              </a:tr>
+              <a:tr h="886229">
+                <a:tc>
+                  <a:txBody>
+                    <a:bodyPr/>
+                    <a:lstStyle/>
+                    <a:p>
+                      <a:pPr algn="ctr"/>
+                      <a:endParaRPr lang="zh-TW" altLang="en-US" sz="3000" dirty="0">
+                        <a:latin typeface="Hiragino Sans CNS W3" panose="020B0300000000000000" pitchFamily="34" charset="-128"/>
+                        <a:ea typeface="Hiragino Sans CNS W3" panose="020B0300000000000000" pitchFamily="34" charset="-128"/>
+                      </a:endParaRPr>
+                    </a:p>
+                  </a:txBody>
+                  <a:tcPr marL="99361" marR="99361" marT="49681" marB="49681" anchor="ctr"/>
+                </a:tc>
+                <a:tc>
+                  <a:txBody>
+                    <a:bodyPr/>
+                    <a:lstStyle/>
+                    <a:p>
+                      <a:pPr algn="ctr"/>
+                      <a:endParaRPr lang="zh-TW" altLang="en-US" sz="3000" dirty="0">
+                        <a:latin typeface="Hiragino Sans CNS W3" panose="020B0300000000000000" pitchFamily="34" charset="-128"/>
+                        <a:ea typeface="Hiragino Sans CNS W3" panose="020B0300000000000000" pitchFamily="34" charset="-128"/>
+                      </a:endParaRPr>
+                    </a:p>
+                  </a:txBody>
+                  <a:tcPr marL="99361" marR="99361" marT="49681" marB="49681" anchor="ctr"/>
+                </a:tc>
+                <a:tc>
+                  <a:txBody>
+                    <a:bodyPr/>
+                    <a:lstStyle/>
+                    <a:p>
+                      <a:pPr algn="ctr"/>
+                      <a:endParaRPr lang="zh-TW" altLang="en-US" sz="3000" dirty="0">
+                        <a:latin typeface="Hiragino Sans CNS W3" panose="020B0300000000000000" pitchFamily="34" charset="-128"/>
+                        <a:ea typeface="Hiragino Sans CNS W3" panose="020B0300000000000000" pitchFamily="34" charset="-128"/>
+                      </a:endParaRPr>
+                    </a:p>
+                  </a:txBody>
+                  <a:tcPr marL="99361" marR="99361" marT="49681" marB="49681" anchor="ctr"/>
+                </a:tc>
+                <a:tc>
+                  <a:txBody>
+                    <a:bodyPr/>
+                    <a:lstStyle/>
+                    <a:p>
+                      <a:pPr algn="ctr"/>
+                      <a:endParaRPr lang="zh-TW" altLang="en-US" sz="3000" dirty="0">
+                        <a:latin typeface="Hiragino Sans CNS W3" panose="020B0300000000000000" pitchFamily="34" charset="-128"/>
+                        <a:ea typeface="Hiragino Sans CNS W3" panose="020B0300000000000000" pitchFamily="34" charset="-128"/>
+                      </a:endParaRPr>
+                    </a:p>
+                  </a:txBody>
+                  <a:tcPr marL="99361" marR="99361" marT="49681" marB="49681" anchor="ctr"/>
+                </a:tc>
+                <a:tc>
+                  <a:txBody>
+                    <a:bodyPr/>
+                    <a:lstStyle/>
+                    <a:p>
+                      <a:pPr algn="ctr"/>
+                      <a:endParaRPr lang="zh-TW" altLang="en-US" sz="3000" dirty="0">
+                        <a:latin typeface="Hiragino Sans CNS W3" panose="020B0300000000000000" pitchFamily="34" charset="-128"/>
+                        <a:ea typeface="Hiragino Sans CNS W3" panose="020B0300000000000000" pitchFamily="34" charset="-128"/>
+                      </a:endParaRPr>
+                    </a:p>
+                  </a:txBody>
+                  <a:tcPr marL="99361" marR="99361" marT="49681" marB="49681" anchor="ctr"/>
+                </a:tc>
+                <a:extLst>
+                  <a:ext uri="{0D108BD9-81ED-4DB2-BD59-A6C34878D82A}">
+                    <a16:rowId xmlns:a16="http://schemas.microsoft.com/office/drawing/2014/main" val="3144180348"/>
+                  </a:ext>
+                </a:extLst>
+              </a:tr>
+            </a:tbl>
+          </a:graphicData>
+        </a:graphic>
+      </p:graphicFrame>
+      <p:sp>
+        <p:nvSpPr>
+          <p:cNvPr id="3" name="文字方塊 2">
+            <a:extLst>
+              <a:ext uri="{FF2B5EF4-FFF2-40B4-BE49-F238E27FC236}">
+                <a16:creationId xmlns:a16="http://schemas.microsoft.com/office/drawing/2014/main" id="{C9F2FBF5-518F-B24F-A3C0-8857178E284F}"/>
+              </a:ext>
+            </a:extLst>
+          </p:cNvPr>
+          <p:cNvSpPr txBox="1"/>
+          <p:nvPr/>
+        </p:nvSpPr>
+        <p:spPr>
+          <a:xfrm>
+            <a:off x="744582" y="6231265"/>
+            <a:ext cx="2015295" cy="523220"/>
+          </a:xfrm>
+          <a:prstGeom prst="rect">
+            <a:avLst/>
+          </a:prstGeom>
+          <a:noFill/>
+        </p:spPr>
+        <p:txBody>
+          <a:bodyPr wrap="none" rtlCol="0">
+            <a:spAutoFit/>
+          </a:bodyPr>
+          <a:lstStyle/>
+          <a:p>
+            <a:r>
+              <a:rPr kumimoji="1" lang="en-US" altLang="zh-TW" sz="2800" dirty="0"/>
+              <a:t>Queue: [1,0]</a:t>
+            </a:r>
+            <a:endParaRPr kumimoji="1" lang="zh-TW" altLang="en-US" sz="2800" dirty="0"/>
+          </a:p>
+        </p:txBody>
+      </p:sp>
+    </p:spTree>
+    <p:extLst>
+      <p:ext uri="{BB962C8B-B14F-4D97-AF65-F5344CB8AC3E}">
+        <p14:creationId xmlns:p14="http://schemas.microsoft.com/office/powerpoint/2010/main" val="1660394919"/>
       </p:ext>
     </p:extLst>
   </p:cSld>
